--- a/Soutenance.pptx
+++ b/Soutenance.pptx
@@ -5,7 +5,12 @@
     <p:sldMasterId id="2147483648" r:id="rId1"/>
   </p:sldMasterIdLst>
   <p:sldIdLst>
-    <p:sldId id="256" r:id="rId2"/>
+    <p:sldId id="258" r:id="rId2"/>
+    <p:sldId id="257" r:id="rId3"/>
+    <p:sldId id="259" r:id="rId4"/>
+    <p:sldId id="260" r:id="rId5"/>
+    <p:sldId id="261" r:id="rId6"/>
+    <p:sldId id="262" r:id="rId7"/>
   </p:sldIdLst>
   <p:sldSz cx="12192000" cy="6858000"/>
   <p:notesSz cx="6858000" cy="9144000"/>
@@ -110,6 +115,18 @@
     </p:ext>
   </p:extLst>
 </p:presentation>
+</file>
+
+<file path=ppt/commentAuthors.xml><?xml version="1.0" encoding="utf-8"?>
+<p:cmAuthorLst xmlns:a="http://schemas.openxmlformats.org/drawingml/2006/main" xmlns:r="http://schemas.openxmlformats.org/officeDocument/2006/relationships" xmlns:p="http://schemas.openxmlformats.org/presentationml/2006/main">
+  <p:cmAuthor id="1" name="BERGAMINI Nathan" initials="BN" lastIdx="2" clrIdx="0">
+    <p:extLst>
+      <p:ext uri="{19B8F6BF-5375-455C-9EA6-DF929625EA0E}">
+        <p15:presenceInfo xmlns:p15="http://schemas.microsoft.com/office/powerpoint/2012/main" userId="BERGAMINI Nathan" providerId="None"/>
+      </p:ext>
+    </p:extLst>
+  </p:cmAuthor>
+</p:cmAuthorLst>
 </file>
 
 <file path=ppt/changesInfos/changesInfo1.xml><?xml version="1.0" encoding="utf-8"?>
@@ -3032,50 +3049,494 @@
       </p:grpSpPr>
       <p:sp>
         <p:nvSpPr>
-          <p:cNvPr id="2" name="Titre 1"/>
-          <p:cNvSpPr>
-            <a:spLocks noGrp="1"/>
-          </p:cNvSpPr>
-          <p:nvPr>
-            <p:ph type="ctrTitle"/>
+          <p:cNvPr id="15" name="Rectangle 12">
+            <a:extLst>
+              <a:ext uri="{FF2B5EF4-FFF2-40B4-BE49-F238E27FC236}">
+                <a16:creationId xmlns:a16="http://schemas.microsoft.com/office/drawing/2014/main" id="{867D4867-5BA7-4462-B2F6-A23F4A622AA7}"/>
+              </a:ext>
+              <a:ext uri="{C183D7F6-B498-43B3-948B-1728B52AA6E4}">
+                <adec:decorative xmlns:adec="http://schemas.microsoft.com/office/drawing/2017/decorative" val="1"/>
+              </a:ext>
+            </a:extLst>
+          </p:cNvPr>
+          <p:cNvSpPr>
+            <a:spLocks noGrp="1" noRot="1" noChangeAspect="1" noMove="1" noResize="1" noEditPoints="1" noAdjustHandles="1" noChangeArrowheads="1" noChangeShapeType="1" noTextEdit="1"/>
+          </p:cNvSpPr>
+          <p:nvPr>
+            <p:extLst>
+              <p:ext uri="{386F3935-93C4-4BCD-93E2-E3B085C9AB24}">
+                <p16:designElem xmlns:p16="http://schemas.microsoft.com/office/powerpoint/2015/main" val="1"/>
+              </p:ext>
+            </p:extLst>
           </p:nvPr>
         </p:nvSpPr>
         <p:spPr>
           <a:xfrm>
-            <a:off x="550367" y="5111300"/>
-            <a:ext cx="10989654" cy="1264588"/>
+            <a:off x="0" y="0"/>
+            <a:ext cx="4654296" cy="6858000"/>
+          </a:xfrm>
+          <a:prstGeom prst="rect">
+            <a:avLst/>
+          </a:prstGeom>
+          <a:solidFill>
+            <a:schemeClr val="tx1">
+              <a:lumMod val="75000"/>
+              <a:lumOff val="25000"/>
+            </a:schemeClr>
+          </a:solidFill>
+          <a:ln>
+            <a:noFill/>
+          </a:ln>
+        </p:spPr>
+        <p:style>
+          <a:lnRef idx="0">
+            <a:scrgbClr r="0" g="0" b="0"/>
+          </a:lnRef>
+          <a:fillRef idx="0">
+            <a:scrgbClr r="0" g="0" b="0"/>
+          </a:fillRef>
+          <a:effectRef idx="0">
+            <a:scrgbClr r="0" g="0" b="0"/>
+          </a:effectRef>
+          <a:fontRef idx="minor">
+            <a:schemeClr val="lt1"/>
+          </a:fontRef>
+        </p:style>
+        <p:txBody>
+          <a:bodyPr rtlCol="0" anchor="ctr"/>
+          <a:lstStyle/>
+          <a:p>
+            <a:pPr algn="ctr"/>
+            <a:endParaRPr lang="en-US"/>
+          </a:p>
+        </p:txBody>
+      </p:sp>
+      <p:sp>
+        <p:nvSpPr>
+          <p:cNvPr id="2" name="Titre 1">
+            <a:extLst>
+              <a:ext uri="{FF2B5EF4-FFF2-40B4-BE49-F238E27FC236}">
+                <a16:creationId xmlns:a16="http://schemas.microsoft.com/office/drawing/2014/main" id="{3549F3D4-5B77-43B7-8841-0F37AB9F7F9D}"/>
+              </a:ext>
+            </a:extLst>
+          </p:cNvPr>
+          <p:cNvSpPr>
+            <a:spLocks noGrp="1"/>
+          </p:cNvSpPr>
+          <p:nvPr>
+            <p:ph type="title"/>
+          </p:nvPr>
+        </p:nvSpPr>
+        <p:spPr>
+          <a:xfrm>
+            <a:off x="643468" y="2630342"/>
+            <a:ext cx="3363974" cy="1597315"/>
+          </a:xfrm>
+          <a:noFill/>
+          <a:ln w="19050">
+            <a:solidFill>
+              <a:schemeClr val="bg1"/>
+            </a:solidFill>
+          </a:ln>
+        </p:spPr>
+        <p:txBody>
+          <a:bodyPr wrap="square">
+            <a:normAutofit/>
+          </a:bodyPr>
+          <a:lstStyle/>
+          <a:p>
+            <a:pPr algn="ctr"/>
+            <a:r>
+              <a:rPr lang="fr-FR" sz="2800" dirty="0">
+                <a:solidFill>
+                  <a:schemeClr val="bg1"/>
+                </a:solidFill>
+                <a:latin typeface="Arial" panose="020B0604020202020204" pitchFamily="34" charset="0"/>
+                <a:cs typeface="Arial" panose="020B0604020202020204" pitchFamily="34" charset="0"/>
+              </a:rPr>
+              <a:t>SOUTENANCE</a:t>
+            </a:r>
+          </a:p>
+        </p:txBody>
+      </p:sp>
+      <p:pic>
+        <p:nvPicPr>
+          <p:cNvPr id="17" name="Espace réservé du contenu 4">
+            <a:extLst>
+              <a:ext uri="{FF2B5EF4-FFF2-40B4-BE49-F238E27FC236}">
+                <a16:creationId xmlns:a16="http://schemas.microsoft.com/office/drawing/2014/main" id="{F9E0D3B9-2820-400E-B1F8-6D5B2449BDAB}"/>
+              </a:ext>
+            </a:extLst>
+          </p:cNvPr>
+          <p:cNvPicPr>
+            <a:picLocks noChangeAspect="1"/>
+          </p:cNvPicPr>
+          <p:nvPr/>
+        </p:nvPicPr>
+        <p:blipFill>
+          <a:blip r:embed="rId2">
+            <a:extLst>
+              <a:ext uri="{28A0092B-C50C-407E-A947-70E740481C1C}">
+                <a14:useLocalDpi xmlns:a14="http://schemas.microsoft.com/office/drawing/2010/main" val="0"/>
+              </a:ext>
+            </a:extLst>
+          </a:blip>
+          <a:stretch>
+            <a:fillRect/>
+          </a:stretch>
+        </p:blipFill>
+        <p:spPr>
+          <a:xfrm>
+            <a:off x="5297763" y="1137357"/>
+            <a:ext cx="6250769" cy="4422418"/>
+          </a:xfrm>
+          <a:prstGeom prst="rect">
+            <a:avLst/>
+          </a:prstGeom>
+        </p:spPr>
+      </p:pic>
+    </p:spTree>
+    <p:extLst>
+      <p:ext uri="{BB962C8B-B14F-4D97-AF65-F5344CB8AC3E}">
+        <p14:creationId xmlns:p14="http://schemas.microsoft.com/office/powerpoint/2010/main" val="2560375975"/>
+      </p:ext>
+    </p:extLst>
+  </p:cSld>
+  <p:clrMapOvr>
+    <a:masterClrMapping/>
+  </p:clrMapOvr>
+</p:sld>
+</file>
+
+<file path=ppt/slides/slide2.xml><?xml version="1.0" encoding="utf-8"?>
+<p:sld xmlns:a="http://schemas.openxmlformats.org/drawingml/2006/main" xmlns:r="http://schemas.openxmlformats.org/officeDocument/2006/relationships" xmlns:p="http://schemas.openxmlformats.org/presentationml/2006/main">
+  <p:cSld>
+    <p:bg>
+      <p:bgPr>
+        <a:solidFill>
+          <a:schemeClr val="bg1">
+            <a:tint val="95000"/>
+            <a:satMod val="170000"/>
+          </a:schemeClr>
+        </a:solidFill>
+        <a:effectLst/>
+      </p:bgPr>
+    </p:bg>
+    <p:spTree>
+      <p:nvGrpSpPr>
+        <p:cNvPr id="1" name=""/>
+        <p:cNvGrpSpPr/>
+        <p:nvPr/>
+      </p:nvGrpSpPr>
+      <p:grpSpPr>
+        <a:xfrm>
+          <a:off x="0" y="0"/>
+          <a:ext cx="0" cy="0"/>
+          <a:chOff x="0" y="0"/>
+          <a:chExt cx="0" cy="0"/>
+        </a:xfrm>
+      </p:grpSpPr>
+      <p:sp>
+        <p:nvSpPr>
+          <p:cNvPr id="14" name="Content Placeholder 13">
+            <a:extLst>
+              <a:ext uri="{FF2B5EF4-FFF2-40B4-BE49-F238E27FC236}">
+                <a16:creationId xmlns:a16="http://schemas.microsoft.com/office/drawing/2014/main" id="{4AF7CF42-2413-422C-A4B2-29DFFCDCE1BF}"/>
+              </a:ext>
+            </a:extLst>
+          </p:cNvPr>
+          <p:cNvSpPr>
+            <a:spLocks noGrp="1"/>
+          </p:cNvSpPr>
+          <p:nvPr>
+            <p:ph idx="1"/>
+          </p:nvPr>
+        </p:nvSpPr>
+        <p:spPr>
+          <a:xfrm>
+            <a:off x="805543" y="2871982"/>
+            <a:ext cx="4558309" cy="3181684"/>
           </a:xfrm>
         </p:spPr>
         <p:txBody>
-          <a:bodyPr anchor="ctr">
+          <a:bodyPr anchor="t">
             <a:normAutofit/>
           </a:bodyPr>
           <a:lstStyle/>
           <a:p>
-            <a:r>
-              <a:rPr lang="de-DE" dirty="0" err="1">
-                <a:latin typeface="Arial"/>
-                <a:cs typeface="Arial"/>
-              </a:rPr>
-              <a:t>Soutenance</a:t>
-            </a:r>
-            <a:r>
-              <a:rPr lang="de-DE" dirty="0">
-                <a:latin typeface="Arial"/>
-                <a:cs typeface="Arial"/>
-              </a:rPr>
-              <a:t> de mi-stage</a:t>
-            </a:r>
-            <a:endParaRPr lang="fr-FR"/>
+            <a:endParaRPr lang="en-US" sz="1800" dirty="0"/>
+          </a:p>
+        </p:txBody>
+      </p:sp>
+      <p:sp>
+        <p:nvSpPr>
+          <p:cNvPr id="17" name="Oval 16">
+            <a:extLst>
+              <a:ext uri="{FF2B5EF4-FFF2-40B4-BE49-F238E27FC236}">
+                <a16:creationId xmlns:a16="http://schemas.microsoft.com/office/drawing/2014/main" id="{C99A8FB7-A79B-4BC9-9D56-B79587F6AA3E}"/>
+              </a:ext>
+              <a:ext uri="{C183D7F6-B498-43B3-948B-1728B52AA6E4}">
+                <adec:decorative xmlns:adec="http://schemas.microsoft.com/office/drawing/2017/decorative" val="1"/>
+              </a:ext>
+            </a:extLst>
+          </p:cNvPr>
+          <p:cNvSpPr>
+            <a:spLocks noGrp="1" noRot="1" noChangeAspect="1" noMove="1" noResize="1" noEditPoints="1" noAdjustHandles="1" noChangeArrowheads="1" noChangeShapeType="1" noTextEdit="1"/>
+          </p:cNvSpPr>
+          <p:nvPr>
+            <p:extLst>
+              <p:ext uri="{386F3935-93C4-4BCD-93E2-E3B085C9AB24}">
+                <p16:designElem xmlns:p16="http://schemas.microsoft.com/office/powerpoint/2015/main" val="1"/>
+              </p:ext>
+            </p:extLst>
+          </p:nvPr>
+        </p:nvSpPr>
+        <p:spPr>
+          <a:xfrm>
+            <a:off x="5804761" y="2650637"/>
+            <a:ext cx="3118104" cy="3118104"/>
+          </a:xfrm>
+          <a:prstGeom prst="ellipse">
+            <a:avLst/>
+          </a:prstGeom>
+          <a:solidFill>
+            <a:srgbClr val="FFFFFF">
+              <a:alpha val="80000"/>
+            </a:srgbClr>
+          </a:solidFill>
+          <a:ln>
+            <a:noFill/>
+          </a:ln>
+        </p:spPr>
+        <p:style>
+          <a:lnRef idx="2">
+            <a:schemeClr val="accent1">
+              <a:shade val="50000"/>
+            </a:schemeClr>
+          </a:lnRef>
+          <a:fillRef idx="1">
+            <a:schemeClr val="accent1"/>
+          </a:fillRef>
+          <a:effectRef idx="0">
+            <a:schemeClr val="accent1"/>
+          </a:effectRef>
+          <a:fontRef idx="minor">
+            <a:schemeClr val="lt1"/>
+          </a:fontRef>
+        </p:style>
+        <p:txBody>
+          <a:bodyPr rtlCol="0" anchor="ctr"/>
+          <a:lstStyle/>
+          <a:p>
+            <a:pPr marL="0" marR="0" lvl="0" indent="0" algn="ctr" defTabSz="914400" rtl="0" eaLnBrk="1" fontAlgn="auto" latinLnBrk="0" hangingPunct="1">
+              <a:lnSpc>
+                <a:spcPct val="100000"/>
+              </a:lnSpc>
+              <a:spcBef>
+                <a:spcPts val="0"/>
+              </a:spcBef>
+              <a:spcAft>
+                <a:spcPts val="0"/>
+              </a:spcAft>
+              <a:buClrTx/>
+              <a:buSzTx/>
+              <a:buFontTx/>
+              <a:buNone/>
+              <a:tabLst/>
+              <a:defRPr/>
+            </a:pPr>
+            <a:endParaRPr kumimoji="0" lang="en-US" sz="1800" b="0" i="0" u="none" strike="noStrike" kern="1200" cap="none" spc="0" normalizeH="0" baseline="0" noProof="0">
+              <a:ln>
+                <a:noFill/>
+              </a:ln>
+              <a:solidFill>
+                <a:prstClr val="white"/>
+              </a:solidFill>
+              <a:effectLst/>
+              <a:uLnTx/>
+              <a:uFillTx/>
+              <a:latin typeface="Calibri" panose="020F0502020204030204"/>
+              <a:ea typeface="+mn-ea"/>
+              <a:cs typeface="+mn-cs"/>
+            </a:endParaRPr>
+          </a:p>
+        </p:txBody>
+      </p:sp>
+      <p:sp>
+        <p:nvSpPr>
+          <p:cNvPr id="19" name="Freeform: Shape 18">
+            <a:extLst>
+              <a:ext uri="{FF2B5EF4-FFF2-40B4-BE49-F238E27FC236}">
+                <a16:creationId xmlns:a16="http://schemas.microsoft.com/office/drawing/2014/main" id="{B23893E2-3349-46D7-A7AA-B9E447957FB1}"/>
+              </a:ext>
+              <a:ext uri="{C183D7F6-B498-43B3-948B-1728B52AA6E4}">
+                <adec:decorative xmlns:adec="http://schemas.microsoft.com/office/drawing/2017/decorative" val="1"/>
+              </a:ext>
+            </a:extLst>
+          </p:cNvPr>
+          <p:cNvSpPr>
+            <a:spLocks noGrp="1" noRot="1" noChangeAspect="1" noMove="1" noResize="1" noEditPoints="1" noAdjustHandles="1" noChangeArrowheads="1" noChangeShapeType="1" noTextEdit="1"/>
+          </p:cNvSpPr>
+          <p:nvPr>
+            <p:extLst>
+              <p:ext uri="{386F3935-93C4-4BCD-93E2-E3B085C9AB24}">
+                <p16:designElem xmlns:p16="http://schemas.microsoft.com/office/powerpoint/2015/main" val="1"/>
+              </p:ext>
+            </p:extLst>
+          </p:nvPr>
+        </p:nvSpPr>
+        <p:spPr>
+          <a:xfrm>
+            <a:off x="7996859" y="0"/>
+            <a:ext cx="4198060" cy="3650200"/>
+          </a:xfrm>
+          <a:custGeom>
+            <a:avLst/>
+            <a:gdLst>
+              <a:gd name="connsiteX0" fmla="*/ 262846 w 4198060"/>
+              <a:gd name="connsiteY0" fmla="*/ 0 h 3650200"/>
+              <a:gd name="connsiteX1" fmla="*/ 4198060 w 4198060"/>
+              <a:gd name="connsiteY1" fmla="*/ 0 h 3650200"/>
+              <a:gd name="connsiteX2" fmla="*/ 4198060 w 4198060"/>
+              <a:gd name="connsiteY2" fmla="*/ 3021648 h 3650200"/>
+              <a:gd name="connsiteX3" fmla="*/ 4142653 w 4198060"/>
+              <a:gd name="connsiteY3" fmla="*/ 3072005 h 3650200"/>
+              <a:gd name="connsiteX4" fmla="*/ 2532040 w 4198060"/>
+              <a:gd name="connsiteY4" fmla="*/ 3650200 h 3650200"/>
+              <a:gd name="connsiteX5" fmla="*/ 0 w 4198060"/>
+              <a:gd name="connsiteY5" fmla="*/ 1118160 h 3650200"/>
+              <a:gd name="connsiteX6" fmla="*/ 198981 w 4198060"/>
+              <a:gd name="connsiteY6" fmla="*/ 132576 h 3650200"/>
+            </a:gdLst>
+            <a:ahLst/>
+            <a:cxnLst>
+              <a:cxn ang="0">
+                <a:pos x="connsiteX0" y="connsiteY0"/>
+              </a:cxn>
+              <a:cxn ang="0">
+                <a:pos x="connsiteX1" y="connsiteY1"/>
+              </a:cxn>
+              <a:cxn ang="0">
+                <a:pos x="connsiteX2" y="connsiteY2"/>
+              </a:cxn>
+              <a:cxn ang="0">
+                <a:pos x="connsiteX3" y="connsiteY3"/>
+              </a:cxn>
+              <a:cxn ang="0">
+                <a:pos x="connsiteX4" y="connsiteY4"/>
+              </a:cxn>
+              <a:cxn ang="0">
+                <a:pos x="connsiteX5" y="connsiteY5"/>
+              </a:cxn>
+              <a:cxn ang="0">
+                <a:pos x="connsiteX6" y="connsiteY6"/>
+              </a:cxn>
+            </a:cxnLst>
+            <a:rect l="l" t="t" r="r" b="b"/>
+            <a:pathLst>
+              <a:path w="4198060" h="3650200">
+                <a:moveTo>
+                  <a:pt x="262846" y="0"/>
+                </a:moveTo>
+                <a:lnTo>
+                  <a:pt x="4198060" y="0"/>
+                </a:lnTo>
+                <a:lnTo>
+                  <a:pt x="4198060" y="3021648"/>
+                </a:lnTo>
+                <a:lnTo>
+                  <a:pt x="4142653" y="3072005"/>
+                </a:lnTo>
+                <a:cubicBezTo>
+                  <a:pt x="3704967" y="3433216"/>
+                  <a:pt x="3143843" y="3650200"/>
+                  <a:pt x="2532040" y="3650200"/>
+                </a:cubicBezTo>
+                <a:cubicBezTo>
+                  <a:pt x="1133633" y="3650200"/>
+                  <a:pt x="0" y="2516567"/>
+                  <a:pt x="0" y="1118160"/>
+                </a:cubicBezTo>
+                <a:cubicBezTo>
+                  <a:pt x="0" y="768558"/>
+                  <a:pt x="70852" y="435505"/>
+                  <a:pt x="198981" y="132576"/>
+                </a:cubicBezTo>
+                <a:close/>
+              </a:path>
+            </a:pathLst>
+          </a:custGeom>
+          <a:solidFill>
+            <a:srgbClr val="FFFFFF">
+              <a:alpha val="80000"/>
+            </a:srgbClr>
+          </a:solidFill>
+          <a:ln>
+            <a:noFill/>
+          </a:ln>
+        </p:spPr>
+        <p:style>
+          <a:lnRef idx="2">
+            <a:schemeClr val="accent1">
+              <a:shade val="50000"/>
+            </a:schemeClr>
+          </a:lnRef>
+          <a:fillRef idx="1">
+            <a:schemeClr val="accent1"/>
+          </a:fillRef>
+          <a:effectRef idx="0">
+            <a:schemeClr val="accent1"/>
+          </a:effectRef>
+          <a:fontRef idx="minor">
+            <a:schemeClr val="lt1"/>
+          </a:fontRef>
+        </p:style>
+        <p:txBody>
+          <a:bodyPr wrap="square" rtlCol="0" anchor="ctr">
+            <a:noAutofit/>
+          </a:bodyPr>
+          <a:lstStyle/>
+          <a:p>
+            <a:pPr marL="0" marR="0" lvl="0" indent="0" algn="ctr" defTabSz="914400" rtl="0" eaLnBrk="1" fontAlgn="auto" latinLnBrk="0" hangingPunct="1">
+              <a:lnSpc>
+                <a:spcPct val="100000"/>
+              </a:lnSpc>
+              <a:spcBef>
+                <a:spcPts val="0"/>
+              </a:spcBef>
+              <a:spcAft>
+                <a:spcPts val="0"/>
+              </a:spcAft>
+              <a:buClrTx/>
+              <a:buSzTx/>
+              <a:buFontTx/>
+              <a:buNone/>
+              <a:tabLst/>
+              <a:defRPr/>
+            </a:pPr>
+            <a:endParaRPr kumimoji="0" lang="en-US" sz="1800" b="0" i="0" u="none" strike="noStrike" kern="1200" cap="none" spc="0" normalizeH="0" baseline="0" noProof="0">
+              <a:ln>
+                <a:noFill/>
+              </a:ln>
+              <a:solidFill>
+                <a:prstClr val="white"/>
+              </a:solidFill>
+              <a:effectLst/>
+              <a:uLnTx/>
+              <a:uFillTx/>
+              <a:latin typeface="Calibri" panose="020F0502020204030204"/>
+              <a:ea typeface="+mn-ea"/>
+              <a:cs typeface="+mn-cs"/>
+            </a:endParaRPr>
           </a:p>
         </p:txBody>
       </p:sp>
       <p:pic>
         <p:nvPicPr>
-          <p:cNvPr id="4" name="Image 4">
+          <p:cNvPr id="7" name="Image 6">
             <a:extLst>
               <a:ext uri="{FF2B5EF4-FFF2-40B4-BE49-F238E27FC236}">
-                <a16:creationId xmlns:a16="http://schemas.microsoft.com/office/drawing/2014/main" id="{1AA945E0-7E3B-4D18-BAED-D1FB85A7DE1C}"/>
+                <a16:creationId xmlns:a16="http://schemas.microsoft.com/office/drawing/2014/main" id="{9199D297-E283-48AB-AC9A-74B6883EE6E8}"/>
               </a:ext>
             </a:extLst>
           </p:cNvPr>
@@ -3085,35 +3546,2180 @@
           <p:nvPr/>
         </p:nvPicPr>
         <p:blipFill rotWithShape="1">
-          <a:blip r:embed="rId2"/>
-          <a:srcRect r="4195" b="2"/>
+          <a:blip r:embed="rId2" cstate="print">
+            <a:extLst>
+              <a:ext uri="{28A0092B-C50C-407E-A947-70E740481C1C}">
+                <a14:useLocalDpi xmlns:a14="http://schemas.microsoft.com/office/drawing/2010/main" val="0"/>
+              </a:ext>
+            </a:extLst>
+          </a:blip>
+          <a:srcRect l="13815" r="19432" b="-4"/>
           <a:stretch/>
         </p:blipFill>
         <p:spPr>
           <a:xfrm>
-            <a:off x="-3983" y="10"/>
-            <a:ext cx="12192000" cy="4571990"/>
+            <a:off x="5969353" y="2815228"/>
+            <a:ext cx="2788920" cy="2788920"/>
+          </a:xfrm>
+          <a:custGeom>
+            <a:avLst/>
+            <a:gdLst>
+              <a:gd name="connsiteX0" fmla="*/ 1440180 w 2880360"/>
+              <a:gd name="connsiteY0" fmla="*/ 0 h 2880360"/>
+              <a:gd name="connsiteX1" fmla="*/ 2880360 w 2880360"/>
+              <a:gd name="connsiteY1" fmla="*/ 1440180 h 2880360"/>
+              <a:gd name="connsiteX2" fmla="*/ 1440180 w 2880360"/>
+              <a:gd name="connsiteY2" fmla="*/ 2880360 h 2880360"/>
+              <a:gd name="connsiteX3" fmla="*/ 0 w 2880360"/>
+              <a:gd name="connsiteY3" fmla="*/ 1440180 h 2880360"/>
+              <a:gd name="connsiteX4" fmla="*/ 1440180 w 2880360"/>
+              <a:gd name="connsiteY4" fmla="*/ 0 h 2880360"/>
+            </a:gdLst>
+            <a:ahLst/>
+            <a:cxnLst>
+              <a:cxn ang="0">
+                <a:pos x="connsiteX0" y="connsiteY0"/>
+              </a:cxn>
+              <a:cxn ang="0">
+                <a:pos x="connsiteX1" y="connsiteY1"/>
+              </a:cxn>
+              <a:cxn ang="0">
+                <a:pos x="connsiteX2" y="connsiteY2"/>
+              </a:cxn>
+              <a:cxn ang="0">
+                <a:pos x="connsiteX3" y="connsiteY3"/>
+              </a:cxn>
+              <a:cxn ang="0">
+                <a:pos x="connsiteX4" y="connsiteY4"/>
+              </a:cxn>
+            </a:cxnLst>
+            <a:rect l="l" t="t" r="r" b="b"/>
+            <a:pathLst>
+              <a:path w="2880360" h="2880360">
+                <a:moveTo>
+                  <a:pt x="1440180" y="0"/>
+                </a:moveTo>
+                <a:cubicBezTo>
+                  <a:pt x="2235569" y="0"/>
+                  <a:pt x="2880360" y="644791"/>
+                  <a:pt x="2880360" y="1440180"/>
+                </a:cubicBezTo>
+                <a:cubicBezTo>
+                  <a:pt x="2880360" y="2235569"/>
+                  <a:pt x="2235569" y="2880360"/>
+                  <a:pt x="1440180" y="2880360"/>
+                </a:cubicBezTo>
+                <a:cubicBezTo>
+                  <a:pt x="644791" y="2880360"/>
+                  <a:pt x="0" y="2235569"/>
+                  <a:pt x="0" y="1440180"/>
+                </a:cubicBezTo>
+                <a:cubicBezTo>
+                  <a:pt x="0" y="644791"/>
+                  <a:pt x="644791" y="0"/>
+                  <a:pt x="1440180" y="0"/>
+                </a:cubicBezTo>
+                <a:close/>
+              </a:path>
+            </a:pathLst>
+          </a:custGeom>
+        </p:spPr>
+      </p:pic>
+      <p:pic>
+        <p:nvPicPr>
+          <p:cNvPr id="12" name="Espace réservé du contenu 4">
+            <a:extLst>
+              <a:ext uri="{FF2B5EF4-FFF2-40B4-BE49-F238E27FC236}">
+                <a16:creationId xmlns:a16="http://schemas.microsoft.com/office/drawing/2014/main" id="{135AB38D-B3DA-4DFD-887D-E2AA9B04020E}"/>
+              </a:ext>
+            </a:extLst>
+          </p:cNvPr>
+          <p:cNvPicPr>
+            <a:picLocks noChangeAspect="1"/>
+          </p:cNvPicPr>
+          <p:nvPr/>
+        </p:nvPicPr>
+        <p:blipFill rotWithShape="1">
+          <a:blip r:embed="rId3" cstate="print">
+            <a:extLst>
+              <a:ext uri="{28A0092B-C50C-407E-A947-70E740481C1C}">
+                <a14:useLocalDpi xmlns:a14="http://schemas.microsoft.com/office/drawing/2010/main" val="0"/>
+              </a:ext>
+            </a:extLst>
+          </a:blip>
+          <a:srcRect r="23050"/>
+          <a:stretch/>
+        </p:blipFill>
+        <p:spPr>
+          <a:xfrm>
+            <a:off x="8160603" y="2"/>
+            <a:ext cx="4034316" cy="3486455"/>
+          </a:xfrm>
+          <a:custGeom>
+            <a:avLst/>
+            <a:gdLst>
+              <a:gd name="connsiteX0" fmla="*/ 280681 w 4034316"/>
+              <a:gd name="connsiteY0" fmla="*/ 0 h 3486455"/>
+              <a:gd name="connsiteX1" fmla="*/ 4034316 w 4034316"/>
+              <a:gd name="connsiteY1" fmla="*/ 0 h 3486455"/>
+              <a:gd name="connsiteX2" fmla="*/ 4034316 w 4034316"/>
+              <a:gd name="connsiteY2" fmla="*/ 2800630 h 3486455"/>
+              <a:gd name="connsiteX3" fmla="*/ 3874752 w 4034316"/>
+              <a:gd name="connsiteY3" fmla="*/ 2945652 h 3486455"/>
+              <a:gd name="connsiteX4" fmla="*/ 2368296 w 4034316"/>
+              <a:gd name="connsiteY4" fmla="*/ 3486455 h 3486455"/>
+              <a:gd name="connsiteX5" fmla="*/ 0 w 4034316"/>
+              <a:gd name="connsiteY5" fmla="*/ 1118159 h 3486455"/>
+              <a:gd name="connsiteX6" fmla="*/ 186113 w 4034316"/>
+              <a:gd name="connsiteY6" fmla="*/ 196311 h 3486455"/>
+            </a:gdLst>
+            <a:ahLst/>
+            <a:cxnLst>
+              <a:cxn ang="0">
+                <a:pos x="connsiteX0" y="connsiteY0"/>
+              </a:cxn>
+              <a:cxn ang="0">
+                <a:pos x="connsiteX1" y="connsiteY1"/>
+              </a:cxn>
+              <a:cxn ang="0">
+                <a:pos x="connsiteX2" y="connsiteY2"/>
+              </a:cxn>
+              <a:cxn ang="0">
+                <a:pos x="connsiteX3" y="connsiteY3"/>
+              </a:cxn>
+              <a:cxn ang="0">
+                <a:pos x="connsiteX4" y="connsiteY4"/>
+              </a:cxn>
+              <a:cxn ang="0">
+                <a:pos x="connsiteX5" y="connsiteY5"/>
+              </a:cxn>
+              <a:cxn ang="0">
+                <a:pos x="connsiteX6" y="connsiteY6"/>
+              </a:cxn>
+            </a:cxnLst>
+            <a:rect l="l" t="t" r="r" b="b"/>
+            <a:pathLst>
+              <a:path w="4034316" h="3486455">
+                <a:moveTo>
+                  <a:pt x="280681" y="0"/>
+                </a:moveTo>
+                <a:lnTo>
+                  <a:pt x="4034316" y="0"/>
+                </a:lnTo>
+                <a:lnTo>
+                  <a:pt x="4034316" y="2800630"/>
+                </a:lnTo>
+                <a:lnTo>
+                  <a:pt x="3874752" y="2945652"/>
+                </a:lnTo>
+                <a:cubicBezTo>
+                  <a:pt x="3465371" y="3283503"/>
+                  <a:pt x="2940535" y="3486455"/>
+                  <a:pt x="2368296" y="3486455"/>
+                </a:cubicBezTo>
+                <a:cubicBezTo>
+                  <a:pt x="1060322" y="3486455"/>
+                  <a:pt x="0" y="2426133"/>
+                  <a:pt x="0" y="1118159"/>
+                </a:cubicBezTo>
+                <a:cubicBezTo>
+                  <a:pt x="0" y="791166"/>
+                  <a:pt x="66270" y="479650"/>
+                  <a:pt x="186113" y="196311"/>
+                </a:cubicBezTo>
+                <a:close/>
+              </a:path>
+            </a:pathLst>
+          </a:custGeom>
+        </p:spPr>
+      </p:pic>
+      <p:sp>
+        <p:nvSpPr>
+          <p:cNvPr id="21" name="Freeform: Shape 20">
+            <a:extLst>
+              <a:ext uri="{FF2B5EF4-FFF2-40B4-BE49-F238E27FC236}">
+                <a16:creationId xmlns:a16="http://schemas.microsoft.com/office/drawing/2014/main" id="{2B7592FE-10D1-4664-B623-353F47C8DF7F}"/>
+              </a:ext>
+              <a:ext uri="{C183D7F6-B498-43B3-948B-1728B52AA6E4}">
+                <adec:decorative xmlns:adec="http://schemas.microsoft.com/office/drawing/2017/decorative" val="1"/>
+              </a:ext>
+            </a:extLst>
+          </p:cNvPr>
+          <p:cNvSpPr>
+            <a:spLocks noGrp="1" noRot="1" noChangeAspect="1" noMove="1" noResize="1" noEditPoints="1" noAdjustHandles="1" noChangeArrowheads="1" noChangeShapeType="1" noTextEdit="1"/>
+          </p:cNvSpPr>
+          <p:nvPr>
+            <p:extLst>
+              <p:ext uri="{386F3935-93C4-4BCD-93E2-E3B085C9AB24}">
+                <p16:designElem xmlns:p16="http://schemas.microsoft.com/office/powerpoint/2015/main" val="1"/>
+              </p:ext>
+            </p:extLst>
+          </p:nvPr>
+        </p:nvSpPr>
+        <p:spPr>
+          <a:xfrm>
+            <a:off x="8888132" y="4032250"/>
+            <a:ext cx="3303868" cy="2825750"/>
+          </a:xfrm>
+          <a:custGeom>
+            <a:avLst/>
+            <a:gdLst>
+              <a:gd name="connsiteX0" fmla="*/ 1888600 w 3303868"/>
+              <a:gd name="connsiteY0" fmla="*/ 0 h 2825750"/>
+              <a:gd name="connsiteX1" fmla="*/ 3224042 w 3303868"/>
+              <a:gd name="connsiteY1" fmla="*/ 553158 h 2825750"/>
+              <a:gd name="connsiteX2" fmla="*/ 3303868 w 3303868"/>
+              <a:gd name="connsiteY2" fmla="*/ 640989 h 2825750"/>
+              <a:gd name="connsiteX3" fmla="*/ 3303868 w 3303868"/>
+              <a:gd name="connsiteY3" fmla="*/ 2825750 h 2825750"/>
+              <a:gd name="connsiteX4" fmla="*/ 250380 w 3303868"/>
+              <a:gd name="connsiteY4" fmla="*/ 2825750 h 2825750"/>
+              <a:gd name="connsiteX5" fmla="*/ 227944 w 3303868"/>
+              <a:gd name="connsiteY5" fmla="*/ 2788819 h 2825750"/>
+              <a:gd name="connsiteX6" fmla="*/ 0 w 3303868"/>
+              <a:gd name="connsiteY6" fmla="*/ 1888600 h 2825750"/>
+              <a:gd name="connsiteX7" fmla="*/ 1888600 w 3303868"/>
+              <a:gd name="connsiteY7" fmla="*/ 0 h 2825750"/>
+            </a:gdLst>
+            <a:ahLst/>
+            <a:cxnLst>
+              <a:cxn ang="0">
+                <a:pos x="connsiteX0" y="connsiteY0"/>
+              </a:cxn>
+              <a:cxn ang="0">
+                <a:pos x="connsiteX1" y="connsiteY1"/>
+              </a:cxn>
+              <a:cxn ang="0">
+                <a:pos x="connsiteX2" y="connsiteY2"/>
+              </a:cxn>
+              <a:cxn ang="0">
+                <a:pos x="connsiteX3" y="connsiteY3"/>
+              </a:cxn>
+              <a:cxn ang="0">
+                <a:pos x="connsiteX4" y="connsiteY4"/>
+              </a:cxn>
+              <a:cxn ang="0">
+                <a:pos x="connsiteX5" y="connsiteY5"/>
+              </a:cxn>
+              <a:cxn ang="0">
+                <a:pos x="connsiteX6" y="connsiteY6"/>
+              </a:cxn>
+              <a:cxn ang="0">
+                <a:pos x="connsiteX7" y="connsiteY7"/>
+              </a:cxn>
+            </a:cxnLst>
+            <a:rect l="l" t="t" r="r" b="b"/>
+            <a:pathLst>
+              <a:path w="3303868" h="2825750">
+                <a:moveTo>
+                  <a:pt x="1888600" y="0"/>
+                </a:moveTo>
+                <a:cubicBezTo>
+                  <a:pt x="2410123" y="0"/>
+                  <a:pt x="2882273" y="211389"/>
+                  <a:pt x="3224042" y="553158"/>
+                </a:cubicBezTo>
+                <a:lnTo>
+                  <a:pt x="3303868" y="640989"/>
+                </a:lnTo>
+                <a:lnTo>
+                  <a:pt x="3303868" y="2825750"/>
+                </a:lnTo>
+                <a:lnTo>
+                  <a:pt x="250380" y="2825750"/>
+                </a:lnTo>
+                <a:lnTo>
+                  <a:pt x="227944" y="2788819"/>
+                </a:lnTo>
+                <a:cubicBezTo>
+                  <a:pt x="82574" y="2521217"/>
+                  <a:pt x="0" y="2214552"/>
+                  <a:pt x="0" y="1888600"/>
+                </a:cubicBezTo>
+                <a:cubicBezTo>
+                  <a:pt x="0" y="845555"/>
+                  <a:pt x="845555" y="0"/>
+                  <a:pt x="1888600" y="0"/>
+                </a:cubicBezTo>
+                <a:close/>
+              </a:path>
+            </a:pathLst>
+          </a:custGeom>
+          <a:solidFill>
+            <a:srgbClr val="FFFFFF">
+              <a:alpha val="80000"/>
+            </a:srgbClr>
+          </a:solidFill>
+          <a:ln>
+            <a:noFill/>
+          </a:ln>
+        </p:spPr>
+        <p:style>
+          <a:lnRef idx="2">
+            <a:schemeClr val="accent1">
+              <a:shade val="50000"/>
+            </a:schemeClr>
+          </a:lnRef>
+          <a:fillRef idx="1">
+            <a:schemeClr val="accent1"/>
+          </a:fillRef>
+          <a:effectRef idx="0">
+            <a:schemeClr val="accent1"/>
+          </a:effectRef>
+          <a:fontRef idx="minor">
+            <a:schemeClr val="lt1"/>
+          </a:fontRef>
+        </p:style>
+        <p:txBody>
+          <a:bodyPr wrap="square" rtlCol="0" anchor="ctr">
+            <a:noAutofit/>
+          </a:bodyPr>
+          <a:lstStyle/>
+          <a:p>
+            <a:pPr marL="0" marR="0" lvl="0" indent="0" algn="ctr" defTabSz="914400" rtl="0" eaLnBrk="1" fontAlgn="auto" latinLnBrk="0" hangingPunct="1">
+              <a:lnSpc>
+                <a:spcPct val="100000"/>
+              </a:lnSpc>
+              <a:spcBef>
+                <a:spcPts val="0"/>
+              </a:spcBef>
+              <a:spcAft>
+                <a:spcPts val="0"/>
+              </a:spcAft>
+              <a:buClrTx/>
+              <a:buSzTx/>
+              <a:buFontTx/>
+              <a:buNone/>
+              <a:tabLst/>
+              <a:defRPr/>
+            </a:pPr>
+            <a:endParaRPr kumimoji="0" lang="en-US" sz="1800" b="0" i="0" u="none" strike="noStrike" kern="1200" cap="none" spc="0" normalizeH="0" baseline="0" noProof="0">
+              <a:ln>
+                <a:noFill/>
+              </a:ln>
+              <a:solidFill>
+                <a:prstClr val="white"/>
+              </a:solidFill>
+              <a:effectLst/>
+              <a:uLnTx/>
+              <a:uFillTx/>
+              <a:latin typeface="Calibri" panose="020F0502020204030204"/>
+              <a:ea typeface="+mn-ea"/>
+              <a:cs typeface="+mn-cs"/>
+            </a:endParaRPr>
+          </a:p>
+        </p:txBody>
+      </p:sp>
+      <p:pic>
+        <p:nvPicPr>
+          <p:cNvPr id="9" name="Image 8">
+            <a:extLst>
+              <a:ext uri="{FF2B5EF4-FFF2-40B4-BE49-F238E27FC236}">
+                <a16:creationId xmlns:a16="http://schemas.microsoft.com/office/drawing/2014/main" id="{D5C2FC63-C058-4EE5-9663-D1F077F43849}"/>
+              </a:ext>
+            </a:extLst>
+          </p:cNvPr>
+          <p:cNvPicPr>
+            <a:picLocks noChangeAspect="1"/>
+          </p:cNvPicPr>
+          <p:nvPr/>
+        </p:nvPicPr>
+        <p:blipFill rotWithShape="1">
+          <a:blip r:embed="rId4" cstate="print">
+            <a:extLst>
+              <a:ext uri="{28A0092B-C50C-407E-A947-70E740481C1C}">
+                <a14:useLocalDpi xmlns:a14="http://schemas.microsoft.com/office/drawing/2010/main" val="0"/>
+              </a:ext>
+            </a:extLst>
+          </a:blip>
+          <a:srcRect l="7385" r="13874" b="5"/>
+          <a:stretch/>
+        </p:blipFill>
+        <p:spPr>
+          <a:xfrm>
+            <a:off x="9053088" y="4197217"/>
+            <a:ext cx="3138912" cy="2660795"/>
+          </a:xfrm>
+          <a:custGeom>
+            <a:avLst/>
+            <a:gdLst>
+              <a:gd name="connsiteX0" fmla="*/ 1723644 w 3138912"/>
+              <a:gd name="connsiteY0" fmla="*/ 0 h 2660795"/>
+              <a:gd name="connsiteX1" fmla="*/ 3053691 w 3138912"/>
+              <a:gd name="connsiteY1" fmla="*/ 627247 h 2660795"/>
+              <a:gd name="connsiteX2" fmla="*/ 3138912 w 3138912"/>
+              <a:gd name="connsiteY2" fmla="*/ 741211 h 2660795"/>
+              <a:gd name="connsiteX3" fmla="*/ 3138912 w 3138912"/>
+              <a:gd name="connsiteY3" fmla="*/ 2660795 h 2660795"/>
+              <a:gd name="connsiteX4" fmla="*/ 278239 w 3138912"/>
+              <a:gd name="connsiteY4" fmla="*/ 2660795 h 2660795"/>
+              <a:gd name="connsiteX5" fmla="*/ 208035 w 3138912"/>
+              <a:gd name="connsiteY5" fmla="*/ 2545235 h 2660795"/>
+              <a:gd name="connsiteX6" fmla="*/ 0 w 3138912"/>
+              <a:gd name="connsiteY6" fmla="*/ 1723644 h 2660795"/>
+              <a:gd name="connsiteX7" fmla="*/ 1723644 w 3138912"/>
+              <a:gd name="connsiteY7" fmla="*/ 0 h 2660795"/>
+            </a:gdLst>
+            <a:ahLst/>
+            <a:cxnLst>
+              <a:cxn ang="0">
+                <a:pos x="connsiteX0" y="connsiteY0"/>
+              </a:cxn>
+              <a:cxn ang="0">
+                <a:pos x="connsiteX1" y="connsiteY1"/>
+              </a:cxn>
+              <a:cxn ang="0">
+                <a:pos x="connsiteX2" y="connsiteY2"/>
+              </a:cxn>
+              <a:cxn ang="0">
+                <a:pos x="connsiteX3" y="connsiteY3"/>
+              </a:cxn>
+              <a:cxn ang="0">
+                <a:pos x="connsiteX4" y="connsiteY4"/>
+              </a:cxn>
+              <a:cxn ang="0">
+                <a:pos x="connsiteX5" y="connsiteY5"/>
+              </a:cxn>
+              <a:cxn ang="0">
+                <a:pos x="connsiteX6" y="connsiteY6"/>
+              </a:cxn>
+              <a:cxn ang="0">
+                <a:pos x="connsiteX7" y="connsiteY7"/>
+              </a:cxn>
+            </a:cxnLst>
+            <a:rect l="l" t="t" r="r" b="b"/>
+            <a:pathLst>
+              <a:path w="3138912" h="2660795">
+                <a:moveTo>
+                  <a:pt x="1723644" y="0"/>
+                </a:moveTo>
+                <a:cubicBezTo>
+                  <a:pt x="2259111" y="0"/>
+                  <a:pt x="2737550" y="244172"/>
+                  <a:pt x="3053691" y="627247"/>
+                </a:cubicBezTo>
+                <a:lnTo>
+                  <a:pt x="3138912" y="741211"/>
+                </a:lnTo>
+                <a:lnTo>
+                  <a:pt x="3138912" y="2660795"/>
+                </a:lnTo>
+                <a:lnTo>
+                  <a:pt x="278239" y="2660795"/>
+                </a:lnTo>
+                <a:lnTo>
+                  <a:pt x="208035" y="2545235"/>
+                </a:lnTo>
+                <a:cubicBezTo>
+                  <a:pt x="75362" y="2301006"/>
+                  <a:pt x="0" y="2021126"/>
+                  <a:pt x="0" y="1723644"/>
+                </a:cubicBezTo>
+                <a:cubicBezTo>
+                  <a:pt x="0" y="771702"/>
+                  <a:pt x="771702" y="0"/>
+                  <a:pt x="1723644" y="0"/>
+                </a:cubicBezTo>
+                <a:close/>
+              </a:path>
+            </a:pathLst>
+          </a:custGeom>
+        </p:spPr>
+      </p:pic>
+      <p:sp>
+        <p:nvSpPr>
+          <p:cNvPr id="22" name="Titre 1">
+            <a:extLst>
+              <a:ext uri="{FF2B5EF4-FFF2-40B4-BE49-F238E27FC236}">
+                <a16:creationId xmlns:a16="http://schemas.microsoft.com/office/drawing/2014/main" id="{85A2C3EE-4799-4A48-8138-B8D87883401F}"/>
+              </a:ext>
+            </a:extLst>
+          </p:cNvPr>
+          <p:cNvSpPr txBox="1">
+            <a:spLocks/>
+          </p:cNvSpPr>
+          <p:nvPr/>
+        </p:nvSpPr>
+        <p:spPr>
+          <a:xfrm>
+            <a:off x="3190146" y="208349"/>
+            <a:ext cx="4347411" cy="1353029"/>
+          </a:xfrm>
+          <a:prstGeom prst="rect">
+            <a:avLst/>
+          </a:prstGeom>
+          <a:noFill/>
+          <a:ln w="19050">
+            <a:solidFill>
+              <a:schemeClr val="tx1"/>
+            </a:solidFill>
+          </a:ln>
+        </p:spPr>
+        <p:txBody>
+          <a:bodyPr vert="horz" wrap="square" lIns="91440" tIns="45720" rIns="91440" bIns="45720" rtlCol="0" anchor="ctr">
+            <a:normAutofit/>
+          </a:bodyPr>
+          <a:lstStyle>
+            <a:lvl1pPr algn="l" defTabSz="914400" rtl="0" eaLnBrk="1" latinLnBrk="0" hangingPunct="1">
+              <a:lnSpc>
+                <a:spcPct val="90000"/>
+              </a:lnSpc>
+              <a:spcBef>
+                <a:spcPct val="0"/>
+              </a:spcBef>
+              <a:buNone/>
+              <a:defRPr sz="4400" kern="1200">
+                <a:solidFill>
+                  <a:schemeClr val="tx1"/>
+                </a:solidFill>
+                <a:latin typeface="+mj-lt"/>
+                <a:ea typeface="+mj-ea"/>
+                <a:cs typeface="+mj-cs"/>
+              </a:defRPr>
+            </a:lvl1pPr>
+          </a:lstStyle>
+          <a:p>
+            <a:pPr algn="ctr"/>
+            <a:r>
+              <a:rPr lang="fr-FR" sz="6000" dirty="0">
+                <a:latin typeface="Arial" panose="020B0604020202020204" pitchFamily="34" charset="0"/>
+                <a:cs typeface="Arial" panose="020B0604020202020204" pitchFamily="34" charset="0"/>
+              </a:rPr>
+              <a:t>Sommaire</a:t>
+            </a:r>
+            <a:endParaRPr lang="fr-FR" sz="6000" dirty="0">
+              <a:solidFill>
+                <a:schemeClr val="bg1"/>
+              </a:solidFill>
+              <a:latin typeface="Arial" panose="020B0604020202020204" pitchFamily="34" charset="0"/>
+              <a:cs typeface="Arial" panose="020B0604020202020204" pitchFamily="34" charset="0"/>
+            </a:endParaRPr>
+          </a:p>
+        </p:txBody>
+      </p:sp>
+    </p:spTree>
+    <p:extLst>
+      <p:ext uri="{BB962C8B-B14F-4D97-AF65-F5344CB8AC3E}">
+        <p14:creationId xmlns:p14="http://schemas.microsoft.com/office/powerpoint/2010/main" val="2043393089"/>
+      </p:ext>
+    </p:extLst>
+  </p:cSld>
+  <p:clrMapOvr>
+    <a:overrideClrMapping bg1="dk1" tx1="lt1" bg2="dk2" tx2="lt2" accent1="accent1" accent2="accent2" accent3="accent3" accent4="accent4" accent5="accent5" accent6="accent6" hlink="hlink" folHlink="folHlink"/>
+  </p:clrMapOvr>
+</p:sld>
+</file>
+
+<file path=ppt/slides/slide3.xml><?xml version="1.0" encoding="utf-8"?>
+<p:sld xmlns:a="http://schemas.openxmlformats.org/drawingml/2006/main" xmlns:r="http://schemas.openxmlformats.org/officeDocument/2006/relationships" xmlns:p="http://schemas.openxmlformats.org/presentationml/2006/main">
+  <p:cSld>
+    <p:bg>
+      <p:bgPr>
+        <a:solidFill>
+          <a:schemeClr val="bg1">
+            <a:tint val="95000"/>
+            <a:satMod val="170000"/>
+          </a:schemeClr>
+        </a:solidFill>
+        <a:effectLst/>
+      </p:bgPr>
+    </p:bg>
+    <p:spTree>
+      <p:nvGrpSpPr>
+        <p:cNvPr id="1" name=""/>
+        <p:cNvGrpSpPr/>
+        <p:nvPr/>
+      </p:nvGrpSpPr>
+      <p:grpSpPr>
+        <a:xfrm>
+          <a:off x="0" y="0"/>
+          <a:ext cx="0" cy="0"/>
+          <a:chOff x="0" y="0"/>
+          <a:chExt cx="0" cy="0"/>
+        </a:xfrm>
+      </p:grpSpPr>
+      <p:sp>
+        <p:nvSpPr>
+          <p:cNvPr id="14" name="Content Placeholder 13">
+            <a:extLst>
+              <a:ext uri="{FF2B5EF4-FFF2-40B4-BE49-F238E27FC236}">
+                <a16:creationId xmlns:a16="http://schemas.microsoft.com/office/drawing/2014/main" id="{4AF7CF42-2413-422C-A4B2-29DFFCDCE1BF}"/>
+              </a:ext>
+            </a:extLst>
+          </p:cNvPr>
+          <p:cNvSpPr>
+            <a:spLocks noGrp="1"/>
+          </p:cNvSpPr>
+          <p:nvPr>
+            <p:ph idx="1"/>
+          </p:nvPr>
+        </p:nvSpPr>
+        <p:spPr>
+          <a:xfrm>
+            <a:off x="805543" y="1909012"/>
+            <a:ext cx="4558309" cy="2743200"/>
+          </a:xfrm>
+        </p:spPr>
+        <p:txBody>
+          <a:bodyPr anchor="t">
+            <a:normAutofit/>
+          </a:bodyPr>
+          <a:lstStyle/>
+          <a:p>
+            <a:r>
+              <a:rPr lang="en-US" sz="1800" dirty="0">
+                <a:latin typeface="Arial" panose="020B0604020202020204" pitchFamily="34" charset="0"/>
+                <a:cs typeface="Arial" panose="020B0604020202020204" pitchFamily="34" charset="0"/>
+              </a:rPr>
+              <a:t>Presentation de Norsys</a:t>
+            </a:r>
+          </a:p>
+          <a:p>
+            <a:r>
+              <a:rPr lang="en-US" sz="1800" dirty="0">
+                <a:latin typeface="Arial" panose="020B0604020202020204" pitchFamily="34" charset="0"/>
+                <a:cs typeface="Arial" panose="020B0604020202020204" pitchFamily="34" charset="0"/>
+              </a:rPr>
+              <a:t>Equipe et mission</a:t>
+            </a:r>
+          </a:p>
+          <a:p>
+            <a:r>
+              <a:rPr lang="en-US" sz="1800" dirty="0">
+                <a:latin typeface="Arial" panose="020B0604020202020204" pitchFamily="34" charset="0"/>
+                <a:cs typeface="Arial" panose="020B0604020202020204" pitchFamily="34" charset="0"/>
+              </a:rPr>
+              <a:t>Journée type chez Norsys</a:t>
+            </a:r>
+          </a:p>
+          <a:p>
+            <a:r>
+              <a:rPr lang="en-US" sz="1800" dirty="0">
+                <a:latin typeface="Arial" panose="020B0604020202020204" pitchFamily="34" charset="0"/>
+                <a:cs typeface="Arial" panose="020B0604020202020204" pitchFamily="34" charset="0"/>
+              </a:rPr>
+              <a:t>Cycle de vie d’un ticket</a:t>
+            </a:r>
+          </a:p>
+          <a:p>
+            <a:r>
+              <a:rPr lang="en-US" sz="1800" dirty="0">
+                <a:latin typeface="Arial" panose="020B0604020202020204" pitchFamily="34" charset="0"/>
+                <a:cs typeface="Arial" panose="020B0604020202020204" pitchFamily="34" charset="0"/>
+              </a:rPr>
+              <a:t>Outils et technologies utilisées</a:t>
+            </a:r>
+          </a:p>
+          <a:p>
+            <a:r>
+              <a:rPr lang="en-US" sz="1800" dirty="0">
+                <a:latin typeface="Arial" panose="020B0604020202020204" pitchFamily="34" charset="0"/>
+                <a:cs typeface="Arial" panose="020B0604020202020204" pitchFamily="34" charset="0"/>
+              </a:rPr>
+              <a:t>Mon expérience</a:t>
+            </a:r>
+          </a:p>
+          <a:p>
+            <a:r>
+              <a:rPr lang="en-US" sz="1800" dirty="0">
+                <a:latin typeface="Arial" panose="020B0604020202020204" pitchFamily="34" charset="0"/>
+                <a:cs typeface="Arial" panose="020B0604020202020204" pitchFamily="34" charset="0"/>
+              </a:rPr>
+              <a:t>Q&amp;A</a:t>
+            </a:r>
+          </a:p>
+          <a:p>
+            <a:endParaRPr lang="en-US" sz="1800" dirty="0">
+              <a:latin typeface="Arial" panose="020B0604020202020204" pitchFamily="34" charset="0"/>
+              <a:cs typeface="Arial" panose="020B0604020202020204" pitchFamily="34" charset="0"/>
+            </a:endParaRPr>
+          </a:p>
+          <a:p>
+            <a:endParaRPr lang="en-US" sz="1800" dirty="0">
+              <a:latin typeface="Arial" panose="020B0604020202020204" pitchFamily="34" charset="0"/>
+              <a:cs typeface="Arial" panose="020B0604020202020204" pitchFamily="34" charset="0"/>
+            </a:endParaRPr>
+          </a:p>
+        </p:txBody>
+      </p:sp>
+      <p:sp>
+        <p:nvSpPr>
+          <p:cNvPr id="17" name="Oval 16">
+            <a:extLst>
+              <a:ext uri="{FF2B5EF4-FFF2-40B4-BE49-F238E27FC236}">
+                <a16:creationId xmlns:a16="http://schemas.microsoft.com/office/drawing/2014/main" id="{C99A8FB7-A79B-4BC9-9D56-B79587F6AA3E}"/>
+              </a:ext>
+              <a:ext uri="{C183D7F6-B498-43B3-948B-1728B52AA6E4}">
+                <adec:decorative xmlns:adec="http://schemas.microsoft.com/office/drawing/2017/decorative" val="1"/>
+              </a:ext>
+            </a:extLst>
+          </p:cNvPr>
+          <p:cNvSpPr>
+            <a:spLocks noGrp="1" noRot="1" noChangeAspect="1" noMove="1" noResize="1" noEditPoints="1" noAdjustHandles="1" noChangeArrowheads="1" noChangeShapeType="1" noTextEdit="1"/>
+          </p:cNvSpPr>
+          <p:nvPr>
+            <p:extLst>
+              <p:ext uri="{386F3935-93C4-4BCD-93E2-E3B085C9AB24}">
+                <p16:designElem xmlns:p16="http://schemas.microsoft.com/office/powerpoint/2015/main" val="1"/>
+              </p:ext>
+            </p:extLst>
+          </p:nvPr>
+        </p:nvSpPr>
+        <p:spPr>
+          <a:xfrm>
+            <a:off x="5804761" y="2650637"/>
+            <a:ext cx="3118104" cy="3118104"/>
+          </a:xfrm>
+          <a:prstGeom prst="ellipse">
+            <a:avLst/>
+          </a:prstGeom>
+          <a:solidFill>
+            <a:srgbClr val="FFFFFF">
+              <a:alpha val="80000"/>
+            </a:srgbClr>
+          </a:solidFill>
+          <a:ln>
+            <a:noFill/>
+          </a:ln>
+        </p:spPr>
+        <p:style>
+          <a:lnRef idx="2">
+            <a:schemeClr val="accent1">
+              <a:shade val="50000"/>
+            </a:schemeClr>
+          </a:lnRef>
+          <a:fillRef idx="1">
+            <a:schemeClr val="accent1"/>
+          </a:fillRef>
+          <a:effectRef idx="0">
+            <a:schemeClr val="accent1"/>
+          </a:effectRef>
+          <a:fontRef idx="minor">
+            <a:schemeClr val="lt1"/>
+          </a:fontRef>
+        </p:style>
+        <p:txBody>
+          <a:bodyPr rtlCol="0" anchor="ctr"/>
+          <a:lstStyle/>
+          <a:p>
+            <a:pPr marL="0" marR="0" lvl="0" indent="0" algn="ctr" defTabSz="914400" rtl="0" eaLnBrk="1" fontAlgn="auto" latinLnBrk="0" hangingPunct="1">
+              <a:lnSpc>
+                <a:spcPct val="100000"/>
+              </a:lnSpc>
+              <a:spcBef>
+                <a:spcPts val="0"/>
+              </a:spcBef>
+              <a:spcAft>
+                <a:spcPts val="0"/>
+              </a:spcAft>
+              <a:buClrTx/>
+              <a:buSzTx/>
+              <a:buFontTx/>
+              <a:buNone/>
+              <a:tabLst/>
+              <a:defRPr/>
+            </a:pPr>
+            <a:endParaRPr kumimoji="0" lang="en-US" sz="1800" b="0" i="0" u="none" strike="noStrike" kern="1200" cap="none" spc="0" normalizeH="0" baseline="0" noProof="0">
+              <a:ln>
+                <a:noFill/>
+              </a:ln>
+              <a:solidFill>
+                <a:prstClr val="white"/>
+              </a:solidFill>
+              <a:effectLst/>
+              <a:uLnTx/>
+              <a:uFillTx/>
+              <a:latin typeface="Calibri" panose="020F0502020204030204"/>
+              <a:ea typeface="+mn-ea"/>
+              <a:cs typeface="+mn-cs"/>
+            </a:endParaRPr>
+          </a:p>
+        </p:txBody>
+      </p:sp>
+      <p:sp>
+        <p:nvSpPr>
+          <p:cNvPr id="19" name="Freeform: Shape 18">
+            <a:extLst>
+              <a:ext uri="{FF2B5EF4-FFF2-40B4-BE49-F238E27FC236}">
+                <a16:creationId xmlns:a16="http://schemas.microsoft.com/office/drawing/2014/main" id="{B23893E2-3349-46D7-A7AA-B9E447957FB1}"/>
+              </a:ext>
+              <a:ext uri="{C183D7F6-B498-43B3-948B-1728B52AA6E4}">
+                <adec:decorative xmlns:adec="http://schemas.microsoft.com/office/drawing/2017/decorative" val="1"/>
+              </a:ext>
+            </a:extLst>
+          </p:cNvPr>
+          <p:cNvSpPr>
+            <a:spLocks noGrp="1" noRot="1" noChangeAspect="1" noMove="1" noResize="1" noEditPoints="1" noAdjustHandles="1" noChangeArrowheads="1" noChangeShapeType="1" noTextEdit="1"/>
+          </p:cNvSpPr>
+          <p:nvPr>
+            <p:extLst>
+              <p:ext uri="{386F3935-93C4-4BCD-93E2-E3B085C9AB24}">
+                <p16:designElem xmlns:p16="http://schemas.microsoft.com/office/powerpoint/2015/main" val="1"/>
+              </p:ext>
+            </p:extLst>
+          </p:nvPr>
+        </p:nvSpPr>
+        <p:spPr>
+          <a:xfrm>
+            <a:off x="7996859" y="0"/>
+            <a:ext cx="4198060" cy="3650200"/>
+          </a:xfrm>
+          <a:custGeom>
+            <a:avLst/>
+            <a:gdLst>
+              <a:gd name="connsiteX0" fmla="*/ 262846 w 4198060"/>
+              <a:gd name="connsiteY0" fmla="*/ 0 h 3650200"/>
+              <a:gd name="connsiteX1" fmla="*/ 4198060 w 4198060"/>
+              <a:gd name="connsiteY1" fmla="*/ 0 h 3650200"/>
+              <a:gd name="connsiteX2" fmla="*/ 4198060 w 4198060"/>
+              <a:gd name="connsiteY2" fmla="*/ 3021648 h 3650200"/>
+              <a:gd name="connsiteX3" fmla="*/ 4142653 w 4198060"/>
+              <a:gd name="connsiteY3" fmla="*/ 3072005 h 3650200"/>
+              <a:gd name="connsiteX4" fmla="*/ 2532040 w 4198060"/>
+              <a:gd name="connsiteY4" fmla="*/ 3650200 h 3650200"/>
+              <a:gd name="connsiteX5" fmla="*/ 0 w 4198060"/>
+              <a:gd name="connsiteY5" fmla="*/ 1118160 h 3650200"/>
+              <a:gd name="connsiteX6" fmla="*/ 198981 w 4198060"/>
+              <a:gd name="connsiteY6" fmla="*/ 132576 h 3650200"/>
+            </a:gdLst>
+            <a:ahLst/>
+            <a:cxnLst>
+              <a:cxn ang="0">
+                <a:pos x="connsiteX0" y="connsiteY0"/>
+              </a:cxn>
+              <a:cxn ang="0">
+                <a:pos x="connsiteX1" y="connsiteY1"/>
+              </a:cxn>
+              <a:cxn ang="0">
+                <a:pos x="connsiteX2" y="connsiteY2"/>
+              </a:cxn>
+              <a:cxn ang="0">
+                <a:pos x="connsiteX3" y="connsiteY3"/>
+              </a:cxn>
+              <a:cxn ang="0">
+                <a:pos x="connsiteX4" y="connsiteY4"/>
+              </a:cxn>
+              <a:cxn ang="0">
+                <a:pos x="connsiteX5" y="connsiteY5"/>
+              </a:cxn>
+              <a:cxn ang="0">
+                <a:pos x="connsiteX6" y="connsiteY6"/>
+              </a:cxn>
+            </a:cxnLst>
+            <a:rect l="l" t="t" r="r" b="b"/>
+            <a:pathLst>
+              <a:path w="4198060" h="3650200">
+                <a:moveTo>
+                  <a:pt x="262846" y="0"/>
+                </a:moveTo>
+                <a:lnTo>
+                  <a:pt x="4198060" y="0"/>
+                </a:lnTo>
+                <a:lnTo>
+                  <a:pt x="4198060" y="3021648"/>
+                </a:lnTo>
+                <a:lnTo>
+                  <a:pt x="4142653" y="3072005"/>
+                </a:lnTo>
+                <a:cubicBezTo>
+                  <a:pt x="3704967" y="3433216"/>
+                  <a:pt x="3143843" y="3650200"/>
+                  <a:pt x="2532040" y="3650200"/>
+                </a:cubicBezTo>
+                <a:cubicBezTo>
+                  <a:pt x="1133633" y="3650200"/>
+                  <a:pt x="0" y="2516567"/>
+                  <a:pt x="0" y="1118160"/>
+                </a:cubicBezTo>
+                <a:cubicBezTo>
+                  <a:pt x="0" y="768558"/>
+                  <a:pt x="70852" y="435505"/>
+                  <a:pt x="198981" y="132576"/>
+                </a:cubicBezTo>
+                <a:close/>
+              </a:path>
+            </a:pathLst>
+          </a:custGeom>
+          <a:solidFill>
+            <a:srgbClr val="FFFFFF">
+              <a:alpha val="80000"/>
+            </a:srgbClr>
+          </a:solidFill>
+          <a:ln>
+            <a:noFill/>
+          </a:ln>
+        </p:spPr>
+        <p:style>
+          <a:lnRef idx="2">
+            <a:schemeClr val="accent1">
+              <a:shade val="50000"/>
+            </a:schemeClr>
+          </a:lnRef>
+          <a:fillRef idx="1">
+            <a:schemeClr val="accent1"/>
+          </a:fillRef>
+          <a:effectRef idx="0">
+            <a:schemeClr val="accent1"/>
+          </a:effectRef>
+          <a:fontRef idx="minor">
+            <a:schemeClr val="lt1"/>
+          </a:fontRef>
+        </p:style>
+        <p:txBody>
+          <a:bodyPr wrap="square" rtlCol="0" anchor="ctr">
+            <a:noAutofit/>
+          </a:bodyPr>
+          <a:lstStyle/>
+          <a:p>
+            <a:pPr marL="0" marR="0" lvl="0" indent="0" algn="ctr" defTabSz="914400" rtl="0" eaLnBrk="1" fontAlgn="auto" latinLnBrk="0" hangingPunct="1">
+              <a:lnSpc>
+                <a:spcPct val="100000"/>
+              </a:lnSpc>
+              <a:spcBef>
+                <a:spcPts val="0"/>
+              </a:spcBef>
+              <a:spcAft>
+                <a:spcPts val="0"/>
+              </a:spcAft>
+              <a:buClrTx/>
+              <a:buSzTx/>
+              <a:buFontTx/>
+              <a:buNone/>
+              <a:tabLst/>
+              <a:defRPr/>
+            </a:pPr>
+            <a:endParaRPr kumimoji="0" lang="en-US" sz="1800" b="0" i="0" u="none" strike="noStrike" kern="1200" cap="none" spc="0" normalizeH="0" baseline="0" noProof="0">
+              <a:ln>
+                <a:noFill/>
+              </a:ln>
+              <a:solidFill>
+                <a:prstClr val="white"/>
+              </a:solidFill>
+              <a:effectLst/>
+              <a:uLnTx/>
+              <a:uFillTx/>
+              <a:latin typeface="Calibri" panose="020F0502020204030204"/>
+              <a:ea typeface="+mn-ea"/>
+              <a:cs typeface="+mn-cs"/>
+            </a:endParaRPr>
+          </a:p>
+        </p:txBody>
+      </p:sp>
+      <p:pic>
+        <p:nvPicPr>
+          <p:cNvPr id="7" name="Image 6">
+            <a:extLst>
+              <a:ext uri="{FF2B5EF4-FFF2-40B4-BE49-F238E27FC236}">
+                <a16:creationId xmlns:a16="http://schemas.microsoft.com/office/drawing/2014/main" id="{9199D297-E283-48AB-AC9A-74B6883EE6E8}"/>
+              </a:ext>
+            </a:extLst>
+          </p:cNvPr>
+          <p:cNvPicPr>
+            <a:picLocks noChangeAspect="1"/>
+          </p:cNvPicPr>
+          <p:nvPr/>
+        </p:nvPicPr>
+        <p:blipFill rotWithShape="1">
+          <a:blip r:embed="rId2" cstate="print">
+            <a:extLst>
+              <a:ext uri="{28A0092B-C50C-407E-A947-70E740481C1C}">
+                <a14:useLocalDpi xmlns:a14="http://schemas.microsoft.com/office/drawing/2010/main" val="0"/>
+              </a:ext>
+            </a:extLst>
+          </a:blip>
+          <a:srcRect l="13815" r="19432" b="-4"/>
+          <a:stretch/>
+        </p:blipFill>
+        <p:spPr>
+          <a:xfrm>
+            <a:off x="5969353" y="2815228"/>
+            <a:ext cx="2788920" cy="2788920"/>
+          </a:xfrm>
+          <a:custGeom>
+            <a:avLst/>
+            <a:gdLst>
+              <a:gd name="connsiteX0" fmla="*/ 1440180 w 2880360"/>
+              <a:gd name="connsiteY0" fmla="*/ 0 h 2880360"/>
+              <a:gd name="connsiteX1" fmla="*/ 2880360 w 2880360"/>
+              <a:gd name="connsiteY1" fmla="*/ 1440180 h 2880360"/>
+              <a:gd name="connsiteX2" fmla="*/ 1440180 w 2880360"/>
+              <a:gd name="connsiteY2" fmla="*/ 2880360 h 2880360"/>
+              <a:gd name="connsiteX3" fmla="*/ 0 w 2880360"/>
+              <a:gd name="connsiteY3" fmla="*/ 1440180 h 2880360"/>
+              <a:gd name="connsiteX4" fmla="*/ 1440180 w 2880360"/>
+              <a:gd name="connsiteY4" fmla="*/ 0 h 2880360"/>
+            </a:gdLst>
+            <a:ahLst/>
+            <a:cxnLst>
+              <a:cxn ang="0">
+                <a:pos x="connsiteX0" y="connsiteY0"/>
+              </a:cxn>
+              <a:cxn ang="0">
+                <a:pos x="connsiteX1" y="connsiteY1"/>
+              </a:cxn>
+              <a:cxn ang="0">
+                <a:pos x="connsiteX2" y="connsiteY2"/>
+              </a:cxn>
+              <a:cxn ang="0">
+                <a:pos x="connsiteX3" y="connsiteY3"/>
+              </a:cxn>
+              <a:cxn ang="0">
+                <a:pos x="connsiteX4" y="connsiteY4"/>
+              </a:cxn>
+            </a:cxnLst>
+            <a:rect l="l" t="t" r="r" b="b"/>
+            <a:pathLst>
+              <a:path w="2880360" h="2880360">
+                <a:moveTo>
+                  <a:pt x="1440180" y="0"/>
+                </a:moveTo>
+                <a:cubicBezTo>
+                  <a:pt x="2235569" y="0"/>
+                  <a:pt x="2880360" y="644791"/>
+                  <a:pt x="2880360" y="1440180"/>
+                </a:cubicBezTo>
+                <a:cubicBezTo>
+                  <a:pt x="2880360" y="2235569"/>
+                  <a:pt x="2235569" y="2880360"/>
+                  <a:pt x="1440180" y="2880360"/>
+                </a:cubicBezTo>
+                <a:cubicBezTo>
+                  <a:pt x="644791" y="2880360"/>
+                  <a:pt x="0" y="2235569"/>
+                  <a:pt x="0" y="1440180"/>
+                </a:cubicBezTo>
+                <a:cubicBezTo>
+                  <a:pt x="0" y="644791"/>
+                  <a:pt x="644791" y="0"/>
+                  <a:pt x="1440180" y="0"/>
+                </a:cubicBezTo>
+                <a:close/>
+              </a:path>
+            </a:pathLst>
+          </a:custGeom>
+        </p:spPr>
+      </p:pic>
+      <p:pic>
+        <p:nvPicPr>
+          <p:cNvPr id="12" name="Espace réservé du contenu 4">
+            <a:extLst>
+              <a:ext uri="{FF2B5EF4-FFF2-40B4-BE49-F238E27FC236}">
+                <a16:creationId xmlns:a16="http://schemas.microsoft.com/office/drawing/2014/main" id="{135AB38D-B3DA-4DFD-887D-E2AA9B04020E}"/>
+              </a:ext>
+            </a:extLst>
+          </p:cNvPr>
+          <p:cNvPicPr>
+            <a:picLocks noChangeAspect="1"/>
+          </p:cNvPicPr>
+          <p:nvPr/>
+        </p:nvPicPr>
+        <p:blipFill rotWithShape="1">
+          <a:blip r:embed="rId3" cstate="print">
+            <a:extLst>
+              <a:ext uri="{28A0092B-C50C-407E-A947-70E740481C1C}">
+                <a14:useLocalDpi xmlns:a14="http://schemas.microsoft.com/office/drawing/2010/main" val="0"/>
+              </a:ext>
+            </a:extLst>
+          </a:blip>
+          <a:srcRect r="23050"/>
+          <a:stretch/>
+        </p:blipFill>
+        <p:spPr>
+          <a:xfrm>
+            <a:off x="8160603" y="2"/>
+            <a:ext cx="4034316" cy="3486455"/>
+          </a:xfrm>
+          <a:custGeom>
+            <a:avLst/>
+            <a:gdLst>
+              <a:gd name="connsiteX0" fmla="*/ 280681 w 4034316"/>
+              <a:gd name="connsiteY0" fmla="*/ 0 h 3486455"/>
+              <a:gd name="connsiteX1" fmla="*/ 4034316 w 4034316"/>
+              <a:gd name="connsiteY1" fmla="*/ 0 h 3486455"/>
+              <a:gd name="connsiteX2" fmla="*/ 4034316 w 4034316"/>
+              <a:gd name="connsiteY2" fmla="*/ 2800630 h 3486455"/>
+              <a:gd name="connsiteX3" fmla="*/ 3874752 w 4034316"/>
+              <a:gd name="connsiteY3" fmla="*/ 2945652 h 3486455"/>
+              <a:gd name="connsiteX4" fmla="*/ 2368296 w 4034316"/>
+              <a:gd name="connsiteY4" fmla="*/ 3486455 h 3486455"/>
+              <a:gd name="connsiteX5" fmla="*/ 0 w 4034316"/>
+              <a:gd name="connsiteY5" fmla="*/ 1118159 h 3486455"/>
+              <a:gd name="connsiteX6" fmla="*/ 186113 w 4034316"/>
+              <a:gd name="connsiteY6" fmla="*/ 196311 h 3486455"/>
+            </a:gdLst>
+            <a:ahLst/>
+            <a:cxnLst>
+              <a:cxn ang="0">
+                <a:pos x="connsiteX0" y="connsiteY0"/>
+              </a:cxn>
+              <a:cxn ang="0">
+                <a:pos x="connsiteX1" y="connsiteY1"/>
+              </a:cxn>
+              <a:cxn ang="0">
+                <a:pos x="connsiteX2" y="connsiteY2"/>
+              </a:cxn>
+              <a:cxn ang="0">
+                <a:pos x="connsiteX3" y="connsiteY3"/>
+              </a:cxn>
+              <a:cxn ang="0">
+                <a:pos x="connsiteX4" y="connsiteY4"/>
+              </a:cxn>
+              <a:cxn ang="0">
+                <a:pos x="connsiteX5" y="connsiteY5"/>
+              </a:cxn>
+              <a:cxn ang="0">
+                <a:pos x="connsiteX6" y="connsiteY6"/>
+              </a:cxn>
+            </a:cxnLst>
+            <a:rect l="l" t="t" r="r" b="b"/>
+            <a:pathLst>
+              <a:path w="4034316" h="3486455">
+                <a:moveTo>
+                  <a:pt x="280681" y="0"/>
+                </a:moveTo>
+                <a:lnTo>
+                  <a:pt x="4034316" y="0"/>
+                </a:lnTo>
+                <a:lnTo>
+                  <a:pt x="4034316" y="2800630"/>
+                </a:lnTo>
+                <a:lnTo>
+                  <a:pt x="3874752" y="2945652"/>
+                </a:lnTo>
+                <a:cubicBezTo>
+                  <a:pt x="3465371" y="3283503"/>
+                  <a:pt x="2940535" y="3486455"/>
+                  <a:pt x="2368296" y="3486455"/>
+                </a:cubicBezTo>
+                <a:cubicBezTo>
+                  <a:pt x="1060322" y="3486455"/>
+                  <a:pt x="0" y="2426133"/>
+                  <a:pt x="0" y="1118159"/>
+                </a:cubicBezTo>
+                <a:cubicBezTo>
+                  <a:pt x="0" y="791166"/>
+                  <a:pt x="66270" y="479650"/>
+                  <a:pt x="186113" y="196311"/>
+                </a:cubicBezTo>
+                <a:close/>
+              </a:path>
+            </a:pathLst>
+          </a:custGeom>
+        </p:spPr>
+      </p:pic>
+      <p:sp>
+        <p:nvSpPr>
+          <p:cNvPr id="21" name="Freeform: Shape 20">
+            <a:extLst>
+              <a:ext uri="{FF2B5EF4-FFF2-40B4-BE49-F238E27FC236}">
+                <a16:creationId xmlns:a16="http://schemas.microsoft.com/office/drawing/2014/main" id="{2B7592FE-10D1-4664-B623-353F47C8DF7F}"/>
+              </a:ext>
+              <a:ext uri="{C183D7F6-B498-43B3-948B-1728B52AA6E4}">
+                <adec:decorative xmlns:adec="http://schemas.microsoft.com/office/drawing/2017/decorative" val="1"/>
+              </a:ext>
+            </a:extLst>
+          </p:cNvPr>
+          <p:cNvSpPr>
+            <a:spLocks noGrp="1" noRot="1" noChangeAspect="1" noMove="1" noResize="1" noEditPoints="1" noAdjustHandles="1" noChangeArrowheads="1" noChangeShapeType="1" noTextEdit="1"/>
+          </p:cNvSpPr>
+          <p:nvPr>
+            <p:extLst>
+              <p:ext uri="{386F3935-93C4-4BCD-93E2-E3B085C9AB24}">
+                <p16:designElem xmlns:p16="http://schemas.microsoft.com/office/powerpoint/2015/main" val="1"/>
+              </p:ext>
+            </p:extLst>
+          </p:nvPr>
+        </p:nvSpPr>
+        <p:spPr>
+          <a:xfrm>
+            <a:off x="8888132" y="4032250"/>
+            <a:ext cx="3303868" cy="2825750"/>
+          </a:xfrm>
+          <a:custGeom>
+            <a:avLst/>
+            <a:gdLst>
+              <a:gd name="connsiteX0" fmla="*/ 1888600 w 3303868"/>
+              <a:gd name="connsiteY0" fmla="*/ 0 h 2825750"/>
+              <a:gd name="connsiteX1" fmla="*/ 3224042 w 3303868"/>
+              <a:gd name="connsiteY1" fmla="*/ 553158 h 2825750"/>
+              <a:gd name="connsiteX2" fmla="*/ 3303868 w 3303868"/>
+              <a:gd name="connsiteY2" fmla="*/ 640989 h 2825750"/>
+              <a:gd name="connsiteX3" fmla="*/ 3303868 w 3303868"/>
+              <a:gd name="connsiteY3" fmla="*/ 2825750 h 2825750"/>
+              <a:gd name="connsiteX4" fmla="*/ 250380 w 3303868"/>
+              <a:gd name="connsiteY4" fmla="*/ 2825750 h 2825750"/>
+              <a:gd name="connsiteX5" fmla="*/ 227944 w 3303868"/>
+              <a:gd name="connsiteY5" fmla="*/ 2788819 h 2825750"/>
+              <a:gd name="connsiteX6" fmla="*/ 0 w 3303868"/>
+              <a:gd name="connsiteY6" fmla="*/ 1888600 h 2825750"/>
+              <a:gd name="connsiteX7" fmla="*/ 1888600 w 3303868"/>
+              <a:gd name="connsiteY7" fmla="*/ 0 h 2825750"/>
+            </a:gdLst>
+            <a:ahLst/>
+            <a:cxnLst>
+              <a:cxn ang="0">
+                <a:pos x="connsiteX0" y="connsiteY0"/>
+              </a:cxn>
+              <a:cxn ang="0">
+                <a:pos x="connsiteX1" y="connsiteY1"/>
+              </a:cxn>
+              <a:cxn ang="0">
+                <a:pos x="connsiteX2" y="connsiteY2"/>
+              </a:cxn>
+              <a:cxn ang="0">
+                <a:pos x="connsiteX3" y="connsiteY3"/>
+              </a:cxn>
+              <a:cxn ang="0">
+                <a:pos x="connsiteX4" y="connsiteY4"/>
+              </a:cxn>
+              <a:cxn ang="0">
+                <a:pos x="connsiteX5" y="connsiteY5"/>
+              </a:cxn>
+              <a:cxn ang="0">
+                <a:pos x="connsiteX6" y="connsiteY6"/>
+              </a:cxn>
+              <a:cxn ang="0">
+                <a:pos x="connsiteX7" y="connsiteY7"/>
+              </a:cxn>
+            </a:cxnLst>
+            <a:rect l="l" t="t" r="r" b="b"/>
+            <a:pathLst>
+              <a:path w="3303868" h="2825750">
+                <a:moveTo>
+                  <a:pt x="1888600" y="0"/>
+                </a:moveTo>
+                <a:cubicBezTo>
+                  <a:pt x="2410123" y="0"/>
+                  <a:pt x="2882273" y="211389"/>
+                  <a:pt x="3224042" y="553158"/>
+                </a:cubicBezTo>
+                <a:lnTo>
+                  <a:pt x="3303868" y="640989"/>
+                </a:lnTo>
+                <a:lnTo>
+                  <a:pt x="3303868" y="2825750"/>
+                </a:lnTo>
+                <a:lnTo>
+                  <a:pt x="250380" y="2825750"/>
+                </a:lnTo>
+                <a:lnTo>
+                  <a:pt x="227944" y="2788819"/>
+                </a:lnTo>
+                <a:cubicBezTo>
+                  <a:pt x="82574" y="2521217"/>
+                  <a:pt x="0" y="2214552"/>
+                  <a:pt x="0" y="1888600"/>
+                </a:cubicBezTo>
+                <a:cubicBezTo>
+                  <a:pt x="0" y="845555"/>
+                  <a:pt x="845555" y="0"/>
+                  <a:pt x="1888600" y="0"/>
+                </a:cubicBezTo>
+                <a:close/>
+              </a:path>
+            </a:pathLst>
+          </a:custGeom>
+          <a:solidFill>
+            <a:srgbClr val="FFFFFF">
+              <a:alpha val="80000"/>
+            </a:srgbClr>
+          </a:solidFill>
+          <a:ln>
+            <a:noFill/>
+          </a:ln>
+        </p:spPr>
+        <p:style>
+          <a:lnRef idx="2">
+            <a:schemeClr val="accent1">
+              <a:shade val="50000"/>
+            </a:schemeClr>
+          </a:lnRef>
+          <a:fillRef idx="1">
+            <a:schemeClr val="accent1"/>
+          </a:fillRef>
+          <a:effectRef idx="0">
+            <a:schemeClr val="accent1"/>
+          </a:effectRef>
+          <a:fontRef idx="minor">
+            <a:schemeClr val="lt1"/>
+          </a:fontRef>
+        </p:style>
+        <p:txBody>
+          <a:bodyPr wrap="square" rtlCol="0" anchor="ctr">
+            <a:noAutofit/>
+          </a:bodyPr>
+          <a:lstStyle/>
+          <a:p>
+            <a:pPr marL="0" marR="0" lvl="0" indent="0" algn="ctr" defTabSz="914400" rtl="0" eaLnBrk="1" fontAlgn="auto" latinLnBrk="0" hangingPunct="1">
+              <a:lnSpc>
+                <a:spcPct val="100000"/>
+              </a:lnSpc>
+              <a:spcBef>
+                <a:spcPts val="0"/>
+              </a:spcBef>
+              <a:spcAft>
+                <a:spcPts val="0"/>
+              </a:spcAft>
+              <a:buClrTx/>
+              <a:buSzTx/>
+              <a:buFontTx/>
+              <a:buNone/>
+              <a:tabLst/>
+              <a:defRPr/>
+            </a:pPr>
+            <a:endParaRPr kumimoji="0" lang="en-US" sz="1800" b="0" i="0" u="none" strike="noStrike" kern="1200" cap="none" spc="0" normalizeH="0" baseline="0" noProof="0">
+              <a:ln>
+                <a:noFill/>
+              </a:ln>
+              <a:solidFill>
+                <a:prstClr val="white"/>
+              </a:solidFill>
+              <a:effectLst/>
+              <a:uLnTx/>
+              <a:uFillTx/>
+              <a:latin typeface="Calibri" panose="020F0502020204030204"/>
+              <a:ea typeface="+mn-ea"/>
+              <a:cs typeface="+mn-cs"/>
+            </a:endParaRPr>
+          </a:p>
+        </p:txBody>
+      </p:sp>
+      <p:pic>
+        <p:nvPicPr>
+          <p:cNvPr id="9" name="Image 8">
+            <a:extLst>
+              <a:ext uri="{FF2B5EF4-FFF2-40B4-BE49-F238E27FC236}">
+                <a16:creationId xmlns:a16="http://schemas.microsoft.com/office/drawing/2014/main" id="{D5C2FC63-C058-4EE5-9663-D1F077F43849}"/>
+              </a:ext>
+            </a:extLst>
+          </p:cNvPr>
+          <p:cNvPicPr>
+            <a:picLocks noChangeAspect="1"/>
+          </p:cNvPicPr>
+          <p:nvPr/>
+        </p:nvPicPr>
+        <p:blipFill rotWithShape="1">
+          <a:blip r:embed="rId4" cstate="print">
+            <a:extLst>
+              <a:ext uri="{28A0092B-C50C-407E-A947-70E740481C1C}">
+                <a14:useLocalDpi xmlns:a14="http://schemas.microsoft.com/office/drawing/2010/main" val="0"/>
+              </a:ext>
+            </a:extLst>
+          </a:blip>
+          <a:srcRect l="7385" r="13874" b="5"/>
+          <a:stretch/>
+        </p:blipFill>
+        <p:spPr>
+          <a:xfrm>
+            <a:off x="9053088" y="4197217"/>
+            <a:ext cx="3138912" cy="2660795"/>
+          </a:xfrm>
+          <a:custGeom>
+            <a:avLst/>
+            <a:gdLst>
+              <a:gd name="connsiteX0" fmla="*/ 1723644 w 3138912"/>
+              <a:gd name="connsiteY0" fmla="*/ 0 h 2660795"/>
+              <a:gd name="connsiteX1" fmla="*/ 3053691 w 3138912"/>
+              <a:gd name="connsiteY1" fmla="*/ 627247 h 2660795"/>
+              <a:gd name="connsiteX2" fmla="*/ 3138912 w 3138912"/>
+              <a:gd name="connsiteY2" fmla="*/ 741211 h 2660795"/>
+              <a:gd name="connsiteX3" fmla="*/ 3138912 w 3138912"/>
+              <a:gd name="connsiteY3" fmla="*/ 2660795 h 2660795"/>
+              <a:gd name="connsiteX4" fmla="*/ 278239 w 3138912"/>
+              <a:gd name="connsiteY4" fmla="*/ 2660795 h 2660795"/>
+              <a:gd name="connsiteX5" fmla="*/ 208035 w 3138912"/>
+              <a:gd name="connsiteY5" fmla="*/ 2545235 h 2660795"/>
+              <a:gd name="connsiteX6" fmla="*/ 0 w 3138912"/>
+              <a:gd name="connsiteY6" fmla="*/ 1723644 h 2660795"/>
+              <a:gd name="connsiteX7" fmla="*/ 1723644 w 3138912"/>
+              <a:gd name="connsiteY7" fmla="*/ 0 h 2660795"/>
+            </a:gdLst>
+            <a:ahLst/>
+            <a:cxnLst>
+              <a:cxn ang="0">
+                <a:pos x="connsiteX0" y="connsiteY0"/>
+              </a:cxn>
+              <a:cxn ang="0">
+                <a:pos x="connsiteX1" y="connsiteY1"/>
+              </a:cxn>
+              <a:cxn ang="0">
+                <a:pos x="connsiteX2" y="connsiteY2"/>
+              </a:cxn>
+              <a:cxn ang="0">
+                <a:pos x="connsiteX3" y="connsiteY3"/>
+              </a:cxn>
+              <a:cxn ang="0">
+                <a:pos x="connsiteX4" y="connsiteY4"/>
+              </a:cxn>
+              <a:cxn ang="0">
+                <a:pos x="connsiteX5" y="connsiteY5"/>
+              </a:cxn>
+              <a:cxn ang="0">
+                <a:pos x="connsiteX6" y="connsiteY6"/>
+              </a:cxn>
+              <a:cxn ang="0">
+                <a:pos x="connsiteX7" y="connsiteY7"/>
+              </a:cxn>
+            </a:cxnLst>
+            <a:rect l="l" t="t" r="r" b="b"/>
+            <a:pathLst>
+              <a:path w="3138912" h="2660795">
+                <a:moveTo>
+                  <a:pt x="1723644" y="0"/>
+                </a:moveTo>
+                <a:cubicBezTo>
+                  <a:pt x="2259111" y="0"/>
+                  <a:pt x="2737550" y="244172"/>
+                  <a:pt x="3053691" y="627247"/>
+                </a:cubicBezTo>
+                <a:lnTo>
+                  <a:pt x="3138912" y="741211"/>
+                </a:lnTo>
+                <a:lnTo>
+                  <a:pt x="3138912" y="2660795"/>
+                </a:lnTo>
+                <a:lnTo>
+                  <a:pt x="278239" y="2660795"/>
+                </a:lnTo>
+                <a:lnTo>
+                  <a:pt x="208035" y="2545235"/>
+                </a:lnTo>
+                <a:cubicBezTo>
+                  <a:pt x="75362" y="2301006"/>
+                  <a:pt x="0" y="2021126"/>
+                  <a:pt x="0" y="1723644"/>
+                </a:cubicBezTo>
+                <a:cubicBezTo>
+                  <a:pt x="0" y="771702"/>
+                  <a:pt x="771702" y="0"/>
+                  <a:pt x="1723644" y="0"/>
+                </a:cubicBezTo>
+                <a:close/>
+              </a:path>
+            </a:pathLst>
+          </a:custGeom>
+        </p:spPr>
+      </p:pic>
+      <p:sp>
+        <p:nvSpPr>
+          <p:cNvPr id="13" name="Titre 1">
+            <a:extLst>
+              <a:ext uri="{FF2B5EF4-FFF2-40B4-BE49-F238E27FC236}">
+                <a16:creationId xmlns:a16="http://schemas.microsoft.com/office/drawing/2014/main" id="{D14A29FD-1266-41AC-B668-60E7B5EC88DF}"/>
+              </a:ext>
+            </a:extLst>
+          </p:cNvPr>
+          <p:cNvSpPr txBox="1">
+            <a:spLocks/>
+          </p:cNvSpPr>
+          <p:nvPr/>
+        </p:nvSpPr>
+        <p:spPr>
+          <a:xfrm>
+            <a:off x="3190146" y="208349"/>
+            <a:ext cx="4347411" cy="1353029"/>
+          </a:xfrm>
+          <a:prstGeom prst="rect">
+            <a:avLst/>
+          </a:prstGeom>
+          <a:noFill/>
+          <a:ln w="19050">
+            <a:solidFill>
+              <a:schemeClr val="tx1"/>
+            </a:solidFill>
+          </a:ln>
+        </p:spPr>
+        <p:txBody>
+          <a:bodyPr vert="horz" wrap="square" lIns="91440" tIns="45720" rIns="91440" bIns="45720" rtlCol="0" anchor="ctr">
+            <a:normAutofit/>
+          </a:bodyPr>
+          <a:lstStyle>
+            <a:lvl1pPr algn="l" defTabSz="914400" rtl="0" eaLnBrk="1" latinLnBrk="0" hangingPunct="1">
+              <a:lnSpc>
+                <a:spcPct val="90000"/>
+              </a:lnSpc>
+              <a:spcBef>
+                <a:spcPct val="0"/>
+              </a:spcBef>
+              <a:buNone/>
+              <a:defRPr sz="4400" kern="1200">
+                <a:solidFill>
+                  <a:schemeClr val="tx1"/>
+                </a:solidFill>
+                <a:latin typeface="+mj-lt"/>
+                <a:ea typeface="+mj-ea"/>
+                <a:cs typeface="+mj-cs"/>
+              </a:defRPr>
+            </a:lvl1pPr>
+          </a:lstStyle>
+          <a:p>
+            <a:pPr algn="ctr"/>
+            <a:r>
+              <a:rPr lang="fr-FR" sz="6000" dirty="0">
+                <a:latin typeface="Arial" panose="020B0604020202020204" pitchFamily="34" charset="0"/>
+                <a:cs typeface="Arial" panose="020B0604020202020204" pitchFamily="34" charset="0"/>
+              </a:rPr>
+              <a:t>Sommaire</a:t>
+            </a:r>
+            <a:endParaRPr lang="fr-FR" sz="6000" dirty="0">
+              <a:solidFill>
+                <a:schemeClr val="bg1"/>
+              </a:solidFill>
+              <a:latin typeface="Arial" panose="020B0604020202020204" pitchFamily="34" charset="0"/>
+              <a:cs typeface="Arial" panose="020B0604020202020204" pitchFamily="34" charset="0"/>
+            </a:endParaRPr>
+          </a:p>
+        </p:txBody>
+      </p:sp>
+    </p:spTree>
+    <p:extLst>
+      <p:ext uri="{BB962C8B-B14F-4D97-AF65-F5344CB8AC3E}">
+        <p14:creationId xmlns:p14="http://schemas.microsoft.com/office/powerpoint/2010/main" val="2558620229"/>
+      </p:ext>
+    </p:extLst>
+  </p:cSld>
+  <p:clrMapOvr>
+    <a:overrideClrMapping bg1="dk1" tx1="lt1" bg2="dk2" tx2="lt2" accent1="accent1" accent2="accent2" accent3="accent3" accent4="accent4" accent5="accent5" accent6="accent6" hlink="hlink" folHlink="folHlink"/>
+  </p:clrMapOvr>
+  <mc:AlternateContent xmlns:mc="http://schemas.openxmlformats.org/markup-compatibility/2006">
+    <mc:Choice xmlns:p159="http://schemas.microsoft.com/office/powerpoint/2015/09/main" Requires="p159">
+      <p:transition xmlns:p14="http://schemas.microsoft.com/office/powerpoint/2010/main" spd="slow" p14:dur="2000">
+        <p159:morph option="byObject"/>
+      </p:transition>
+    </mc:Choice>
+    <mc:Fallback>
+      <p:transition spd="slow">
+        <p:fade/>
+      </p:transition>
+    </mc:Fallback>
+  </mc:AlternateContent>
+</p:sld>
+</file>
+
+<file path=ppt/slides/slide4.xml><?xml version="1.0" encoding="utf-8"?>
+<p:sld xmlns:a="http://schemas.openxmlformats.org/drawingml/2006/main" xmlns:r="http://schemas.openxmlformats.org/officeDocument/2006/relationships" xmlns:p="http://schemas.openxmlformats.org/presentationml/2006/main">
+  <p:cSld>
+    <p:bg>
+      <p:bgPr>
+        <a:solidFill>
+          <a:schemeClr val="bg1"/>
+        </a:solidFill>
+        <a:effectLst/>
+      </p:bgPr>
+    </p:bg>
+    <p:spTree>
+      <p:nvGrpSpPr>
+        <p:cNvPr id="1" name=""/>
+        <p:cNvGrpSpPr/>
+        <p:nvPr/>
+      </p:nvGrpSpPr>
+      <p:grpSpPr>
+        <a:xfrm>
+          <a:off x="0" y="0"/>
+          <a:ext cx="0" cy="0"/>
+          <a:chOff x="0" y="0"/>
+          <a:chExt cx="0" cy="0"/>
+        </a:xfrm>
+      </p:grpSpPr>
+      <p:sp>
+        <p:nvSpPr>
+          <p:cNvPr id="2" name="Titre 1">
+            <a:extLst>
+              <a:ext uri="{FF2B5EF4-FFF2-40B4-BE49-F238E27FC236}">
+                <a16:creationId xmlns:a16="http://schemas.microsoft.com/office/drawing/2014/main" id="{219E7A32-0CE5-44C8-AD3B-AC6C0D2B3BAE}"/>
+              </a:ext>
+            </a:extLst>
+          </p:cNvPr>
+          <p:cNvSpPr>
+            <a:spLocks noGrp="1"/>
+          </p:cNvSpPr>
+          <p:nvPr>
+            <p:ph type="title"/>
+          </p:nvPr>
+        </p:nvSpPr>
+        <p:spPr>
+          <a:xfrm>
+            <a:off x="5983020" y="401053"/>
+            <a:ext cx="5952306" cy="2045421"/>
+          </a:xfrm>
+          <a:ln w="12700">
+            <a:solidFill>
+              <a:schemeClr val="tx1"/>
+            </a:solidFill>
+          </a:ln>
+        </p:spPr>
+        <p:txBody>
+          <a:bodyPr>
+            <a:normAutofit/>
+          </a:bodyPr>
+          <a:lstStyle/>
+          <a:p>
+            <a:pPr algn="ctr"/>
+            <a:r>
+              <a:rPr lang="fr-FR" sz="4000" dirty="0">
+                <a:latin typeface="Arial" panose="020B0604020202020204" pitchFamily="34" charset="0"/>
+                <a:cs typeface="Arial" panose="020B0604020202020204" pitchFamily="34" charset="0"/>
+              </a:rPr>
+              <a:t>Les nœuds borroméens</a:t>
+            </a:r>
+          </a:p>
+        </p:txBody>
+      </p:sp>
+      <p:sp>
+        <p:nvSpPr>
+          <p:cNvPr id="13" name="Freeform 6">
+            <a:extLst>
+              <a:ext uri="{FF2B5EF4-FFF2-40B4-BE49-F238E27FC236}">
+                <a16:creationId xmlns:a16="http://schemas.microsoft.com/office/drawing/2014/main" id="{B6C29DB0-17E9-42FF-986E-0B7F493F4D24}"/>
+              </a:ext>
+              <a:ext uri="{C183D7F6-B498-43B3-948B-1728B52AA6E4}">
+                <adec:decorative xmlns:adec="http://schemas.microsoft.com/office/drawing/2017/decorative" val="1"/>
+              </a:ext>
+            </a:extLst>
+          </p:cNvPr>
+          <p:cNvSpPr>
+            <a:spLocks noGrp="1" noRot="1" noChangeAspect="1" noMove="1" noResize="1" noEditPoints="1" noAdjustHandles="1" noChangeArrowheads="1" noChangeShapeType="1" noTextEdit="1"/>
+          </p:cNvSpPr>
+          <p:nvPr>
+            <p:extLst>
+              <p:ext uri="{386F3935-93C4-4BCD-93E2-E3B085C9AB24}">
+                <p16:designElem xmlns:p16="http://schemas.microsoft.com/office/powerpoint/2015/main" val="1"/>
+              </p:ext>
+            </p:extLst>
+          </p:nvPr>
+        </p:nvSpPr>
+        <p:spPr bwMode="auto">
+          <a:xfrm>
+            <a:off x="2199584" y="1685652"/>
+            <a:ext cx="3275013" cy="4408488"/>
+          </a:xfrm>
+          <a:custGeom>
+            <a:avLst/>
+            <a:gdLst/>
+            <a:ahLst/>
+            <a:cxnLst/>
+            <a:rect l="l" t="t" r="r" b="b"/>
+            <a:pathLst>
+              <a:path w="10000" h="10000">
+                <a:moveTo>
+                  <a:pt x="8761" y="0"/>
+                </a:moveTo>
+                <a:lnTo>
+                  <a:pt x="10000" y="0"/>
+                </a:lnTo>
+                <a:lnTo>
+                  <a:pt x="10000" y="10000"/>
+                </a:lnTo>
+                <a:lnTo>
+                  <a:pt x="0" y="10000"/>
+                </a:lnTo>
+                <a:lnTo>
+                  <a:pt x="0" y="9126"/>
+                </a:lnTo>
+                <a:lnTo>
+                  <a:pt x="8761" y="9127"/>
+                </a:lnTo>
+                <a:lnTo>
+                  <a:pt x="8761" y="0"/>
+                </a:lnTo>
+                <a:close/>
+              </a:path>
+            </a:pathLst>
+          </a:custGeom>
+          <a:solidFill>
+            <a:srgbClr val="4C4C4C"/>
+          </a:solidFill>
+          <a:ln w="0">
+            <a:noFill/>
+            <a:prstDash val="solid"/>
+            <a:round/>
+            <a:headEnd/>
+            <a:tailEnd/>
+          </a:ln>
+        </p:spPr>
+        <p:txBody>
+          <a:bodyPr/>
+          <a:lstStyle/>
+          <a:p>
+            <a:pPr marL="0" marR="0" lvl="0" indent="0" algn="l" defTabSz="914400" rtl="0" eaLnBrk="1" fontAlgn="auto" latinLnBrk="0" hangingPunct="1">
+              <a:lnSpc>
+                <a:spcPct val="100000"/>
+              </a:lnSpc>
+              <a:spcBef>
+                <a:spcPts val="0"/>
+              </a:spcBef>
+              <a:spcAft>
+                <a:spcPts val="0"/>
+              </a:spcAft>
+              <a:buClrTx/>
+              <a:buSzTx/>
+              <a:buFontTx/>
+              <a:buNone/>
+              <a:tabLst/>
+              <a:defRPr/>
+            </a:pPr>
+            <a:endParaRPr kumimoji="0" lang="en-US" sz="1800" b="0" i="0" u="none" strike="noStrike" kern="1200" cap="none" spc="0" normalizeH="0" baseline="0" noProof="0">
+              <a:ln>
+                <a:noFill/>
+              </a:ln>
+              <a:solidFill>
+                <a:prstClr val="black"/>
+              </a:solidFill>
+              <a:effectLst/>
+              <a:uLnTx/>
+              <a:uFillTx/>
+              <a:latin typeface="Calibri" panose="020F0502020204030204"/>
+              <a:ea typeface="+mn-ea"/>
+              <a:cs typeface="+mn-cs"/>
+            </a:endParaRPr>
+          </a:p>
+        </p:txBody>
+      </p:sp>
+      <p:sp>
+        <p:nvSpPr>
+          <p:cNvPr id="15" name="Freeform 6">
+            <a:extLst>
+              <a:ext uri="{FF2B5EF4-FFF2-40B4-BE49-F238E27FC236}">
+                <a16:creationId xmlns:a16="http://schemas.microsoft.com/office/drawing/2014/main" id="{115AD956-A5B6-4760-B8B2-11E2DF6B0212}"/>
+              </a:ext>
+              <a:ext uri="{C183D7F6-B498-43B3-948B-1728B52AA6E4}">
+                <adec:decorative xmlns:adec="http://schemas.microsoft.com/office/drawing/2017/decorative" val="1"/>
+              </a:ext>
+            </a:extLst>
+          </p:cNvPr>
+          <p:cNvSpPr>
+            <a:spLocks noGrp="1" noRot="1" noChangeAspect="1" noMove="1" noResize="1" noEditPoints="1" noAdjustHandles="1" noChangeArrowheads="1" noChangeShapeType="1" noTextEdit="1"/>
+          </p:cNvSpPr>
+          <p:nvPr>
+            <p:extLst>
+              <p:ext uri="{386F3935-93C4-4BCD-93E2-E3B085C9AB24}">
+                <p16:designElem xmlns:p16="http://schemas.microsoft.com/office/powerpoint/2015/main" val="1"/>
+              </p:ext>
+            </p:extLst>
+          </p:nvPr>
+        </p:nvSpPr>
+        <p:spPr bwMode="auto">
+          <a:xfrm flipH="1" flipV="1">
+            <a:off x="752858" y="744469"/>
+            <a:ext cx="3275668" cy="4408488"/>
+          </a:xfrm>
+          <a:custGeom>
+            <a:avLst/>
+            <a:gdLst/>
+            <a:ahLst/>
+            <a:cxnLst/>
+            <a:rect l="l" t="t" r="r" b="b"/>
+            <a:pathLst>
+              <a:path w="10002" h="10000">
+                <a:moveTo>
+                  <a:pt x="8763" y="0"/>
+                </a:moveTo>
+                <a:lnTo>
+                  <a:pt x="10002" y="0"/>
+                </a:lnTo>
+                <a:lnTo>
+                  <a:pt x="10002" y="10000"/>
+                </a:lnTo>
+                <a:lnTo>
+                  <a:pt x="2" y="10000"/>
+                </a:lnTo>
+                <a:cubicBezTo>
+                  <a:pt x="-2" y="9698"/>
+                  <a:pt x="4" y="9427"/>
+                  <a:pt x="0" y="9125"/>
+                </a:cubicBezTo>
+                <a:lnTo>
+                  <a:pt x="8763" y="9128"/>
+                </a:lnTo>
+                <a:lnTo>
+                  <a:pt x="8763" y="0"/>
+                </a:lnTo>
+                <a:close/>
+              </a:path>
+            </a:pathLst>
+          </a:custGeom>
+          <a:solidFill>
+            <a:srgbClr val="4C4C4C"/>
+          </a:solidFill>
+          <a:ln w="0">
+            <a:noFill/>
+            <a:prstDash val="solid"/>
+            <a:round/>
+            <a:headEnd/>
+            <a:tailEnd/>
+          </a:ln>
+        </p:spPr>
+      </p:sp>
+      <p:pic>
+        <p:nvPicPr>
+          <p:cNvPr id="8" name="Espace réservé du contenu 4">
+            <a:extLst>
+              <a:ext uri="{FF2B5EF4-FFF2-40B4-BE49-F238E27FC236}">
+                <a16:creationId xmlns:a16="http://schemas.microsoft.com/office/drawing/2014/main" id="{27A66E94-6BD4-4C69-819B-A5355DAB2091}"/>
+              </a:ext>
+            </a:extLst>
+          </p:cNvPr>
+          <p:cNvPicPr>
+            <a:picLocks noChangeAspect="1"/>
+          </p:cNvPicPr>
+          <p:nvPr/>
+        </p:nvPicPr>
+        <p:blipFill>
+          <a:blip r:embed="rId2">
+            <a:extLst>
+              <a:ext uri="{28A0092B-C50C-407E-A947-70E740481C1C}">
+                <a14:useLocalDpi xmlns:a14="http://schemas.microsoft.com/office/drawing/2010/main" val="0"/>
+              </a:ext>
+            </a:extLst>
+          </a:blip>
+          <a:stretch>
+            <a:fillRect/>
+          </a:stretch>
+        </p:blipFill>
+        <p:spPr>
+          <a:xfrm>
+            <a:off x="1498329" y="1885393"/>
+            <a:ext cx="3227542" cy="3087214"/>
           </a:xfrm>
           <a:prstGeom prst="rect">
             <a:avLst/>
           </a:prstGeom>
         </p:spPr>
       </p:pic>
-      <p:cxnSp>
-        <p:nvCxnSpPr>
-          <p:cNvPr id="9" name="Straight Connector 8">
+      <p:sp>
+        <p:nvSpPr>
+          <p:cNvPr id="6" name="ZoneTexte 5">
             <a:extLst>
               <a:ext uri="{FF2B5EF4-FFF2-40B4-BE49-F238E27FC236}">
-                <a16:creationId xmlns:a16="http://schemas.microsoft.com/office/drawing/2014/main" id="{E126E481-B945-4179-BD79-05E96E9B29E1}"/>
+                <a16:creationId xmlns:a16="http://schemas.microsoft.com/office/drawing/2014/main" id="{C23B2963-5F91-400B-8017-AE0A22ECFC48}"/>
+              </a:ext>
+            </a:extLst>
+          </p:cNvPr>
+          <p:cNvSpPr txBox="1"/>
+          <p:nvPr/>
+        </p:nvSpPr>
+        <p:spPr>
+          <a:xfrm>
+            <a:off x="3456733" y="1885393"/>
+            <a:ext cx="1580147" cy="646331"/>
+          </a:xfrm>
+          <a:prstGeom prst="rect">
+            <a:avLst/>
+          </a:prstGeom>
+          <a:noFill/>
+        </p:spPr>
+        <p:txBody>
+          <a:bodyPr wrap="square" rtlCol="0">
+            <a:spAutoFit/>
+          </a:bodyPr>
+          <a:lstStyle/>
+          <a:p>
+            <a:r>
+              <a:rPr lang="en-US" dirty="0">
+                <a:solidFill>
+                  <a:schemeClr val="accent1"/>
+                </a:solidFill>
+              </a:rPr>
+              <a:t>ECONOMIQUE</a:t>
+            </a:r>
+          </a:p>
+          <a:p>
+            <a:endParaRPr lang="fr-FR" dirty="0"/>
+          </a:p>
+        </p:txBody>
+      </p:sp>
+      <p:sp>
+        <p:nvSpPr>
+          <p:cNvPr id="7" name="ZoneTexte 6">
+            <a:extLst>
+              <a:ext uri="{FF2B5EF4-FFF2-40B4-BE49-F238E27FC236}">
+                <a16:creationId xmlns:a16="http://schemas.microsoft.com/office/drawing/2014/main" id="{EF8AC273-AD17-445F-90AB-23581644A65C}"/>
+              </a:ext>
+            </a:extLst>
+          </p:cNvPr>
+          <p:cNvSpPr txBox="1"/>
+          <p:nvPr/>
+        </p:nvSpPr>
+        <p:spPr>
+          <a:xfrm>
+            <a:off x="2908176" y="4654052"/>
+            <a:ext cx="2254256" cy="646331"/>
+          </a:xfrm>
+          <a:prstGeom prst="rect">
+            <a:avLst/>
+          </a:prstGeom>
+          <a:noFill/>
+        </p:spPr>
+        <p:txBody>
+          <a:bodyPr wrap="square" rtlCol="0">
+            <a:spAutoFit/>
+          </a:bodyPr>
+          <a:lstStyle/>
+          <a:p>
+            <a:r>
+              <a:rPr lang="en-US">
+                <a:solidFill>
+                  <a:srgbClr val="92D050"/>
+                </a:solidFill>
+              </a:rPr>
+              <a:t>SOCIETALE ET ENVIRONNEMENTAL</a:t>
+            </a:r>
+            <a:endParaRPr lang="en-US" dirty="0">
+              <a:solidFill>
+                <a:srgbClr val="92D050"/>
+              </a:solidFill>
+            </a:endParaRPr>
+          </a:p>
+        </p:txBody>
+      </p:sp>
+      <p:sp>
+        <p:nvSpPr>
+          <p:cNvPr id="9" name="ZoneTexte 8">
+            <a:extLst>
+              <a:ext uri="{FF2B5EF4-FFF2-40B4-BE49-F238E27FC236}">
+                <a16:creationId xmlns:a16="http://schemas.microsoft.com/office/drawing/2014/main" id="{C7910ACC-D55F-427B-8B5D-4D3BF46EB2D8}"/>
+              </a:ext>
+            </a:extLst>
+          </p:cNvPr>
+          <p:cNvSpPr txBox="1"/>
+          <p:nvPr/>
+        </p:nvSpPr>
+        <p:spPr>
+          <a:xfrm>
+            <a:off x="1185576" y="2948713"/>
+            <a:ext cx="1205116" cy="369332"/>
+          </a:xfrm>
+          <a:prstGeom prst="rect">
+            <a:avLst/>
+          </a:prstGeom>
+          <a:noFill/>
+        </p:spPr>
+        <p:txBody>
+          <a:bodyPr wrap="square" rtlCol="0">
+            <a:spAutoFit/>
+          </a:bodyPr>
+          <a:lstStyle/>
+          <a:p>
+            <a:r>
+              <a:rPr lang="en-US">
+                <a:solidFill>
+                  <a:srgbClr val="FF0000"/>
+                </a:solidFill>
+              </a:rPr>
+              <a:t>HUMAINE</a:t>
+            </a:r>
+            <a:endParaRPr lang="en-US" dirty="0">
+              <a:solidFill>
+                <a:srgbClr val="FF0000"/>
+              </a:solidFill>
+            </a:endParaRPr>
+          </a:p>
+        </p:txBody>
+      </p:sp>
+      <p:sp>
+        <p:nvSpPr>
+          <p:cNvPr id="19" name="ZoneTexte 18">
+            <a:extLst>
+              <a:ext uri="{FF2B5EF4-FFF2-40B4-BE49-F238E27FC236}">
+                <a16:creationId xmlns:a16="http://schemas.microsoft.com/office/drawing/2014/main" id="{C856EBA6-32F5-4153-B61D-A13B60184BF3}"/>
+              </a:ext>
+            </a:extLst>
+          </p:cNvPr>
+          <p:cNvSpPr txBox="1"/>
+          <p:nvPr/>
+        </p:nvSpPr>
+        <p:spPr>
+          <a:xfrm>
+            <a:off x="6299264" y="3320309"/>
+            <a:ext cx="5446295" cy="1200329"/>
+          </a:xfrm>
+          <a:prstGeom prst="rect">
+            <a:avLst/>
+          </a:prstGeom>
+          <a:noFill/>
+        </p:spPr>
+        <p:txBody>
+          <a:bodyPr wrap="square" rtlCol="0">
+            <a:spAutoFit/>
+          </a:bodyPr>
+          <a:lstStyle/>
+          <a:p>
+            <a:r>
+              <a:rPr lang="fr-FR" i="1" dirty="0"/>
+              <a:t>Nous pensons que la performance d'une entreprise n'est pas la recherche d'un record mais la recherche d’un équilibre entre trois finalités indissociables et complémentaires</a:t>
+            </a:r>
+            <a:endParaRPr lang="fr-FR" dirty="0"/>
+          </a:p>
+        </p:txBody>
+      </p:sp>
+    </p:spTree>
+    <p:extLst>
+      <p:ext uri="{BB962C8B-B14F-4D97-AF65-F5344CB8AC3E}">
+        <p14:creationId xmlns:p14="http://schemas.microsoft.com/office/powerpoint/2010/main" val="2891824014"/>
+      </p:ext>
+    </p:extLst>
+  </p:cSld>
+  <p:clrMapOvr>
+    <a:masterClrMapping/>
+  </p:clrMapOvr>
+</p:sld>
+</file>
+
+<file path=ppt/slides/slide5.xml><?xml version="1.0" encoding="utf-8"?>
+<p:sld xmlns:a="http://schemas.openxmlformats.org/drawingml/2006/main" xmlns:r="http://schemas.openxmlformats.org/officeDocument/2006/relationships" xmlns:p="http://schemas.openxmlformats.org/presentationml/2006/main">
+  <p:cSld>
+    <p:bg>
+      <p:bgPr>
+        <a:solidFill>
+          <a:schemeClr val="bg1">
+            <a:tint val="95000"/>
+            <a:satMod val="170000"/>
+          </a:schemeClr>
+        </a:solidFill>
+        <a:effectLst/>
+      </p:bgPr>
+    </p:bg>
+    <p:spTree>
+      <p:nvGrpSpPr>
+        <p:cNvPr id="1" name=""/>
+        <p:cNvGrpSpPr/>
+        <p:nvPr/>
+      </p:nvGrpSpPr>
+      <p:grpSpPr>
+        <a:xfrm>
+          <a:off x="0" y="0"/>
+          <a:ext cx="0" cy="0"/>
+          <a:chOff x="0" y="0"/>
+          <a:chExt cx="0" cy="0"/>
+        </a:xfrm>
+      </p:grpSpPr>
+      <p:sp>
+        <p:nvSpPr>
+          <p:cNvPr id="2" name="Titre 1">
+            <a:extLst>
+              <a:ext uri="{FF2B5EF4-FFF2-40B4-BE49-F238E27FC236}">
+                <a16:creationId xmlns:a16="http://schemas.microsoft.com/office/drawing/2014/main" id="{AEE589FB-D80B-4CD2-9786-387588A4B0E6}"/>
+              </a:ext>
+            </a:extLst>
+          </p:cNvPr>
+          <p:cNvSpPr>
+            <a:spLocks noGrp="1"/>
+          </p:cNvSpPr>
+          <p:nvPr>
+            <p:ph type="title"/>
+          </p:nvPr>
+        </p:nvSpPr>
+        <p:spPr>
+          <a:xfrm>
+            <a:off x="804672" y="723578"/>
+            <a:ext cx="3387106" cy="1645501"/>
+          </a:xfrm>
+          <a:ln>
+            <a:solidFill>
+              <a:schemeClr val="tx1"/>
+            </a:solidFill>
+          </a:ln>
+        </p:spPr>
+        <p:txBody>
+          <a:bodyPr>
+            <a:normAutofit/>
+          </a:bodyPr>
+          <a:lstStyle/>
+          <a:p>
+            <a:pPr algn="ctr"/>
+            <a:r>
+              <a:rPr lang="fr-FR" dirty="0">
+                <a:latin typeface="Arial" panose="020B0604020202020204" pitchFamily="34" charset="0"/>
+                <a:cs typeface="Arial" panose="020B0604020202020204" pitchFamily="34" charset="0"/>
+              </a:rPr>
+              <a:t>Quelques chiffres…</a:t>
+            </a:r>
+          </a:p>
+        </p:txBody>
+      </p:sp>
+      <p:sp>
+        <p:nvSpPr>
+          <p:cNvPr id="18" name="Content Placeholder 17">
+            <a:extLst>
+              <a:ext uri="{FF2B5EF4-FFF2-40B4-BE49-F238E27FC236}">
+                <a16:creationId xmlns:a16="http://schemas.microsoft.com/office/drawing/2014/main" id="{F5418EF2-5D3B-4ECA-9ECE-223CA69E75D0}"/>
+              </a:ext>
+            </a:extLst>
+          </p:cNvPr>
+          <p:cNvSpPr>
+            <a:spLocks noGrp="1"/>
+          </p:cNvSpPr>
+          <p:nvPr>
+            <p:ph idx="1"/>
+          </p:nvPr>
+        </p:nvSpPr>
+        <p:spPr>
+          <a:xfrm>
+            <a:off x="804672" y="3205692"/>
+            <a:ext cx="3387105" cy="2063638"/>
+          </a:xfrm>
+        </p:spPr>
+        <p:txBody>
+          <a:bodyPr>
+            <a:normAutofit/>
+          </a:bodyPr>
+          <a:lstStyle/>
+          <a:p>
+            <a:pPr marL="0" indent="0">
+              <a:buNone/>
+            </a:pPr>
+            <a:r>
+              <a:rPr lang="en-US" sz="1800" dirty="0">
+                <a:latin typeface="Arial" panose="020B0604020202020204" pitchFamily="34" charset="0"/>
+                <a:cs typeface="Arial" panose="020B0604020202020204" pitchFamily="34" charset="0"/>
+              </a:rPr>
+              <a:t>Trois secteurs d’activités principaux :</a:t>
+            </a:r>
+          </a:p>
+          <a:p>
+            <a:r>
+              <a:rPr lang="en-US" sz="1800" dirty="0">
+                <a:latin typeface="Arial" panose="020B0604020202020204" pitchFamily="34" charset="0"/>
+                <a:cs typeface="Arial" panose="020B0604020202020204" pitchFamily="34" charset="0"/>
+              </a:rPr>
+              <a:t>Santé et social</a:t>
+            </a:r>
+          </a:p>
+          <a:p>
+            <a:r>
+              <a:rPr lang="en-US" sz="1800" dirty="0">
+                <a:latin typeface="Arial" panose="020B0604020202020204" pitchFamily="34" charset="0"/>
+                <a:cs typeface="Arial" panose="020B0604020202020204" pitchFamily="34" charset="0"/>
+              </a:rPr>
+              <a:t>Grande distribution</a:t>
+            </a:r>
+          </a:p>
+          <a:p>
+            <a:r>
+              <a:rPr lang="en-US" sz="1800" dirty="0">
+                <a:latin typeface="Arial" panose="020B0604020202020204" pitchFamily="34" charset="0"/>
+                <a:cs typeface="Arial" panose="020B0604020202020204" pitchFamily="34" charset="0"/>
+              </a:rPr>
+              <a:t>Banque et assurance</a:t>
+            </a:r>
+          </a:p>
+        </p:txBody>
+      </p:sp>
+      <p:sp>
+        <p:nvSpPr>
+          <p:cNvPr id="60" name="Rectangle 59">
+            <a:extLst>
+              <a:ext uri="{FF2B5EF4-FFF2-40B4-BE49-F238E27FC236}">
+                <a16:creationId xmlns:a16="http://schemas.microsoft.com/office/drawing/2014/main" id="{EBB6D9F6-3E47-45AD-8461-718A3C87E3E8}"/>
               </a:ext>
               <a:ext uri="{C183D7F6-B498-43B3-948B-1728B52AA6E4}">
                 <adec:decorative xmlns:adec="http://schemas.microsoft.com/office/drawing/2017/decorative" val="1"/>
               </a:ext>
             </a:extLst>
           </p:cNvPr>
-          <p:cNvCxnSpPr>
-            <a:cxnSpLocks noGrp="1" noRot="1" noChangeAspect="1" noMove="1" noResize="1" noEditPoints="1" noAdjustHandles="1" noChangeArrowheads="1" noChangeShapeType="1"/>
-          </p:cNvCxnSpPr>
+          <p:cNvSpPr>
+            <a:spLocks noGrp="1" noRot="1" noChangeAspect="1" noMove="1" noResize="1" noEditPoints="1" noAdjustHandles="1" noChangeArrowheads="1" noChangeShapeType="1" noTextEdit="1"/>
+          </p:cNvSpPr>
           <p:nvPr>
             <p:extLst>
               <p:ext uri="{386F3935-93C4-4BCD-93E2-E3B085C9AB24}">
@@ -3121,42 +5727,1220 @@
               </p:ext>
             </p:extLst>
           </p:nvPr>
-        </p:nvCxnSpPr>
+        </p:nvSpPr>
         <p:spPr>
-          <a:xfrm flipV="1">
-            <a:off x="8386843" y="5264106"/>
-            <a:ext cx="0" cy="914400"/>
+          <a:xfrm>
+            <a:off x="4538409" y="0"/>
+            <a:ext cx="7653591" cy="6858000"/>
           </a:xfrm>
-          <a:prstGeom prst="line">
+          <a:prstGeom prst="rect">
             <a:avLst/>
           </a:prstGeom>
-          <a:ln w="19050">
-            <a:solidFill>
-              <a:srgbClr val="FFFFFF">
-                <a:alpha val="80000"/>
-              </a:srgbClr>
-            </a:solidFill>
+          <a:solidFill>
+            <a:srgbClr val="FFFFFF">
+              <a:alpha val="80000"/>
+            </a:srgbClr>
+          </a:solidFill>
+          <a:ln>
+            <a:noFill/>
           </a:ln>
         </p:spPr>
         <p:style>
-          <a:lnRef idx="1">
-            <a:schemeClr val="accent1"/>
+          <a:lnRef idx="2">
+            <a:schemeClr val="accent1">
+              <a:shade val="50000"/>
+            </a:schemeClr>
           </a:lnRef>
-          <a:fillRef idx="0">
+          <a:fillRef idx="1">
             <a:schemeClr val="accent1"/>
           </a:fillRef>
           <a:effectRef idx="0">
             <a:schemeClr val="accent1"/>
           </a:effectRef>
           <a:fontRef idx="minor">
-            <a:schemeClr val="tx1"/>
+            <a:schemeClr val="lt1"/>
           </a:fontRef>
         </p:style>
-      </p:cxnSp>
+        <p:txBody>
+          <a:bodyPr rtlCol="0" anchor="ctr"/>
+          <a:lstStyle/>
+          <a:p>
+            <a:pPr marL="0" marR="0" lvl="0" indent="0" algn="ctr" defTabSz="914400" rtl="0" eaLnBrk="1" fontAlgn="auto" latinLnBrk="0" hangingPunct="1">
+              <a:lnSpc>
+                <a:spcPct val="100000"/>
+              </a:lnSpc>
+              <a:spcBef>
+                <a:spcPts val="0"/>
+              </a:spcBef>
+              <a:spcAft>
+                <a:spcPts val="0"/>
+              </a:spcAft>
+              <a:buClrTx/>
+              <a:buSzTx/>
+              <a:buFontTx/>
+              <a:buNone/>
+              <a:tabLst/>
+              <a:defRPr/>
+            </a:pPr>
+            <a:endParaRPr kumimoji="0" lang="en-US" sz="1800" b="0" i="0" u="none" strike="noStrike" kern="1200" cap="none" spc="0" normalizeH="0" baseline="0" noProof="0" dirty="0">
+              <a:ln>
+                <a:noFill/>
+              </a:ln>
+              <a:solidFill>
+                <a:prstClr val="white"/>
+              </a:solidFill>
+              <a:effectLst/>
+              <a:uLnTx/>
+              <a:uFillTx/>
+              <a:latin typeface="Calibri" panose="020F0502020204030204"/>
+              <a:ea typeface="+mn-ea"/>
+              <a:cs typeface="+mn-cs"/>
+            </a:endParaRPr>
+          </a:p>
+        </p:txBody>
+      </p:sp>
+      <p:sp>
+        <p:nvSpPr>
+          <p:cNvPr id="62" name="Rectangle 61">
+            <a:extLst>
+              <a:ext uri="{FF2B5EF4-FFF2-40B4-BE49-F238E27FC236}">
+                <a16:creationId xmlns:a16="http://schemas.microsoft.com/office/drawing/2014/main" id="{A3B16A00-A549-4B07-B8C2-4B3A966D9E26}"/>
+              </a:ext>
+              <a:ext uri="{C183D7F6-B498-43B3-948B-1728B52AA6E4}">
+                <adec:decorative xmlns:adec="http://schemas.microsoft.com/office/drawing/2017/decorative" val="1"/>
+              </a:ext>
+            </a:extLst>
+          </p:cNvPr>
+          <p:cNvSpPr>
+            <a:spLocks noGrp="1" noRot="1" noChangeAspect="1" noMove="1" noResize="1" noEditPoints="1" noAdjustHandles="1" noChangeArrowheads="1" noChangeShapeType="1" noTextEdit="1"/>
+          </p:cNvSpPr>
+          <p:nvPr>
+            <p:extLst>
+              <p:ext uri="{386F3935-93C4-4BCD-93E2-E3B085C9AB24}">
+                <p16:designElem xmlns:p16="http://schemas.microsoft.com/office/powerpoint/2015/main" val="1"/>
+              </p:ext>
+            </p:extLst>
+          </p:nvPr>
+        </p:nvSpPr>
+        <p:spPr>
+          <a:xfrm>
+            <a:off x="4860141" y="321732"/>
+            <a:ext cx="4111054" cy="3674848"/>
+          </a:xfrm>
+          <a:prstGeom prst="rect">
+            <a:avLst/>
+          </a:prstGeom>
+          <a:solidFill>
+            <a:srgbClr val="FFFFFF"/>
+          </a:solidFill>
+          <a:ln w="15875" cap="sq">
+            <a:noFill/>
+            <a:miter lim="800000"/>
+          </a:ln>
+        </p:spPr>
+        <p:style>
+          <a:lnRef idx="2">
+            <a:schemeClr val="accent1">
+              <a:shade val="50000"/>
+            </a:schemeClr>
+          </a:lnRef>
+          <a:fillRef idx="1">
+            <a:schemeClr val="accent1"/>
+          </a:fillRef>
+          <a:effectRef idx="0">
+            <a:schemeClr val="accent1"/>
+          </a:effectRef>
+          <a:fontRef idx="minor">
+            <a:schemeClr val="lt1"/>
+          </a:fontRef>
+        </p:style>
+        <p:txBody>
+          <a:bodyPr rtlCol="0" anchor="ctr"/>
+          <a:lstStyle/>
+          <a:p>
+            <a:pPr marL="0" marR="0" lvl="0" indent="0" algn="ctr" defTabSz="914400" rtl="0" eaLnBrk="1" fontAlgn="auto" latinLnBrk="0" hangingPunct="1">
+              <a:lnSpc>
+                <a:spcPct val="100000"/>
+              </a:lnSpc>
+              <a:spcBef>
+                <a:spcPts val="0"/>
+              </a:spcBef>
+              <a:spcAft>
+                <a:spcPts val="0"/>
+              </a:spcAft>
+              <a:buClrTx/>
+              <a:buSzTx/>
+              <a:buFontTx/>
+              <a:buNone/>
+              <a:tabLst/>
+              <a:defRPr/>
+            </a:pPr>
+            <a:endParaRPr kumimoji="0" lang="en-US" sz="1800" b="0" i="0" u="none" strike="noStrike" kern="1200" cap="none" spc="0" normalizeH="0" baseline="0" noProof="0">
+              <a:ln>
+                <a:noFill/>
+              </a:ln>
+              <a:solidFill>
+                <a:prstClr val="white"/>
+              </a:solidFill>
+              <a:effectLst/>
+              <a:uLnTx/>
+              <a:uFillTx/>
+              <a:latin typeface="Calibri" panose="020F0502020204030204"/>
+              <a:ea typeface="+mn-ea"/>
+              <a:cs typeface="+mn-cs"/>
+            </a:endParaRPr>
+          </a:p>
+        </p:txBody>
+      </p:sp>
+      <p:pic>
+        <p:nvPicPr>
+          <p:cNvPr id="11" name="Image 10">
+            <a:extLst>
+              <a:ext uri="{FF2B5EF4-FFF2-40B4-BE49-F238E27FC236}">
+                <a16:creationId xmlns:a16="http://schemas.microsoft.com/office/drawing/2014/main" id="{5BB42A18-4E68-4588-BAEA-D404B5B34F76}"/>
+              </a:ext>
+            </a:extLst>
+          </p:cNvPr>
+          <p:cNvPicPr>
+            <a:picLocks noChangeAspect="1"/>
+          </p:cNvPicPr>
+          <p:nvPr/>
+        </p:nvPicPr>
+        <p:blipFill>
+          <a:blip r:embed="rId2" cstate="print">
+            <a:extLst>
+              <a:ext uri="{28A0092B-C50C-407E-A947-70E740481C1C}">
+                <a14:useLocalDpi xmlns:a14="http://schemas.microsoft.com/office/drawing/2010/main" val="0"/>
+              </a:ext>
+            </a:extLst>
+          </a:blip>
+          <a:stretch>
+            <a:fillRect/>
+          </a:stretch>
+        </p:blipFill>
+        <p:spPr>
+          <a:xfrm>
+            <a:off x="5009463" y="1125992"/>
+            <a:ext cx="3775899" cy="2057864"/>
+          </a:xfrm>
+          <a:prstGeom prst="rect">
+            <a:avLst/>
+          </a:prstGeom>
+        </p:spPr>
+      </p:pic>
+      <p:sp>
+        <p:nvSpPr>
+          <p:cNvPr id="64" name="Rectangle 63">
+            <a:extLst>
+              <a:ext uri="{FF2B5EF4-FFF2-40B4-BE49-F238E27FC236}">
+                <a16:creationId xmlns:a16="http://schemas.microsoft.com/office/drawing/2014/main" id="{33B86BAE-87B4-4192-ABB2-627FFC965AC7}"/>
+              </a:ext>
+              <a:ext uri="{C183D7F6-B498-43B3-948B-1728B52AA6E4}">
+                <adec:decorative xmlns:adec="http://schemas.microsoft.com/office/drawing/2017/decorative" val="1"/>
+              </a:ext>
+            </a:extLst>
+          </p:cNvPr>
+          <p:cNvSpPr>
+            <a:spLocks noGrp="1" noRot="1" noChangeAspect="1" noMove="1" noResize="1" noEditPoints="1" noAdjustHandles="1" noChangeArrowheads="1" noChangeShapeType="1" noTextEdit="1"/>
+          </p:cNvSpPr>
+          <p:nvPr>
+            <p:extLst>
+              <p:ext uri="{386F3935-93C4-4BCD-93E2-E3B085C9AB24}">
+                <p16:designElem xmlns:p16="http://schemas.microsoft.com/office/powerpoint/2015/main" val="1"/>
+              </p:ext>
+            </p:extLst>
+          </p:nvPr>
+        </p:nvSpPr>
+        <p:spPr>
+          <a:xfrm>
+            <a:off x="9118156" y="321732"/>
+            <a:ext cx="2766017" cy="3026832"/>
+          </a:xfrm>
+          <a:prstGeom prst="rect">
+            <a:avLst/>
+          </a:prstGeom>
+          <a:solidFill>
+            <a:srgbClr val="FFFFFF"/>
+          </a:solidFill>
+          <a:ln w="15875" cap="sq">
+            <a:noFill/>
+            <a:miter lim="800000"/>
+          </a:ln>
+        </p:spPr>
+        <p:style>
+          <a:lnRef idx="2">
+            <a:schemeClr val="accent1">
+              <a:shade val="50000"/>
+            </a:schemeClr>
+          </a:lnRef>
+          <a:fillRef idx="1">
+            <a:schemeClr val="accent1"/>
+          </a:fillRef>
+          <a:effectRef idx="0">
+            <a:schemeClr val="accent1"/>
+          </a:effectRef>
+          <a:fontRef idx="minor">
+            <a:schemeClr val="lt1"/>
+          </a:fontRef>
+        </p:style>
+        <p:txBody>
+          <a:bodyPr rtlCol="0" anchor="ctr"/>
+          <a:lstStyle/>
+          <a:p>
+            <a:pPr marL="0" marR="0" lvl="0" indent="0" algn="ctr" defTabSz="914400" rtl="0" eaLnBrk="1" fontAlgn="auto" latinLnBrk="0" hangingPunct="1">
+              <a:lnSpc>
+                <a:spcPct val="100000"/>
+              </a:lnSpc>
+              <a:spcBef>
+                <a:spcPts val="0"/>
+              </a:spcBef>
+              <a:spcAft>
+                <a:spcPts val="0"/>
+              </a:spcAft>
+              <a:buClrTx/>
+              <a:buSzTx/>
+              <a:buFontTx/>
+              <a:buNone/>
+              <a:tabLst/>
+              <a:defRPr/>
+            </a:pPr>
+            <a:endParaRPr kumimoji="0" lang="en-US" sz="1800" b="0" i="0" u="none" strike="noStrike" kern="1200" cap="none" spc="0" normalizeH="0" baseline="0" noProof="0">
+              <a:ln>
+                <a:noFill/>
+              </a:ln>
+              <a:solidFill>
+                <a:prstClr val="white"/>
+              </a:solidFill>
+              <a:effectLst/>
+              <a:uLnTx/>
+              <a:uFillTx/>
+              <a:latin typeface="Calibri" panose="020F0502020204030204"/>
+              <a:ea typeface="+mn-ea"/>
+              <a:cs typeface="+mn-cs"/>
+            </a:endParaRPr>
+          </a:p>
+        </p:txBody>
+      </p:sp>
+      <p:pic>
+        <p:nvPicPr>
+          <p:cNvPr id="13" name="Image 12">
+            <a:extLst>
+              <a:ext uri="{FF2B5EF4-FFF2-40B4-BE49-F238E27FC236}">
+                <a16:creationId xmlns:a16="http://schemas.microsoft.com/office/drawing/2014/main" id="{9F0E9B2A-CF1B-4E18-95F8-69CE63FAC8F2}"/>
+              </a:ext>
+            </a:extLst>
+          </p:cNvPr>
+          <p:cNvPicPr>
+            <a:picLocks noChangeAspect="1"/>
+          </p:cNvPicPr>
+          <p:nvPr/>
+        </p:nvPicPr>
+        <p:blipFill>
+          <a:blip r:embed="rId3" cstate="print">
+            <a:extLst>
+              <a:ext uri="{28A0092B-C50C-407E-A947-70E740481C1C}">
+                <a14:useLocalDpi xmlns:a14="http://schemas.microsoft.com/office/drawing/2010/main" val="0"/>
+              </a:ext>
+            </a:extLst>
+          </a:blip>
+          <a:stretch>
+            <a:fillRect/>
+          </a:stretch>
+        </p:blipFill>
+        <p:spPr>
+          <a:xfrm>
+            <a:off x="9279639" y="1101830"/>
+            <a:ext cx="2438503" cy="1462406"/>
+          </a:xfrm>
+          <a:prstGeom prst="rect">
+            <a:avLst/>
+          </a:prstGeom>
+        </p:spPr>
+      </p:pic>
+      <p:sp>
+        <p:nvSpPr>
+          <p:cNvPr id="66" name="Rectangle 65">
+            <a:extLst>
+              <a:ext uri="{FF2B5EF4-FFF2-40B4-BE49-F238E27FC236}">
+                <a16:creationId xmlns:a16="http://schemas.microsoft.com/office/drawing/2014/main" id="{22BB4F03-4463-45CC-89A7-8E03412EDDBF}"/>
+              </a:ext>
+              <a:ext uri="{C183D7F6-B498-43B3-948B-1728B52AA6E4}">
+                <adec:decorative xmlns:adec="http://schemas.microsoft.com/office/drawing/2017/decorative" val="1"/>
+              </a:ext>
+            </a:extLst>
+          </p:cNvPr>
+          <p:cNvSpPr>
+            <a:spLocks noGrp="1" noRot="1" noChangeAspect="1" noMove="1" noResize="1" noEditPoints="1" noAdjustHandles="1" noChangeArrowheads="1" noChangeShapeType="1" noTextEdit="1"/>
+          </p:cNvSpPr>
+          <p:nvPr>
+            <p:extLst>
+              <p:ext uri="{386F3935-93C4-4BCD-93E2-E3B085C9AB24}">
+                <p16:designElem xmlns:p16="http://schemas.microsoft.com/office/powerpoint/2015/main" val="1"/>
+              </p:ext>
+            </p:extLst>
+          </p:nvPr>
+        </p:nvSpPr>
+        <p:spPr>
+          <a:xfrm>
+            <a:off x="4860141" y="4155753"/>
+            <a:ext cx="4111054" cy="2380509"/>
+          </a:xfrm>
+          <a:prstGeom prst="rect">
+            <a:avLst/>
+          </a:prstGeom>
+          <a:solidFill>
+            <a:srgbClr val="FFFFFF"/>
+          </a:solidFill>
+          <a:ln w="15875" cap="sq">
+            <a:noFill/>
+            <a:miter lim="800000"/>
+          </a:ln>
+        </p:spPr>
+        <p:style>
+          <a:lnRef idx="2">
+            <a:schemeClr val="accent1">
+              <a:shade val="50000"/>
+            </a:schemeClr>
+          </a:lnRef>
+          <a:fillRef idx="1">
+            <a:schemeClr val="accent1"/>
+          </a:fillRef>
+          <a:effectRef idx="0">
+            <a:schemeClr val="accent1"/>
+          </a:effectRef>
+          <a:fontRef idx="minor">
+            <a:schemeClr val="lt1"/>
+          </a:fontRef>
+        </p:style>
+        <p:txBody>
+          <a:bodyPr rtlCol="0" anchor="ctr"/>
+          <a:lstStyle/>
+          <a:p>
+            <a:pPr marL="0" marR="0" lvl="0" indent="0" algn="ctr" defTabSz="914400" rtl="0" eaLnBrk="1" fontAlgn="auto" latinLnBrk="0" hangingPunct="1">
+              <a:lnSpc>
+                <a:spcPct val="100000"/>
+              </a:lnSpc>
+              <a:spcBef>
+                <a:spcPts val="0"/>
+              </a:spcBef>
+              <a:spcAft>
+                <a:spcPts val="0"/>
+              </a:spcAft>
+              <a:buClrTx/>
+              <a:buSzTx/>
+              <a:buFontTx/>
+              <a:buNone/>
+              <a:tabLst/>
+              <a:defRPr/>
+            </a:pPr>
+            <a:endParaRPr kumimoji="0" lang="en-US" sz="1800" b="0" i="0" u="none" strike="noStrike" kern="1200" cap="none" spc="0" normalizeH="0" baseline="0" noProof="0">
+              <a:ln>
+                <a:noFill/>
+              </a:ln>
+              <a:solidFill>
+                <a:prstClr val="white"/>
+              </a:solidFill>
+              <a:effectLst/>
+              <a:uLnTx/>
+              <a:uFillTx/>
+              <a:latin typeface="Calibri" panose="020F0502020204030204"/>
+              <a:ea typeface="+mn-ea"/>
+              <a:cs typeface="+mn-cs"/>
+            </a:endParaRPr>
+          </a:p>
+        </p:txBody>
+      </p:sp>
+      <p:pic>
+        <p:nvPicPr>
+          <p:cNvPr id="9" name="Image 8">
+            <a:extLst>
+              <a:ext uri="{FF2B5EF4-FFF2-40B4-BE49-F238E27FC236}">
+                <a16:creationId xmlns:a16="http://schemas.microsoft.com/office/drawing/2014/main" id="{8DD5086E-655B-432C-AB36-069D6DD5E65F}"/>
+              </a:ext>
+            </a:extLst>
+          </p:cNvPr>
+          <p:cNvPicPr>
+            <a:picLocks noChangeAspect="1"/>
+          </p:cNvPicPr>
+          <p:nvPr/>
+        </p:nvPicPr>
+        <p:blipFill>
+          <a:blip r:embed="rId4" cstate="print">
+            <a:extLst>
+              <a:ext uri="{28A0092B-C50C-407E-A947-70E740481C1C}">
+                <a14:useLocalDpi xmlns:a14="http://schemas.microsoft.com/office/drawing/2010/main" val="0"/>
+              </a:ext>
+            </a:extLst>
+          </a:blip>
+          <a:stretch>
+            <a:fillRect/>
+          </a:stretch>
+        </p:blipFill>
+        <p:spPr>
+          <a:xfrm>
+            <a:off x="5009463" y="4355196"/>
+            <a:ext cx="3775899" cy="1991786"/>
+          </a:xfrm>
+          <a:prstGeom prst="rect">
+            <a:avLst/>
+          </a:prstGeom>
+        </p:spPr>
+      </p:pic>
+      <p:sp>
+        <p:nvSpPr>
+          <p:cNvPr id="68" name="Rectangle 67">
+            <a:extLst>
+              <a:ext uri="{FF2B5EF4-FFF2-40B4-BE49-F238E27FC236}">
+                <a16:creationId xmlns:a16="http://schemas.microsoft.com/office/drawing/2014/main" id="{80E1AEAE-1F52-4C29-925C-27738417E9F5}"/>
+              </a:ext>
+              <a:ext uri="{C183D7F6-B498-43B3-948B-1728B52AA6E4}">
+                <adec:decorative xmlns:adec="http://schemas.microsoft.com/office/drawing/2017/decorative" val="1"/>
+              </a:ext>
+            </a:extLst>
+          </p:cNvPr>
+          <p:cNvSpPr>
+            <a:spLocks noGrp="1" noRot="1" noChangeAspect="1" noMove="1" noResize="1" noEditPoints="1" noAdjustHandles="1" noChangeArrowheads="1" noChangeShapeType="1" noTextEdit="1"/>
+          </p:cNvSpPr>
+          <p:nvPr>
+            <p:extLst>
+              <p:ext uri="{386F3935-93C4-4BCD-93E2-E3B085C9AB24}">
+                <p16:designElem xmlns:p16="http://schemas.microsoft.com/office/powerpoint/2015/main" val="1"/>
+              </p:ext>
+            </p:extLst>
+          </p:nvPr>
+        </p:nvSpPr>
+        <p:spPr>
+          <a:xfrm>
+            <a:off x="9118156" y="3509431"/>
+            <a:ext cx="2766017" cy="3026832"/>
+          </a:xfrm>
+          <a:prstGeom prst="rect">
+            <a:avLst/>
+          </a:prstGeom>
+          <a:solidFill>
+            <a:srgbClr val="FFFFFF"/>
+          </a:solidFill>
+          <a:ln w="15875" cap="sq">
+            <a:noFill/>
+            <a:miter lim="800000"/>
+          </a:ln>
+        </p:spPr>
+        <p:style>
+          <a:lnRef idx="2">
+            <a:schemeClr val="accent1">
+              <a:shade val="50000"/>
+            </a:schemeClr>
+          </a:lnRef>
+          <a:fillRef idx="1">
+            <a:schemeClr val="accent1"/>
+          </a:fillRef>
+          <a:effectRef idx="0">
+            <a:schemeClr val="accent1"/>
+          </a:effectRef>
+          <a:fontRef idx="minor">
+            <a:schemeClr val="lt1"/>
+          </a:fontRef>
+        </p:style>
+        <p:txBody>
+          <a:bodyPr rtlCol="0" anchor="ctr"/>
+          <a:lstStyle/>
+          <a:p>
+            <a:pPr marL="0" marR="0" lvl="0" indent="0" algn="ctr" defTabSz="914400" rtl="0" eaLnBrk="1" fontAlgn="auto" latinLnBrk="0" hangingPunct="1">
+              <a:lnSpc>
+                <a:spcPct val="100000"/>
+              </a:lnSpc>
+              <a:spcBef>
+                <a:spcPts val="0"/>
+              </a:spcBef>
+              <a:spcAft>
+                <a:spcPts val="0"/>
+              </a:spcAft>
+              <a:buClrTx/>
+              <a:buSzTx/>
+              <a:buFontTx/>
+              <a:buNone/>
+              <a:tabLst/>
+              <a:defRPr/>
+            </a:pPr>
+            <a:endParaRPr kumimoji="0" lang="en-US" sz="1800" b="0" i="0" u="none" strike="noStrike" kern="1200" cap="none" spc="0" normalizeH="0" baseline="0" noProof="0">
+              <a:ln>
+                <a:noFill/>
+              </a:ln>
+              <a:solidFill>
+                <a:prstClr val="white"/>
+              </a:solidFill>
+              <a:effectLst/>
+              <a:uLnTx/>
+              <a:uFillTx/>
+              <a:latin typeface="Calibri" panose="020F0502020204030204"/>
+              <a:ea typeface="+mn-ea"/>
+              <a:cs typeface="+mn-cs"/>
+            </a:endParaRPr>
+          </a:p>
+        </p:txBody>
+      </p:sp>
+      <p:pic>
+        <p:nvPicPr>
+          <p:cNvPr id="16" name="Espace réservé du contenu 4">
+            <a:extLst>
+              <a:ext uri="{FF2B5EF4-FFF2-40B4-BE49-F238E27FC236}">
+                <a16:creationId xmlns:a16="http://schemas.microsoft.com/office/drawing/2014/main" id="{CFA1F536-41CF-4D5D-84B6-4EC028C03E1F}"/>
+              </a:ext>
+            </a:extLst>
+          </p:cNvPr>
+          <p:cNvPicPr>
+            <a:picLocks noChangeAspect="1"/>
+          </p:cNvPicPr>
+          <p:nvPr/>
+        </p:nvPicPr>
+        <p:blipFill>
+          <a:blip r:embed="rId5" cstate="print">
+            <a:extLst>
+              <a:ext uri="{28A0092B-C50C-407E-A947-70E740481C1C}">
+                <a14:useLocalDpi xmlns:a14="http://schemas.microsoft.com/office/drawing/2010/main" val="0"/>
+              </a:ext>
+            </a:extLst>
+          </a:blip>
+          <a:stretch>
+            <a:fillRect/>
+          </a:stretch>
+        </p:blipFill>
+        <p:spPr>
+          <a:xfrm>
+            <a:off x="9279639" y="4332107"/>
+            <a:ext cx="2438503" cy="1389946"/>
+          </a:xfrm>
+          <a:prstGeom prst="rect">
+            <a:avLst/>
+          </a:prstGeom>
+        </p:spPr>
+      </p:pic>
     </p:spTree>
     <p:extLst>
       <p:ext uri="{BB962C8B-B14F-4D97-AF65-F5344CB8AC3E}">
-        <p14:creationId xmlns:p14="http://schemas.microsoft.com/office/powerpoint/2010/main" val="3784089036"/>
+        <p14:creationId xmlns:p14="http://schemas.microsoft.com/office/powerpoint/2010/main" val="815115260"/>
+      </p:ext>
+    </p:extLst>
+  </p:cSld>
+  <p:clrMapOvr>
+    <a:overrideClrMapping bg1="dk1" tx1="lt1" bg2="dk2" tx2="lt2" accent1="accent1" accent2="accent2" accent3="accent3" accent4="accent4" accent5="accent5" accent6="accent6" hlink="hlink" folHlink="folHlink"/>
+  </p:clrMapOvr>
+</p:sld>
+</file>
+
+<file path=ppt/slides/slide6.xml><?xml version="1.0" encoding="utf-8"?>
+<p:sld xmlns:a="http://schemas.openxmlformats.org/drawingml/2006/main" xmlns:r="http://schemas.openxmlformats.org/officeDocument/2006/relationships" xmlns:p="http://schemas.openxmlformats.org/presentationml/2006/main">
+  <p:cSld>
+    <p:bg>
+      <p:bgPr>
+        <a:solidFill>
+          <a:schemeClr val="bg1"/>
+        </a:solidFill>
+        <a:effectLst/>
+      </p:bgPr>
+    </p:bg>
+    <p:spTree>
+      <p:nvGrpSpPr>
+        <p:cNvPr id="1" name=""/>
+        <p:cNvGrpSpPr/>
+        <p:nvPr/>
+      </p:nvGrpSpPr>
+      <p:grpSpPr>
+        <a:xfrm>
+          <a:off x="0" y="0"/>
+          <a:ext cx="0" cy="0"/>
+          <a:chOff x="0" y="0"/>
+          <a:chExt cx="0" cy="0"/>
+        </a:xfrm>
+      </p:grpSpPr>
+      <p:sp>
+        <p:nvSpPr>
+          <p:cNvPr id="32" name="Rectangle 31">
+            <a:extLst>
+              <a:ext uri="{FF2B5EF4-FFF2-40B4-BE49-F238E27FC236}">
+                <a16:creationId xmlns:a16="http://schemas.microsoft.com/office/drawing/2014/main" id="{45F41304-6272-42D4-9F30-4BDD2BBE8418}"/>
+              </a:ext>
+              <a:ext uri="{C183D7F6-B498-43B3-948B-1728B52AA6E4}">
+                <adec:decorative xmlns:adec="http://schemas.microsoft.com/office/drawing/2017/decorative" val="1"/>
+              </a:ext>
+            </a:extLst>
+          </p:cNvPr>
+          <p:cNvSpPr>
+            <a:spLocks noGrp="1" noRot="1" noChangeAspect="1" noMove="1" noResize="1" noEditPoints="1" noAdjustHandles="1" noChangeArrowheads="1" noChangeShapeType="1" noTextEdit="1"/>
+          </p:cNvSpPr>
+          <p:nvPr>
+            <p:extLst>
+              <p:ext uri="{386F3935-93C4-4BCD-93E2-E3B085C9AB24}">
+                <p16:designElem xmlns:p16="http://schemas.microsoft.com/office/powerpoint/2015/main" val="1"/>
+              </p:ext>
+            </p:extLst>
+          </p:nvPr>
+        </p:nvSpPr>
+        <p:spPr>
+          <a:xfrm>
+            <a:off x="0" y="1"/>
+            <a:ext cx="12191999" cy="6858000"/>
+          </a:xfrm>
+          <a:prstGeom prst="rect">
+            <a:avLst/>
+          </a:prstGeom>
+          <a:solidFill>
+            <a:schemeClr val="bg1">
+              <a:lumMod val="85000"/>
+              <a:lumOff val="15000"/>
+            </a:schemeClr>
+          </a:solidFill>
+          <a:ln>
+            <a:noFill/>
+          </a:ln>
+        </p:spPr>
+        <p:style>
+          <a:lnRef idx="2">
+            <a:schemeClr val="accent1">
+              <a:shade val="50000"/>
+            </a:schemeClr>
+          </a:lnRef>
+          <a:fillRef idx="1">
+            <a:schemeClr val="accent1"/>
+          </a:fillRef>
+          <a:effectRef idx="0">
+            <a:schemeClr val="accent1"/>
+          </a:effectRef>
+          <a:fontRef idx="minor">
+            <a:schemeClr val="lt1"/>
+          </a:fontRef>
+        </p:style>
+        <p:txBody>
+          <a:bodyPr rtlCol="0" anchor="ctr"/>
+          <a:lstStyle/>
+          <a:p>
+            <a:pPr algn="ctr"/>
+            <a:endParaRPr lang="en-US"/>
+          </a:p>
+        </p:txBody>
+      </p:sp>
+      <p:sp>
+        <p:nvSpPr>
+          <p:cNvPr id="2" name="Titre 1">
+            <a:extLst>
+              <a:ext uri="{FF2B5EF4-FFF2-40B4-BE49-F238E27FC236}">
+                <a16:creationId xmlns:a16="http://schemas.microsoft.com/office/drawing/2014/main" id="{68A06B1F-E2FA-44C7-90BA-7D2AAC8EC9CA}"/>
+              </a:ext>
+            </a:extLst>
+          </p:cNvPr>
+          <p:cNvSpPr>
+            <a:spLocks noGrp="1"/>
+          </p:cNvSpPr>
+          <p:nvPr>
+            <p:ph type="title"/>
+          </p:nvPr>
+        </p:nvSpPr>
+        <p:spPr>
+          <a:xfrm>
+            <a:off x="208547" y="495390"/>
+            <a:ext cx="5887453" cy="1709928"/>
+          </a:xfrm>
+          <a:ln>
+            <a:solidFill>
+              <a:schemeClr val="tx1"/>
+            </a:solidFill>
+          </a:ln>
+        </p:spPr>
+        <p:txBody>
+          <a:bodyPr vert="horz" lIns="91440" tIns="45720" rIns="91440" bIns="45720" rtlCol="0">
+            <a:normAutofit/>
+          </a:bodyPr>
+          <a:lstStyle/>
+          <a:p>
+            <a:r>
+              <a:rPr lang="en-US" kern="1200" dirty="0">
+                <a:latin typeface="Arial" panose="020B0604020202020204" pitchFamily="34" charset="0"/>
+                <a:cs typeface="Arial" panose="020B0604020202020204" pitchFamily="34" charset="0"/>
+              </a:rPr>
+              <a:t>Bien-</a:t>
+            </a:r>
+            <a:r>
+              <a:rPr lang="en-US" kern="1200" dirty="0" err="1">
+                <a:latin typeface="Arial" panose="020B0604020202020204" pitchFamily="34" charset="0"/>
+                <a:cs typeface="Arial" panose="020B0604020202020204" pitchFamily="34" charset="0"/>
+              </a:rPr>
+              <a:t>être</a:t>
+            </a:r>
+            <a:r>
+              <a:rPr lang="en-US" kern="1200" dirty="0">
+                <a:latin typeface="Arial" panose="020B0604020202020204" pitchFamily="34" charset="0"/>
+                <a:cs typeface="Arial" panose="020B0604020202020204" pitchFamily="34" charset="0"/>
+              </a:rPr>
+              <a:t> en entreprise</a:t>
+            </a:r>
+          </a:p>
+        </p:txBody>
+      </p:sp>
+      <p:pic>
+        <p:nvPicPr>
+          <p:cNvPr id="11" name="Image 10">
+            <a:extLst>
+              <a:ext uri="{FF2B5EF4-FFF2-40B4-BE49-F238E27FC236}">
+                <a16:creationId xmlns:a16="http://schemas.microsoft.com/office/drawing/2014/main" id="{E14E8023-7D9E-4D13-8574-159206D3F86B}"/>
+              </a:ext>
+            </a:extLst>
+          </p:cNvPr>
+          <p:cNvPicPr>
+            <a:picLocks noChangeAspect="1"/>
+          </p:cNvPicPr>
+          <p:nvPr/>
+        </p:nvPicPr>
+        <p:blipFill rotWithShape="1">
+          <a:blip r:embed="rId2">
+            <a:extLst>
+              <a:ext uri="{28A0092B-C50C-407E-A947-70E740481C1C}">
+                <a14:useLocalDpi xmlns:a14="http://schemas.microsoft.com/office/drawing/2010/main" val="0"/>
+              </a:ext>
+            </a:extLst>
+          </a:blip>
+          <a:srcRect t="30616" r="-3" b="20867"/>
+          <a:stretch/>
+        </p:blipFill>
+        <p:spPr>
+          <a:xfrm>
+            <a:off x="5926239" y="10"/>
+            <a:ext cx="6265760" cy="1709918"/>
+          </a:xfrm>
+          <a:custGeom>
+            <a:avLst/>
+            <a:gdLst>
+              <a:gd name="connsiteX0" fmla="*/ 0 w 6265760"/>
+              <a:gd name="connsiteY0" fmla="*/ 0 h 1709928"/>
+              <a:gd name="connsiteX1" fmla="*/ 6265760 w 6265760"/>
+              <a:gd name="connsiteY1" fmla="*/ 0 h 1709928"/>
+              <a:gd name="connsiteX2" fmla="*/ 6265760 w 6265760"/>
+              <a:gd name="connsiteY2" fmla="*/ 1709928 h 1709928"/>
+              <a:gd name="connsiteX3" fmla="*/ 795246 w 6265760"/>
+              <a:gd name="connsiteY3" fmla="*/ 1709928 h 1709928"/>
+              <a:gd name="connsiteX4" fmla="*/ 790682 w 6265760"/>
+              <a:gd name="connsiteY4" fmla="*/ 1700078 h 1709928"/>
+              <a:gd name="connsiteX5" fmla="*/ 787724 w 6265760"/>
+              <a:gd name="connsiteY5" fmla="*/ 1700078 h 1709928"/>
+            </a:gdLst>
+            <a:ahLst/>
+            <a:cxnLst>
+              <a:cxn ang="0">
+                <a:pos x="connsiteX0" y="connsiteY0"/>
+              </a:cxn>
+              <a:cxn ang="0">
+                <a:pos x="connsiteX1" y="connsiteY1"/>
+              </a:cxn>
+              <a:cxn ang="0">
+                <a:pos x="connsiteX2" y="connsiteY2"/>
+              </a:cxn>
+              <a:cxn ang="0">
+                <a:pos x="connsiteX3" y="connsiteY3"/>
+              </a:cxn>
+              <a:cxn ang="0">
+                <a:pos x="connsiteX4" y="connsiteY4"/>
+              </a:cxn>
+              <a:cxn ang="0">
+                <a:pos x="connsiteX5" y="connsiteY5"/>
+              </a:cxn>
+            </a:cxnLst>
+            <a:rect l="l" t="t" r="r" b="b"/>
+            <a:pathLst>
+              <a:path w="6265760" h="1709928">
+                <a:moveTo>
+                  <a:pt x="0" y="0"/>
+                </a:moveTo>
+                <a:lnTo>
+                  <a:pt x="6265760" y="0"/>
+                </a:lnTo>
+                <a:lnTo>
+                  <a:pt x="6265760" y="1709928"/>
+                </a:lnTo>
+                <a:lnTo>
+                  <a:pt x="795246" y="1709928"/>
+                </a:lnTo>
+                <a:lnTo>
+                  <a:pt x="790682" y="1700078"/>
+                </a:lnTo>
+                <a:lnTo>
+                  <a:pt x="787724" y="1700078"/>
+                </a:lnTo>
+                <a:close/>
+              </a:path>
+            </a:pathLst>
+          </a:custGeom>
+        </p:spPr>
+      </p:pic>
+      <p:sp>
+        <p:nvSpPr>
+          <p:cNvPr id="29" name="Content Placeholder 28">
+            <a:extLst>
+              <a:ext uri="{FF2B5EF4-FFF2-40B4-BE49-F238E27FC236}">
+                <a16:creationId xmlns:a16="http://schemas.microsoft.com/office/drawing/2014/main" id="{90700417-2FCC-4DF1-9072-BFB6EE23CBA8}"/>
+              </a:ext>
+            </a:extLst>
+          </p:cNvPr>
+          <p:cNvSpPr>
+            <a:spLocks noGrp="1"/>
+          </p:cNvSpPr>
+          <p:nvPr>
+            <p:ph idx="1"/>
+          </p:nvPr>
+        </p:nvSpPr>
+        <p:spPr>
+          <a:xfrm>
+            <a:off x="254916" y="2910463"/>
+            <a:ext cx="6265760" cy="2210019"/>
+          </a:xfrm>
+        </p:spPr>
+        <p:txBody>
+          <a:bodyPr>
+            <a:normAutofit/>
+          </a:bodyPr>
+          <a:lstStyle/>
+          <a:p>
+            <a:r>
+              <a:rPr lang="en-US" sz="2000" dirty="0">
+                <a:latin typeface="Arial" panose="020B0604020202020204" pitchFamily="34" charset="0"/>
+                <a:cs typeface="Arial" panose="020B0604020202020204" pitchFamily="34" charset="0"/>
+              </a:rPr>
+              <a:t>Porteuse de valeures humaines</a:t>
+            </a:r>
+          </a:p>
+          <a:p>
+            <a:r>
+              <a:rPr lang="en-US" sz="2000" dirty="0">
+                <a:latin typeface="Arial" panose="020B0604020202020204" pitchFamily="34" charset="0"/>
+                <a:cs typeface="Arial" panose="020B0604020202020204" pitchFamily="34" charset="0"/>
+              </a:rPr>
+              <a:t>Cadre de travail adéquat et adapté à la vie en </a:t>
+            </a:r>
+            <a:r>
+              <a:rPr lang="en-US" sz="2000" dirty="0" err="1">
+                <a:latin typeface="Arial" panose="020B0604020202020204" pitchFamily="34" charset="0"/>
+                <a:cs typeface="Arial" panose="020B0604020202020204" pitchFamily="34" charset="0"/>
+              </a:rPr>
+              <a:t>commun</a:t>
+            </a:r>
+            <a:endParaRPr lang="en-US" sz="2000" dirty="0">
+              <a:latin typeface="Arial" panose="020B0604020202020204" pitchFamily="34" charset="0"/>
+              <a:cs typeface="Arial" panose="020B0604020202020204" pitchFamily="34" charset="0"/>
+            </a:endParaRPr>
+          </a:p>
+          <a:p>
+            <a:r>
+              <a:rPr lang="en-US" sz="2000" dirty="0">
+                <a:latin typeface="Arial" panose="020B0604020202020204" pitchFamily="34" charset="0"/>
+                <a:cs typeface="Arial" panose="020B0604020202020204" pitchFamily="34" charset="0"/>
+              </a:rPr>
+              <a:t>Environnement serein</a:t>
+            </a:r>
+          </a:p>
+          <a:p>
+            <a:r>
+              <a:rPr lang="en-US" sz="2000" dirty="0">
+                <a:latin typeface="Arial" panose="020B0604020202020204" pitchFamily="34" charset="0"/>
+                <a:cs typeface="Arial" panose="020B0604020202020204" pitchFamily="34" charset="0"/>
+              </a:rPr>
+              <a:t>Dynamisme et ingéniosité</a:t>
+            </a:r>
+          </a:p>
+          <a:p>
+            <a:pPr marL="0" indent="0">
+              <a:buNone/>
+            </a:pPr>
+            <a:endParaRPr lang="en-US" sz="2000" dirty="0">
+              <a:latin typeface="Arial" panose="020B0604020202020204" pitchFamily="34" charset="0"/>
+              <a:cs typeface="Arial" panose="020B0604020202020204" pitchFamily="34" charset="0"/>
+            </a:endParaRPr>
+          </a:p>
+        </p:txBody>
+      </p:sp>
+      <p:pic>
+        <p:nvPicPr>
+          <p:cNvPr id="17" name="Image 16">
+            <a:extLst>
+              <a:ext uri="{FF2B5EF4-FFF2-40B4-BE49-F238E27FC236}">
+                <a16:creationId xmlns:a16="http://schemas.microsoft.com/office/drawing/2014/main" id="{8BD69D6F-D207-4E34-9367-6DDBFCD0BBCD}"/>
+              </a:ext>
+            </a:extLst>
+          </p:cNvPr>
+          <p:cNvPicPr>
+            <a:picLocks noChangeAspect="1"/>
+          </p:cNvPicPr>
+          <p:nvPr/>
+        </p:nvPicPr>
+        <p:blipFill rotWithShape="1">
+          <a:blip r:embed="rId3">
+            <a:extLst>
+              <a:ext uri="{28A0092B-C50C-407E-A947-70E740481C1C}">
+                <a14:useLocalDpi xmlns:a14="http://schemas.microsoft.com/office/drawing/2010/main" val="0"/>
+              </a:ext>
+            </a:extLst>
+          </a:blip>
+          <a:srcRect t="18651" r="-2" b="39672"/>
+          <a:stretch/>
+        </p:blipFill>
+        <p:spPr>
+          <a:xfrm>
+            <a:off x="6721487" y="1709929"/>
+            <a:ext cx="5470513" cy="1709928"/>
+          </a:xfrm>
+          <a:custGeom>
+            <a:avLst/>
+            <a:gdLst>
+              <a:gd name="connsiteX0" fmla="*/ 0 w 5470513"/>
+              <a:gd name="connsiteY0" fmla="*/ 0 h 1709928"/>
+              <a:gd name="connsiteX1" fmla="*/ 5470513 w 5470513"/>
+              <a:gd name="connsiteY1" fmla="*/ 0 h 1709928"/>
+              <a:gd name="connsiteX2" fmla="*/ 5470513 w 5470513"/>
+              <a:gd name="connsiteY2" fmla="*/ 1709928 h 1709928"/>
+              <a:gd name="connsiteX3" fmla="*/ 792289 w 5470513"/>
+              <a:gd name="connsiteY3" fmla="*/ 1709928 h 1709928"/>
+            </a:gdLst>
+            <a:ahLst/>
+            <a:cxnLst>
+              <a:cxn ang="0">
+                <a:pos x="connsiteX0" y="connsiteY0"/>
+              </a:cxn>
+              <a:cxn ang="0">
+                <a:pos x="connsiteX1" y="connsiteY1"/>
+              </a:cxn>
+              <a:cxn ang="0">
+                <a:pos x="connsiteX2" y="connsiteY2"/>
+              </a:cxn>
+              <a:cxn ang="0">
+                <a:pos x="connsiteX3" y="connsiteY3"/>
+              </a:cxn>
+            </a:cxnLst>
+            <a:rect l="l" t="t" r="r" b="b"/>
+            <a:pathLst>
+              <a:path w="5470513" h="1709928">
+                <a:moveTo>
+                  <a:pt x="0" y="0"/>
+                </a:moveTo>
+                <a:lnTo>
+                  <a:pt x="5470513" y="0"/>
+                </a:lnTo>
+                <a:lnTo>
+                  <a:pt x="5470513" y="1709928"/>
+                </a:lnTo>
+                <a:lnTo>
+                  <a:pt x="792289" y="1709928"/>
+                </a:lnTo>
+                <a:close/>
+              </a:path>
+            </a:pathLst>
+          </a:custGeom>
+        </p:spPr>
+      </p:pic>
+      <p:pic>
+        <p:nvPicPr>
+          <p:cNvPr id="19" name="Image 18">
+            <a:extLst>
+              <a:ext uri="{FF2B5EF4-FFF2-40B4-BE49-F238E27FC236}">
+                <a16:creationId xmlns:a16="http://schemas.microsoft.com/office/drawing/2014/main" id="{FE1011FB-A6CC-4EEE-B43E-5776A1C995F1}"/>
+              </a:ext>
+            </a:extLst>
+          </p:cNvPr>
+          <p:cNvPicPr>
+            <a:picLocks noChangeAspect="1"/>
+          </p:cNvPicPr>
+          <p:nvPr/>
+        </p:nvPicPr>
+        <p:blipFill rotWithShape="1">
+          <a:blip r:embed="rId4">
+            <a:extLst>
+              <a:ext uri="{28A0092B-C50C-407E-A947-70E740481C1C}">
+                <a14:useLocalDpi xmlns:a14="http://schemas.microsoft.com/office/drawing/2010/main" val="0"/>
+              </a:ext>
+            </a:extLst>
+          </a:blip>
+          <a:srcRect t="30704" r="-3" b="20605"/>
+          <a:stretch/>
+        </p:blipFill>
+        <p:spPr>
+          <a:xfrm>
+            <a:off x="7509464" y="3410554"/>
+            <a:ext cx="4682536" cy="1709928"/>
+          </a:xfrm>
+          <a:custGeom>
+            <a:avLst/>
+            <a:gdLst>
+              <a:gd name="connsiteX0" fmla="*/ 0 w 4682536"/>
+              <a:gd name="connsiteY0" fmla="*/ 0 h 1709928"/>
+              <a:gd name="connsiteX1" fmla="*/ 4682536 w 4682536"/>
+              <a:gd name="connsiteY1" fmla="*/ 0 h 1709928"/>
+              <a:gd name="connsiteX2" fmla="*/ 4682536 w 4682536"/>
+              <a:gd name="connsiteY2" fmla="*/ 1709928 h 1709928"/>
+              <a:gd name="connsiteX3" fmla="*/ 792291 w 4682536"/>
+              <a:gd name="connsiteY3" fmla="*/ 1709928 h 1709928"/>
+              <a:gd name="connsiteX4" fmla="*/ 404649 w 4682536"/>
+              <a:gd name="connsiteY4" fmla="*/ 873316 h 1709928"/>
+              <a:gd name="connsiteX5" fmla="*/ 404648 w 4682536"/>
+              <a:gd name="connsiteY5" fmla="*/ 873316 h 1709928"/>
+            </a:gdLst>
+            <a:ahLst/>
+            <a:cxnLst>
+              <a:cxn ang="0">
+                <a:pos x="connsiteX0" y="connsiteY0"/>
+              </a:cxn>
+              <a:cxn ang="0">
+                <a:pos x="connsiteX1" y="connsiteY1"/>
+              </a:cxn>
+              <a:cxn ang="0">
+                <a:pos x="connsiteX2" y="connsiteY2"/>
+              </a:cxn>
+              <a:cxn ang="0">
+                <a:pos x="connsiteX3" y="connsiteY3"/>
+              </a:cxn>
+              <a:cxn ang="0">
+                <a:pos x="connsiteX4" y="connsiteY4"/>
+              </a:cxn>
+              <a:cxn ang="0">
+                <a:pos x="connsiteX5" y="connsiteY5"/>
+              </a:cxn>
+            </a:cxnLst>
+            <a:rect l="l" t="t" r="r" b="b"/>
+            <a:pathLst>
+              <a:path w="4682536" h="1709928">
+                <a:moveTo>
+                  <a:pt x="0" y="0"/>
+                </a:moveTo>
+                <a:lnTo>
+                  <a:pt x="4682536" y="0"/>
+                </a:lnTo>
+                <a:lnTo>
+                  <a:pt x="4682536" y="1709928"/>
+                </a:lnTo>
+                <a:lnTo>
+                  <a:pt x="792291" y="1709928"/>
+                </a:lnTo>
+                <a:lnTo>
+                  <a:pt x="404649" y="873316"/>
+                </a:lnTo>
+                <a:lnTo>
+                  <a:pt x="404648" y="873316"/>
+                </a:lnTo>
+                <a:close/>
+              </a:path>
+            </a:pathLst>
+          </a:custGeom>
+        </p:spPr>
+      </p:pic>
+      <p:pic>
+        <p:nvPicPr>
+          <p:cNvPr id="41" name="Espace réservé du contenu 8">
+            <a:extLst>
+              <a:ext uri="{FF2B5EF4-FFF2-40B4-BE49-F238E27FC236}">
+                <a16:creationId xmlns:a16="http://schemas.microsoft.com/office/drawing/2014/main" id="{806908B3-D073-4080-A280-B8B63F0219D1}"/>
+              </a:ext>
+            </a:extLst>
+          </p:cNvPr>
+          <p:cNvPicPr>
+            <a:picLocks noChangeAspect="1"/>
+          </p:cNvPicPr>
+          <p:nvPr/>
+        </p:nvPicPr>
+        <p:blipFill rotWithShape="1">
+          <a:blip r:embed="rId5" cstate="print">
+            <a:extLst>
+              <a:ext uri="{28A0092B-C50C-407E-A947-70E740481C1C}">
+                <a14:useLocalDpi xmlns:a14="http://schemas.microsoft.com/office/drawing/2010/main" val="0"/>
+              </a:ext>
+            </a:extLst>
+          </a:blip>
+          <a:srcRect t="6816" r="1" b="29364"/>
+          <a:stretch/>
+        </p:blipFill>
+        <p:spPr>
+          <a:xfrm>
+            <a:off x="7352035" y="5120483"/>
+            <a:ext cx="4839964" cy="1737518"/>
+          </a:xfrm>
+          <a:custGeom>
+            <a:avLst/>
+            <a:gdLst>
+              <a:gd name="connsiteX0" fmla="*/ 949721 w 4839964"/>
+              <a:gd name="connsiteY0" fmla="*/ 0 h 1737518"/>
+              <a:gd name="connsiteX1" fmla="*/ 4839964 w 4839964"/>
+              <a:gd name="connsiteY1" fmla="*/ 0 h 1737518"/>
+              <a:gd name="connsiteX2" fmla="*/ 4839964 w 4839964"/>
+              <a:gd name="connsiteY2" fmla="*/ 1737518 h 1737518"/>
+              <a:gd name="connsiteX3" fmla="*/ 0 w 4839964"/>
+              <a:gd name="connsiteY3" fmla="*/ 1737518 h 1737518"/>
+              <a:gd name="connsiteX4" fmla="*/ 0 w 4839964"/>
+              <a:gd name="connsiteY4" fmla="*/ 1737517 h 1737518"/>
+              <a:gd name="connsiteX5" fmla="*/ 1750164 w 4839964"/>
+              <a:gd name="connsiteY5" fmla="*/ 1737517 h 1737518"/>
+              <a:gd name="connsiteX6" fmla="*/ 1750164 w 4839964"/>
+              <a:gd name="connsiteY6" fmla="*/ 1737516 h 1737518"/>
+              <a:gd name="connsiteX7" fmla="*/ 1754794 w 4839964"/>
+              <a:gd name="connsiteY7" fmla="*/ 1737516 h 1737518"/>
+            </a:gdLst>
+            <a:ahLst/>
+            <a:cxnLst>
+              <a:cxn ang="0">
+                <a:pos x="connsiteX0" y="connsiteY0"/>
+              </a:cxn>
+              <a:cxn ang="0">
+                <a:pos x="connsiteX1" y="connsiteY1"/>
+              </a:cxn>
+              <a:cxn ang="0">
+                <a:pos x="connsiteX2" y="connsiteY2"/>
+              </a:cxn>
+              <a:cxn ang="0">
+                <a:pos x="connsiteX3" y="connsiteY3"/>
+              </a:cxn>
+              <a:cxn ang="0">
+                <a:pos x="connsiteX4" y="connsiteY4"/>
+              </a:cxn>
+              <a:cxn ang="0">
+                <a:pos x="connsiteX5" y="connsiteY5"/>
+              </a:cxn>
+              <a:cxn ang="0">
+                <a:pos x="connsiteX6" y="connsiteY6"/>
+              </a:cxn>
+              <a:cxn ang="0">
+                <a:pos x="connsiteX7" y="connsiteY7"/>
+              </a:cxn>
+            </a:cxnLst>
+            <a:rect l="l" t="t" r="r" b="b"/>
+            <a:pathLst>
+              <a:path w="4839964" h="1737518">
+                <a:moveTo>
+                  <a:pt x="949721" y="0"/>
+                </a:moveTo>
+                <a:lnTo>
+                  <a:pt x="4839964" y="0"/>
+                </a:lnTo>
+                <a:lnTo>
+                  <a:pt x="4839964" y="1737518"/>
+                </a:lnTo>
+                <a:lnTo>
+                  <a:pt x="0" y="1737518"/>
+                </a:lnTo>
+                <a:lnTo>
+                  <a:pt x="0" y="1737517"/>
+                </a:lnTo>
+                <a:lnTo>
+                  <a:pt x="1750164" y="1737517"/>
+                </a:lnTo>
+                <a:lnTo>
+                  <a:pt x="1750164" y="1737516"/>
+                </a:lnTo>
+                <a:lnTo>
+                  <a:pt x="1754794" y="1737516"/>
+                </a:lnTo>
+                <a:close/>
+              </a:path>
+            </a:pathLst>
+          </a:custGeom>
+        </p:spPr>
+      </p:pic>
+    </p:spTree>
+    <p:extLst>
+      <p:ext uri="{BB962C8B-B14F-4D97-AF65-F5344CB8AC3E}">
+        <p14:creationId xmlns:p14="http://schemas.microsoft.com/office/powerpoint/2010/main" val="2127908716"/>
       </p:ext>
     </p:extLst>
   </p:cSld>

--- a/Soutenance.pptx
+++ b/Soutenance.pptx
@@ -2,7 +2,7 @@
 <file path=ppt/presentation.xml><?xml version="1.0" encoding="utf-8"?>
 <p:presentation xmlns:a="http://schemas.openxmlformats.org/drawingml/2006/main" xmlns:r="http://schemas.openxmlformats.org/officeDocument/2006/relationships" xmlns:p="http://schemas.openxmlformats.org/presentationml/2006/main" saveSubsetFonts="1">
   <p:sldMasterIdLst>
-    <p:sldMasterId id="2147483648" r:id="rId1"/>
+    <p:sldMasterId id="2147483678" r:id="rId1"/>
   </p:sldMasterIdLst>
   <p:sldIdLst>
     <p:sldId id="258" r:id="rId2"/>
@@ -11,6 +11,9 @@
     <p:sldId id="260" r:id="rId5"/>
     <p:sldId id="261" r:id="rId6"/>
     <p:sldId id="262" r:id="rId7"/>
+    <p:sldId id="263" r:id="rId8"/>
+    <p:sldId id="264" r:id="rId9"/>
+    <p:sldId id="265" r:id="rId10"/>
   </p:sldIdLst>
   <p:sldSz cx="12192000" cy="6858000"/>
   <p:notesSz cx="6858000" cy="9144000"/>
@@ -129,6 +132,14 @@
 </p:cmAuthorLst>
 </file>
 
+<file path=ppt/revisionInfo.xml><?xml version="1.0" encoding="utf-8"?>
+<p1510:revInfo xmlns:a="http://schemas.openxmlformats.org/drawingml/2006/main" xmlns:r="http://schemas.openxmlformats.org/officeDocument/2006/relationships" xmlns:p1510="http://schemas.microsoft.com/office/powerpoint/2015/10/main">
+  <p1510:revLst>
+    <p1510:client id="{BF8F8769-30B3-3065-7BA7-A646ACF44FE6}" v="3" dt="2019-01-15T16:23:29.500"/>
+  </p1510:revLst>
+</p1510:revInfo>
+</file>
+
 <file path=ppt/changesInfos/changesInfo1.xml><?xml version="1.0" encoding="utf-8"?>
 <pc:chgInfo xmlns:a="http://schemas.openxmlformats.org/drawingml/2006/main" xmlns:r="http://schemas.openxmlformats.org/officeDocument/2006/relationships" xmlns:ac="http://schemas.microsoft.com/office/drawing/2013/main/command" xmlns:pc="http://schemas.microsoft.com/office/powerpoint/2013/main/command">
   <pc:docChgLst>
@@ -174,6 +185,1214 @@
             <pc:docMk/>
             <pc:sldMk cId="3784089036" sldId="256"/>
             <ac:cxnSpMk id="9" creationId="{E126E481-B945-4179-BD79-05E96E9B29E1}"/>
+          </ac:cxnSpMkLst>
+        </pc:cxnChg>
+      </pc:sldChg>
+    </pc:docChg>
+  </pc:docChgLst>
+  <pc:docChgLst>
+    <pc:chgData name="Nathan Bergamini" userId="S::nathan.bergamini.etu@univ-lille.fr::71386036-08a7-4cd3-88e8-645d1570bc96" providerId="AD" clId="Web-{30559D83-0AD5-DE99-8118-73519DF92465}"/>
+    <pc:docChg chg="modSld">
+      <pc:chgData name="Nathan Bergamini" userId="S::nathan.bergamini.etu@univ-lille.fr::71386036-08a7-4cd3-88e8-645d1570bc96" providerId="AD" clId="Web-{30559D83-0AD5-DE99-8118-73519DF92465}" dt="2019-01-15T08:42:52.134" v="8" actId="20577"/>
+      <pc:docMkLst>
+        <pc:docMk/>
+      </pc:docMkLst>
+      <pc:sldChg chg="modSp">
+        <pc:chgData name="Nathan Bergamini" userId="S::nathan.bergamini.etu@univ-lille.fr::71386036-08a7-4cd3-88e8-645d1570bc96" providerId="AD" clId="Web-{30559D83-0AD5-DE99-8118-73519DF92465}" dt="2019-01-15T08:42:12.369" v="0" actId="1076"/>
+        <pc:sldMkLst>
+          <pc:docMk/>
+          <pc:sldMk cId="2558620229" sldId="259"/>
+        </pc:sldMkLst>
+        <pc:spChg chg="mod">
+          <ac:chgData name="Nathan Bergamini" userId="S::nathan.bergamini.etu@univ-lille.fr::71386036-08a7-4cd3-88e8-645d1570bc96" providerId="AD" clId="Web-{30559D83-0AD5-DE99-8118-73519DF92465}" dt="2019-01-15T08:42:12.369" v="0" actId="1076"/>
+          <ac:spMkLst>
+            <pc:docMk/>
+            <pc:sldMk cId="2558620229" sldId="259"/>
+            <ac:spMk id="14" creationId="{4AF7CF42-2413-422C-A4B2-29DFFCDCE1BF}"/>
+          </ac:spMkLst>
+        </pc:spChg>
+      </pc:sldChg>
+      <pc:sldChg chg="modSp">
+        <pc:chgData name="Nathan Bergamini" userId="S::nathan.bergamini.etu@univ-lille.fr::71386036-08a7-4cd3-88e8-645d1570bc96" providerId="AD" clId="Web-{30559D83-0AD5-DE99-8118-73519DF92465}" dt="2019-01-15T08:42:52.134" v="7" actId="20577"/>
+        <pc:sldMkLst>
+          <pc:docMk/>
+          <pc:sldMk cId="2127908716" sldId="262"/>
+        </pc:sldMkLst>
+        <pc:spChg chg="mod">
+          <ac:chgData name="Nathan Bergamini" userId="S::nathan.bergamini.etu@univ-lille.fr::71386036-08a7-4cd3-88e8-645d1570bc96" providerId="AD" clId="Web-{30559D83-0AD5-DE99-8118-73519DF92465}" dt="2019-01-15T08:42:52.134" v="7" actId="20577"/>
+          <ac:spMkLst>
+            <pc:docMk/>
+            <pc:sldMk cId="2127908716" sldId="262"/>
+            <ac:spMk id="2" creationId="{68A06B1F-E2FA-44C7-90BA-7D2AAC8EC9CA}"/>
+          </ac:spMkLst>
+        </pc:spChg>
+        <pc:spChg chg="mod">
+          <ac:chgData name="Nathan Bergamini" userId="S::nathan.bergamini.etu@univ-lille.fr::71386036-08a7-4cd3-88e8-645d1570bc96" providerId="AD" clId="Web-{30559D83-0AD5-DE99-8118-73519DF92465}" dt="2019-01-15T08:42:43.806" v="2" actId="20577"/>
+          <ac:spMkLst>
+            <pc:docMk/>
+            <pc:sldMk cId="2127908716" sldId="262"/>
+            <ac:spMk id="29" creationId="{90700417-2FCC-4DF1-9072-BFB6EE23CBA8}"/>
+          </ac:spMkLst>
+        </pc:spChg>
+      </pc:sldChg>
+    </pc:docChg>
+  </pc:docChgLst>
+  <pc:docChgLst>
+    <pc:chgData name="Nathan Bergamini" userId="S::nathan.bergamini.etu@univ-lille.fr::71386036-08a7-4cd3-88e8-645d1570bc96" providerId="AD" clId="Web-{5C6997DA-E8ED-FC59-FBD1-0E03EBF049C0}"/>
+    <pc:docChg chg="addSld modSld">
+      <pc:chgData name="Nathan Bergamini" userId="S::nathan.bergamini.etu@univ-lille.fr::71386036-08a7-4cd3-88e8-645d1570bc96" providerId="AD" clId="Web-{5C6997DA-E8ED-FC59-FBD1-0E03EBF049C0}" dt="2019-01-15T12:36:37.768" v="133"/>
+      <pc:docMkLst>
+        <pc:docMk/>
+      </pc:docMkLst>
+      <pc:sldChg chg="modSp">
+        <pc:chgData name="Nathan Bergamini" userId="S::nathan.bergamini.etu@univ-lille.fr::71386036-08a7-4cd3-88e8-645d1570bc96" providerId="AD" clId="Web-{5C6997DA-E8ED-FC59-FBD1-0E03EBF049C0}" dt="2019-01-15T11:59:09.345" v="12" actId="20577"/>
+        <pc:sldMkLst>
+          <pc:docMk/>
+          <pc:sldMk cId="2558620229" sldId="259"/>
+        </pc:sldMkLst>
+        <pc:spChg chg="mod">
+          <ac:chgData name="Nathan Bergamini" userId="S::nathan.bergamini.etu@univ-lille.fr::71386036-08a7-4cd3-88e8-645d1570bc96" providerId="AD" clId="Web-{5C6997DA-E8ED-FC59-FBD1-0E03EBF049C0}" dt="2019-01-15T11:59:09.345" v="12" actId="20577"/>
+          <ac:spMkLst>
+            <pc:docMk/>
+            <pc:sldMk cId="2558620229" sldId="259"/>
+            <ac:spMk id="14" creationId="{4AF7CF42-2413-422C-A4B2-29DFFCDCE1BF}"/>
+          </ac:spMkLst>
+        </pc:spChg>
+      </pc:sldChg>
+      <pc:sldChg chg="modSp">
+        <pc:chgData name="Nathan Bergamini" userId="S::nathan.bergamini.etu@univ-lille.fr::71386036-08a7-4cd3-88e8-645d1570bc96" providerId="AD" clId="Web-{5C6997DA-E8ED-FC59-FBD1-0E03EBF049C0}" dt="2019-01-15T12:22:40.866" v="42"/>
+        <pc:sldMkLst>
+          <pc:docMk/>
+          <pc:sldMk cId="2891824014" sldId="260"/>
+        </pc:sldMkLst>
+        <pc:spChg chg="mod">
+          <ac:chgData name="Nathan Bergamini" userId="S::nathan.bergamini.etu@univ-lille.fr::71386036-08a7-4cd3-88e8-645d1570bc96" providerId="AD" clId="Web-{5C6997DA-E8ED-FC59-FBD1-0E03EBF049C0}" dt="2019-01-15T12:22:40.866" v="42"/>
+          <ac:spMkLst>
+            <pc:docMk/>
+            <pc:sldMk cId="2891824014" sldId="260"/>
+            <ac:spMk id="2" creationId="{219E7A32-0CE5-44C8-AD3B-AC6C0D2B3BAE}"/>
+          </ac:spMkLst>
+        </pc:spChg>
+      </pc:sldChg>
+      <pc:sldChg chg="modSp">
+        <pc:chgData name="Nathan Bergamini" userId="S::nathan.bergamini.etu@univ-lille.fr::71386036-08a7-4cd3-88e8-645d1570bc96" providerId="AD" clId="Web-{5C6997DA-E8ED-FC59-FBD1-0E03EBF049C0}" dt="2019-01-15T12:22:35.101" v="41"/>
+        <pc:sldMkLst>
+          <pc:docMk/>
+          <pc:sldMk cId="815115260" sldId="261"/>
+        </pc:sldMkLst>
+        <pc:spChg chg="mod">
+          <ac:chgData name="Nathan Bergamini" userId="S::nathan.bergamini.etu@univ-lille.fr::71386036-08a7-4cd3-88e8-645d1570bc96" providerId="AD" clId="Web-{5C6997DA-E8ED-FC59-FBD1-0E03EBF049C0}" dt="2019-01-15T12:22:35.101" v="41"/>
+          <ac:spMkLst>
+            <pc:docMk/>
+            <pc:sldMk cId="815115260" sldId="261"/>
+            <ac:spMk id="2" creationId="{AEE589FB-D80B-4CD2-9786-387588A4B0E6}"/>
+          </ac:spMkLst>
+        </pc:spChg>
+      </pc:sldChg>
+      <pc:sldChg chg="modSp">
+        <pc:chgData name="Nathan Bergamini" userId="S::nathan.bergamini.etu@univ-lille.fr::71386036-08a7-4cd3-88e8-645d1570bc96" providerId="AD" clId="Web-{5C6997DA-E8ED-FC59-FBD1-0E03EBF049C0}" dt="2019-01-15T12:22:50.632" v="43"/>
+        <pc:sldMkLst>
+          <pc:docMk/>
+          <pc:sldMk cId="2127908716" sldId="262"/>
+        </pc:sldMkLst>
+        <pc:spChg chg="mod">
+          <ac:chgData name="Nathan Bergamini" userId="S::nathan.bergamini.etu@univ-lille.fr::71386036-08a7-4cd3-88e8-645d1570bc96" providerId="AD" clId="Web-{5C6997DA-E8ED-FC59-FBD1-0E03EBF049C0}" dt="2019-01-15T12:22:50.632" v="43"/>
+          <ac:spMkLst>
+            <pc:docMk/>
+            <pc:sldMk cId="2127908716" sldId="262"/>
+            <ac:spMk id="2" creationId="{68A06B1F-E2FA-44C7-90BA-7D2AAC8EC9CA}"/>
+          </ac:spMkLst>
+        </pc:spChg>
+      </pc:sldChg>
+      <pc:sldChg chg="addSp delSp modSp new mod setBg setClrOvrMap">
+        <pc:chgData name="Nathan Bergamini" userId="S::nathan.bergamini.etu@univ-lille.fr::71386036-08a7-4cd3-88e8-645d1570bc96" providerId="AD" clId="Web-{5C6997DA-E8ED-FC59-FBD1-0E03EBF049C0}" dt="2019-01-15T12:27:01.805" v="119" actId="20577"/>
+        <pc:sldMkLst>
+          <pc:docMk/>
+          <pc:sldMk cId="2853387422" sldId="263"/>
+        </pc:sldMkLst>
+        <pc:spChg chg="mod">
+          <ac:chgData name="Nathan Bergamini" userId="S::nathan.bergamini.etu@univ-lille.fr::71386036-08a7-4cd3-88e8-645d1570bc96" providerId="AD" clId="Web-{5C6997DA-E8ED-FC59-FBD1-0E03EBF049C0}" dt="2019-01-15T12:24:48.773" v="102"/>
+          <ac:spMkLst>
+            <pc:docMk/>
+            <pc:sldMk cId="2853387422" sldId="263"/>
+            <ac:spMk id="2" creationId="{F867F4DA-7855-4548-880F-3DC13CC4E2C4}"/>
+          </ac:spMkLst>
+        </pc:spChg>
+        <pc:spChg chg="del">
+          <ac:chgData name="Nathan Bergamini" userId="S::nathan.bergamini.etu@univ-lille.fr::71386036-08a7-4cd3-88e8-645d1570bc96" providerId="AD" clId="Web-{5C6997DA-E8ED-FC59-FBD1-0E03EBF049C0}" dt="2019-01-15T12:21:39.866" v="34"/>
+          <ac:spMkLst>
+            <pc:docMk/>
+            <pc:sldMk cId="2853387422" sldId="263"/>
+            <ac:spMk id="3" creationId="{C098A5EF-CE35-4F1F-8960-95DCBA5E0285}"/>
+          </ac:spMkLst>
+        </pc:spChg>
+        <pc:spChg chg="add mod">
+          <ac:chgData name="Nathan Bergamini" userId="S::nathan.bergamini.etu@univ-lille.fr::71386036-08a7-4cd3-88e8-645d1570bc96" providerId="AD" clId="Web-{5C6997DA-E8ED-FC59-FBD1-0E03EBF049C0}" dt="2019-01-15T12:27:01.805" v="119" actId="20577"/>
+          <ac:spMkLst>
+            <pc:docMk/>
+            <pc:sldMk cId="2853387422" sldId="263"/>
+            <ac:spMk id="9" creationId="{6AB4819D-0F8B-42EA-A108-7413ECF564D7}"/>
+          </ac:spMkLst>
+        </pc:spChg>
+        <pc:spChg chg="add del">
+          <ac:chgData name="Nathan Bergamini" userId="S::nathan.bergamini.etu@univ-lille.fr::71386036-08a7-4cd3-88e8-645d1570bc96" providerId="AD" clId="Web-{5C6997DA-E8ED-FC59-FBD1-0E03EBF049C0}" dt="2019-01-15T12:24:48.773" v="102"/>
+          <ac:spMkLst>
+            <pc:docMk/>
+            <pc:sldMk cId="2853387422" sldId="263"/>
+            <ac:spMk id="12" creationId="{CF62D2A7-8207-488C-9F46-316BA81A16C8}"/>
+          </ac:spMkLst>
+        </pc:spChg>
+        <pc:spChg chg="add del">
+          <ac:chgData name="Nathan Bergamini" userId="S::nathan.bergamini.etu@univ-lille.fr::71386036-08a7-4cd3-88e8-645d1570bc96" providerId="AD" clId="Web-{5C6997DA-E8ED-FC59-FBD1-0E03EBF049C0}" dt="2019-01-15T12:24:36.258" v="98"/>
+          <ac:spMkLst>
+            <pc:docMk/>
+            <pc:sldMk cId="2853387422" sldId="263"/>
+            <ac:spMk id="14" creationId="{0700D48D-C9AA-4000-A912-29A4FEA98A9F}"/>
+          </ac:spMkLst>
+        </pc:spChg>
+        <pc:spChg chg="add del">
+          <ac:chgData name="Nathan Bergamini" userId="S::nathan.bergamini.etu@univ-lille.fr::71386036-08a7-4cd3-88e8-645d1570bc96" providerId="AD" clId="Web-{5C6997DA-E8ED-FC59-FBD1-0E03EBF049C0}" dt="2019-01-15T12:24:38.617" v="100"/>
+          <ac:spMkLst>
+            <pc:docMk/>
+            <pc:sldMk cId="2853387422" sldId="263"/>
+            <ac:spMk id="16" creationId="{E02F3C71-C981-4614-98EA-D6C494F8091E}"/>
+          </ac:spMkLst>
+        </pc:spChg>
+        <pc:spChg chg="add del">
+          <ac:chgData name="Nathan Bergamini" userId="S::nathan.bergamini.etu@univ-lille.fr::71386036-08a7-4cd3-88e8-645d1570bc96" providerId="AD" clId="Web-{5C6997DA-E8ED-FC59-FBD1-0E03EBF049C0}" dt="2019-01-15T12:24:48.773" v="102"/>
+          <ac:spMkLst>
+            <pc:docMk/>
+            <pc:sldMk cId="2853387422" sldId="263"/>
+            <ac:spMk id="18" creationId="{2C6A2225-94AF-4BC4-98F4-77746E7B10A9}"/>
+          </ac:spMkLst>
+        </pc:spChg>
+        <pc:spChg chg="add del">
+          <ac:chgData name="Nathan Bergamini" userId="S::nathan.bergamini.etu@univ-lille.fr::71386036-08a7-4cd3-88e8-645d1570bc96" providerId="AD" clId="Web-{5C6997DA-E8ED-FC59-FBD1-0E03EBF049C0}" dt="2019-01-15T12:24:48.773" v="102"/>
+          <ac:spMkLst>
+            <pc:docMk/>
+            <pc:sldMk cId="2853387422" sldId="263"/>
+            <ac:spMk id="20" creationId="{648F5915-2CE1-4F74-88C5-D4366893D2DF}"/>
+          </ac:spMkLst>
+        </pc:spChg>
+        <pc:picChg chg="add del mod">
+          <ac:chgData name="Nathan Bergamini" userId="S::nathan.bergamini.etu@univ-lille.fr::71386036-08a7-4cd3-88e8-645d1570bc96" providerId="AD" clId="Web-{5C6997DA-E8ED-FC59-FBD1-0E03EBF049C0}" dt="2019-01-15T12:24:51.289" v="103"/>
+          <ac:picMkLst>
+            <pc:docMk/>
+            <pc:sldMk cId="2853387422" sldId="263"/>
+            <ac:picMk id="4" creationId="{725F953C-A77B-477F-8814-1D4EB47AB015}"/>
+          </ac:picMkLst>
+        </pc:picChg>
+        <pc:picChg chg="add del mod ord replId">
+          <ac:chgData name="Nathan Bergamini" userId="S::nathan.bergamini.etu@univ-lille.fr::71386036-08a7-4cd3-88e8-645d1570bc96" providerId="AD" clId="Web-{5C6997DA-E8ED-FC59-FBD1-0E03EBF049C0}" dt="2019-01-15T12:21:50.569" v="35"/>
+          <ac:picMkLst>
+            <pc:docMk/>
+            <pc:sldMk cId="2853387422" sldId="263"/>
+            <ac:picMk id="6" creationId="{150DF2CE-534F-4EAB-BCB3-0A463D8B015F}"/>
+          </ac:picMkLst>
+        </pc:picChg>
+        <pc:picChg chg="add mod ord">
+          <ac:chgData name="Nathan Bergamini" userId="S::nathan.bergamini.etu@univ-lille.fr::71386036-08a7-4cd3-88e8-645d1570bc96" providerId="AD" clId="Web-{5C6997DA-E8ED-FC59-FBD1-0E03EBF049C0}" dt="2019-01-15T12:24:48.773" v="102"/>
+          <ac:picMkLst>
+            <pc:docMk/>
+            <pc:sldMk cId="2853387422" sldId="263"/>
+            <ac:picMk id="7" creationId="{150DF2CE-534F-4EAB-BCB3-0A463D8B015F}"/>
+          </ac:picMkLst>
+        </pc:picChg>
+        <pc:cxnChg chg="add del">
+          <ac:chgData name="Nathan Bergamini" userId="S::nathan.bergamini.etu@univ-lille.fr::71386036-08a7-4cd3-88e8-645d1570bc96" providerId="AD" clId="Web-{5C6997DA-E8ED-FC59-FBD1-0E03EBF049C0}" dt="2019-01-15T12:24:36.258" v="98"/>
+          <ac:cxnSpMkLst>
+            <pc:docMk/>
+            <pc:sldMk cId="2853387422" sldId="263"/>
+            <ac:cxnSpMk id="15" creationId="{805E69BC-D844-4AB5-9E35-ED458EE29655}"/>
+          </ac:cxnSpMkLst>
+        </pc:cxnChg>
+        <pc:cxnChg chg="add del">
+          <ac:chgData name="Nathan Bergamini" userId="S::nathan.bergamini.etu@univ-lille.fr::71386036-08a7-4cd3-88e8-645d1570bc96" providerId="AD" clId="Web-{5C6997DA-E8ED-FC59-FBD1-0E03EBF049C0}" dt="2019-01-15T12:24:33.632" v="96"/>
+          <ac:cxnSpMkLst>
+            <pc:docMk/>
+            <pc:sldMk cId="2853387422" sldId="263"/>
+            <ac:cxnSpMk id="17" creationId="{EBAD6A72-88E8-42F7-88B9-CAF744536BE4}"/>
+          </ac:cxnSpMkLst>
+        </pc:cxnChg>
+        <pc:cxnChg chg="add del">
+          <ac:chgData name="Nathan Bergamini" userId="S::nathan.bergamini.etu@univ-lille.fr::71386036-08a7-4cd3-88e8-645d1570bc96" providerId="AD" clId="Web-{5C6997DA-E8ED-FC59-FBD1-0E03EBF049C0}" dt="2019-01-15T12:24:33.632" v="96"/>
+          <ac:cxnSpMkLst>
+            <pc:docMk/>
+            <pc:sldMk cId="2853387422" sldId="263"/>
+            <ac:cxnSpMk id="19" creationId="{C800968E-0A99-46C4-A9B2-6A63AC66F4B0}"/>
+          </ac:cxnSpMkLst>
+        </pc:cxnChg>
+        <pc:cxnChg chg="add del">
+          <ac:chgData name="Nathan Bergamini" userId="S::nathan.bergamini.etu@univ-lille.fr::71386036-08a7-4cd3-88e8-645d1570bc96" providerId="AD" clId="Web-{5C6997DA-E8ED-FC59-FBD1-0E03EBF049C0}" dt="2019-01-15T12:24:36.258" v="98"/>
+          <ac:cxnSpMkLst>
+            <pc:docMk/>
+            <pc:sldMk cId="2853387422" sldId="263"/>
+            <ac:cxnSpMk id="21" creationId="{4312C673-8179-457E-AD2A-D1FAE4CC961A}"/>
+          </ac:cxnSpMkLst>
+        </pc:cxnChg>
+      </pc:sldChg>
+      <pc:sldChg chg="addSp delSp modSp new mod setBg setClrOvrMap">
+        <pc:chgData name="Nathan Bergamini" userId="S::nathan.bergamini.etu@univ-lille.fr::71386036-08a7-4cd3-88e8-645d1570bc96" providerId="AD" clId="Web-{5C6997DA-E8ED-FC59-FBD1-0E03EBF049C0}" dt="2019-01-15T12:36:37.768" v="133"/>
+        <pc:sldMkLst>
+          <pc:docMk/>
+          <pc:sldMk cId="4103167167" sldId="264"/>
+        </pc:sldMkLst>
+        <pc:spChg chg="add del mod">
+          <ac:chgData name="Nathan Bergamini" userId="S::nathan.bergamini.etu@univ-lille.fr::71386036-08a7-4cd3-88e8-645d1570bc96" providerId="AD" clId="Web-{5C6997DA-E8ED-FC59-FBD1-0E03EBF049C0}" dt="2019-01-15T12:36:37.768" v="133"/>
+          <ac:spMkLst>
+            <pc:docMk/>
+            <pc:sldMk cId="4103167167" sldId="264"/>
+            <ac:spMk id="2" creationId="{5AFF9430-24E6-49F8-BD8B-364DD7DAB12B}"/>
+          </ac:spMkLst>
+        </pc:spChg>
+        <pc:spChg chg="del">
+          <ac:chgData name="Nathan Bergamini" userId="S::nathan.bergamini.etu@univ-lille.fr::71386036-08a7-4cd3-88e8-645d1570bc96" providerId="AD" clId="Web-{5C6997DA-E8ED-FC59-FBD1-0E03EBF049C0}" dt="2019-01-15T12:30:26.351" v="122"/>
+          <ac:spMkLst>
+            <pc:docMk/>
+            <pc:sldMk cId="4103167167" sldId="264"/>
+            <ac:spMk id="3" creationId="{EE213102-EEA5-4319-A665-6F74E5DF99A2}"/>
+          </ac:spMkLst>
+        </pc:spChg>
+        <pc:spChg chg="add del mod">
+          <ac:chgData name="Nathan Bergamini" userId="S::nathan.bergamini.etu@univ-lille.fr::71386036-08a7-4cd3-88e8-645d1570bc96" providerId="AD" clId="Web-{5C6997DA-E8ED-FC59-FBD1-0E03EBF049C0}" dt="2019-01-15T12:35:37.527" v="124"/>
+          <ac:spMkLst>
+            <pc:docMk/>
+            <pc:sldMk cId="4103167167" sldId="264"/>
+            <ac:spMk id="7" creationId="{2E17556D-73D4-49BA-9C52-FABD7C9DF4FD}"/>
+          </ac:spMkLst>
+        </pc:spChg>
+        <pc:spChg chg="add del">
+          <ac:chgData name="Nathan Bergamini" userId="S::nathan.bergamini.etu@univ-lille.fr::71386036-08a7-4cd3-88e8-645d1570bc96" providerId="AD" clId="Web-{5C6997DA-E8ED-FC59-FBD1-0E03EBF049C0}" dt="2019-01-15T12:36:32.068" v="128"/>
+          <ac:spMkLst>
+            <pc:docMk/>
+            <pc:sldMk cId="4103167167" sldId="264"/>
+            <ac:spMk id="10" creationId="{AC128603-46CE-4B02-AD20-361392EDC4F1}"/>
+          </ac:spMkLst>
+        </pc:spChg>
+        <pc:spChg chg="add del">
+          <ac:chgData name="Nathan Bergamini" userId="S::nathan.bergamini.etu@univ-lille.fr::71386036-08a7-4cd3-88e8-645d1570bc96" providerId="AD" clId="Web-{5C6997DA-E8ED-FC59-FBD1-0E03EBF049C0}" dt="2019-01-15T12:36:34.540" v="130"/>
+          <ac:spMkLst>
+            <pc:docMk/>
+            <pc:sldMk cId="4103167167" sldId="264"/>
+            <ac:spMk id="12" creationId="{23CF6A8B-0EA1-4887-814A-78F73BB57629}"/>
+          </ac:spMkLst>
+        </pc:spChg>
+        <pc:spChg chg="add del">
+          <ac:chgData name="Nathan Bergamini" userId="S::nathan.bergamini.etu@univ-lille.fr::71386036-08a7-4cd3-88e8-645d1570bc96" providerId="AD" clId="Web-{5C6997DA-E8ED-FC59-FBD1-0E03EBF049C0}" dt="2019-01-15T12:36:29.742" v="126"/>
+          <ac:spMkLst>
+            <pc:docMk/>
+            <pc:sldMk cId="4103167167" sldId="264"/>
+            <ac:spMk id="13" creationId="{B9FF99BD-075F-4761-A995-6FC574BD25EA}"/>
+          </ac:spMkLst>
+        </pc:spChg>
+        <pc:spChg chg="add del">
+          <ac:chgData name="Nathan Bergamini" userId="S::nathan.bergamini.etu@univ-lille.fr::71386036-08a7-4cd3-88e8-645d1570bc96" providerId="AD" clId="Web-{5C6997DA-E8ED-FC59-FBD1-0E03EBF049C0}" dt="2019-01-15T12:36:34.540" v="130"/>
+          <ac:spMkLst>
+            <pc:docMk/>
+            <pc:sldMk cId="4103167167" sldId="264"/>
+            <ac:spMk id="14" creationId="{CF62D2A7-8207-488C-9F46-316BA81A16C8}"/>
+          </ac:spMkLst>
+        </pc:spChg>
+        <pc:spChg chg="add del">
+          <ac:chgData name="Nathan Bergamini" userId="S::nathan.bergamini.etu@univ-lille.fr::71386036-08a7-4cd3-88e8-645d1570bc96" providerId="AD" clId="Web-{5C6997DA-E8ED-FC59-FBD1-0E03EBF049C0}" dt="2019-01-15T12:36:29.742" v="126"/>
+          <ac:spMkLst>
+            <pc:docMk/>
+            <pc:sldMk cId="4103167167" sldId="264"/>
+            <ac:spMk id="15" creationId="{A7B21A54-9BA3-4EA9-B460-5A829ADD9051}"/>
+          </ac:spMkLst>
+        </pc:spChg>
+        <pc:spChg chg="add del">
+          <ac:chgData name="Nathan Bergamini" userId="S::nathan.bergamini.etu@univ-lille.fr::71386036-08a7-4cd3-88e8-645d1570bc96" providerId="AD" clId="Web-{5C6997DA-E8ED-FC59-FBD1-0E03EBF049C0}" dt="2019-01-15T12:36:32.068" v="128"/>
+          <ac:spMkLst>
+            <pc:docMk/>
+            <pc:sldMk cId="4103167167" sldId="264"/>
+            <ac:spMk id="16" creationId="{42A5316D-ED2F-4F89-B4B4-8D9240B1A348}"/>
+          </ac:spMkLst>
+        </pc:spChg>
+        <pc:spChg chg="add del">
+          <ac:chgData name="Nathan Bergamini" userId="S::nathan.bergamini.etu@univ-lille.fr::71386036-08a7-4cd3-88e8-645d1570bc96" providerId="AD" clId="Web-{5C6997DA-E8ED-FC59-FBD1-0E03EBF049C0}" dt="2019-01-15T12:36:29.742" v="126"/>
+          <ac:spMkLst>
+            <pc:docMk/>
+            <pc:sldMk cId="4103167167" sldId="264"/>
+            <ac:spMk id="17" creationId="{6FA8F714-B9D8-488A-8CCA-E9948FF913A9}"/>
+          </ac:spMkLst>
+        </pc:spChg>
+        <pc:spChg chg="add del">
+          <ac:chgData name="Nathan Bergamini" userId="S::nathan.bergamini.etu@univ-lille.fr::71386036-08a7-4cd3-88e8-645d1570bc96" providerId="AD" clId="Web-{5C6997DA-E8ED-FC59-FBD1-0E03EBF049C0}" dt="2019-01-15T12:36:34.540" v="130"/>
+          <ac:spMkLst>
+            <pc:docMk/>
+            <pc:sldMk cId="4103167167" sldId="264"/>
+            <ac:spMk id="18" creationId="{52AC6D7F-F068-4E11-BB06-F601D89BB980}"/>
+          </ac:spMkLst>
+        </pc:spChg>
+        <pc:spChg chg="add del">
+          <ac:chgData name="Nathan Bergamini" userId="S::nathan.bergamini.etu@univ-lille.fr::71386036-08a7-4cd3-88e8-645d1570bc96" providerId="AD" clId="Web-{5C6997DA-E8ED-FC59-FBD1-0E03EBF049C0}" dt="2019-01-15T12:36:37.663" v="132"/>
+          <ac:spMkLst>
+            <pc:docMk/>
+            <pc:sldMk cId="4103167167" sldId="264"/>
+            <ac:spMk id="22" creationId="{569C1A01-6FB5-43CE-ADCC-936728ACAC0D}"/>
+          </ac:spMkLst>
+        </pc:spChg>
+        <pc:spChg chg="add del">
+          <ac:chgData name="Nathan Bergamini" userId="S::nathan.bergamini.etu@univ-lille.fr::71386036-08a7-4cd3-88e8-645d1570bc96" providerId="AD" clId="Web-{5C6997DA-E8ED-FC59-FBD1-0E03EBF049C0}" dt="2019-01-15T12:36:37.663" v="132"/>
+          <ac:spMkLst>
+            <pc:docMk/>
+            <pc:sldMk cId="4103167167" sldId="264"/>
+            <ac:spMk id="23" creationId="{BF7858D3-A471-4315-AE6F-D8F942173E18}"/>
+          </ac:spMkLst>
+        </pc:spChg>
+        <pc:spChg chg="add">
+          <ac:chgData name="Nathan Bergamini" userId="S::nathan.bergamini.etu@univ-lille.fr::71386036-08a7-4cd3-88e8-645d1570bc96" providerId="AD" clId="Web-{5C6997DA-E8ED-FC59-FBD1-0E03EBF049C0}" dt="2019-01-15T12:36:37.768" v="133"/>
+          <ac:spMkLst>
+            <pc:docMk/>
+            <pc:sldMk cId="4103167167" sldId="264"/>
+            <ac:spMk id="25" creationId="{17689813-AB4D-47BC-B2EF-CBACC84BE782}"/>
+          </ac:spMkLst>
+        </pc:spChg>
+        <pc:picChg chg="add del mod ord">
+          <ac:chgData name="Nathan Bergamini" userId="S::nathan.bergamini.etu@univ-lille.fr::71386036-08a7-4cd3-88e8-645d1570bc96" providerId="AD" clId="Web-{5C6997DA-E8ED-FC59-FBD1-0E03EBF049C0}" dt="2019-01-15T12:30:29.458" v="123"/>
+          <ac:picMkLst>
+            <pc:docMk/>
+            <pc:sldMk cId="4103167167" sldId="264"/>
+            <ac:picMk id="4" creationId="{EAC507EA-E1D2-4E45-A833-C9E0A4381152}"/>
+          </ac:picMkLst>
+        </pc:picChg>
+        <pc:picChg chg="add del">
+          <ac:chgData name="Nathan Bergamini" userId="S::nathan.bergamini.etu@univ-lille.fr::71386036-08a7-4cd3-88e8-645d1570bc96" providerId="AD" clId="Web-{5C6997DA-E8ED-FC59-FBD1-0E03EBF049C0}" dt="2019-01-15T12:36:32.068" v="128"/>
+          <ac:picMkLst>
+            <pc:docMk/>
+            <pc:sldMk cId="4103167167" sldId="264"/>
+            <ac:picMk id="11" creationId="{2F23EBA0-0D94-401A-9BD3-8F0D13802A13}"/>
+          </ac:picMkLst>
+        </pc:picChg>
+        <pc:picChg chg="add del">
+          <ac:chgData name="Nathan Bergamini" userId="S::nathan.bergamini.etu@univ-lille.fr::71386036-08a7-4cd3-88e8-645d1570bc96" providerId="AD" clId="Web-{5C6997DA-E8ED-FC59-FBD1-0E03EBF049C0}" dt="2019-01-15T12:36:34.540" v="130"/>
+          <ac:picMkLst>
+            <pc:docMk/>
+            <pc:sldMk cId="4103167167" sldId="264"/>
+            <ac:picMk id="19" creationId="{2F23EBA0-0D94-401A-9BD3-8F0D13802A13}"/>
+          </ac:picMkLst>
+        </pc:picChg>
+        <pc:picChg chg="add del">
+          <ac:chgData name="Nathan Bergamini" userId="S::nathan.bergamini.etu@univ-lille.fr::71386036-08a7-4cd3-88e8-645d1570bc96" providerId="AD" clId="Web-{5C6997DA-E8ED-FC59-FBD1-0E03EBF049C0}" dt="2019-01-15T12:36:37.663" v="132"/>
+          <ac:picMkLst>
+            <pc:docMk/>
+            <pc:sldMk cId="4103167167" sldId="264"/>
+            <ac:picMk id="20" creationId="{2F23EBA0-0D94-401A-9BD3-8F0D13802A13}"/>
+          </ac:picMkLst>
+        </pc:picChg>
+        <pc:picChg chg="add del">
+          <ac:chgData name="Nathan Bergamini" userId="S::nathan.bergamini.etu@univ-lille.fr::71386036-08a7-4cd3-88e8-645d1570bc96" providerId="AD" clId="Web-{5C6997DA-E8ED-FC59-FBD1-0E03EBF049C0}" dt="2019-01-15T12:36:37.663" v="132"/>
+          <ac:picMkLst>
+            <pc:docMk/>
+            <pc:sldMk cId="4103167167" sldId="264"/>
+            <ac:picMk id="21" creationId="{EE09A529-E47C-4634-BB98-0A9526C372B4}"/>
+          </ac:picMkLst>
+        </pc:picChg>
+        <pc:picChg chg="add">
+          <ac:chgData name="Nathan Bergamini" userId="S::nathan.bergamini.etu@univ-lille.fr::71386036-08a7-4cd3-88e8-645d1570bc96" providerId="AD" clId="Web-{5C6997DA-E8ED-FC59-FBD1-0E03EBF049C0}" dt="2019-01-15T12:36:37.768" v="133"/>
+          <ac:picMkLst>
+            <pc:docMk/>
+            <pc:sldMk cId="4103167167" sldId="264"/>
+            <ac:picMk id="24" creationId="{2F23EBA0-0D94-401A-9BD3-8F0D13802A13}"/>
+          </ac:picMkLst>
+        </pc:picChg>
+        <pc:picChg chg="add del mod ord replId">
+          <ac:chgData name="Nathan Bergamini" userId="S::nathan.bergamini.etu@univ-lille.fr::71386036-08a7-4cd3-88e8-645d1570bc96" providerId="AD" clId="Web-{5C6997DA-E8ED-FC59-FBD1-0E03EBF049C0}" dt="2019-01-15T12:36:37.768" v="133"/>
+          <ac:picMkLst>
+            <pc:docMk/>
+            <pc:sldMk cId="4103167167" sldId="264"/>
+            <ac:picMk id="26" creationId="{2F23EBA0-0D94-401A-9BD3-8F0D13802A13}"/>
+          </ac:picMkLst>
+        </pc:picChg>
+      </pc:sldChg>
+    </pc:docChg>
+  </pc:docChgLst>
+  <pc:docChgLst>
+    <pc:chgData name="Nathan Bergamini" userId="S::nathan.bergamini.etu@univ-lille.fr::71386036-08a7-4cd3-88e8-645d1570bc96" providerId="AD" clId="Web-{BF8F8769-30B3-3065-7BA7-A646ACF44FE6}"/>
+    <pc:docChg chg="addSld delSld modSld">
+      <pc:chgData name="Nathan Bergamini" userId="S::nathan.bergamini.etu@univ-lille.fr::71386036-08a7-4cd3-88e8-645d1570bc96" providerId="AD" clId="Web-{BF8F8769-30B3-3065-7BA7-A646ACF44FE6}" dt="2019-01-15T16:51:56.194" v="501" actId="1076"/>
+      <pc:docMkLst>
+        <pc:docMk/>
+      </pc:docMkLst>
+      <pc:sldChg chg="delDesignElem">
+        <pc:chgData name="Nathan Bergamini" userId="S::nathan.bergamini.etu@univ-lille.fr::71386036-08a7-4cd3-88e8-645d1570bc96" providerId="AD" clId="Web-{BF8F8769-30B3-3065-7BA7-A646ACF44FE6}" dt="2019-01-15T16:32:10.955" v="266"/>
+        <pc:sldMkLst>
+          <pc:docMk/>
+          <pc:sldMk cId="2043393089" sldId="257"/>
+        </pc:sldMkLst>
+      </pc:sldChg>
+      <pc:sldChg chg="addSp delSp modSp mod setBg setClrOvrMap delDesignElem">
+        <pc:chgData name="Nathan Bergamini" userId="S::nathan.bergamini.etu@univ-lille.fr::71386036-08a7-4cd3-88e8-645d1570bc96" providerId="AD" clId="Web-{BF8F8769-30B3-3065-7BA7-A646ACF44FE6}" dt="2019-01-15T16:36:25.565" v="381"/>
+        <pc:sldMkLst>
+          <pc:docMk/>
+          <pc:sldMk cId="2560375975" sldId="258"/>
+        </pc:sldMkLst>
+        <pc:spChg chg="mod ord">
+          <ac:chgData name="Nathan Bergamini" userId="S::nathan.bergamini.etu@univ-lille.fr::71386036-08a7-4cd3-88e8-645d1570bc96" providerId="AD" clId="Web-{BF8F8769-30B3-3065-7BA7-A646ACF44FE6}" dt="2019-01-15T16:36:25.565" v="381"/>
+          <ac:spMkLst>
+            <pc:docMk/>
+            <pc:sldMk cId="2560375975" sldId="258"/>
+            <ac:spMk id="2" creationId="{3549F3D4-5B77-43B7-8841-0F37AB9F7F9D}"/>
+          </ac:spMkLst>
+        </pc:spChg>
+        <pc:spChg chg="add mod ord">
+          <ac:chgData name="Nathan Bergamini" userId="S::nathan.bergamini.etu@univ-lille.fr::71386036-08a7-4cd3-88e8-645d1570bc96" providerId="AD" clId="Web-{BF8F8769-30B3-3065-7BA7-A646ACF44FE6}" dt="2019-01-15T16:36:25.565" v="381"/>
+          <ac:spMkLst>
+            <pc:docMk/>
+            <pc:sldMk cId="2560375975" sldId="258"/>
+            <ac:spMk id="3" creationId="{F5B2CFEB-6621-4A60-AE1C-4E48FEE5CB15}"/>
+          </ac:spMkLst>
+        </pc:spChg>
+        <pc:spChg chg="add del">
+          <ac:chgData name="Nathan Bergamini" userId="S::nathan.bergamini.etu@univ-lille.fr::71386036-08a7-4cd3-88e8-645d1570bc96" providerId="AD" clId="Web-{BF8F8769-30B3-3065-7BA7-A646ACF44FE6}" dt="2019-01-15T16:36:25.565" v="381"/>
+          <ac:spMkLst>
+            <pc:docMk/>
+            <pc:sldMk cId="2560375975" sldId="258"/>
+            <ac:spMk id="22" creationId="{AB45A142-4255-493C-8284-5D566C121B10}"/>
+          </ac:spMkLst>
+        </pc:spChg>
+        <pc:spChg chg="add del">
+          <ac:chgData name="Nathan Bergamini" userId="S::nathan.bergamini.etu@univ-lille.fr::71386036-08a7-4cd3-88e8-645d1570bc96" providerId="AD" clId="Web-{BF8F8769-30B3-3065-7BA7-A646ACF44FE6}" dt="2019-01-15T16:36:11.909" v="372"/>
+          <ac:spMkLst>
+            <pc:docMk/>
+            <pc:sldMk cId="2560375975" sldId="258"/>
+            <ac:spMk id="26" creationId="{99899462-FC16-43B0-966B-FCA263450716}"/>
+          </ac:spMkLst>
+        </pc:spChg>
+        <pc:spChg chg="add del">
+          <ac:chgData name="Nathan Bergamini" userId="S::nathan.bergamini.etu@univ-lille.fr::71386036-08a7-4cd3-88e8-645d1570bc96" providerId="AD" clId="Web-{BF8F8769-30B3-3065-7BA7-A646ACF44FE6}" dt="2019-01-15T16:36:16.065" v="374"/>
+          <ac:spMkLst>
+            <pc:docMk/>
+            <pc:sldMk cId="2560375975" sldId="258"/>
+            <ac:spMk id="27" creationId="{EB181E26-89C4-4A14-92DE-0F4C4B0E9484}"/>
+          </ac:spMkLst>
+        </pc:spChg>
+        <pc:spChg chg="add del">
+          <ac:chgData name="Nathan Bergamini" userId="S::nathan.bergamini.etu@univ-lille.fr::71386036-08a7-4cd3-88e8-645d1570bc96" providerId="AD" clId="Web-{BF8F8769-30B3-3065-7BA7-A646ACF44FE6}" dt="2019-01-15T16:36:16.065" v="374"/>
+          <ac:spMkLst>
+            <pc:docMk/>
+            <pc:sldMk cId="2560375975" sldId="258"/>
+            <ac:spMk id="28" creationId="{13958066-7CBD-4B89-8F46-614C4F28BCF9}"/>
+          </ac:spMkLst>
+        </pc:spChg>
+        <pc:spChg chg="add del">
+          <ac:chgData name="Nathan Bergamini" userId="S::nathan.bergamini.etu@univ-lille.fr::71386036-08a7-4cd3-88e8-645d1570bc96" providerId="AD" clId="Web-{BF8F8769-30B3-3065-7BA7-A646ACF44FE6}" dt="2019-01-15T16:36:19.347" v="376"/>
+          <ac:spMkLst>
+            <pc:docMk/>
+            <pc:sldMk cId="2560375975" sldId="258"/>
+            <ac:spMk id="30" creationId="{61445B8C-D724-4F73-AB77-3CCE4E822C9D}"/>
+          </ac:spMkLst>
+        </pc:spChg>
+        <pc:spChg chg="add del">
+          <ac:chgData name="Nathan Bergamini" userId="S::nathan.bergamini.etu@univ-lille.fr::71386036-08a7-4cd3-88e8-645d1570bc96" providerId="AD" clId="Web-{BF8F8769-30B3-3065-7BA7-A646ACF44FE6}" dt="2019-01-15T16:36:21.723" v="378"/>
+          <ac:spMkLst>
+            <pc:docMk/>
+            <pc:sldMk cId="2560375975" sldId="258"/>
+            <ac:spMk id="33" creationId="{2C6A2225-94AF-4BC4-98F4-77746E7B10A9}"/>
+          </ac:spMkLst>
+        </pc:spChg>
+        <pc:spChg chg="add del">
+          <ac:chgData name="Nathan Bergamini" userId="S::nathan.bergamini.etu@univ-lille.fr::71386036-08a7-4cd3-88e8-645d1570bc96" providerId="AD" clId="Web-{BF8F8769-30B3-3065-7BA7-A646ACF44FE6}" dt="2019-01-15T16:36:21.723" v="378"/>
+          <ac:spMkLst>
+            <pc:docMk/>
+            <pc:sldMk cId="2560375975" sldId="258"/>
+            <ac:spMk id="34" creationId="{648F5915-2CE1-4F74-88C5-D4366893D2DF}"/>
+          </ac:spMkLst>
+        </pc:spChg>
+        <pc:spChg chg="add del">
+          <ac:chgData name="Nathan Bergamini" userId="S::nathan.bergamini.etu@univ-lille.fr::71386036-08a7-4cd3-88e8-645d1570bc96" providerId="AD" clId="Web-{BF8F8769-30B3-3065-7BA7-A646ACF44FE6}" dt="2019-01-15T16:36:25.487" v="380"/>
+          <ac:spMkLst>
+            <pc:docMk/>
+            <pc:sldMk cId="2560375975" sldId="258"/>
+            <ac:spMk id="35" creationId="{61445B8C-D724-4F73-AB77-3CCE4E822C9D}"/>
+          </ac:spMkLst>
+        </pc:spChg>
+        <pc:spChg chg="add">
+          <ac:chgData name="Nathan Bergamini" userId="S::nathan.bergamini.etu@univ-lille.fr::71386036-08a7-4cd3-88e8-645d1570bc96" providerId="AD" clId="Web-{BF8F8769-30B3-3065-7BA7-A646ACF44FE6}" dt="2019-01-15T16:36:25.565" v="381"/>
+          <ac:spMkLst>
+            <pc:docMk/>
+            <pc:sldMk cId="2560375975" sldId="258"/>
+            <ac:spMk id="37" creationId="{99899462-FC16-43B0-966B-FCA263450716}"/>
+          </ac:spMkLst>
+        </pc:spChg>
+        <pc:picChg chg="add mod ord">
+          <ac:chgData name="Nathan Bergamini" userId="S::nathan.bergamini.etu@univ-lille.fr::71386036-08a7-4cd3-88e8-645d1570bc96" providerId="AD" clId="Web-{BF8F8769-30B3-3065-7BA7-A646ACF44FE6}" dt="2019-01-15T16:36:25.565" v="381"/>
+          <ac:picMkLst>
+            <pc:docMk/>
+            <pc:sldMk cId="2560375975" sldId="258"/>
+            <ac:picMk id="4" creationId="{1130320C-F0E3-4A63-B5DD-080222F60461}"/>
+          </ac:picMkLst>
+        </pc:picChg>
+        <pc:picChg chg="mod ord">
+          <ac:chgData name="Nathan Bergamini" userId="S::nathan.bergamini.etu@univ-lille.fr::71386036-08a7-4cd3-88e8-645d1570bc96" providerId="AD" clId="Web-{BF8F8769-30B3-3065-7BA7-A646ACF44FE6}" dt="2019-01-15T16:36:25.565" v="381"/>
+          <ac:picMkLst>
+            <pc:docMk/>
+            <pc:sldMk cId="2560375975" sldId="258"/>
+            <ac:picMk id="17" creationId="{F9E0D3B9-2820-400E-B1F8-6D5B2449BDAB}"/>
+          </ac:picMkLst>
+        </pc:picChg>
+        <pc:picChg chg="add del">
+          <ac:chgData name="Nathan Bergamini" userId="S::nathan.bergamini.etu@univ-lille.fr::71386036-08a7-4cd3-88e8-645d1570bc96" providerId="AD" clId="Web-{BF8F8769-30B3-3065-7BA7-A646ACF44FE6}" dt="2019-01-15T16:36:06.706" v="370"/>
+          <ac:picMkLst>
+            <pc:docMk/>
+            <pc:sldMk cId="2560375975" sldId="258"/>
+            <ac:picMk id="29" creationId="{22901FED-4FC9-4ED5-8123-C98BCD1616BA}"/>
+          </ac:picMkLst>
+        </pc:picChg>
+        <pc:cxnChg chg="add del">
+          <ac:chgData name="Nathan Bergamini" userId="S::nathan.bergamini.etu@univ-lille.fr::71386036-08a7-4cd3-88e8-645d1570bc96" providerId="AD" clId="Web-{BF8F8769-30B3-3065-7BA7-A646ACF44FE6}" dt="2019-01-15T16:36:25.565" v="381"/>
+          <ac:cxnSpMkLst>
+            <pc:docMk/>
+            <pc:sldMk cId="2560375975" sldId="258"/>
+            <ac:cxnSpMk id="24" creationId="{38FB9660-F42F-4313-BBC4-47C007FE484C}"/>
+          </ac:cxnSpMkLst>
+        </pc:cxnChg>
+        <pc:cxnChg chg="add del">
+          <ac:chgData name="Nathan Bergamini" userId="S::nathan.bergamini.etu@univ-lille.fr::71386036-08a7-4cd3-88e8-645d1570bc96" providerId="AD" clId="Web-{BF8F8769-30B3-3065-7BA7-A646ACF44FE6}" dt="2019-01-15T16:36:11.909" v="372"/>
+          <ac:cxnSpMkLst>
+            <pc:docMk/>
+            <pc:sldMk cId="2560375975" sldId="258"/>
+            <ac:cxnSpMk id="31" creationId="{AAFEA932-2DF1-410C-A00A-7A1E7DBF7511}"/>
+          </ac:cxnSpMkLst>
+        </pc:cxnChg>
+        <pc:cxnChg chg="add del">
+          <ac:chgData name="Nathan Bergamini" userId="S::nathan.bergamini.etu@univ-lille.fr::71386036-08a7-4cd3-88e8-645d1570bc96" providerId="AD" clId="Web-{BF8F8769-30B3-3065-7BA7-A646ACF44FE6}" dt="2019-01-15T16:36:19.347" v="376"/>
+          <ac:cxnSpMkLst>
+            <pc:docMk/>
+            <pc:sldMk cId="2560375975" sldId="258"/>
+            <ac:cxnSpMk id="32" creationId="{99905336-A7CD-4C75-9E77-C704674F4047}"/>
+          </ac:cxnSpMkLst>
+        </pc:cxnChg>
+        <pc:cxnChg chg="add del">
+          <ac:chgData name="Nathan Bergamini" userId="S::nathan.bergamini.etu@univ-lille.fr::71386036-08a7-4cd3-88e8-645d1570bc96" providerId="AD" clId="Web-{BF8F8769-30B3-3065-7BA7-A646ACF44FE6}" dt="2019-01-15T16:36:25.487" v="380"/>
+          <ac:cxnSpMkLst>
+            <pc:docMk/>
+            <pc:sldMk cId="2560375975" sldId="258"/>
+            <ac:cxnSpMk id="36" creationId="{99905336-A7CD-4C75-9E77-C704674F4047}"/>
+          </ac:cxnSpMkLst>
+        </pc:cxnChg>
+        <pc:cxnChg chg="add">
+          <ac:chgData name="Nathan Bergamini" userId="S::nathan.bergamini.etu@univ-lille.fr::71386036-08a7-4cd3-88e8-645d1570bc96" providerId="AD" clId="Web-{BF8F8769-30B3-3065-7BA7-A646ACF44FE6}" dt="2019-01-15T16:36:25.565" v="381"/>
+          <ac:cxnSpMkLst>
+            <pc:docMk/>
+            <pc:sldMk cId="2560375975" sldId="258"/>
+            <ac:cxnSpMk id="38" creationId="{AAFEA932-2DF1-410C-A00A-7A1E7DBF7511}"/>
+          </ac:cxnSpMkLst>
+        </pc:cxnChg>
+      </pc:sldChg>
+      <pc:sldChg chg="modSp delDesignElem">
+        <pc:chgData name="Nathan Bergamini" userId="S::nathan.bergamini.etu@univ-lille.fr::71386036-08a7-4cd3-88e8-645d1570bc96" providerId="AD" clId="Web-{BF8F8769-30B3-3065-7BA7-A646ACF44FE6}" dt="2019-01-15T16:32:10.955" v="267"/>
+        <pc:sldMkLst>
+          <pc:docMk/>
+          <pc:sldMk cId="2558620229" sldId="259"/>
+        </pc:sldMkLst>
+        <pc:spChg chg="mod">
+          <ac:chgData name="Nathan Bergamini" userId="S::nathan.bergamini.etu@univ-lille.fr::71386036-08a7-4cd3-88e8-645d1570bc96" providerId="AD" clId="Web-{BF8F8769-30B3-3065-7BA7-A646ACF44FE6}" dt="2019-01-15T16:28:24.501" v="244" actId="20577"/>
+          <ac:spMkLst>
+            <pc:docMk/>
+            <pc:sldMk cId="2558620229" sldId="259"/>
+            <ac:spMk id="14" creationId="{4AF7CF42-2413-422C-A4B2-29DFFCDCE1BF}"/>
+          </ac:spMkLst>
+        </pc:spChg>
+      </pc:sldChg>
+      <pc:sldChg chg="delDesignElem">
+        <pc:chgData name="Nathan Bergamini" userId="S::nathan.bergamini.etu@univ-lille.fr::71386036-08a7-4cd3-88e8-645d1570bc96" providerId="AD" clId="Web-{BF8F8769-30B3-3065-7BA7-A646ACF44FE6}" dt="2019-01-15T16:32:10.955" v="268"/>
+        <pc:sldMkLst>
+          <pc:docMk/>
+          <pc:sldMk cId="2891824014" sldId="260"/>
+        </pc:sldMkLst>
+      </pc:sldChg>
+      <pc:sldChg chg="delDesignElem">
+        <pc:chgData name="Nathan Bergamini" userId="S::nathan.bergamini.etu@univ-lille.fr::71386036-08a7-4cd3-88e8-645d1570bc96" providerId="AD" clId="Web-{BF8F8769-30B3-3065-7BA7-A646ACF44FE6}" dt="2019-01-15T16:32:10.955" v="269"/>
+        <pc:sldMkLst>
+          <pc:docMk/>
+          <pc:sldMk cId="815115260" sldId="261"/>
+        </pc:sldMkLst>
+      </pc:sldChg>
+      <pc:sldChg chg="addSp modSp delDesignElem">
+        <pc:chgData name="Nathan Bergamini" userId="S::nathan.bergamini.etu@univ-lille.fr::71386036-08a7-4cd3-88e8-645d1570bc96" providerId="AD" clId="Web-{BF8F8769-30B3-3065-7BA7-A646ACF44FE6}" dt="2019-01-15T16:37:24.787" v="392" actId="20577"/>
+        <pc:sldMkLst>
+          <pc:docMk/>
+          <pc:sldMk cId="2127908716" sldId="262"/>
+        </pc:sldMkLst>
+        <pc:spChg chg="mod">
+          <ac:chgData name="Nathan Bergamini" userId="S::nathan.bergamini.etu@univ-lille.fr::71386036-08a7-4cd3-88e8-645d1570bc96" providerId="AD" clId="Web-{BF8F8769-30B3-3065-7BA7-A646ACF44FE6}" dt="2019-01-15T16:37:24.787" v="392" actId="20577"/>
+          <ac:spMkLst>
+            <pc:docMk/>
+            <pc:sldMk cId="2127908716" sldId="262"/>
+            <ac:spMk id="2" creationId="{68A06B1F-E2FA-44C7-90BA-7D2AAC8EC9CA}"/>
+          </ac:spMkLst>
+        </pc:spChg>
+        <pc:spChg chg="mod ord">
+          <ac:chgData name="Nathan Bergamini" userId="S::nathan.bergamini.etu@univ-lille.fr::71386036-08a7-4cd3-88e8-645d1570bc96" providerId="AD" clId="Web-{BF8F8769-30B3-3065-7BA7-A646ACF44FE6}" dt="2019-01-15T16:36:48.581" v="382"/>
+          <ac:spMkLst>
+            <pc:docMk/>
+            <pc:sldMk cId="2127908716" sldId="262"/>
+            <ac:spMk id="29" creationId="{90700417-2FCC-4DF1-9072-BFB6EE23CBA8}"/>
+          </ac:spMkLst>
+        </pc:spChg>
+        <pc:spChg chg="add">
+          <ac:chgData name="Nathan Bergamini" userId="S::nathan.bergamini.etu@univ-lille.fr::71386036-08a7-4cd3-88e8-645d1570bc96" providerId="AD" clId="Web-{BF8F8769-30B3-3065-7BA7-A646ACF44FE6}" dt="2019-01-15T16:36:48.581" v="382"/>
+          <ac:spMkLst>
+            <pc:docMk/>
+            <pc:sldMk cId="2127908716" sldId="262"/>
+            <ac:spMk id="46" creationId="{45F41304-6272-42D4-9F30-4BDD2BBE8418}"/>
+          </ac:spMkLst>
+        </pc:spChg>
+      </pc:sldChg>
+      <pc:sldChg chg="modSp delDesignElem">
+        <pc:chgData name="Nathan Bergamini" userId="S::nathan.bergamini.etu@univ-lille.fr::71386036-08a7-4cd3-88e8-645d1570bc96" providerId="AD" clId="Web-{BF8F8769-30B3-3065-7BA7-A646ACF44FE6}" dt="2019-01-15T16:32:10.955" v="271"/>
+        <pc:sldMkLst>
+          <pc:docMk/>
+          <pc:sldMk cId="2853387422" sldId="263"/>
+        </pc:sldMkLst>
+        <pc:spChg chg="mod">
+          <ac:chgData name="Nathan Bergamini" userId="S::nathan.bergamini.etu@univ-lille.fr::71386036-08a7-4cd3-88e8-645d1570bc96" providerId="AD" clId="Web-{BF8F8769-30B3-3065-7BA7-A646ACF44FE6}" dt="2019-01-15T16:17:28.576" v="77" actId="20577"/>
+          <ac:spMkLst>
+            <pc:docMk/>
+            <pc:sldMk cId="2853387422" sldId="263"/>
+            <ac:spMk id="9" creationId="{6AB4819D-0F8B-42EA-A108-7413ECF564D7}"/>
+          </ac:spMkLst>
+        </pc:spChg>
+      </pc:sldChg>
+      <pc:sldChg chg="addSp delSp modSp new mod setBg setClrOvrMap delDesignElem">
+        <pc:chgData name="Nathan Bergamini" userId="S::nathan.bergamini.etu@univ-lille.fr::71386036-08a7-4cd3-88e8-645d1570bc96" providerId="AD" clId="Web-{BF8F8769-30B3-3065-7BA7-A646ACF44FE6}" dt="2019-01-15T16:39:05.488" v="401" actId="1076"/>
+        <pc:sldMkLst>
+          <pc:docMk/>
+          <pc:sldMk cId="1400162790" sldId="264"/>
+        </pc:sldMkLst>
+        <pc:spChg chg="mod">
+          <ac:chgData name="Nathan Bergamini" userId="S::nathan.bergamini.etu@univ-lille.fr::71386036-08a7-4cd3-88e8-645d1570bc96" providerId="AD" clId="Web-{BF8F8769-30B3-3065-7BA7-A646ACF44FE6}" dt="2019-01-15T16:38:55.066" v="399" actId="1076"/>
+          <ac:spMkLst>
+            <pc:docMk/>
+            <pc:sldMk cId="1400162790" sldId="264"/>
+            <ac:spMk id="2" creationId="{3C56FA48-3F82-4DD6-9EC6-39D34AF9AE4F}"/>
+          </ac:spMkLst>
+        </pc:spChg>
+        <pc:spChg chg="del">
+          <ac:chgData name="Nathan Bergamini" userId="S::nathan.bergamini.etu@univ-lille.fr::71386036-08a7-4cd3-88e8-645d1570bc96" providerId="AD" clId="Web-{BF8F8769-30B3-3065-7BA7-A646ACF44FE6}" dt="2019-01-15T16:22:57.937" v="94"/>
+          <ac:spMkLst>
+            <pc:docMk/>
+            <pc:sldMk cId="1400162790" sldId="264"/>
+            <ac:spMk id="3" creationId="{718EFFD2-6258-4B74-857D-E104FBB5089A}"/>
+          </ac:spMkLst>
+        </pc:spChg>
+        <pc:spChg chg="add mod">
+          <ac:chgData name="Nathan Bergamini" userId="S::nathan.bergamini.etu@univ-lille.fr::71386036-08a7-4cd3-88e8-645d1570bc96" providerId="AD" clId="Web-{BF8F8769-30B3-3065-7BA7-A646ACF44FE6}" dt="2019-01-15T16:38:43.863" v="398" actId="1076"/>
+          <ac:spMkLst>
+            <pc:docMk/>
+            <pc:sldMk cId="1400162790" sldId="264"/>
+            <ac:spMk id="4" creationId="{3D115BDB-498F-4A3E-8267-EA288225008B}"/>
+          </ac:spMkLst>
+        </pc:spChg>
+        <pc:spChg chg="add del">
+          <ac:chgData name="Nathan Bergamini" userId="S::nathan.bergamini.etu@univ-lille.fr::71386036-08a7-4cd3-88e8-645d1570bc96" providerId="AD" clId="Web-{BF8F8769-30B3-3065-7BA7-A646ACF44FE6}" dt="2019-01-15T16:24:02.723" v="115"/>
+          <ac:spMkLst>
+            <pc:docMk/>
+            <pc:sldMk cId="1400162790" sldId="264"/>
+            <ac:spMk id="15" creationId="{D1827BAD-6718-4E72-8B23-32B3FBBBD8F7}"/>
+          </ac:spMkLst>
+        </pc:spChg>
+        <pc:spChg chg="add">
+          <ac:chgData name="Nathan Bergamini" userId="S::nathan.bergamini.etu@univ-lille.fr::71386036-08a7-4cd3-88e8-645d1570bc96" providerId="AD" clId="Web-{BF8F8769-30B3-3065-7BA7-A646ACF44FE6}" dt="2019-01-15T16:23:21.375" v="99"/>
+          <ac:spMkLst>
+            <pc:docMk/>
+            <pc:sldMk cId="1400162790" sldId="264"/>
+            <ac:spMk id="18" creationId="{003713C1-2FB2-413B-BF91-3AE41726FB7A}"/>
+          </ac:spMkLst>
+        </pc:spChg>
+        <pc:spChg chg="add">
+          <ac:chgData name="Nathan Bergamini" userId="S::nathan.bergamini.etu@univ-lille.fr::71386036-08a7-4cd3-88e8-645d1570bc96" providerId="AD" clId="Web-{BF8F8769-30B3-3065-7BA7-A646ACF44FE6}" dt="2019-01-15T16:23:21.375" v="99"/>
+          <ac:spMkLst>
+            <pc:docMk/>
+            <pc:sldMk cId="1400162790" sldId="264"/>
+            <ac:spMk id="20" creationId="{90795B4D-5022-4A7F-A01D-8D880B7CDBE6}"/>
+          </ac:spMkLst>
+        </pc:spChg>
+        <pc:spChg chg="add">
+          <ac:chgData name="Nathan Bergamini" userId="S::nathan.bergamini.etu@univ-lille.fr::71386036-08a7-4cd3-88e8-645d1570bc96" providerId="AD" clId="Web-{BF8F8769-30B3-3065-7BA7-A646ACF44FE6}" dt="2019-01-15T16:23:21.375" v="99"/>
+          <ac:spMkLst>
+            <pc:docMk/>
+            <pc:sldMk cId="1400162790" sldId="264"/>
+            <ac:spMk id="22" creationId="{AFD19018-DE7C-4796-ADF2-AD2EB0FC0D9C}"/>
+          </ac:spMkLst>
+        </pc:spChg>
+        <pc:spChg chg="add">
+          <ac:chgData name="Nathan Bergamini" userId="S::nathan.bergamini.etu@univ-lille.fr::71386036-08a7-4cd3-88e8-645d1570bc96" providerId="AD" clId="Web-{BF8F8769-30B3-3065-7BA7-A646ACF44FE6}" dt="2019-01-15T16:23:21.375" v="99"/>
+          <ac:spMkLst>
+            <pc:docMk/>
+            <pc:sldMk cId="1400162790" sldId="264"/>
+            <ac:spMk id="24" creationId="{B1A0A2C2-4F85-44AF-8708-8DCA4B550CB8}"/>
+          </ac:spMkLst>
+        </pc:spChg>
+        <pc:picChg chg="add del mod">
+          <ac:chgData name="Nathan Bergamini" userId="S::nathan.bergamini.etu@univ-lille.fr::71386036-08a7-4cd3-88e8-645d1570bc96" providerId="AD" clId="Web-{BF8F8769-30B3-3065-7BA7-A646ACF44FE6}" dt="2019-01-15T16:23:03.796" v="96"/>
+          <ac:picMkLst>
+            <pc:docMk/>
+            <pc:sldMk cId="1400162790" sldId="264"/>
+            <ac:picMk id="6" creationId="{970E47BB-7F03-48DE-B76E-2EC08E83E037}"/>
+          </ac:picMkLst>
+        </pc:picChg>
+        <pc:picChg chg="add mod">
+          <ac:chgData name="Nathan Bergamini" userId="S::nathan.bergamini.etu@univ-lille.fr::71386036-08a7-4cd3-88e8-645d1570bc96" providerId="AD" clId="Web-{BF8F8769-30B3-3065-7BA7-A646ACF44FE6}" dt="2019-01-15T16:39:00.925" v="400" actId="1076"/>
+          <ac:picMkLst>
+            <pc:docMk/>
+            <pc:sldMk cId="1400162790" sldId="264"/>
+            <ac:picMk id="8" creationId="{BE428EF0-4D06-453B-8575-B00695D8DE3E}"/>
+          </ac:picMkLst>
+        </pc:picChg>
+        <pc:picChg chg="add mod">
+          <ac:chgData name="Nathan Bergamini" userId="S::nathan.bergamini.etu@univ-lille.fr::71386036-08a7-4cd3-88e8-645d1570bc96" providerId="AD" clId="Web-{BF8F8769-30B3-3065-7BA7-A646ACF44FE6}" dt="2019-01-15T16:23:21.375" v="99"/>
+          <ac:picMkLst>
+            <pc:docMk/>
+            <pc:sldMk cId="1400162790" sldId="264"/>
+            <ac:picMk id="10" creationId="{3BF6CBA5-1058-4BC6-BA50-22C88087EC73}"/>
+          </ac:picMkLst>
+        </pc:picChg>
+        <pc:picChg chg="add del mod ord replId">
+          <ac:chgData name="Nathan Bergamini" userId="S::nathan.bergamini.etu@univ-lille.fr::71386036-08a7-4cd3-88e8-645d1570bc96" providerId="AD" clId="Web-{BF8F8769-30B3-3065-7BA7-A646ACF44FE6}" dt="2019-01-15T16:23:21.375" v="99"/>
+          <ac:picMkLst>
+            <pc:docMk/>
+            <pc:sldMk cId="1400162790" sldId="264"/>
+            <ac:picMk id="12" creationId="{33BBF34F-EDE1-40BB-9D42-5703B68964A7}"/>
+          </ac:picMkLst>
+        </pc:picChg>
+        <pc:picChg chg="add mod">
+          <ac:chgData name="Nathan Bergamini" userId="S::nathan.bergamini.etu@univ-lille.fr::71386036-08a7-4cd3-88e8-645d1570bc96" providerId="AD" clId="Web-{BF8F8769-30B3-3065-7BA7-A646ACF44FE6}" dt="2019-01-15T16:39:05.488" v="401" actId="1076"/>
+          <ac:picMkLst>
+            <pc:docMk/>
+            <pc:sldMk cId="1400162790" sldId="264"/>
+            <ac:picMk id="13" creationId="{33BBF34F-EDE1-40BB-9D42-5703B68964A7}"/>
+          </ac:picMkLst>
+        </pc:picChg>
+      </pc:sldChg>
+      <pc:sldChg chg="addSp delSp modSp new del mod setBg setClrOvrMap">
+        <pc:chgData name="Nathan Bergamini" userId="S::nathan.bergamini.etu@univ-lille.fr::71386036-08a7-4cd3-88e8-645d1570bc96" providerId="AD" clId="Web-{BF8F8769-30B3-3065-7BA7-A646ACF44FE6}" dt="2019-01-15T16:22:48.406" v="92"/>
+        <pc:sldMkLst>
+          <pc:docMk/>
+          <pc:sldMk cId="3572378569" sldId="264"/>
+        </pc:sldMkLst>
+        <pc:spChg chg="mod">
+          <ac:chgData name="Nathan Bergamini" userId="S::nathan.bergamini.etu@univ-lille.fr::71386036-08a7-4cd3-88e8-645d1570bc96" providerId="AD" clId="Web-{BF8F8769-30B3-3065-7BA7-A646ACF44FE6}" dt="2019-01-15T16:22:41.390" v="91"/>
+          <ac:spMkLst>
+            <pc:docMk/>
+            <pc:sldMk cId="3572378569" sldId="264"/>
+            <ac:spMk id="2" creationId="{319C1C3F-45C5-48D7-AEC1-B905B206BB94}"/>
+          </ac:spMkLst>
+        </pc:spChg>
+        <pc:spChg chg="del">
+          <ac:chgData name="Nathan Bergamini" userId="S::nathan.bergamini.etu@univ-lille.fr::71386036-08a7-4cd3-88e8-645d1570bc96" providerId="AD" clId="Web-{BF8F8769-30B3-3065-7BA7-A646ACF44FE6}" dt="2019-01-15T16:05:47.777" v="68"/>
+          <ac:spMkLst>
+            <pc:docMk/>
+            <pc:sldMk cId="3572378569" sldId="264"/>
+            <ac:spMk id="3" creationId="{811634CC-26FD-43E6-A583-A4EB8332E436}"/>
+          </ac:spMkLst>
+        </pc:spChg>
+        <pc:spChg chg="add del">
+          <ac:chgData name="Nathan Bergamini" userId="S::nathan.bergamini.etu@univ-lille.fr::71386036-08a7-4cd3-88e8-645d1570bc96" providerId="AD" clId="Web-{BF8F8769-30B3-3065-7BA7-A646ACF44FE6}" dt="2019-01-15T16:16:45.232" v="73"/>
+          <ac:spMkLst>
+            <pc:docMk/>
+            <pc:sldMk cId="3572378569" sldId="264"/>
+            <ac:spMk id="8" creationId="{A0BF428C-DA8B-4D99-9930-18F7F91D873D}"/>
+          </ac:spMkLst>
+        </pc:spChg>
+        <pc:spChg chg="add del">
+          <ac:chgData name="Nathan Bergamini" userId="S::nathan.bergamini.etu@univ-lille.fr::71386036-08a7-4cd3-88e8-645d1570bc96" providerId="AD" clId="Web-{BF8F8769-30B3-3065-7BA7-A646ACF44FE6}" dt="2019-01-15T16:16:45.232" v="73"/>
+          <ac:spMkLst>
+            <pc:docMk/>
+            <pc:sldMk cId="3572378569" sldId="264"/>
+            <ac:spMk id="10" creationId="{A03E2379-8871-408A-95CE-7AAE8FA53AE5}"/>
+          </ac:spMkLst>
+        </pc:spChg>
+        <pc:spChg chg="add del">
+          <ac:chgData name="Nathan Bergamini" userId="S::nathan.bergamini.etu@univ-lille.fr::71386036-08a7-4cd3-88e8-645d1570bc96" providerId="AD" clId="Web-{BF8F8769-30B3-3065-7BA7-A646ACF44FE6}" dt="2019-01-15T16:16:41.576" v="71"/>
+          <ac:spMkLst>
+            <pc:docMk/>
+            <pc:sldMk cId="3572378569" sldId="264"/>
+            <ac:spMk id="11" creationId="{1918F315-4BDB-4FA9-A767-A1AD9B857BE7}"/>
+          </ac:spMkLst>
+        </pc:spChg>
+        <pc:spChg chg="add del">
+          <ac:chgData name="Nathan Bergamini" userId="S::nathan.bergamini.etu@univ-lille.fr::71386036-08a7-4cd3-88e8-645d1570bc96" providerId="AD" clId="Web-{BF8F8769-30B3-3065-7BA7-A646ACF44FE6}" dt="2019-01-15T16:16:45.232" v="73"/>
+          <ac:spMkLst>
+            <pc:docMk/>
+            <pc:sldMk cId="3572378569" sldId="264"/>
+            <ac:spMk id="12" creationId="{3D7ADB34-451B-4772-83BA-BC591D8FCBC7}"/>
+          </ac:spMkLst>
+        </pc:spChg>
+        <pc:spChg chg="add del">
+          <ac:chgData name="Nathan Bergamini" userId="S::nathan.bergamini.etu@univ-lille.fr::71386036-08a7-4cd3-88e8-645d1570bc96" providerId="AD" clId="Web-{BF8F8769-30B3-3065-7BA7-A646ACF44FE6}" dt="2019-01-15T16:16:41.576" v="71"/>
+          <ac:spMkLst>
+            <pc:docMk/>
+            <pc:sldMk cId="3572378569" sldId="264"/>
+            <ac:spMk id="14" creationId="{EB181E26-89C4-4A14-92DE-0F4C4B0E9484}"/>
+          </ac:spMkLst>
+        </pc:spChg>
+        <pc:spChg chg="add del">
+          <ac:chgData name="Nathan Bergamini" userId="S::nathan.bergamini.etu@univ-lille.fr::71386036-08a7-4cd3-88e8-645d1570bc96" providerId="AD" clId="Web-{BF8F8769-30B3-3065-7BA7-A646ACF44FE6}" dt="2019-01-15T16:22:22.953" v="84"/>
+          <ac:spMkLst>
+            <pc:docMk/>
+            <pc:sldMk cId="3572378569" sldId="264"/>
+            <ac:spMk id="15" creationId="{72257994-BD97-4691-8B89-198A6D2BABDC}"/>
+          </ac:spMkLst>
+        </pc:spChg>
+        <pc:spChg chg="add del">
+          <ac:chgData name="Nathan Bergamini" userId="S::nathan.bergamini.etu@univ-lille.fr::71386036-08a7-4cd3-88e8-645d1570bc96" providerId="AD" clId="Web-{BF8F8769-30B3-3065-7BA7-A646ACF44FE6}" dt="2019-01-15T16:16:41.576" v="71"/>
+          <ac:spMkLst>
+            <pc:docMk/>
+            <pc:sldMk cId="3572378569" sldId="264"/>
+            <ac:spMk id="16" creationId="{13958066-7CBD-4B89-8F46-614C4F28BCF9}"/>
+          </ac:spMkLst>
+        </pc:spChg>
+        <pc:spChg chg="add del">
+          <ac:chgData name="Nathan Bergamini" userId="S::nathan.bergamini.etu@univ-lille.fr::71386036-08a7-4cd3-88e8-645d1570bc96" providerId="AD" clId="Web-{BF8F8769-30B3-3065-7BA7-A646ACF44FE6}" dt="2019-01-15T16:22:22.953" v="84"/>
+          <ac:spMkLst>
+            <pc:docMk/>
+            <pc:sldMk cId="3572378569" sldId="264"/>
+            <ac:spMk id="20" creationId="{A9978F5A-0C68-45F0-933F-02097515C9F0}"/>
+          </ac:spMkLst>
+        </pc:spChg>
+        <pc:spChg chg="add del">
+          <ac:chgData name="Nathan Bergamini" userId="S::nathan.bergamini.etu@univ-lille.fr::71386036-08a7-4cd3-88e8-645d1570bc96" providerId="AD" clId="Web-{BF8F8769-30B3-3065-7BA7-A646ACF44FE6}" dt="2019-01-15T16:22:22.953" v="84"/>
+          <ac:spMkLst>
+            <pc:docMk/>
+            <pc:sldMk cId="3572378569" sldId="264"/>
+            <ac:spMk id="23" creationId="{003713C1-2FB2-413B-BF91-3AE41726FB7A}"/>
+          </ac:spMkLst>
+        </pc:spChg>
+        <pc:spChg chg="add del">
+          <ac:chgData name="Nathan Bergamini" userId="S::nathan.bergamini.etu@univ-lille.fr::71386036-08a7-4cd3-88e8-645d1570bc96" providerId="AD" clId="Web-{BF8F8769-30B3-3065-7BA7-A646ACF44FE6}" dt="2019-01-15T16:22:22.953" v="84"/>
+          <ac:spMkLst>
+            <pc:docMk/>
+            <pc:sldMk cId="3572378569" sldId="264"/>
+            <ac:spMk id="25" creationId="{90795B4D-5022-4A7F-A01D-8D880B7CDBE6}"/>
+          </ac:spMkLst>
+        </pc:spChg>
+        <pc:spChg chg="add del">
+          <ac:chgData name="Nathan Bergamini" userId="S::nathan.bergamini.etu@univ-lille.fr::71386036-08a7-4cd3-88e8-645d1570bc96" providerId="AD" clId="Web-{BF8F8769-30B3-3065-7BA7-A646ACF44FE6}" dt="2019-01-15T16:22:22.953" v="84"/>
+          <ac:spMkLst>
+            <pc:docMk/>
+            <pc:sldMk cId="3572378569" sldId="264"/>
+            <ac:spMk id="27" creationId="{AFD19018-DE7C-4796-ADF2-AD2EB0FC0D9C}"/>
+          </ac:spMkLst>
+        </pc:spChg>
+        <pc:spChg chg="add del">
+          <ac:chgData name="Nathan Bergamini" userId="S::nathan.bergamini.etu@univ-lille.fr::71386036-08a7-4cd3-88e8-645d1570bc96" providerId="AD" clId="Web-{BF8F8769-30B3-3065-7BA7-A646ACF44FE6}" dt="2019-01-15T16:22:22.953" v="84"/>
+          <ac:spMkLst>
+            <pc:docMk/>
+            <pc:sldMk cId="3572378569" sldId="264"/>
+            <ac:spMk id="29" creationId="{B1A0A2C2-4F85-44AF-8708-8DCA4B550CB8}"/>
+          </ac:spMkLst>
+        </pc:spChg>
+        <pc:spChg chg="add del">
+          <ac:chgData name="Nathan Bergamini" userId="S::nathan.bergamini.etu@univ-lille.fr::71386036-08a7-4cd3-88e8-645d1570bc96" providerId="AD" clId="Web-{BF8F8769-30B3-3065-7BA7-A646ACF44FE6}" dt="2019-01-15T16:22:32.906" v="86"/>
+          <ac:spMkLst>
+            <pc:docMk/>
+            <pc:sldMk cId="3572378569" sldId="264"/>
+            <ac:spMk id="31" creationId="{A9978F5A-0C68-45F0-933F-02097515C9F0}"/>
+          </ac:spMkLst>
+        </pc:spChg>
+        <pc:spChg chg="add del">
+          <ac:chgData name="Nathan Bergamini" userId="S::nathan.bergamini.etu@univ-lille.fr::71386036-08a7-4cd3-88e8-645d1570bc96" providerId="AD" clId="Web-{BF8F8769-30B3-3065-7BA7-A646ACF44FE6}" dt="2019-01-15T16:22:37.921" v="88"/>
+          <ac:spMkLst>
+            <pc:docMk/>
+            <pc:sldMk cId="3572378569" sldId="264"/>
+            <ac:spMk id="33" creationId="{A9978F5A-0C68-45F0-933F-02097515C9F0}"/>
+          </ac:spMkLst>
+        </pc:spChg>
+        <pc:spChg chg="add del">
+          <ac:chgData name="Nathan Bergamini" userId="S::nathan.bergamini.etu@univ-lille.fr::71386036-08a7-4cd3-88e8-645d1570bc96" providerId="AD" clId="Web-{BF8F8769-30B3-3065-7BA7-A646ACF44FE6}" dt="2019-01-15T16:22:32.906" v="86"/>
+          <ac:spMkLst>
+            <pc:docMk/>
+            <pc:sldMk cId="3572378569" sldId="264"/>
+            <ac:spMk id="34" creationId="{003713C1-2FB2-413B-BF91-3AE41726FB7A}"/>
+          </ac:spMkLst>
+        </pc:spChg>
+        <pc:spChg chg="add del">
+          <ac:chgData name="Nathan Bergamini" userId="S::nathan.bergamini.etu@univ-lille.fr::71386036-08a7-4cd3-88e8-645d1570bc96" providerId="AD" clId="Web-{BF8F8769-30B3-3065-7BA7-A646ACF44FE6}" dt="2019-01-15T16:22:37.921" v="88"/>
+          <ac:spMkLst>
+            <pc:docMk/>
+            <pc:sldMk cId="3572378569" sldId="264"/>
+            <ac:spMk id="35" creationId="{C99A8FB7-A79B-4BC9-9D56-B79587F6AA3E}"/>
+          </ac:spMkLst>
+        </pc:spChg>
+        <pc:spChg chg="add del">
+          <ac:chgData name="Nathan Bergamini" userId="S::nathan.bergamini.etu@univ-lille.fr::71386036-08a7-4cd3-88e8-645d1570bc96" providerId="AD" clId="Web-{BF8F8769-30B3-3065-7BA7-A646ACF44FE6}" dt="2019-01-15T16:22:32.906" v="86"/>
+          <ac:spMkLst>
+            <pc:docMk/>
+            <pc:sldMk cId="3572378569" sldId="264"/>
+            <ac:spMk id="36" creationId="{90795B4D-5022-4A7F-A01D-8D880B7CDBE6}"/>
+          </ac:spMkLst>
+        </pc:spChg>
+        <pc:spChg chg="add del">
+          <ac:chgData name="Nathan Bergamini" userId="S::nathan.bergamini.etu@univ-lille.fr::71386036-08a7-4cd3-88e8-645d1570bc96" providerId="AD" clId="Web-{BF8F8769-30B3-3065-7BA7-A646ACF44FE6}" dt="2019-01-15T16:22:37.921" v="88"/>
+          <ac:spMkLst>
+            <pc:docMk/>
+            <pc:sldMk cId="3572378569" sldId="264"/>
+            <ac:spMk id="37" creationId="{B6114379-CEF2-4927-BEAC-763037C09A9E}"/>
+          </ac:spMkLst>
+        </pc:spChg>
+        <pc:spChg chg="add del">
+          <ac:chgData name="Nathan Bergamini" userId="S::nathan.bergamini.etu@univ-lille.fr::71386036-08a7-4cd3-88e8-645d1570bc96" providerId="AD" clId="Web-{BF8F8769-30B3-3065-7BA7-A646ACF44FE6}" dt="2019-01-15T16:22:32.906" v="86"/>
+          <ac:spMkLst>
+            <pc:docMk/>
+            <pc:sldMk cId="3572378569" sldId="264"/>
+            <ac:spMk id="38" creationId="{AFD19018-DE7C-4796-ADF2-AD2EB0FC0D9C}"/>
+          </ac:spMkLst>
+        </pc:spChg>
+        <pc:spChg chg="add del">
+          <ac:chgData name="Nathan Bergamini" userId="S::nathan.bergamini.etu@univ-lille.fr::71386036-08a7-4cd3-88e8-645d1570bc96" providerId="AD" clId="Web-{BF8F8769-30B3-3065-7BA7-A646ACF44FE6}" dt="2019-01-15T16:22:37.921" v="88"/>
+          <ac:spMkLst>
+            <pc:docMk/>
+            <pc:sldMk cId="3572378569" sldId="264"/>
+            <ac:spMk id="39" creationId="{B23893E2-3349-46D7-A7AA-B9E447957FB1}"/>
+          </ac:spMkLst>
+        </pc:spChg>
+        <pc:spChg chg="add del">
+          <ac:chgData name="Nathan Bergamini" userId="S::nathan.bergamini.etu@univ-lille.fr::71386036-08a7-4cd3-88e8-645d1570bc96" providerId="AD" clId="Web-{BF8F8769-30B3-3065-7BA7-A646ACF44FE6}" dt="2019-01-15T16:22:32.906" v="86"/>
+          <ac:spMkLst>
+            <pc:docMk/>
+            <pc:sldMk cId="3572378569" sldId="264"/>
+            <ac:spMk id="40" creationId="{B1A0A2C2-4F85-44AF-8708-8DCA4B550CB8}"/>
+          </ac:spMkLst>
+        </pc:spChg>
+        <pc:spChg chg="add del">
+          <ac:chgData name="Nathan Bergamini" userId="S::nathan.bergamini.etu@univ-lille.fr::71386036-08a7-4cd3-88e8-645d1570bc96" providerId="AD" clId="Web-{BF8F8769-30B3-3065-7BA7-A646ACF44FE6}" dt="2019-01-15T16:22:37.921" v="88"/>
+          <ac:spMkLst>
+            <pc:docMk/>
+            <pc:sldMk cId="3572378569" sldId="264"/>
+            <ac:spMk id="42" creationId="{2B7592FE-10D1-4664-B623-353F47C8DF7F}"/>
+          </ac:spMkLst>
+        </pc:spChg>
+        <pc:spChg chg="add del">
+          <ac:chgData name="Nathan Bergamini" userId="S::nathan.bergamini.etu@univ-lille.fr::71386036-08a7-4cd3-88e8-645d1570bc96" providerId="AD" clId="Web-{BF8F8769-30B3-3065-7BA7-A646ACF44FE6}" dt="2019-01-15T16:22:37.921" v="88"/>
+          <ac:spMkLst>
+            <pc:docMk/>
+            <pc:sldMk cId="3572378569" sldId="264"/>
+            <ac:spMk id="43" creationId="{C14C23C8-0D86-4D9E-A9C7-76291675C442}"/>
+          </ac:spMkLst>
+        </pc:spChg>
+        <pc:spChg chg="add del">
+          <ac:chgData name="Nathan Bergamini" userId="S::nathan.bergamini.etu@univ-lille.fr::71386036-08a7-4cd3-88e8-645d1570bc96" providerId="AD" clId="Web-{BF8F8769-30B3-3065-7BA7-A646ACF44FE6}" dt="2019-01-15T16:22:37.921" v="88"/>
+          <ac:spMkLst>
+            <pc:docMk/>
+            <pc:sldMk cId="3572378569" sldId="264"/>
+            <ac:spMk id="44" creationId="{32248578-C6EF-47FB-8B88-AD65C27452B1}"/>
+          </ac:spMkLst>
+        </pc:spChg>
+        <pc:spChg chg="add del">
+          <ac:chgData name="Nathan Bergamini" userId="S::nathan.bergamini.etu@univ-lille.fr::71386036-08a7-4cd3-88e8-645d1570bc96" providerId="AD" clId="Web-{BF8F8769-30B3-3065-7BA7-A646ACF44FE6}" dt="2019-01-15T16:22:41.140" v="90"/>
+          <ac:spMkLst>
+            <pc:docMk/>
+            <pc:sldMk cId="3572378569" sldId="264"/>
+            <ac:spMk id="45" creationId="{A9978F5A-0C68-45F0-933F-02097515C9F0}"/>
+          </ac:spMkLst>
+        </pc:spChg>
+        <pc:spChg chg="add del">
+          <ac:chgData name="Nathan Bergamini" userId="S::nathan.bergamini.etu@univ-lille.fr::71386036-08a7-4cd3-88e8-645d1570bc96" providerId="AD" clId="Web-{BF8F8769-30B3-3065-7BA7-A646ACF44FE6}" dt="2019-01-15T16:22:41.140" v="90"/>
+          <ac:spMkLst>
+            <pc:docMk/>
+            <pc:sldMk cId="3572378569" sldId="264"/>
+            <ac:spMk id="46" creationId="{003713C1-2FB2-413B-BF91-3AE41726FB7A}"/>
+          </ac:spMkLst>
+        </pc:spChg>
+        <pc:spChg chg="add del">
+          <ac:chgData name="Nathan Bergamini" userId="S::nathan.bergamini.etu@univ-lille.fr::71386036-08a7-4cd3-88e8-645d1570bc96" providerId="AD" clId="Web-{BF8F8769-30B3-3065-7BA7-A646ACF44FE6}" dt="2019-01-15T16:22:41.140" v="90"/>
+          <ac:spMkLst>
+            <pc:docMk/>
+            <pc:sldMk cId="3572378569" sldId="264"/>
+            <ac:spMk id="47" creationId="{90795B4D-5022-4A7F-A01D-8D880B7CDBE6}"/>
+          </ac:spMkLst>
+        </pc:spChg>
+        <pc:spChg chg="add del">
+          <ac:chgData name="Nathan Bergamini" userId="S::nathan.bergamini.etu@univ-lille.fr::71386036-08a7-4cd3-88e8-645d1570bc96" providerId="AD" clId="Web-{BF8F8769-30B3-3065-7BA7-A646ACF44FE6}" dt="2019-01-15T16:22:41.140" v="90"/>
+          <ac:spMkLst>
+            <pc:docMk/>
+            <pc:sldMk cId="3572378569" sldId="264"/>
+            <ac:spMk id="48" creationId="{AFD19018-DE7C-4796-ADF2-AD2EB0FC0D9C}"/>
+          </ac:spMkLst>
+        </pc:spChg>
+        <pc:spChg chg="add del">
+          <ac:chgData name="Nathan Bergamini" userId="S::nathan.bergamini.etu@univ-lille.fr::71386036-08a7-4cd3-88e8-645d1570bc96" providerId="AD" clId="Web-{BF8F8769-30B3-3065-7BA7-A646ACF44FE6}" dt="2019-01-15T16:22:41.140" v="90"/>
+          <ac:spMkLst>
+            <pc:docMk/>
+            <pc:sldMk cId="3572378569" sldId="264"/>
+            <ac:spMk id="50" creationId="{B1A0A2C2-4F85-44AF-8708-8DCA4B550CB8}"/>
+          </ac:spMkLst>
+        </pc:spChg>
+        <pc:spChg chg="add">
+          <ac:chgData name="Nathan Bergamini" userId="S::nathan.bergamini.etu@univ-lille.fr::71386036-08a7-4cd3-88e8-645d1570bc96" providerId="AD" clId="Web-{BF8F8769-30B3-3065-7BA7-A646ACF44FE6}" dt="2019-01-15T16:22:41.390" v="91"/>
+          <ac:spMkLst>
+            <pc:docMk/>
+            <pc:sldMk cId="3572378569" sldId="264"/>
+            <ac:spMk id="52" creationId="{A9978F5A-0C68-45F0-933F-02097515C9F0}"/>
+          </ac:spMkLst>
+        </pc:spChg>
+        <pc:picChg chg="add mod ord">
+          <ac:chgData name="Nathan Bergamini" userId="S::nathan.bergamini.etu@univ-lille.fr::71386036-08a7-4cd3-88e8-645d1570bc96" providerId="AD" clId="Web-{BF8F8769-30B3-3065-7BA7-A646ACF44FE6}" dt="2019-01-15T16:22:41.390" v="91"/>
+          <ac:picMkLst>
+            <pc:docMk/>
+            <pc:sldMk cId="3572378569" sldId="264"/>
+            <ac:picMk id="6" creationId="{01FA29B4-91E3-4E54-9626-37A5C490E9C9}"/>
+          </ac:picMkLst>
+        </pc:picChg>
+        <pc:picChg chg="add del">
+          <ac:chgData name="Nathan Bergamini" userId="S::nathan.bergamini.etu@univ-lille.fr::71386036-08a7-4cd3-88e8-645d1570bc96" providerId="AD" clId="Web-{BF8F8769-30B3-3065-7BA7-A646ACF44FE6}" dt="2019-01-15T16:16:41.576" v="71"/>
+          <ac:picMkLst>
+            <pc:docMk/>
+            <pc:sldMk cId="3572378569" sldId="264"/>
+            <ac:picMk id="9" creationId="{149B9683-59C7-4EE3-9BA6-3EAE2E11E986}"/>
+          </ac:picMkLst>
+        </pc:picChg>
+        <pc:picChg chg="add del">
+          <ac:chgData name="Nathan Bergamini" userId="S::nathan.bergamini.etu@univ-lille.fr::71386036-08a7-4cd3-88e8-645d1570bc96" providerId="AD" clId="Web-{BF8F8769-30B3-3065-7BA7-A646ACF44FE6}" dt="2019-01-15T16:16:45.232" v="73"/>
+          <ac:picMkLst>
+            <pc:docMk/>
+            <pc:sldMk cId="3572378569" sldId="264"/>
+            <ac:picMk id="13" creationId="{149B9683-59C7-4EE3-9BA6-3EAE2E11E986}"/>
+          </ac:picMkLst>
+        </pc:picChg>
+        <pc:picChg chg="add mod ord">
+          <ac:chgData name="Nathan Bergamini" userId="S::nathan.bergamini.etu@univ-lille.fr::71386036-08a7-4cd3-88e8-645d1570bc96" providerId="AD" clId="Web-{BF8F8769-30B3-3065-7BA7-A646ACF44FE6}" dt="2019-01-15T16:22:41.390" v="91"/>
+          <ac:picMkLst>
+            <pc:docMk/>
+            <pc:sldMk cId="3572378569" sldId="264"/>
+            <ac:picMk id="14" creationId="{B9BC7A7D-BCA0-4844-B842-2E642DFCC417}"/>
+          </ac:picMkLst>
+        </pc:picChg>
+        <pc:picChg chg="add del mod">
+          <ac:chgData name="Nathan Bergamini" userId="S::nathan.bergamini.etu@univ-lille.fr::71386036-08a7-4cd3-88e8-645d1570bc96" providerId="AD" clId="Web-{BF8F8769-30B3-3065-7BA7-A646ACF44FE6}" dt="2019-01-15T16:22:22.953" v="84"/>
+          <ac:picMkLst>
+            <pc:docMk/>
+            <pc:sldMk cId="3572378569" sldId="264"/>
+            <ac:picMk id="18" creationId="{149B9683-59C7-4EE3-9BA6-3EAE2E11E986}"/>
+          </ac:picMkLst>
+        </pc:picChg>
+        <pc:picChg chg="add del">
+          <ac:chgData name="Nathan Bergamini" userId="S::nathan.bergamini.etu@univ-lille.fr::71386036-08a7-4cd3-88e8-645d1570bc96" providerId="AD" clId="Web-{BF8F8769-30B3-3065-7BA7-A646ACF44FE6}" dt="2019-01-15T16:22:32.906" v="86"/>
+          <ac:picMkLst>
+            <pc:docMk/>
+            <pc:sldMk cId="3572378569" sldId="264"/>
+            <ac:picMk id="32" creationId="{149B9683-59C7-4EE3-9BA6-3EAE2E11E986}"/>
+          </ac:picMkLst>
+        </pc:picChg>
+        <pc:picChg chg="add del">
+          <ac:chgData name="Nathan Bergamini" userId="S::nathan.bergamini.etu@univ-lille.fr::71386036-08a7-4cd3-88e8-645d1570bc96" providerId="AD" clId="Web-{BF8F8769-30B3-3065-7BA7-A646ACF44FE6}" dt="2019-01-15T16:22:37.921" v="88"/>
+          <ac:picMkLst>
+            <pc:docMk/>
+            <pc:sldMk cId="3572378569" sldId="264"/>
+            <ac:picMk id="41" creationId="{149B9683-59C7-4EE3-9BA6-3EAE2E11E986}"/>
+          </ac:picMkLst>
+        </pc:picChg>
+        <pc:picChg chg="add del">
+          <ac:chgData name="Nathan Bergamini" userId="S::nathan.bergamini.etu@univ-lille.fr::71386036-08a7-4cd3-88e8-645d1570bc96" providerId="AD" clId="Web-{BF8F8769-30B3-3065-7BA7-A646ACF44FE6}" dt="2019-01-15T16:22:41.140" v="90"/>
+          <ac:picMkLst>
+            <pc:docMk/>
+            <pc:sldMk cId="3572378569" sldId="264"/>
+            <ac:picMk id="49" creationId="{149B9683-59C7-4EE3-9BA6-3EAE2E11E986}"/>
+          </ac:picMkLst>
+        </pc:picChg>
+        <pc:picChg chg="add">
+          <ac:chgData name="Nathan Bergamini" userId="S::nathan.bergamini.etu@univ-lille.fr::71386036-08a7-4cd3-88e8-645d1570bc96" providerId="AD" clId="Web-{BF8F8769-30B3-3065-7BA7-A646ACF44FE6}" dt="2019-01-15T16:22:41.390" v="91"/>
+          <ac:picMkLst>
+            <pc:docMk/>
+            <pc:sldMk cId="3572378569" sldId="264"/>
+            <ac:picMk id="51" creationId="{149B9683-59C7-4EE3-9BA6-3EAE2E11E986}"/>
+          </ac:picMkLst>
+        </pc:picChg>
+        <pc:picChg chg="add del mod ord replId">
+          <ac:chgData name="Nathan Bergamini" userId="S::nathan.bergamini.etu@univ-lille.fr::71386036-08a7-4cd3-88e8-645d1570bc96" providerId="AD" clId="Web-{BF8F8769-30B3-3065-7BA7-A646ACF44FE6}" dt="2019-01-15T16:22:41.390" v="91"/>
+          <ac:picMkLst>
+            <pc:docMk/>
+            <pc:sldMk cId="3572378569" sldId="264"/>
+            <ac:picMk id="53" creationId="{149B9683-59C7-4EE3-9BA6-3EAE2E11E986}"/>
+          </ac:picMkLst>
+        </pc:picChg>
+      </pc:sldChg>
+      <pc:sldChg chg="del">
+        <pc:chgData name="Nathan Bergamini" userId="S::nathan.bergamini.etu@univ-lille.fr::71386036-08a7-4cd3-88e8-645d1570bc96" providerId="AD" clId="Web-{BF8F8769-30B3-3065-7BA7-A646ACF44FE6}" dt="2019-01-15T16:03:18.479" v="58"/>
+        <pc:sldMkLst>
+          <pc:docMk/>
+          <pc:sldMk cId="4103167167" sldId="264"/>
+        </pc:sldMkLst>
+      </pc:sldChg>
+      <pc:sldChg chg="addSp delSp modSp new">
+        <pc:chgData name="Nathan Bergamini" userId="S::nathan.bergamini.etu@univ-lille.fr::71386036-08a7-4cd3-88e8-645d1570bc96" providerId="AD" clId="Web-{BF8F8769-30B3-3065-7BA7-A646ACF44FE6}" dt="2019-01-15T16:51:56.194" v="501" actId="1076"/>
+        <pc:sldMkLst>
+          <pc:docMk/>
+          <pc:sldMk cId="2754647500" sldId="265"/>
+        </pc:sldMkLst>
+        <pc:spChg chg="mod">
+          <ac:chgData name="Nathan Bergamini" userId="S::nathan.bergamini.etu@univ-lille.fr::71386036-08a7-4cd3-88e8-645d1570bc96" providerId="AD" clId="Web-{BF8F8769-30B3-3065-7BA7-A646ACF44FE6}" dt="2019-01-15T16:30:25.986" v="261" actId="20577"/>
+          <ac:spMkLst>
+            <pc:docMk/>
+            <pc:sldMk cId="2754647500" sldId="265"/>
+            <ac:spMk id="2" creationId="{778155F1-478A-407D-AA14-A129B704EDDC}"/>
+          </ac:spMkLst>
+        </pc:spChg>
+        <pc:spChg chg="del">
+          <ac:chgData name="Nathan Bergamini" userId="S::nathan.bergamini.etu@univ-lille.fr::71386036-08a7-4cd3-88e8-645d1570bc96" providerId="AD" clId="Web-{BF8F8769-30B3-3065-7BA7-A646ACF44FE6}" dt="2019-01-15T16:32:00.158" v="264"/>
+          <ac:spMkLst>
+            <pc:docMk/>
+            <pc:sldMk cId="2754647500" sldId="265"/>
+            <ac:spMk id="3" creationId="{F1D9DB46-008E-4AEB-ADD8-06BA9788B3C1}"/>
+          </ac:spMkLst>
+        </pc:spChg>
+        <pc:spChg chg="add mod">
+          <ac:chgData name="Nathan Bergamini" userId="S::nathan.bergamini.etu@univ-lille.fr::71386036-08a7-4cd3-88e8-645d1570bc96" providerId="AD" clId="Web-{BF8F8769-30B3-3065-7BA7-A646ACF44FE6}" dt="2019-01-15T16:50:55.069" v="485"/>
+          <ac:spMkLst>
+            <pc:docMk/>
+            <pc:sldMk cId="2754647500" sldId="265"/>
+            <ac:spMk id="4" creationId="{0675625F-DEE9-434D-B862-4A9667FD051B}"/>
+          </ac:spMkLst>
+        </pc:spChg>
+        <pc:spChg chg="add mod">
+          <ac:chgData name="Nathan Bergamini" userId="S::nathan.bergamini.etu@univ-lille.fr::71386036-08a7-4cd3-88e8-645d1570bc96" providerId="AD" clId="Web-{BF8F8769-30B3-3065-7BA7-A646ACF44FE6}" dt="2019-01-15T16:44:16.583" v="455" actId="20577"/>
+          <ac:spMkLst>
+            <pc:docMk/>
+            <pc:sldMk cId="2754647500" sldId="265"/>
+            <ac:spMk id="6" creationId="{DDB7C639-B5B0-4F5F-B0F3-5782E2095CE7}"/>
+          </ac:spMkLst>
+        </pc:spChg>
+        <pc:spChg chg="add mod">
+          <ac:chgData name="Nathan Bergamini" userId="S::nathan.bergamini.etu@univ-lille.fr::71386036-08a7-4cd3-88e8-645d1570bc96" providerId="AD" clId="Web-{BF8F8769-30B3-3065-7BA7-A646ACF44FE6}" dt="2019-01-15T16:51:07.835" v="487"/>
+          <ac:spMkLst>
+            <pc:docMk/>
+            <pc:sldMk cId="2754647500" sldId="265"/>
+            <ac:spMk id="7" creationId="{6CCFFA68-661D-44B7-91C2-370BDDF94D19}"/>
+          </ac:spMkLst>
+        </pc:spChg>
+        <pc:spChg chg="add mod">
+          <ac:chgData name="Nathan Bergamini" userId="S::nathan.bergamini.etu@univ-lille.fr::71386036-08a7-4cd3-88e8-645d1570bc96" providerId="AD" clId="Web-{BF8F8769-30B3-3065-7BA7-A646ACF44FE6}" dt="2019-01-15T16:51:20.272" v="489"/>
+          <ac:spMkLst>
+            <pc:docMk/>
+            <pc:sldMk cId="2754647500" sldId="265"/>
+            <ac:spMk id="8" creationId="{F24580C1-0193-43CD-A6CA-E7ED357E06B2}"/>
+          </ac:spMkLst>
+        </pc:spChg>
+        <pc:spChg chg="add mod">
+          <ac:chgData name="Nathan Bergamini" userId="S::nathan.bergamini.etu@univ-lille.fr::71386036-08a7-4cd3-88e8-645d1570bc96" providerId="AD" clId="Web-{BF8F8769-30B3-3065-7BA7-A646ACF44FE6}" dt="2019-01-15T16:51:56.194" v="501" actId="1076"/>
+          <ac:spMkLst>
+            <pc:docMk/>
+            <pc:sldMk cId="2754647500" sldId="265"/>
+            <ac:spMk id="10" creationId="{79CB787D-197C-463B-8E72-93B0D8B8922F}"/>
+          </ac:spMkLst>
+        </pc:spChg>
+        <pc:cxnChg chg="add mod">
+          <ac:chgData name="Nathan Bergamini" userId="S::nathan.bergamini.etu@univ-lille.fr::71386036-08a7-4cd3-88e8-645d1570bc96" providerId="AD" clId="Web-{BF8F8769-30B3-3065-7BA7-A646ACF44FE6}" dt="2019-01-15T16:49:32.225" v="472" actId="14100"/>
+          <ac:cxnSpMkLst>
+            <pc:docMk/>
+            <pc:sldMk cId="2754647500" sldId="265"/>
+            <ac:cxnSpMk id="5" creationId="{A6084858-694F-4F4F-96AE-C88CCE602A4F}"/>
+          </ac:cxnSpMkLst>
+        </pc:cxnChg>
+        <pc:cxnChg chg="add mod">
+          <ac:chgData name="Nathan Bergamini" userId="S::nathan.bergamini.etu@univ-lille.fr::71386036-08a7-4cd3-88e8-645d1570bc96" providerId="AD" clId="Web-{BF8F8769-30B3-3065-7BA7-A646ACF44FE6}" dt="2019-01-15T16:50:00.788" v="479" actId="1076"/>
+          <ac:cxnSpMkLst>
+            <pc:docMk/>
+            <pc:sldMk cId="2754647500" sldId="265"/>
+            <ac:cxnSpMk id="9" creationId="{0D0B14AF-3DAA-4B89-8527-FBDEB072CCFF}"/>
           </ac:cxnSpMkLst>
         </pc:cxnChg>
       </pc:sldChg>
@@ -201,7 +1420,7 @@
       </p:grpSpPr>
       <p:sp>
         <p:nvSpPr>
-          <p:cNvPr id="2" name="Titre 1"/>
+          <p:cNvPr id="2" name="Title 1"/>
           <p:cNvSpPr>
             <a:spLocks noGrp="1"/>
           </p:cNvSpPr>
@@ -224,16 +1443,16 @@
           </a:lstStyle>
           <a:p>
             <a:r>
-              <a:rPr lang="fr-FR"/>
+              <a:rPr lang="fr-FR" dirty="0"/>
               <a:t>Modifiez le style du titre</a:t>
             </a:r>
-            <a:endParaRPr lang="de-DE"/>
-          </a:p>
-        </p:txBody>
-      </p:sp>
-      <p:sp>
-        <p:nvSpPr>
-          <p:cNvPr id="3" name="Sous-titre 2"/>
+            <a:endParaRPr lang="en-US" dirty="0"/>
+          </a:p>
+        </p:txBody>
+      </p:sp>
+      <p:sp>
+        <p:nvSpPr>
+          <p:cNvPr id="3" name="Subtitle 2"/>
           <p:cNvSpPr>
             <a:spLocks noGrp="1"/>
           </p:cNvSpPr>
@@ -289,16 +1508,16 @@
           </a:lstStyle>
           <a:p>
             <a:r>
-              <a:rPr lang="fr-FR"/>
+              <a:rPr lang="fr-FR" dirty="0"/>
               <a:t>Modifiez le style des sous-titres du masque</a:t>
             </a:r>
-            <a:endParaRPr lang="de-DE"/>
-          </a:p>
-        </p:txBody>
-      </p:sp>
-      <p:sp>
-        <p:nvSpPr>
-          <p:cNvPr id="4" name="Espace réservé de la date 3"/>
+            <a:endParaRPr lang="en-US" dirty="0"/>
+          </a:p>
+        </p:txBody>
+      </p:sp>
+      <p:sp>
+        <p:nvSpPr>
+          <p:cNvPr id="4" name="Date Placeholder 3"/>
           <p:cNvSpPr>
             <a:spLocks noGrp="1"/>
           </p:cNvSpPr>
@@ -313,7 +1532,7 @@
           <a:p>
             <a:fld id="{638941B0-F4D5-4460-BCAD-F7E2B41A8257}" type="datetimeFigureOut">
               <a:rPr lang="de-DE" smtClean="0"/>
-              <a:t>14.01.2019</a:t>
+              <a:t>15.01.2019</a:t>
             </a:fld>
             <a:endParaRPr lang="de-DE"/>
           </a:p>
@@ -321,7 +1540,7 @@
       </p:sp>
       <p:sp>
         <p:nvSpPr>
-          <p:cNvPr id="5" name="Espace réservé du pied de page 4"/>
+          <p:cNvPr id="5" name="Footer Placeholder 4"/>
           <p:cNvSpPr>
             <a:spLocks noGrp="1"/>
           </p:cNvSpPr>
@@ -340,7 +1559,7 @@
       </p:sp>
       <p:sp>
         <p:nvSpPr>
-          <p:cNvPr id="6" name="Espace réservé du numéro de diapositive 5"/>
+          <p:cNvPr id="6" name="Slide Number Placeholder 5"/>
           <p:cNvSpPr>
             <a:spLocks noGrp="1"/>
           </p:cNvSpPr>
@@ -364,7 +1583,7 @@
     </p:spTree>
     <p:extLst>
       <p:ext uri="{BB962C8B-B14F-4D97-AF65-F5344CB8AC3E}">
-        <p14:creationId xmlns:p14="http://schemas.microsoft.com/office/powerpoint/2010/main" val="3310491181"/>
+        <p14:creationId xmlns:p14="http://schemas.microsoft.com/office/powerpoint/2010/main" val="2114457509"/>
       </p:ext>
     </p:extLst>
   </p:cSld>
@@ -393,7 +1612,7 @@
       </p:grpSpPr>
       <p:sp>
         <p:nvSpPr>
-          <p:cNvPr id="2" name="Titre 1"/>
+          <p:cNvPr id="2" name="Title 1"/>
           <p:cNvSpPr>
             <a:spLocks noGrp="1"/>
           </p:cNvSpPr>
@@ -407,16 +1626,16 @@
           <a:lstStyle/>
           <a:p>
             <a:r>
-              <a:rPr lang="fr-FR"/>
+              <a:rPr lang="fr-FR" dirty="0"/>
               <a:t>Modifiez le style du titre</a:t>
             </a:r>
-            <a:endParaRPr lang="de-DE"/>
-          </a:p>
-        </p:txBody>
-      </p:sp>
-      <p:sp>
-        <p:nvSpPr>
-          <p:cNvPr id="3" name="Espace réservé du texte vertical 2"/>
+            <a:endParaRPr lang="en-US" dirty="0"/>
+          </a:p>
+        </p:txBody>
+      </p:sp>
+      <p:sp>
+        <p:nvSpPr>
+          <p:cNvPr id="3" name="Vertical Text Placeholder 2"/>
           <p:cNvSpPr>
             <a:spLocks noGrp="1"/>
           </p:cNvSpPr>
@@ -431,44 +1650,44 @@
           <a:p>
             <a:pPr lvl="0"/>
             <a:r>
-              <a:rPr lang="fr-FR"/>
-              <a:t>Modifiez les styles du texte du masque</a:t>
+              <a:rPr lang="fr-FR" dirty="0"/>
+              <a:t>Modifier les styles du texte du masque</a:t>
             </a:r>
           </a:p>
           <a:p>
             <a:pPr lvl="1"/>
             <a:r>
-              <a:rPr lang="fr-FR"/>
+              <a:rPr lang="fr-FR" dirty="0"/>
               <a:t>Deuxième niveau</a:t>
             </a:r>
           </a:p>
           <a:p>
             <a:pPr lvl="2"/>
             <a:r>
-              <a:rPr lang="fr-FR"/>
+              <a:rPr lang="fr-FR" dirty="0"/>
               <a:t>Troisième niveau</a:t>
             </a:r>
           </a:p>
           <a:p>
             <a:pPr lvl="3"/>
             <a:r>
-              <a:rPr lang="fr-FR"/>
+              <a:rPr lang="fr-FR" dirty="0"/>
               <a:t>Quatrième niveau</a:t>
             </a:r>
           </a:p>
           <a:p>
             <a:pPr lvl="4"/>
             <a:r>
-              <a:rPr lang="fr-FR"/>
+              <a:rPr lang="fr-FR" dirty="0"/>
               <a:t>Cinquième niveau</a:t>
             </a:r>
-            <a:endParaRPr lang="de-DE"/>
-          </a:p>
-        </p:txBody>
-      </p:sp>
-      <p:sp>
-        <p:nvSpPr>
-          <p:cNvPr id="4" name="Espace réservé de la date 3"/>
+            <a:endParaRPr lang="en-US" dirty="0"/>
+          </a:p>
+        </p:txBody>
+      </p:sp>
+      <p:sp>
+        <p:nvSpPr>
+          <p:cNvPr id="4" name="Date Placeholder 3"/>
           <p:cNvSpPr>
             <a:spLocks noGrp="1"/>
           </p:cNvSpPr>
@@ -483,7 +1702,7 @@
           <a:p>
             <a:fld id="{638941B0-F4D5-4460-BCAD-F7E2B41A8257}" type="datetimeFigureOut">
               <a:rPr lang="de-DE" smtClean="0"/>
-              <a:t>14.01.2019</a:t>
+              <a:t>15.01.2019</a:t>
             </a:fld>
             <a:endParaRPr lang="de-DE"/>
           </a:p>
@@ -491,7 +1710,7 @@
       </p:sp>
       <p:sp>
         <p:nvSpPr>
-          <p:cNvPr id="5" name="Espace réservé du pied de page 4"/>
+          <p:cNvPr id="5" name="Footer Placeholder 4"/>
           <p:cNvSpPr>
             <a:spLocks noGrp="1"/>
           </p:cNvSpPr>
@@ -510,7 +1729,7 @@
       </p:sp>
       <p:sp>
         <p:nvSpPr>
-          <p:cNvPr id="6" name="Espace réservé du numéro de diapositive 5"/>
+          <p:cNvPr id="6" name="Slide Number Placeholder 5"/>
           <p:cNvSpPr>
             <a:spLocks noGrp="1"/>
           </p:cNvSpPr>
@@ -534,7 +1753,7 @@
     </p:spTree>
     <p:extLst>
       <p:ext uri="{BB962C8B-B14F-4D97-AF65-F5344CB8AC3E}">
-        <p14:creationId xmlns:p14="http://schemas.microsoft.com/office/powerpoint/2010/main" val="4172787210"/>
+        <p14:creationId xmlns:p14="http://schemas.microsoft.com/office/powerpoint/2010/main" val="2106322291"/>
       </p:ext>
     </p:extLst>
   </p:cSld>
@@ -563,7 +1782,7 @@
       </p:grpSpPr>
       <p:sp>
         <p:nvSpPr>
-          <p:cNvPr id="2" name="Titre vertical 1"/>
+          <p:cNvPr id="2" name="Vertical Title 1"/>
           <p:cNvSpPr>
             <a:spLocks noGrp="1"/>
           </p:cNvSpPr>
@@ -582,16 +1801,16 @@
           <a:lstStyle/>
           <a:p>
             <a:r>
-              <a:rPr lang="fr-FR"/>
+              <a:rPr lang="fr-FR" dirty="0"/>
               <a:t>Modifiez le style du titre</a:t>
             </a:r>
-            <a:endParaRPr lang="de-DE"/>
-          </a:p>
-        </p:txBody>
-      </p:sp>
-      <p:sp>
-        <p:nvSpPr>
-          <p:cNvPr id="3" name="Espace réservé du texte vertical 2"/>
+            <a:endParaRPr lang="en-US" dirty="0"/>
+          </a:p>
+        </p:txBody>
+      </p:sp>
+      <p:sp>
+        <p:nvSpPr>
+          <p:cNvPr id="3" name="Vertical Text Placeholder 2"/>
           <p:cNvSpPr>
             <a:spLocks noGrp="1"/>
           </p:cNvSpPr>
@@ -611,44 +1830,44 @@
           <a:p>
             <a:pPr lvl="0"/>
             <a:r>
-              <a:rPr lang="fr-FR"/>
-              <a:t>Modifiez les styles du texte du masque</a:t>
+              <a:rPr lang="fr-FR" dirty="0"/>
+              <a:t>Modifier les styles du texte du masque</a:t>
             </a:r>
           </a:p>
           <a:p>
             <a:pPr lvl="1"/>
             <a:r>
-              <a:rPr lang="fr-FR"/>
+              <a:rPr lang="fr-FR" dirty="0"/>
               <a:t>Deuxième niveau</a:t>
             </a:r>
           </a:p>
           <a:p>
             <a:pPr lvl="2"/>
             <a:r>
-              <a:rPr lang="fr-FR"/>
+              <a:rPr lang="fr-FR" dirty="0"/>
               <a:t>Troisième niveau</a:t>
             </a:r>
           </a:p>
           <a:p>
             <a:pPr lvl="3"/>
             <a:r>
-              <a:rPr lang="fr-FR"/>
+              <a:rPr lang="fr-FR" dirty="0"/>
               <a:t>Quatrième niveau</a:t>
             </a:r>
           </a:p>
           <a:p>
             <a:pPr lvl="4"/>
             <a:r>
-              <a:rPr lang="fr-FR"/>
+              <a:rPr lang="fr-FR" dirty="0"/>
               <a:t>Cinquième niveau</a:t>
             </a:r>
-            <a:endParaRPr lang="de-DE"/>
-          </a:p>
-        </p:txBody>
-      </p:sp>
-      <p:sp>
-        <p:nvSpPr>
-          <p:cNvPr id="4" name="Espace réservé de la date 3"/>
+            <a:endParaRPr lang="en-US" dirty="0"/>
+          </a:p>
+        </p:txBody>
+      </p:sp>
+      <p:sp>
+        <p:nvSpPr>
+          <p:cNvPr id="4" name="Date Placeholder 3"/>
           <p:cNvSpPr>
             <a:spLocks noGrp="1"/>
           </p:cNvSpPr>
@@ -663,7 +1882,7 @@
           <a:p>
             <a:fld id="{638941B0-F4D5-4460-BCAD-F7E2B41A8257}" type="datetimeFigureOut">
               <a:rPr lang="de-DE" smtClean="0"/>
-              <a:t>14.01.2019</a:t>
+              <a:t>15.01.2019</a:t>
             </a:fld>
             <a:endParaRPr lang="de-DE"/>
           </a:p>
@@ -671,7 +1890,7 @@
       </p:sp>
       <p:sp>
         <p:nvSpPr>
-          <p:cNvPr id="5" name="Espace réservé du pied de page 4"/>
+          <p:cNvPr id="5" name="Footer Placeholder 4"/>
           <p:cNvSpPr>
             <a:spLocks noGrp="1"/>
           </p:cNvSpPr>
@@ -690,7 +1909,7 @@
       </p:sp>
       <p:sp>
         <p:nvSpPr>
-          <p:cNvPr id="6" name="Espace réservé du numéro de diapositive 5"/>
+          <p:cNvPr id="6" name="Slide Number Placeholder 5"/>
           <p:cNvSpPr>
             <a:spLocks noGrp="1"/>
           </p:cNvSpPr>
@@ -714,7 +1933,7 @@
     </p:spTree>
     <p:extLst>
       <p:ext uri="{BB962C8B-B14F-4D97-AF65-F5344CB8AC3E}">
-        <p14:creationId xmlns:p14="http://schemas.microsoft.com/office/powerpoint/2010/main" val="1902177510"/>
+        <p14:creationId xmlns:p14="http://schemas.microsoft.com/office/powerpoint/2010/main" val="1924568950"/>
       </p:ext>
     </p:extLst>
   </p:cSld>
@@ -743,7 +1962,7 @@
       </p:grpSpPr>
       <p:sp>
         <p:nvSpPr>
-          <p:cNvPr id="2" name="Titre 1"/>
+          <p:cNvPr id="2" name="Title 1"/>
           <p:cNvSpPr>
             <a:spLocks noGrp="1"/>
           </p:cNvSpPr>
@@ -757,16 +1976,16 @@
           <a:lstStyle/>
           <a:p>
             <a:r>
-              <a:rPr lang="fr-FR"/>
+              <a:rPr lang="fr-FR" dirty="0"/>
               <a:t>Modifiez le style du titre</a:t>
             </a:r>
-            <a:endParaRPr lang="de-DE"/>
-          </a:p>
-        </p:txBody>
-      </p:sp>
-      <p:sp>
-        <p:nvSpPr>
-          <p:cNvPr id="3" name="Espace réservé du contenu 2"/>
+            <a:endParaRPr lang="en-US" dirty="0"/>
+          </a:p>
+        </p:txBody>
+      </p:sp>
+      <p:sp>
+        <p:nvSpPr>
+          <p:cNvPr id="3" name="Content Placeholder 2"/>
           <p:cNvSpPr>
             <a:spLocks noGrp="1"/>
           </p:cNvSpPr>
@@ -781,44 +2000,44 @@
           <a:p>
             <a:pPr lvl="0"/>
             <a:r>
-              <a:rPr lang="fr-FR"/>
-              <a:t>Modifiez les styles du texte du masque</a:t>
+              <a:rPr lang="fr-FR" dirty="0"/>
+              <a:t>Modifier les styles du texte du masque</a:t>
             </a:r>
           </a:p>
           <a:p>
             <a:pPr lvl="1"/>
             <a:r>
-              <a:rPr lang="fr-FR"/>
+              <a:rPr lang="fr-FR" dirty="0"/>
               <a:t>Deuxième niveau</a:t>
             </a:r>
           </a:p>
           <a:p>
             <a:pPr lvl="2"/>
             <a:r>
-              <a:rPr lang="fr-FR"/>
+              <a:rPr lang="fr-FR" dirty="0"/>
               <a:t>Troisième niveau</a:t>
             </a:r>
           </a:p>
           <a:p>
             <a:pPr lvl="3"/>
             <a:r>
-              <a:rPr lang="fr-FR"/>
+              <a:rPr lang="fr-FR" dirty="0"/>
               <a:t>Quatrième niveau</a:t>
             </a:r>
           </a:p>
           <a:p>
             <a:pPr lvl="4"/>
             <a:r>
-              <a:rPr lang="fr-FR"/>
+              <a:rPr lang="fr-FR" dirty="0"/>
               <a:t>Cinquième niveau</a:t>
             </a:r>
-            <a:endParaRPr lang="de-DE"/>
-          </a:p>
-        </p:txBody>
-      </p:sp>
-      <p:sp>
-        <p:nvSpPr>
-          <p:cNvPr id="4" name="Espace réservé de la date 3"/>
+            <a:endParaRPr lang="en-US" dirty="0"/>
+          </a:p>
+        </p:txBody>
+      </p:sp>
+      <p:sp>
+        <p:nvSpPr>
+          <p:cNvPr id="4" name="Date Placeholder 3"/>
           <p:cNvSpPr>
             <a:spLocks noGrp="1"/>
           </p:cNvSpPr>
@@ -833,7 +2052,7 @@
           <a:p>
             <a:fld id="{638941B0-F4D5-4460-BCAD-F7E2B41A8257}" type="datetimeFigureOut">
               <a:rPr lang="de-DE" smtClean="0"/>
-              <a:t>14.01.2019</a:t>
+              <a:t>15.01.2019</a:t>
             </a:fld>
             <a:endParaRPr lang="de-DE"/>
           </a:p>
@@ -841,7 +2060,7 @@
       </p:sp>
       <p:sp>
         <p:nvSpPr>
-          <p:cNvPr id="5" name="Espace réservé du pied de page 4"/>
+          <p:cNvPr id="5" name="Footer Placeholder 4"/>
           <p:cNvSpPr>
             <a:spLocks noGrp="1"/>
           </p:cNvSpPr>
@@ -860,7 +2079,7 @@
       </p:sp>
       <p:sp>
         <p:nvSpPr>
-          <p:cNvPr id="6" name="Espace réservé du numéro de diapositive 5"/>
+          <p:cNvPr id="6" name="Slide Number Placeholder 5"/>
           <p:cNvSpPr>
             <a:spLocks noGrp="1"/>
           </p:cNvSpPr>
@@ -884,7 +2103,7 @@
     </p:spTree>
     <p:extLst>
       <p:ext uri="{BB962C8B-B14F-4D97-AF65-F5344CB8AC3E}">
-        <p14:creationId xmlns:p14="http://schemas.microsoft.com/office/powerpoint/2010/main" val="3841795644"/>
+        <p14:creationId xmlns:p14="http://schemas.microsoft.com/office/powerpoint/2010/main" val="2431597581"/>
       </p:ext>
     </p:extLst>
   </p:cSld>
@@ -913,7 +2132,7 @@
       </p:grpSpPr>
       <p:sp>
         <p:nvSpPr>
-          <p:cNvPr id="2" name="Titre 1"/>
+          <p:cNvPr id="2" name="Title 1"/>
           <p:cNvSpPr>
             <a:spLocks noGrp="1"/>
           </p:cNvSpPr>
@@ -936,16 +2155,16 @@
           </a:lstStyle>
           <a:p>
             <a:r>
-              <a:rPr lang="fr-FR"/>
+              <a:rPr lang="fr-FR" dirty="0"/>
               <a:t>Modifiez le style du titre</a:t>
             </a:r>
-            <a:endParaRPr lang="de-DE"/>
-          </a:p>
-        </p:txBody>
-      </p:sp>
-      <p:sp>
-        <p:nvSpPr>
-          <p:cNvPr id="3" name="Espace réservé du texte 2"/>
+            <a:endParaRPr lang="en-US" dirty="0"/>
+          </a:p>
+        </p:txBody>
+      </p:sp>
+      <p:sp>
+        <p:nvSpPr>
+          <p:cNvPr id="3" name="Text Placeholder 2"/>
           <p:cNvSpPr>
             <a:spLocks noGrp="1"/>
           </p:cNvSpPr>
@@ -1056,15 +2275,15 @@
           <a:p>
             <a:pPr lvl="0"/>
             <a:r>
-              <a:rPr lang="fr-FR"/>
-              <a:t>Modifiez les styles du texte du masque</a:t>
-            </a:r>
-          </a:p>
-        </p:txBody>
-      </p:sp>
-      <p:sp>
-        <p:nvSpPr>
-          <p:cNvPr id="4" name="Espace réservé de la date 3"/>
+              <a:rPr lang="fr-FR" dirty="0"/>
+              <a:t>Modifier les styles du texte du masque</a:t>
+            </a:r>
+          </a:p>
+        </p:txBody>
+      </p:sp>
+      <p:sp>
+        <p:nvSpPr>
+          <p:cNvPr id="4" name="Date Placeholder 3"/>
           <p:cNvSpPr>
             <a:spLocks noGrp="1"/>
           </p:cNvSpPr>
@@ -1079,7 +2298,7 @@
           <a:p>
             <a:fld id="{638941B0-F4D5-4460-BCAD-F7E2B41A8257}" type="datetimeFigureOut">
               <a:rPr lang="de-DE" smtClean="0"/>
-              <a:t>14.01.2019</a:t>
+              <a:t>15.01.2019</a:t>
             </a:fld>
             <a:endParaRPr lang="de-DE"/>
           </a:p>
@@ -1087,7 +2306,7 @@
       </p:sp>
       <p:sp>
         <p:nvSpPr>
-          <p:cNvPr id="5" name="Espace réservé du pied de page 4"/>
+          <p:cNvPr id="5" name="Footer Placeholder 4"/>
           <p:cNvSpPr>
             <a:spLocks noGrp="1"/>
           </p:cNvSpPr>
@@ -1106,7 +2325,7 @@
       </p:sp>
       <p:sp>
         <p:nvSpPr>
-          <p:cNvPr id="6" name="Espace réservé du numéro de diapositive 5"/>
+          <p:cNvPr id="6" name="Slide Number Placeholder 5"/>
           <p:cNvSpPr>
             <a:spLocks noGrp="1"/>
           </p:cNvSpPr>
@@ -1130,7 +2349,7 @@
     </p:spTree>
     <p:extLst>
       <p:ext uri="{BB962C8B-B14F-4D97-AF65-F5344CB8AC3E}">
-        <p14:creationId xmlns:p14="http://schemas.microsoft.com/office/powerpoint/2010/main" val="3466923455"/>
+        <p14:creationId xmlns:p14="http://schemas.microsoft.com/office/powerpoint/2010/main" val="33830033"/>
       </p:ext>
     </p:extLst>
   </p:cSld>
@@ -1159,7 +2378,7 @@
       </p:grpSpPr>
       <p:sp>
         <p:nvSpPr>
-          <p:cNvPr id="2" name="Titre 1"/>
+          <p:cNvPr id="2" name="Title 1"/>
           <p:cNvSpPr>
             <a:spLocks noGrp="1"/>
           </p:cNvSpPr>
@@ -1173,16 +2392,16 @@
           <a:lstStyle/>
           <a:p>
             <a:r>
-              <a:rPr lang="fr-FR"/>
+              <a:rPr lang="fr-FR" dirty="0"/>
               <a:t>Modifiez le style du titre</a:t>
             </a:r>
-            <a:endParaRPr lang="de-DE"/>
-          </a:p>
-        </p:txBody>
-      </p:sp>
-      <p:sp>
-        <p:nvSpPr>
-          <p:cNvPr id="3" name="Espace réservé du contenu 2"/>
+            <a:endParaRPr lang="en-US" dirty="0"/>
+          </a:p>
+        </p:txBody>
+      </p:sp>
+      <p:sp>
+        <p:nvSpPr>
+          <p:cNvPr id="3" name="Content Placeholder 2"/>
           <p:cNvSpPr>
             <a:spLocks noGrp="1"/>
           </p:cNvSpPr>
@@ -1202,44 +2421,44 @@
           <a:p>
             <a:pPr lvl="0"/>
             <a:r>
-              <a:rPr lang="fr-FR"/>
-              <a:t>Modifiez les styles du texte du masque</a:t>
+              <a:rPr lang="fr-FR" dirty="0"/>
+              <a:t>Modifier les styles du texte du masque</a:t>
             </a:r>
           </a:p>
           <a:p>
             <a:pPr lvl="1"/>
             <a:r>
-              <a:rPr lang="fr-FR"/>
+              <a:rPr lang="fr-FR" dirty="0"/>
               <a:t>Deuxième niveau</a:t>
             </a:r>
           </a:p>
           <a:p>
             <a:pPr lvl="2"/>
             <a:r>
-              <a:rPr lang="fr-FR"/>
+              <a:rPr lang="fr-FR" dirty="0"/>
               <a:t>Troisième niveau</a:t>
             </a:r>
           </a:p>
           <a:p>
             <a:pPr lvl="3"/>
             <a:r>
-              <a:rPr lang="fr-FR"/>
+              <a:rPr lang="fr-FR" dirty="0"/>
               <a:t>Quatrième niveau</a:t>
             </a:r>
           </a:p>
           <a:p>
             <a:pPr lvl="4"/>
             <a:r>
-              <a:rPr lang="fr-FR"/>
+              <a:rPr lang="fr-FR" dirty="0"/>
               <a:t>Cinquième niveau</a:t>
             </a:r>
-            <a:endParaRPr lang="de-DE"/>
-          </a:p>
-        </p:txBody>
-      </p:sp>
-      <p:sp>
-        <p:nvSpPr>
-          <p:cNvPr id="4" name="Espace réservé du contenu 3"/>
+            <a:endParaRPr lang="en-US" dirty="0"/>
+          </a:p>
+        </p:txBody>
+      </p:sp>
+      <p:sp>
+        <p:nvSpPr>
+          <p:cNvPr id="4" name="Content Placeholder 3"/>
           <p:cNvSpPr>
             <a:spLocks noGrp="1"/>
           </p:cNvSpPr>
@@ -1259,44 +2478,44 @@
           <a:p>
             <a:pPr lvl="0"/>
             <a:r>
-              <a:rPr lang="fr-FR"/>
-              <a:t>Modifiez les styles du texte du masque</a:t>
+              <a:rPr lang="fr-FR" dirty="0"/>
+              <a:t>Modifier les styles du texte du masque</a:t>
             </a:r>
           </a:p>
           <a:p>
             <a:pPr lvl="1"/>
             <a:r>
-              <a:rPr lang="fr-FR"/>
+              <a:rPr lang="fr-FR" dirty="0"/>
               <a:t>Deuxième niveau</a:t>
             </a:r>
           </a:p>
           <a:p>
             <a:pPr lvl="2"/>
             <a:r>
-              <a:rPr lang="fr-FR"/>
+              <a:rPr lang="fr-FR" dirty="0"/>
               <a:t>Troisième niveau</a:t>
             </a:r>
           </a:p>
           <a:p>
             <a:pPr lvl="3"/>
             <a:r>
-              <a:rPr lang="fr-FR"/>
+              <a:rPr lang="fr-FR" dirty="0"/>
               <a:t>Quatrième niveau</a:t>
             </a:r>
           </a:p>
           <a:p>
             <a:pPr lvl="4"/>
             <a:r>
-              <a:rPr lang="fr-FR"/>
+              <a:rPr lang="fr-FR" dirty="0"/>
               <a:t>Cinquième niveau</a:t>
             </a:r>
-            <a:endParaRPr lang="de-DE"/>
-          </a:p>
-        </p:txBody>
-      </p:sp>
-      <p:sp>
-        <p:nvSpPr>
-          <p:cNvPr id="5" name="Espace réservé de la date 4"/>
+            <a:endParaRPr lang="en-US" dirty="0"/>
+          </a:p>
+        </p:txBody>
+      </p:sp>
+      <p:sp>
+        <p:nvSpPr>
+          <p:cNvPr id="5" name="Date Placeholder 4"/>
           <p:cNvSpPr>
             <a:spLocks noGrp="1"/>
           </p:cNvSpPr>
@@ -1311,7 +2530,7 @@
           <a:p>
             <a:fld id="{638941B0-F4D5-4460-BCAD-F7E2B41A8257}" type="datetimeFigureOut">
               <a:rPr lang="de-DE" smtClean="0"/>
-              <a:t>14.01.2019</a:t>
+              <a:t>15.01.2019</a:t>
             </a:fld>
             <a:endParaRPr lang="de-DE"/>
           </a:p>
@@ -1319,7 +2538,7 @@
       </p:sp>
       <p:sp>
         <p:nvSpPr>
-          <p:cNvPr id="6" name="Espace réservé du pied de page 5"/>
+          <p:cNvPr id="6" name="Footer Placeholder 5"/>
           <p:cNvSpPr>
             <a:spLocks noGrp="1"/>
           </p:cNvSpPr>
@@ -1338,7 +2557,7 @@
       </p:sp>
       <p:sp>
         <p:nvSpPr>
-          <p:cNvPr id="7" name="Espace réservé du numéro de diapositive 6"/>
+          <p:cNvPr id="7" name="Slide Number Placeholder 6"/>
           <p:cNvSpPr>
             <a:spLocks noGrp="1"/>
           </p:cNvSpPr>
@@ -1362,7 +2581,7 @@
     </p:spTree>
     <p:extLst>
       <p:ext uri="{BB962C8B-B14F-4D97-AF65-F5344CB8AC3E}">
-        <p14:creationId xmlns:p14="http://schemas.microsoft.com/office/powerpoint/2010/main" val="3747632232"/>
+        <p14:creationId xmlns:p14="http://schemas.microsoft.com/office/powerpoint/2010/main" val="858750340"/>
       </p:ext>
     </p:extLst>
   </p:cSld>
@@ -1391,7 +2610,7 @@
       </p:grpSpPr>
       <p:sp>
         <p:nvSpPr>
-          <p:cNvPr id="2" name="Titre 1"/>
+          <p:cNvPr id="2" name="Title 1"/>
           <p:cNvSpPr>
             <a:spLocks noGrp="1"/>
           </p:cNvSpPr>
@@ -1410,16 +2629,16 @@
           <a:lstStyle/>
           <a:p>
             <a:r>
-              <a:rPr lang="fr-FR"/>
+              <a:rPr lang="fr-FR" dirty="0"/>
               <a:t>Modifiez le style du titre</a:t>
             </a:r>
-            <a:endParaRPr lang="de-DE"/>
-          </a:p>
-        </p:txBody>
-      </p:sp>
-      <p:sp>
-        <p:nvSpPr>
-          <p:cNvPr id="3" name="Espace réservé du texte 2"/>
+            <a:endParaRPr lang="en-US" dirty="0"/>
+          </a:p>
+        </p:txBody>
+      </p:sp>
+      <p:sp>
+        <p:nvSpPr>
+          <p:cNvPr id="3" name="Text Placeholder 2"/>
           <p:cNvSpPr>
             <a:spLocks noGrp="1"/>
           </p:cNvSpPr>
@@ -1476,15 +2695,15 @@
           <a:p>
             <a:pPr lvl="0"/>
             <a:r>
-              <a:rPr lang="fr-FR"/>
-              <a:t>Modifiez les styles du texte du masque</a:t>
-            </a:r>
-          </a:p>
-        </p:txBody>
-      </p:sp>
-      <p:sp>
-        <p:nvSpPr>
-          <p:cNvPr id="4" name="Espace réservé du contenu 3"/>
+              <a:rPr lang="fr-FR" dirty="0"/>
+              <a:t>Modifier les styles du texte du masque</a:t>
+            </a:r>
+          </a:p>
+        </p:txBody>
+      </p:sp>
+      <p:sp>
+        <p:nvSpPr>
+          <p:cNvPr id="4" name="Content Placeholder 3"/>
           <p:cNvSpPr>
             <a:spLocks noGrp="1"/>
           </p:cNvSpPr>
@@ -1504,44 +2723,44 @@
           <a:p>
             <a:pPr lvl="0"/>
             <a:r>
-              <a:rPr lang="fr-FR"/>
-              <a:t>Modifiez les styles du texte du masque</a:t>
+              <a:rPr lang="fr-FR" dirty="0"/>
+              <a:t>Modifier les styles du texte du masque</a:t>
             </a:r>
           </a:p>
           <a:p>
             <a:pPr lvl="1"/>
             <a:r>
-              <a:rPr lang="fr-FR"/>
+              <a:rPr lang="fr-FR" dirty="0"/>
               <a:t>Deuxième niveau</a:t>
             </a:r>
           </a:p>
           <a:p>
             <a:pPr lvl="2"/>
             <a:r>
-              <a:rPr lang="fr-FR"/>
+              <a:rPr lang="fr-FR" dirty="0"/>
               <a:t>Troisième niveau</a:t>
             </a:r>
           </a:p>
           <a:p>
             <a:pPr lvl="3"/>
             <a:r>
-              <a:rPr lang="fr-FR"/>
+              <a:rPr lang="fr-FR" dirty="0"/>
               <a:t>Quatrième niveau</a:t>
             </a:r>
           </a:p>
           <a:p>
             <a:pPr lvl="4"/>
             <a:r>
-              <a:rPr lang="fr-FR"/>
+              <a:rPr lang="fr-FR" dirty="0"/>
               <a:t>Cinquième niveau</a:t>
             </a:r>
-            <a:endParaRPr lang="de-DE"/>
-          </a:p>
-        </p:txBody>
-      </p:sp>
-      <p:sp>
-        <p:nvSpPr>
-          <p:cNvPr id="5" name="Espace réservé du texte 4"/>
+            <a:endParaRPr lang="en-US" dirty="0"/>
+          </a:p>
+        </p:txBody>
+      </p:sp>
+      <p:sp>
+        <p:nvSpPr>
+          <p:cNvPr id="5" name="Text Placeholder 4"/>
           <p:cNvSpPr>
             <a:spLocks noGrp="1"/>
           </p:cNvSpPr>
@@ -1598,15 +2817,15 @@
           <a:p>
             <a:pPr lvl="0"/>
             <a:r>
-              <a:rPr lang="fr-FR"/>
-              <a:t>Modifiez les styles du texte du masque</a:t>
-            </a:r>
-          </a:p>
-        </p:txBody>
-      </p:sp>
-      <p:sp>
-        <p:nvSpPr>
-          <p:cNvPr id="6" name="Espace réservé du contenu 5"/>
+              <a:rPr lang="fr-FR" dirty="0"/>
+              <a:t>Modifier les styles du texte du masque</a:t>
+            </a:r>
+          </a:p>
+        </p:txBody>
+      </p:sp>
+      <p:sp>
+        <p:nvSpPr>
+          <p:cNvPr id="6" name="Content Placeholder 5"/>
           <p:cNvSpPr>
             <a:spLocks noGrp="1"/>
           </p:cNvSpPr>
@@ -1626,44 +2845,44 @@
           <a:p>
             <a:pPr lvl="0"/>
             <a:r>
-              <a:rPr lang="fr-FR"/>
-              <a:t>Modifiez les styles du texte du masque</a:t>
+              <a:rPr lang="fr-FR" dirty="0"/>
+              <a:t>Modifier les styles du texte du masque</a:t>
             </a:r>
           </a:p>
           <a:p>
             <a:pPr lvl="1"/>
             <a:r>
-              <a:rPr lang="fr-FR"/>
+              <a:rPr lang="fr-FR" dirty="0"/>
               <a:t>Deuxième niveau</a:t>
             </a:r>
           </a:p>
           <a:p>
             <a:pPr lvl="2"/>
             <a:r>
-              <a:rPr lang="fr-FR"/>
+              <a:rPr lang="fr-FR" dirty="0"/>
               <a:t>Troisième niveau</a:t>
             </a:r>
           </a:p>
           <a:p>
             <a:pPr lvl="3"/>
             <a:r>
-              <a:rPr lang="fr-FR"/>
+              <a:rPr lang="fr-FR" dirty="0"/>
               <a:t>Quatrième niveau</a:t>
             </a:r>
           </a:p>
           <a:p>
             <a:pPr lvl="4"/>
             <a:r>
-              <a:rPr lang="fr-FR"/>
+              <a:rPr lang="fr-FR" dirty="0"/>
               <a:t>Cinquième niveau</a:t>
             </a:r>
-            <a:endParaRPr lang="de-DE"/>
-          </a:p>
-        </p:txBody>
-      </p:sp>
-      <p:sp>
-        <p:nvSpPr>
-          <p:cNvPr id="7" name="Espace réservé de la date 6"/>
+            <a:endParaRPr lang="en-US" dirty="0"/>
+          </a:p>
+        </p:txBody>
+      </p:sp>
+      <p:sp>
+        <p:nvSpPr>
+          <p:cNvPr id="7" name="Date Placeholder 6"/>
           <p:cNvSpPr>
             <a:spLocks noGrp="1"/>
           </p:cNvSpPr>
@@ -1678,7 +2897,7 @@
           <a:p>
             <a:fld id="{638941B0-F4D5-4460-BCAD-F7E2B41A8257}" type="datetimeFigureOut">
               <a:rPr lang="de-DE" smtClean="0"/>
-              <a:t>14.01.2019</a:t>
+              <a:t>15.01.2019</a:t>
             </a:fld>
             <a:endParaRPr lang="de-DE"/>
           </a:p>
@@ -1686,7 +2905,7 @@
       </p:sp>
       <p:sp>
         <p:nvSpPr>
-          <p:cNvPr id="8" name="Espace réservé du pied de page 7"/>
+          <p:cNvPr id="8" name="Footer Placeholder 7"/>
           <p:cNvSpPr>
             <a:spLocks noGrp="1"/>
           </p:cNvSpPr>
@@ -1705,7 +2924,7 @@
       </p:sp>
       <p:sp>
         <p:nvSpPr>
-          <p:cNvPr id="9" name="Espace réservé du numéro de diapositive 8"/>
+          <p:cNvPr id="9" name="Slide Number Placeholder 8"/>
           <p:cNvSpPr>
             <a:spLocks noGrp="1"/>
           </p:cNvSpPr>
@@ -1729,7 +2948,7 @@
     </p:spTree>
     <p:extLst>
       <p:ext uri="{BB962C8B-B14F-4D97-AF65-F5344CB8AC3E}">
-        <p14:creationId xmlns:p14="http://schemas.microsoft.com/office/powerpoint/2010/main" val="2611866596"/>
+        <p14:creationId xmlns:p14="http://schemas.microsoft.com/office/powerpoint/2010/main" val="1158078421"/>
       </p:ext>
     </p:extLst>
   </p:cSld>
@@ -1758,7 +2977,7 @@
       </p:grpSpPr>
       <p:sp>
         <p:nvSpPr>
-          <p:cNvPr id="2" name="Titre 1"/>
+          <p:cNvPr id="2" name="Title 1"/>
           <p:cNvSpPr>
             <a:spLocks noGrp="1"/>
           </p:cNvSpPr>
@@ -1772,16 +2991,16 @@
           <a:lstStyle/>
           <a:p>
             <a:r>
-              <a:rPr lang="fr-FR"/>
+              <a:rPr lang="fr-FR" dirty="0"/>
               <a:t>Modifiez le style du titre</a:t>
             </a:r>
-            <a:endParaRPr lang="de-DE"/>
-          </a:p>
-        </p:txBody>
-      </p:sp>
-      <p:sp>
-        <p:nvSpPr>
-          <p:cNvPr id="3" name="Espace réservé de la date 2"/>
+            <a:endParaRPr lang="en-US" dirty="0"/>
+          </a:p>
+        </p:txBody>
+      </p:sp>
+      <p:sp>
+        <p:nvSpPr>
+          <p:cNvPr id="3" name="Date Placeholder 2"/>
           <p:cNvSpPr>
             <a:spLocks noGrp="1"/>
           </p:cNvSpPr>
@@ -1796,7 +3015,7 @@
           <a:p>
             <a:fld id="{638941B0-F4D5-4460-BCAD-F7E2B41A8257}" type="datetimeFigureOut">
               <a:rPr lang="de-DE" smtClean="0"/>
-              <a:t>14.01.2019</a:t>
+              <a:t>15.01.2019</a:t>
             </a:fld>
             <a:endParaRPr lang="de-DE"/>
           </a:p>
@@ -1804,7 +3023,7 @@
       </p:sp>
       <p:sp>
         <p:nvSpPr>
-          <p:cNvPr id="4" name="Espace réservé du pied de page 3"/>
+          <p:cNvPr id="4" name="Footer Placeholder 3"/>
           <p:cNvSpPr>
             <a:spLocks noGrp="1"/>
           </p:cNvSpPr>
@@ -1823,7 +3042,7 @@
       </p:sp>
       <p:sp>
         <p:nvSpPr>
-          <p:cNvPr id="5" name="Espace réservé du numéro de diapositive 4"/>
+          <p:cNvPr id="5" name="Slide Number Placeholder 4"/>
           <p:cNvSpPr>
             <a:spLocks noGrp="1"/>
           </p:cNvSpPr>
@@ -1847,7 +3066,7 @@
     </p:spTree>
     <p:extLst>
       <p:ext uri="{BB962C8B-B14F-4D97-AF65-F5344CB8AC3E}">
-        <p14:creationId xmlns:p14="http://schemas.microsoft.com/office/powerpoint/2010/main" val="3395854097"/>
+        <p14:creationId xmlns:p14="http://schemas.microsoft.com/office/powerpoint/2010/main" val="3036629509"/>
       </p:ext>
     </p:extLst>
   </p:cSld>
@@ -1876,7 +3095,7 @@
       </p:grpSpPr>
       <p:sp>
         <p:nvSpPr>
-          <p:cNvPr id="2" name="Espace réservé de la date 1"/>
+          <p:cNvPr id="2" name="Date Placeholder 1"/>
           <p:cNvSpPr>
             <a:spLocks noGrp="1"/>
           </p:cNvSpPr>
@@ -1891,7 +3110,7 @@
           <a:p>
             <a:fld id="{638941B0-F4D5-4460-BCAD-F7E2B41A8257}" type="datetimeFigureOut">
               <a:rPr lang="de-DE" smtClean="0"/>
-              <a:t>14.01.2019</a:t>
+              <a:t>15.01.2019</a:t>
             </a:fld>
             <a:endParaRPr lang="de-DE"/>
           </a:p>
@@ -1899,7 +3118,7 @@
       </p:sp>
       <p:sp>
         <p:nvSpPr>
-          <p:cNvPr id="3" name="Espace réservé du pied de page 2"/>
+          <p:cNvPr id="3" name="Footer Placeholder 2"/>
           <p:cNvSpPr>
             <a:spLocks noGrp="1"/>
           </p:cNvSpPr>
@@ -1918,7 +3137,7 @@
       </p:sp>
       <p:sp>
         <p:nvSpPr>
-          <p:cNvPr id="4" name="Espace réservé du numéro de diapositive 3"/>
+          <p:cNvPr id="4" name="Slide Number Placeholder 3"/>
           <p:cNvSpPr>
             <a:spLocks noGrp="1"/>
           </p:cNvSpPr>
@@ -1942,7 +3161,7 @@
     </p:spTree>
     <p:extLst>
       <p:ext uri="{BB962C8B-B14F-4D97-AF65-F5344CB8AC3E}">
-        <p14:creationId xmlns:p14="http://schemas.microsoft.com/office/powerpoint/2010/main" val="4040201302"/>
+        <p14:creationId xmlns:p14="http://schemas.microsoft.com/office/powerpoint/2010/main" val="3047066766"/>
       </p:ext>
     </p:extLst>
   </p:cSld>
@@ -1971,7 +3190,7 @@
       </p:grpSpPr>
       <p:sp>
         <p:nvSpPr>
-          <p:cNvPr id="2" name="Titre 1"/>
+          <p:cNvPr id="2" name="Title 1"/>
           <p:cNvSpPr>
             <a:spLocks noGrp="1"/>
           </p:cNvSpPr>
@@ -1994,16 +3213,16 @@
           </a:lstStyle>
           <a:p>
             <a:r>
-              <a:rPr lang="fr-FR"/>
+              <a:rPr lang="fr-FR" dirty="0"/>
               <a:t>Modifiez le style du titre</a:t>
             </a:r>
-            <a:endParaRPr lang="de-DE"/>
-          </a:p>
-        </p:txBody>
-      </p:sp>
-      <p:sp>
-        <p:nvSpPr>
-          <p:cNvPr id="3" name="Espace réservé du contenu 2"/>
+            <a:endParaRPr lang="en-US" dirty="0"/>
+          </a:p>
+        </p:txBody>
+      </p:sp>
+      <p:sp>
+        <p:nvSpPr>
+          <p:cNvPr id="3" name="Content Placeholder 2"/>
           <p:cNvSpPr>
             <a:spLocks noGrp="1"/>
           </p:cNvSpPr>
@@ -2051,44 +3270,44 @@
           <a:p>
             <a:pPr lvl="0"/>
             <a:r>
-              <a:rPr lang="fr-FR"/>
-              <a:t>Modifiez les styles du texte du masque</a:t>
+              <a:rPr lang="fr-FR" dirty="0"/>
+              <a:t>Modifier les styles du texte du masque</a:t>
             </a:r>
           </a:p>
           <a:p>
             <a:pPr lvl="1"/>
             <a:r>
-              <a:rPr lang="fr-FR"/>
+              <a:rPr lang="fr-FR" dirty="0"/>
               <a:t>Deuxième niveau</a:t>
             </a:r>
           </a:p>
           <a:p>
             <a:pPr lvl="2"/>
             <a:r>
-              <a:rPr lang="fr-FR"/>
+              <a:rPr lang="fr-FR" dirty="0"/>
               <a:t>Troisième niveau</a:t>
             </a:r>
           </a:p>
           <a:p>
             <a:pPr lvl="3"/>
             <a:r>
-              <a:rPr lang="fr-FR"/>
+              <a:rPr lang="fr-FR" dirty="0"/>
               <a:t>Quatrième niveau</a:t>
             </a:r>
           </a:p>
           <a:p>
             <a:pPr lvl="4"/>
             <a:r>
-              <a:rPr lang="fr-FR"/>
+              <a:rPr lang="fr-FR" dirty="0"/>
               <a:t>Cinquième niveau</a:t>
             </a:r>
-            <a:endParaRPr lang="de-DE"/>
-          </a:p>
-        </p:txBody>
-      </p:sp>
-      <p:sp>
-        <p:nvSpPr>
-          <p:cNvPr id="4" name="Espace réservé du texte 3"/>
+            <a:endParaRPr lang="en-US" dirty="0"/>
+          </a:p>
+        </p:txBody>
+      </p:sp>
+      <p:sp>
+        <p:nvSpPr>
+          <p:cNvPr id="4" name="Text Placeholder 3"/>
           <p:cNvSpPr>
             <a:spLocks noGrp="1"/>
           </p:cNvSpPr>
@@ -2145,15 +3364,15 @@
           <a:p>
             <a:pPr lvl="0"/>
             <a:r>
-              <a:rPr lang="fr-FR"/>
-              <a:t>Modifiez les styles du texte du masque</a:t>
-            </a:r>
-          </a:p>
-        </p:txBody>
-      </p:sp>
-      <p:sp>
-        <p:nvSpPr>
-          <p:cNvPr id="5" name="Espace réservé de la date 4"/>
+              <a:rPr lang="fr-FR" dirty="0"/>
+              <a:t>Modifier les styles du texte du masque</a:t>
+            </a:r>
+          </a:p>
+        </p:txBody>
+      </p:sp>
+      <p:sp>
+        <p:nvSpPr>
+          <p:cNvPr id="5" name="Date Placeholder 4"/>
           <p:cNvSpPr>
             <a:spLocks noGrp="1"/>
           </p:cNvSpPr>
@@ -2168,7 +3387,7 @@
           <a:p>
             <a:fld id="{638941B0-F4D5-4460-BCAD-F7E2B41A8257}" type="datetimeFigureOut">
               <a:rPr lang="de-DE" smtClean="0"/>
-              <a:t>14.01.2019</a:t>
+              <a:t>15.01.2019</a:t>
             </a:fld>
             <a:endParaRPr lang="de-DE"/>
           </a:p>
@@ -2176,7 +3395,7 @@
       </p:sp>
       <p:sp>
         <p:nvSpPr>
-          <p:cNvPr id="6" name="Espace réservé du pied de page 5"/>
+          <p:cNvPr id="6" name="Footer Placeholder 5"/>
           <p:cNvSpPr>
             <a:spLocks noGrp="1"/>
           </p:cNvSpPr>
@@ -2195,7 +3414,7 @@
       </p:sp>
       <p:sp>
         <p:nvSpPr>
-          <p:cNvPr id="7" name="Espace réservé du numéro de diapositive 6"/>
+          <p:cNvPr id="7" name="Slide Number Placeholder 6"/>
           <p:cNvSpPr>
             <a:spLocks noGrp="1"/>
           </p:cNvSpPr>
@@ -2219,7 +3438,7 @@
     </p:spTree>
     <p:extLst>
       <p:ext uri="{BB962C8B-B14F-4D97-AF65-F5344CB8AC3E}">
-        <p14:creationId xmlns:p14="http://schemas.microsoft.com/office/powerpoint/2010/main" val="2706407263"/>
+        <p14:creationId xmlns:p14="http://schemas.microsoft.com/office/powerpoint/2010/main" val="541648925"/>
       </p:ext>
     </p:extLst>
   </p:cSld>
@@ -2248,7 +3467,7 @@
       </p:grpSpPr>
       <p:sp>
         <p:nvSpPr>
-          <p:cNvPr id="2" name="Titre 1"/>
+          <p:cNvPr id="2" name="Title 1"/>
           <p:cNvSpPr>
             <a:spLocks noGrp="1"/>
           </p:cNvSpPr>
@@ -2271,18 +3490,18 @@
           </a:lstStyle>
           <a:p>
             <a:r>
-              <a:rPr lang="fr-FR"/>
+              <a:rPr lang="fr-FR" dirty="0"/>
               <a:t>Modifiez le style du titre</a:t>
             </a:r>
-            <a:endParaRPr lang="de-DE"/>
-          </a:p>
-        </p:txBody>
-      </p:sp>
-      <p:sp>
-        <p:nvSpPr>
-          <p:cNvPr id="3" name="Espace réservé pour une image  2"/>
+            <a:endParaRPr lang="en-US" dirty="0"/>
+          </a:p>
+        </p:txBody>
+      </p:sp>
+      <p:sp>
+        <p:nvSpPr>
+          <p:cNvPr id="3" name="Picture Placeholder 2"/>
           <p:cNvSpPr>
-            <a:spLocks noGrp="1"/>
+            <a:spLocks noGrp="1" noChangeAspect="1"/>
           </p:cNvSpPr>
           <p:nvPr>
             <p:ph type="pic" idx="1"/>
@@ -2295,7 +3514,7 @@
           </a:xfrm>
         </p:spPr>
         <p:txBody>
-          <a:bodyPr/>
+          <a:bodyPr anchor="t"/>
           <a:lstStyle>
             <a:lvl1pPr marL="0" indent="0">
               <a:buNone/>
@@ -2335,13 +3554,17 @@
             </a:lvl9pPr>
           </a:lstStyle>
           <a:p>
-            <a:endParaRPr lang="de-DE"/>
-          </a:p>
-        </p:txBody>
-      </p:sp>
-      <p:sp>
-        <p:nvSpPr>
-          <p:cNvPr id="4" name="Espace réservé du texte 3"/>
+            <a:r>
+              <a:rPr lang="fr-FR" dirty="0"/>
+              <a:t>Cliquez sur l'icône pour ajouter une image</a:t>
+            </a:r>
+            <a:endParaRPr lang="en-US" dirty="0"/>
+          </a:p>
+        </p:txBody>
+      </p:sp>
+      <p:sp>
+        <p:nvSpPr>
+          <p:cNvPr id="4" name="Text Placeholder 3"/>
           <p:cNvSpPr>
             <a:spLocks noGrp="1"/>
           </p:cNvSpPr>
@@ -2398,15 +3621,15 @@
           <a:p>
             <a:pPr lvl="0"/>
             <a:r>
-              <a:rPr lang="fr-FR"/>
-              <a:t>Modifiez les styles du texte du masque</a:t>
-            </a:r>
-          </a:p>
-        </p:txBody>
-      </p:sp>
-      <p:sp>
-        <p:nvSpPr>
-          <p:cNvPr id="5" name="Espace réservé de la date 4"/>
+              <a:rPr lang="fr-FR" dirty="0"/>
+              <a:t>Modifier les styles du texte du masque</a:t>
+            </a:r>
+          </a:p>
+        </p:txBody>
+      </p:sp>
+      <p:sp>
+        <p:nvSpPr>
+          <p:cNvPr id="5" name="Date Placeholder 4"/>
           <p:cNvSpPr>
             <a:spLocks noGrp="1"/>
           </p:cNvSpPr>
@@ -2421,7 +3644,7 @@
           <a:p>
             <a:fld id="{638941B0-F4D5-4460-BCAD-F7E2B41A8257}" type="datetimeFigureOut">
               <a:rPr lang="de-DE" smtClean="0"/>
-              <a:t>14.01.2019</a:t>
+              <a:t>15.01.2019</a:t>
             </a:fld>
             <a:endParaRPr lang="de-DE"/>
           </a:p>
@@ -2429,7 +3652,7 @@
       </p:sp>
       <p:sp>
         <p:nvSpPr>
-          <p:cNvPr id="6" name="Espace réservé du pied de page 5"/>
+          <p:cNvPr id="6" name="Footer Placeholder 5"/>
           <p:cNvSpPr>
             <a:spLocks noGrp="1"/>
           </p:cNvSpPr>
@@ -2448,7 +3671,7 @@
       </p:sp>
       <p:sp>
         <p:nvSpPr>
-          <p:cNvPr id="7" name="Espace réservé du numéro de diapositive 6"/>
+          <p:cNvPr id="7" name="Slide Number Placeholder 6"/>
           <p:cNvSpPr>
             <a:spLocks noGrp="1"/>
           </p:cNvSpPr>
@@ -2472,7 +3695,7 @@
     </p:spTree>
     <p:extLst>
       <p:ext uri="{BB962C8B-B14F-4D97-AF65-F5344CB8AC3E}">
-        <p14:creationId xmlns:p14="http://schemas.microsoft.com/office/powerpoint/2010/main" val="1610903340"/>
+        <p14:creationId xmlns:p14="http://schemas.microsoft.com/office/powerpoint/2010/main" val="837784061"/>
       </p:ext>
     </p:extLst>
   </p:cSld>
@@ -2506,7 +3729,7 @@
       </p:grpSpPr>
       <p:sp>
         <p:nvSpPr>
-          <p:cNvPr id="2" name="Espace réservé du titre 1"/>
+          <p:cNvPr id="2" name="Title Placeholder 1"/>
           <p:cNvSpPr>
             <a:spLocks noGrp="1"/>
           </p:cNvSpPr>
@@ -2530,16 +3753,16 @@
           <a:lstStyle/>
           <a:p>
             <a:r>
-              <a:rPr lang="fr-FR"/>
+              <a:rPr lang="fr-FR" dirty="0"/>
               <a:t>Modifiez le style du titre</a:t>
             </a:r>
-            <a:endParaRPr lang="de-DE"/>
-          </a:p>
-        </p:txBody>
-      </p:sp>
-      <p:sp>
-        <p:nvSpPr>
-          <p:cNvPr id="3" name="Espace réservé du texte 2"/>
+            <a:endParaRPr lang="en-US" dirty="0"/>
+          </a:p>
+        </p:txBody>
+      </p:sp>
+      <p:sp>
+        <p:nvSpPr>
+          <p:cNvPr id="3" name="Text Placeholder 2"/>
           <p:cNvSpPr>
             <a:spLocks noGrp="1"/>
           </p:cNvSpPr>
@@ -2564,44 +3787,44 @@
           <a:p>
             <a:pPr lvl="0"/>
             <a:r>
-              <a:rPr lang="fr-FR"/>
-              <a:t>Modifiez les styles du texte du masque</a:t>
+              <a:rPr lang="fr-FR" dirty="0"/>
+              <a:t>Modifier les styles du texte du masque</a:t>
             </a:r>
           </a:p>
           <a:p>
             <a:pPr lvl="1"/>
             <a:r>
-              <a:rPr lang="fr-FR"/>
+              <a:rPr lang="fr-FR" dirty="0"/>
               <a:t>Deuxième niveau</a:t>
             </a:r>
           </a:p>
           <a:p>
             <a:pPr lvl="2"/>
             <a:r>
-              <a:rPr lang="fr-FR"/>
+              <a:rPr lang="fr-FR" dirty="0"/>
               <a:t>Troisième niveau</a:t>
             </a:r>
           </a:p>
           <a:p>
             <a:pPr lvl="3"/>
             <a:r>
-              <a:rPr lang="fr-FR"/>
+              <a:rPr lang="fr-FR" dirty="0"/>
               <a:t>Quatrième niveau</a:t>
             </a:r>
           </a:p>
           <a:p>
             <a:pPr lvl="4"/>
             <a:r>
-              <a:rPr lang="fr-FR"/>
+              <a:rPr lang="fr-FR" dirty="0"/>
               <a:t>Cinquième niveau</a:t>
             </a:r>
-            <a:endParaRPr lang="de-DE"/>
-          </a:p>
-        </p:txBody>
-      </p:sp>
-      <p:sp>
-        <p:nvSpPr>
-          <p:cNvPr id="4" name="Espace réservé de la date 3"/>
+            <a:endParaRPr lang="en-US" dirty="0"/>
+          </a:p>
+        </p:txBody>
+      </p:sp>
+      <p:sp>
+        <p:nvSpPr>
+          <p:cNvPr id="4" name="Date Placeholder 3"/>
           <p:cNvSpPr>
             <a:spLocks noGrp="1"/>
           </p:cNvSpPr>
@@ -2634,7 +3857,7 @@
           <a:p>
             <a:fld id="{638941B0-F4D5-4460-BCAD-F7E2B41A8257}" type="datetimeFigureOut">
               <a:rPr lang="de-DE" smtClean="0"/>
-              <a:t>14.01.2019</a:t>
+              <a:t>15.01.2019</a:t>
             </a:fld>
             <a:endParaRPr lang="de-DE"/>
           </a:p>
@@ -2642,7 +3865,7 @@
       </p:sp>
       <p:sp>
         <p:nvSpPr>
-          <p:cNvPr id="5" name="Espace réservé du pied de page 4"/>
+          <p:cNvPr id="5" name="Footer Placeholder 4"/>
           <p:cNvSpPr>
             <a:spLocks noGrp="1"/>
           </p:cNvSpPr>
@@ -2679,7 +3902,7 @@
       </p:sp>
       <p:sp>
         <p:nvSpPr>
-          <p:cNvPr id="6" name="Espace réservé du numéro de diapositive 5"/>
+          <p:cNvPr id="6" name="Slide Number Placeholder 5"/>
           <p:cNvSpPr>
             <a:spLocks noGrp="1"/>
           </p:cNvSpPr>
@@ -2721,23 +3944,23 @@
     </p:spTree>
     <p:extLst>
       <p:ext uri="{BB962C8B-B14F-4D97-AF65-F5344CB8AC3E}">
-        <p14:creationId xmlns:p14="http://schemas.microsoft.com/office/powerpoint/2010/main" val="3071127875"/>
+        <p14:creationId xmlns:p14="http://schemas.microsoft.com/office/powerpoint/2010/main" val="2518322361"/>
       </p:ext>
     </p:extLst>
   </p:cSld>
   <p:clrMap bg1="lt1" tx1="dk1" bg2="lt2" tx2="dk2" accent1="accent1" accent2="accent2" accent3="accent3" accent4="accent4" accent5="accent5" accent6="accent6" hlink="hlink" folHlink="folHlink"/>
   <p:sldLayoutIdLst>
-    <p:sldLayoutId id="2147483649" r:id="rId1"/>
-    <p:sldLayoutId id="2147483650" r:id="rId2"/>
-    <p:sldLayoutId id="2147483651" r:id="rId3"/>
-    <p:sldLayoutId id="2147483652" r:id="rId4"/>
-    <p:sldLayoutId id="2147483653" r:id="rId5"/>
-    <p:sldLayoutId id="2147483654" r:id="rId6"/>
-    <p:sldLayoutId id="2147483655" r:id="rId7"/>
-    <p:sldLayoutId id="2147483656" r:id="rId8"/>
-    <p:sldLayoutId id="2147483657" r:id="rId9"/>
-    <p:sldLayoutId id="2147483658" r:id="rId10"/>
-    <p:sldLayoutId id="2147483659" r:id="rId11"/>
+    <p:sldLayoutId id="2147483679" r:id="rId1"/>
+    <p:sldLayoutId id="2147483680" r:id="rId2"/>
+    <p:sldLayoutId id="2147483681" r:id="rId3"/>
+    <p:sldLayoutId id="2147483682" r:id="rId4"/>
+    <p:sldLayoutId id="2147483683" r:id="rId5"/>
+    <p:sldLayoutId id="2147483684" r:id="rId6"/>
+    <p:sldLayoutId id="2147483685" r:id="rId7"/>
+    <p:sldLayoutId id="2147483686" r:id="rId8"/>
+    <p:sldLayoutId id="2147483687" r:id="rId9"/>
+    <p:sldLayoutId id="2147483688" r:id="rId10"/>
+    <p:sldLayoutId id="2147483689" r:id="rId11"/>
   </p:sldLayoutIdLst>
   <p:txStyles>
     <p:titleStyle>
@@ -2925,7 +4148,7 @@
     </p:bodyStyle>
     <p:otherStyle>
       <a:defPPr>
-        <a:defRPr lang="de-DE"/>
+        <a:defRPr lang="en-US"/>
       </a:defPPr>
       <a:lvl1pPr marL="0" algn="l" defTabSz="914400" rtl="0" eaLnBrk="1" latinLnBrk="0" hangingPunct="1">
         <a:defRPr sz="1800" kern="1200">
@@ -3049,10 +4272,10 @@
       </p:grpSpPr>
       <p:sp>
         <p:nvSpPr>
-          <p:cNvPr id="15" name="Rectangle 12">
+          <p:cNvPr id="37" name="Rectangle 28">
             <a:extLst>
               <a:ext uri="{FF2B5EF4-FFF2-40B4-BE49-F238E27FC236}">
-                <a16:creationId xmlns:a16="http://schemas.microsoft.com/office/drawing/2014/main" id="{867D4867-5BA7-4462-B2F6-A23F4A622AA7}"/>
+                <a16:creationId xmlns:a16="http://schemas.microsoft.com/office/drawing/2014/main" id="{99899462-FC16-43B0-966B-FCA263450716}"/>
               </a:ext>
               <a:ext uri="{C183D7F6-B498-43B3-948B-1728B52AA6E4}">
                 <adec:decorative xmlns:adec="http://schemas.microsoft.com/office/drawing/2017/decorative" val="1"/>
@@ -3070,33 +4293,34 @@
             </p:extLst>
           </p:nvPr>
         </p:nvSpPr>
-        <p:spPr>
+        <p:spPr bwMode="ltGray">
           <a:xfrm>
-            <a:off x="0" y="0"/>
-            <a:ext cx="4654296" cy="6858000"/>
+            <a:off x="4654295" y="478232"/>
+            <a:ext cx="7034121" cy="5918673"/>
           </a:xfrm>
           <a:prstGeom prst="rect">
             <a:avLst/>
           </a:prstGeom>
           <a:solidFill>
-            <a:schemeClr val="tx1">
-              <a:lumMod val="75000"/>
-              <a:lumOff val="25000"/>
-            </a:schemeClr>
+            <a:srgbClr val="404040"/>
           </a:solidFill>
-          <a:ln>
-            <a:noFill/>
+          <a:ln w="127000" cap="sq" cmpd="thinThick">
+            <a:solidFill>
+              <a:srgbClr val="404040"/>
+            </a:solidFill>
           </a:ln>
         </p:spPr>
         <p:style>
-          <a:lnRef idx="0">
-            <a:scrgbClr r="0" g="0" b="0"/>
+          <a:lnRef idx="2">
+            <a:schemeClr val="accent1">
+              <a:shade val="50000"/>
+            </a:schemeClr>
           </a:lnRef>
-          <a:fillRef idx="0">
-            <a:scrgbClr r="0" g="0" b="0"/>
+          <a:fillRef idx="1">
+            <a:schemeClr val="accent1"/>
           </a:fillRef>
           <a:effectRef idx="0">
-            <a:scrgbClr r="0" g="0" b="0"/>
+            <a:schemeClr val="accent1"/>
           </a:effectRef>
           <a:fontRef idx="minor">
             <a:schemeClr val="lt1"/>
@@ -3129,30 +4353,21 @@
         </p:nvSpPr>
         <p:spPr>
           <a:xfrm>
-            <a:off x="643468" y="2630342"/>
-            <a:ext cx="3363974" cy="1597315"/>
+            <a:off x="5297762" y="1053711"/>
+            <a:ext cx="5638994" cy="1424446"/>
           </a:xfrm>
-          <a:noFill/>
-          <a:ln w="19050">
-            <a:solidFill>
-              <a:schemeClr val="bg1"/>
-            </a:solidFill>
-          </a:ln>
         </p:spPr>
         <p:txBody>
-          <a:bodyPr wrap="square">
+          <a:bodyPr vert="horz" lIns="91440" tIns="45720" rIns="91440" bIns="45720" rtlCol="0" anchor="ctr">
             <a:normAutofit/>
           </a:bodyPr>
           <a:lstStyle/>
           <a:p>
-            <a:pPr algn="ctr"/>
-            <a:r>
-              <a:rPr lang="fr-FR" sz="2800" dirty="0">
+            <a:r>
+              <a:rPr lang="en-US">
                 <a:solidFill>
-                  <a:schemeClr val="bg1"/>
+                  <a:srgbClr val="FFFFFF"/>
                 </a:solidFill>
-                <a:latin typeface="Arial" panose="020B0604020202020204" pitchFamily="34" charset="0"/>
-                <a:cs typeface="Arial" panose="020B0604020202020204" pitchFamily="34" charset="0"/>
               </a:rPr>
               <a:t>SOUTENANCE</a:t>
             </a:r>
@@ -3187,14 +4402,260 @@
         </p:blipFill>
         <p:spPr>
           <a:xfrm>
-            <a:off x="5297763" y="1137357"/>
-            <a:ext cx="6250769" cy="4422418"/>
+            <a:off x="481886" y="577492"/>
+            <a:ext cx="3662730" cy="2591381"/>
           </a:xfrm>
           <a:prstGeom prst="rect">
             <a:avLst/>
           </a:prstGeom>
         </p:spPr>
       </p:pic>
+      <p:cxnSp>
+        <p:nvCxnSpPr>
+          <p:cNvPr id="38" name="Straight Connector 30">
+            <a:extLst>
+              <a:ext uri="{FF2B5EF4-FFF2-40B4-BE49-F238E27FC236}">
+                <a16:creationId xmlns:a16="http://schemas.microsoft.com/office/drawing/2014/main" id="{AAFEA932-2DF1-410C-A00A-7A1E7DBF7511}"/>
+              </a:ext>
+              <a:ext uri="{C183D7F6-B498-43B3-948B-1728B52AA6E4}">
+                <adec:decorative xmlns:adec="http://schemas.microsoft.com/office/drawing/2017/decorative" val="1"/>
+              </a:ext>
+            </a:extLst>
+          </p:cNvPr>
+          <p:cNvCxnSpPr>
+            <a:cxnSpLocks noGrp="1" noRot="1" noChangeAspect="1" noMove="1" noResize="1" noEditPoints="1" noAdjustHandles="1" noChangeArrowheads="1" noChangeShapeType="1"/>
+          </p:cNvCxnSpPr>
+          <p:nvPr>
+            <p:extLst>
+              <p:ext uri="{386F3935-93C4-4BCD-93E2-E3B085C9AB24}">
+                <p16:designElem xmlns:p16="http://schemas.microsoft.com/office/powerpoint/2015/main" val="1"/>
+              </p:ext>
+            </p:extLst>
+          </p:nvPr>
+        </p:nvCxnSpPr>
+        <p:spPr>
+          <a:xfrm>
+            <a:off x="5430098" y="2639023"/>
+            <a:ext cx="4562441" cy="0"/>
+          </a:xfrm>
+          <a:prstGeom prst="line">
+            <a:avLst/>
+          </a:prstGeom>
+          <a:ln w="22225">
+            <a:solidFill>
+              <a:srgbClr val="E7E6E6"/>
+            </a:solidFill>
+          </a:ln>
+        </p:spPr>
+        <p:style>
+          <a:lnRef idx="1">
+            <a:schemeClr val="accent1"/>
+          </a:lnRef>
+          <a:fillRef idx="0">
+            <a:schemeClr val="accent1"/>
+          </a:fillRef>
+          <a:effectRef idx="0">
+            <a:schemeClr val="accent1"/>
+          </a:effectRef>
+          <a:fontRef idx="minor">
+            <a:schemeClr val="tx1"/>
+          </a:fontRef>
+        </p:style>
+      </p:cxnSp>
+      <p:pic>
+        <p:nvPicPr>
+          <p:cNvPr id="4" name="Image 4">
+            <a:extLst>
+              <a:ext uri="{FF2B5EF4-FFF2-40B4-BE49-F238E27FC236}">
+                <a16:creationId xmlns:a16="http://schemas.microsoft.com/office/drawing/2014/main" id="{1130320C-F0E3-4A63-B5DD-080222F60461}"/>
+              </a:ext>
+            </a:extLst>
+          </p:cNvPr>
+          <p:cNvPicPr>
+            <a:picLocks noChangeAspect="1"/>
+          </p:cNvPicPr>
+          <p:nvPr/>
+        </p:nvPicPr>
+        <p:blipFill>
+          <a:blip r:embed="rId3"/>
+          <a:stretch>
+            <a:fillRect/>
+          </a:stretch>
+        </p:blipFill>
+        <p:spPr>
+          <a:xfrm>
+            <a:off x="481886" y="4196840"/>
+            <a:ext cx="3662730" cy="1574974"/>
+          </a:xfrm>
+          <a:prstGeom prst="rect">
+            <a:avLst/>
+          </a:prstGeom>
+        </p:spPr>
+      </p:pic>
+      <p:sp>
+        <p:nvSpPr>
+          <p:cNvPr id="3" name="ZoneTexte 2">
+            <a:extLst>
+              <a:ext uri="{FF2B5EF4-FFF2-40B4-BE49-F238E27FC236}">
+                <a16:creationId xmlns:a16="http://schemas.microsoft.com/office/drawing/2014/main" id="{F5B2CFEB-6621-4A60-AE1C-4E48FEE5CB15}"/>
+              </a:ext>
+            </a:extLst>
+          </p:cNvPr>
+          <p:cNvSpPr txBox="1"/>
+          <p:nvPr/>
+        </p:nvSpPr>
+        <p:spPr>
+          <a:xfrm>
+            <a:off x="5297762" y="2799889"/>
+            <a:ext cx="5747187" cy="2987543"/>
+          </a:xfrm>
+          <a:prstGeom prst="rect">
+            <a:avLst/>
+          </a:prstGeom>
+        </p:spPr>
+        <p:txBody>
+          <a:bodyPr rot="0" spcFirstLastPara="0" vertOverflow="overflow" horzOverflow="overflow" vert="horz" lIns="91440" tIns="45720" rIns="91440" bIns="45720" numCol="1" spcCol="0" rtlCol="0" fromWordArt="0" anchor="t" anchorCtr="0" forceAA="0" compatLnSpc="1">
+            <a:prstTxWarp prst="textNoShape">
+              <a:avLst/>
+            </a:prstTxWarp>
+            <a:normAutofit/>
+          </a:bodyPr>
+          <a:lstStyle/>
+          <a:p>
+            <a:pPr indent="-228600">
+              <a:lnSpc>
+                <a:spcPct val="90000"/>
+              </a:lnSpc>
+              <a:spcAft>
+                <a:spcPts val="600"/>
+              </a:spcAft>
+              <a:buFont typeface="Arial" panose="020B0604020202020204" pitchFamily="34" charset="0"/>
+              <a:buChar char="•"/>
+            </a:pPr>
+            <a:r>
+              <a:rPr lang="en-US" sz="2400" i="1">
+                <a:solidFill>
+                  <a:srgbClr val="FFFFFF"/>
+                </a:solidFill>
+              </a:rPr>
+              <a:t>Tuteur: Pierre Cambier</a:t>
+            </a:r>
+          </a:p>
+          <a:p>
+            <a:pPr indent="-228600">
+              <a:lnSpc>
+                <a:spcPct val="90000"/>
+              </a:lnSpc>
+              <a:spcAft>
+                <a:spcPts val="600"/>
+              </a:spcAft>
+              <a:buFont typeface="Arial" panose="020B0604020202020204" pitchFamily="34" charset="0"/>
+              <a:buChar char="•"/>
+            </a:pPr>
+            <a:r>
+              <a:rPr lang="en-US" sz="2400" i="1">
+                <a:solidFill>
+                  <a:srgbClr val="FFFFFF"/>
+                </a:solidFill>
+              </a:rPr>
+              <a:t>Resp. De formation: Michaël Hauspie</a:t>
+            </a:r>
+          </a:p>
+          <a:p>
+            <a:pPr indent="-228600">
+              <a:lnSpc>
+                <a:spcPct val="90000"/>
+              </a:lnSpc>
+              <a:spcAft>
+                <a:spcPts val="600"/>
+              </a:spcAft>
+              <a:buFont typeface="Arial" panose="020B0604020202020204" pitchFamily="34" charset="0"/>
+              <a:buChar char="•"/>
+            </a:pPr>
+            <a:endParaRPr lang="en-US" sz="2400" i="1">
+              <a:solidFill>
+                <a:srgbClr val="FFFFFF"/>
+              </a:solidFill>
+            </a:endParaRPr>
+          </a:p>
+          <a:p>
+            <a:pPr indent="-228600">
+              <a:lnSpc>
+                <a:spcPct val="90000"/>
+              </a:lnSpc>
+              <a:spcAft>
+                <a:spcPts val="600"/>
+              </a:spcAft>
+              <a:buFont typeface="Arial" panose="020B0604020202020204" pitchFamily="34" charset="0"/>
+              <a:buChar char="•"/>
+            </a:pPr>
+            <a:r>
+              <a:rPr lang="en-US" sz="2400" i="1">
+                <a:solidFill>
+                  <a:srgbClr val="FFFFFF"/>
+                </a:solidFill>
+              </a:rPr>
+              <a:t>Nathan Bergamini</a:t>
+            </a:r>
+            <a:endParaRPr lang="en-US" sz="2400">
+              <a:solidFill>
+                <a:srgbClr val="FFFFFF"/>
+              </a:solidFill>
+            </a:endParaRPr>
+          </a:p>
+          <a:p>
+            <a:pPr indent="-228600">
+              <a:lnSpc>
+                <a:spcPct val="90000"/>
+              </a:lnSpc>
+              <a:spcAft>
+                <a:spcPts val="600"/>
+              </a:spcAft>
+              <a:buFont typeface="Arial" panose="020B0604020202020204" pitchFamily="34" charset="0"/>
+              <a:buChar char="•"/>
+            </a:pPr>
+            <a:endParaRPr lang="en-US" sz="2400" i="1">
+              <a:solidFill>
+                <a:srgbClr val="FFFFFF"/>
+              </a:solidFill>
+            </a:endParaRPr>
+          </a:p>
+          <a:p>
+            <a:pPr indent="-228600">
+              <a:lnSpc>
+                <a:spcPct val="90000"/>
+              </a:lnSpc>
+              <a:spcAft>
+                <a:spcPts val="600"/>
+              </a:spcAft>
+              <a:buFont typeface="Arial" panose="020B0604020202020204" pitchFamily="34" charset="0"/>
+              <a:buChar char="•"/>
+            </a:pPr>
+            <a:endParaRPr lang="en-US" sz="2400" i="1">
+              <a:solidFill>
+                <a:srgbClr val="FFFFFF"/>
+              </a:solidFill>
+            </a:endParaRPr>
+          </a:p>
+          <a:p>
+            <a:pPr indent="-228600">
+              <a:lnSpc>
+                <a:spcPct val="90000"/>
+              </a:lnSpc>
+              <a:spcAft>
+                <a:spcPts val="600"/>
+              </a:spcAft>
+              <a:buFont typeface="Arial" panose="020B0604020202020204" pitchFamily="34" charset="0"/>
+              <a:buChar char="•"/>
+            </a:pPr>
+            <a:endParaRPr lang="en-US" sz="2400" i="1">
+              <a:solidFill>
+                <a:srgbClr val="FFFFFF"/>
+              </a:solidFill>
+            </a:endParaRPr>
+          </a:p>
+        </p:txBody>
+      </p:sp>
     </p:spTree>
     <p:extLst>
       <p:ext uri="{BB962C8B-B14F-4D97-AF65-F5344CB8AC3E}">
@@ -3265,269 +4726,6 @@
           <a:lstStyle/>
           <a:p>
             <a:endParaRPr lang="en-US" sz="1800" dirty="0"/>
-          </a:p>
-        </p:txBody>
-      </p:sp>
-      <p:sp>
-        <p:nvSpPr>
-          <p:cNvPr id="17" name="Oval 16">
-            <a:extLst>
-              <a:ext uri="{FF2B5EF4-FFF2-40B4-BE49-F238E27FC236}">
-                <a16:creationId xmlns:a16="http://schemas.microsoft.com/office/drawing/2014/main" id="{C99A8FB7-A79B-4BC9-9D56-B79587F6AA3E}"/>
-              </a:ext>
-              <a:ext uri="{C183D7F6-B498-43B3-948B-1728B52AA6E4}">
-                <adec:decorative xmlns:adec="http://schemas.microsoft.com/office/drawing/2017/decorative" val="1"/>
-              </a:ext>
-            </a:extLst>
-          </p:cNvPr>
-          <p:cNvSpPr>
-            <a:spLocks noGrp="1" noRot="1" noChangeAspect="1" noMove="1" noResize="1" noEditPoints="1" noAdjustHandles="1" noChangeArrowheads="1" noChangeShapeType="1" noTextEdit="1"/>
-          </p:cNvSpPr>
-          <p:nvPr>
-            <p:extLst>
-              <p:ext uri="{386F3935-93C4-4BCD-93E2-E3B085C9AB24}">
-                <p16:designElem xmlns:p16="http://schemas.microsoft.com/office/powerpoint/2015/main" val="1"/>
-              </p:ext>
-            </p:extLst>
-          </p:nvPr>
-        </p:nvSpPr>
-        <p:spPr>
-          <a:xfrm>
-            <a:off x="5804761" y="2650637"/>
-            <a:ext cx="3118104" cy="3118104"/>
-          </a:xfrm>
-          <a:prstGeom prst="ellipse">
-            <a:avLst/>
-          </a:prstGeom>
-          <a:solidFill>
-            <a:srgbClr val="FFFFFF">
-              <a:alpha val="80000"/>
-            </a:srgbClr>
-          </a:solidFill>
-          <a:ln>
-            <a:noFill/>
-          </a:ln>
-        </p:spPr>
-        <p:style>
-          <a:lnRef idx="2">
-            <a:schemeClr val="accent1">
-              <a:shade val="50000"/>
-            </a:schemeClr>
-          </a:lnRef>
-          <a:fillRef idx="1">
-            <a:schemeClr val="accent1"/>
-          </a:fillRef>
-          <a:effectRef idx="0">
-            <a:schemeClr val="accent1"/>
-          </a:effectRef>
-          <a:fontRef idx="minor">
-            <a:schemeClr val="lt1"/>
-          </a:fontRef>
-        </p:style>
-        <p:txBody>
-          <a:bodyPr rtlCol="0" anchor="ctr"/>
-          <a:lstStyle/>
-          <a:p>
-            <a:pPr marL="0" marR="0" lvl="0" indent="0" algn="ctr" defTabSz="914400" rtl="0" eaLnBrk="1" fontAlgn="auto" latinLnBrk="0" hangingPunct="1">
-              <a:lnSpc>
-                <a:spcPct val="100000"/>
-              </a:lnSpc>
-              <a:spcBef>
-                <a:spcPts val="0"/>
-              </a:spcBef>
-              <a:spcAft>
-                <a:spcPts val="0"/>
-              </a:spcAft>
-              <a:buClrTx/>
-              <a:buSzTx/>
-              <a:buFontTx/>
-              <a:buNone/>
-              <a:tabLst/>
-              <a:defRPr/>
-            </a:pPr>
-            <a:endParaRPr kumimoji="0" lang="en-US" sz="1800" b="0" i="0" u="none" strike="noStrike" kern="1200" cap="none" spc="0" normalizeH="0" baseline="0" noProof="0">
-              <a:ln>
-                <a:noFill/>
-              </a:ln>
-              <a:solidFill>
-                <a:prstClr val="white"/>
-              </a:solidFill>
-              <a:effectLst/>
-              <a:uLnTx/>
-              <a:uFillTx/>
-              <a:latin typeface="Calibri" panose="020F0502020204030204"/>
-              <a:ea typeface="+mn-ea"/>
-              <a:cs typeface="+mn-cs"/>
-            </a:endParaRPr>
-          </a:p>
-        </p:txBody>
-      </p:sp>
-      <p:sp>
-        <p:nvSpPr>
-          <p:cNvPr id="19" name="Freeform: Shape 18">
-            <a:extLst>
-              <a:ext uri="{FF2B5EF4-FFF2-40B4-BE49-F238E27FC236}">
-                <a16:creationId xmlns:a16="http://schemas.microsoft.com/office/drawing/2014/main" id="{B23893E2-3349-46D7-A7AA-B9E447957FB1}"/>
-              </a:ext>
-              <a:ext uri="{C183D7F6-B498-43B3-948B-1728B52AA6E4}">
-                <adec:decorative xmlns:adec="http://schemas.microsoft.com/office/drawing/2017/decorative" val="1"/>
-              </a:ext>
-            </a:extLst>
-          </p:cNvPr>
-          <p:cNvSpPr>
-            <a:spLocks noGrp="1" noRot="1" noChangeAspect="1" noMove="1" noResize="1" noEditPoints="1" noAdjustHandles="1" noChangeArrowheads="1" noChangeShapeType="1" noTextEdit="1"/>
-          </p:cNvSpPr>
-          <p:nvPr>
-            <p:extLst>
-              <p:ext uri="{386F3935-93C4-4BCD-93E2-E3B085C9AB24}">
-                <p16:designElem xmlns:p16="http://schemas.microsoft.com/office/powerpoint/2015/main" val="1"/>
-              </p:ext>
-            </p:extLst>
-          </p:nvPr>
-        </p:nvSpPr>
-        <p:spPr>
-          <a:xfrm>
-            <a:off x="7996859" y="0"/>
-            <a:ext cx="4198060" cy="3650200"/>
-          </a:xfrm>
-          <a:custGeom>
-            <a:avLst/>
-            <a:gdLst>
-              <a:gd name="connsiteX0" fmla="*/ 262846 w 4198060"/>
-              <a:gd name="connsiteY0" fmla="*/ 0 h 3650200"/>
-              <a:gd name="connsiteX1" fmla="*/ 4198060 w 4198060"/>
-              <a:gd name="connsiteY1" fmla="*/ 0 h 3650200"/>
-              <a:gd name="connsiteX2" fmla="*/ 4198060 w 4198060"/>
-              <a:gd name="connsiteY2" fmla="*/ 3021648 h 3650200"/>
-              <a:gd name="connsiteX3" fmla="*/ 4142653 w 4198060"/>
-              <a:gd name="connsiteY3" fmla="*/ 3072005 h 3650200"/>
-              <a:gd name="connsiteX4" fmla="*/ 2532040 w 4198060"/>
-              <a:gd name="connsiteY4" fmla="*/ 3650200 h 3650200"/>
-              <a:gd name="connsiteX5" fmla="*/ 0 w 4198060"/>
-              <a:gd name="connsiteY5" fmla="*/ 1118160 h 3650200"/>
-              <a:gd name="connsiteX6" fmla="*/ 198981 w 4198060"/>
-              <a:gd name="connsiteY6" fmla="*/ 132576 h 3650200"/>
-            </a:gdLst>
-            <a:ahLst/>
-            <a:cxnLst>
-              <a:cxn ang="0">
-                <a:pos x="connsiteX0" y="connsiteY0"/>
-              </a:cxn>
-              <a:cxn ang="0">
-                <a:pos x="connsiteX1" y="connsiteY1"/>
-              </a:cxn>
-              <a:cxn ang="0">
-                <a:pos x="connsiteX2" y="connsiteY2"/>
-              </a:cxn>
-              <a:cxn ang="0">
-                <a:pos x="connsiteX3" y="connsiteY3"/>
-              </a:cxn>
-              <a:cxn ang="0">
-                <a:pos x="connsiteX4" y="connsiteY4"/>
-              </a:cxn>
-              <a:cxn ang="0">
-                <a:pos x="connsiteX5" y="connsiteY5"/>
-              </a:cxn>
-              <a:cxn ang="0">
-                <a:pos x="connsiteX6" y="connsiteY6"/>
-              </a:cxn>
-            </a:cxnLst>
-            <a:rect l="l" t="t" r="r" b="b"/>
-            <a:pathLst>
-              <a:path w="4198060" h="3650200">
-                <a:moveTo>
-                  <a:pt x="262846" y="0"/>
-                </a:moveTo>
-                <a:lnTo>
-                  <a:pt x="4198060" y="0"/>
-                </a:lnTo>
-                <a:lnTo>
-                  <a:pt x="4198060" y="3021648"/>
-                </a:lnTo>
-                <a:lnTo>
-                  <a:pt x="4142653" y="3072005"/>
-                </a:lnTo>
-                <a:cubicBezTo>
-                  <a:pt x="3704967" y="3433216"/>
-                  <a:pt x="3143843" y="3650200"/>
-                  <a:pt x="2532040" y="3650200"/>
-                </a:cubicBezTo>
-                <a:cubicBezTo>
-                  <a:pt x="1133633" y="3650200"/>
-                  <a:pt x="0" y="2516567"/>
-                  <a:pt x="0" y="1118160"/>
-                </a:cubicBezTo>
-                <a:cubicBezTo>
-                  <a:pt x="0" y="768558"/>
-                  <a:pt x="70852" y="435505"/>
-                  <a:pt x="198981" y="132576"/>
-                </a:cubicBezTo>
-                <a:close/>
-              </a:path>
-            </a:pathLst>
-          </a:custGeom>
-          <a:solidFill>
-            <a:srgbClr val="FFFFFF">
-              <a:alpha val="80000"/>
-            </a:srgbClr>
-          </a:solidFill>
-          <a:ln>
-            <a:noFill/>
-          </a:ln>
-        </p:spPr>
-        <p:style>
-          <a:lnRef idx="2">
-            <a:schemeClr val="accent1">
-              <a:shade val="50000"/>
-            </a:schemeClr>
-          </a:lnRef>
-          <a:fillRef idx="1">
-            <a:schemeClr val="accent1"/>
-          </a:fillRef>
-          <a:effectRef idx="0">
-            <a:schemeClr val="accent1"/>
-          </a:effectRef>
-          <a:fontRef idx="minor">
-            <a:schemeClr val="lt1"/>
-          </a:fontRef>
-        </p:style>
-        <p:txBody>
-          <a:bodyPr wrap="square" rtlCol="0" anchor="ctr">
-            <a:noAutofit/>
-          </a:bodyPr>
-          <a:lstStyle/>
-          <a:p>
-            <a:pPr marL="0" marR="0" lvl="0" indent="0" algn="ctr" defTabSz="914400" rtl="0" eaLnBrk="1" fontAlgn="auto" latinLnBrk="0" hangingPunct="1">
-              <a:lnSpc>
-                <a:spcPct val="100000"/>
-              </a:lnSpc>
-              <a:spcBef>
-                <a:spcPts val="0"/>
-              </a:spcBef>
-              <a:spcAft>
-                <a:spcPts val="0"/>
-              </a:spcAft>
-              <a:buClrTx/>
-              <a:buSzTx/>
-              <a:buFontTx/>
-              <a:buNone/>
-              <a:tabLst/>
-              <a:defRPr/>
-            </a:pPr>
-            <a:endParaRPr kumimoji="0" lang="en-US" sz="1800" b="0" i="0" u="none" strike="noStrike" kern="1200" cap="none" spc="0" normalizeH="0" baseline="0" noProof="0">
-              <a:ln>
-                <a:noFill/>
-              </a:ln>
-              <a:solidFill>
-                <a:prstClr val="white"/>
-              </a:solidFill>
-              <a:effectLst/>
-              <a:uLnTx/>
-              <a:uFillTx/>
-              <a:latin typeface="Calibri" panose="020F0502020204030204"/>
-              <a:ea typeface="+mn-ea"/>
-              <a:cs typeface="+mn-cs"/>
-            </a:endParaRPr>
           </a:p>
         </p:txBody>
       </p:sp>
@@ -3733,183 +4931,6 @@
           </a:custGeom>
         </p:spPr>
       </p:pic>
-      <p:sp>
-        <p:nvSpPr>
-          <p:cNvPr id="21" name="Freeform: Shape 20">
-            <a:extLst>
-              <a:ext uri="{FF2B5EF4-FFF2-40B4-BE49-F238E27FC236}">
-                <a16:creationId xmlns:a16="http://schemas.microsoft.com/office/drawing/2014/main" id="{2B7592FE-10D1-4664-B623-353F47C8DF7F}"/>
-              </a:ext>
-              <a:ext uri="{C183D7F6-B498-43B3-948B-1728B52AA6E4}">
-                <adec:decorative xmlns:adec="http://schemas.microsoft.com/office/drawing/2017/decorative" val="1"/>
-              </a:ext>
-            </a:extLst>
-          </p:cNvPr>
-          <p:cNvSpPr>
-            <a:spLocks noGrp="1" noRot="1" noChangeAspect="1" noMove="1" noResize="1" noEditPoints="1" noAdjustHandles="1" noChangeArrowheads="1" noChangeShapeType="1" noTextEdit="1"/>
-          </p:cNvSpPr>
-          <p:nvPr>
-            <p:extLst>
-              <p:ext uri="{386F3935-93C4-4BCD-93E2-E3B085C9AB24}">
-                <p16:designElem xmlns:p16="http://schemas.microsoft.com/office/powerpoint/2015/main" val="1"/>
-              </p:ext>
-            </p:extLst>
-          </p:nvPr>
-        </p:nvSpPr>
-        <p:spPr>
-          <a:xfrm>
-            <a:off x="8888132" y="4032250"/>
-            <a:ext cx="3303868" cy="2825750"/>
-          </a:xfrm>
-          <a:custGeom>
-            <a:avLst/>
-            <a:gdLst>
-              <a:gd name="connsiteX0" fmla="*/ 1888600 w 3303868"/>
-              <a:gd name="connsiteY0" fmla="*/ 0 h 2825750"/>
-              <a:gd name="connsiteX1" fmla="*/ 3224042 w 3303868"/>
-              <a:gd name="connsiteY1" fmla="*/ 553158 h 2825750"/>
-              <a:gd name="connsiteX2" fmla="*/ 3303868 w 3303868"/>
-              <a:gd name="connsiteY2" fmla="*/ 640989 h 2825750"/>
-              <a:gd name="connsiteX3" fmla="*/ 3303868 w 3303868"/>
-              <a:gd name="connsiteY3" fmla="*/ 2825750 h 2825750"/>
-              <a:gd name="connsiteX4" fmla="*/ 250380 w 3303868"/>
-              <a:gd name="connsiteY4" fmla="*/ 2825750 h 2825750"/>
-              <a:gd name="connsiteX5" fmla="*/ 227944 w 3303868"/>
-              <a:gd name="connsiteY5" fmla="*/ 2788819 h 2825750"/>
-              <a:gd name="connsiteX6" fmla="*/ 0 w 3303868"/>
-              <a:gd name="connsiteY6" fmla="*/ 1888600 h 2825750"/>
-              <a:gd name="connsiteX7" fmla="*/ 1888600 w 3303868"/>
-              <a:gd name="connsiteY7" fmla="*/ 0 h 2825750"/>
-            </a:gdLst>
-            <a:ahLst/>
-            <a:cxnLst>
-              <a:cxn ang="0">
-                <a:pos x="connsiteX0" y="connsiteY0"/>
-              </a:cxn>
-              <a:cxn ang="0">
-                <a:pos x="connsiteX1" y="connsiteY1"/>
-              </a:cxn>
-              <a:cxn ang="0">
-                <a:pos x="connsiteX2" y="connsiteY2"/>
-              </a:cxn>
-              <a:cxn ang="0">
-                <a:pos x="connsiteX3" y="connsiteY3"/>
-              </a:cxn>
-              <a:cxn ang="0">
-                <a:pos x="connsiteX4" y="connsiteY4"/>
-              </a:cxn>
-              <a:cxn ang="0">
-                <a:pos x="connsiteX5" y="connsiteY5"/>
-              </a:cxn>
-              <a:cxn ang="0">
-                <a:pos x="connsiteX6" y="connsiteY6"/>
-              </a:cxn>
-              <a:cxn ang="0">
-                <a:pos x="connsiteX7" y="connsiteY7"/>
-              </a:cxn>
-            </a:cxnLst>
-            <a:rect l="l" t="t" r="r" b="b"/>
-            <a:pathLst>
-              <a:path w="3303868" h="2825750">
-                <a:moveTo>
-                  <a:pt x="1888600" y="0"/>
-                </a:moveTo>
-                <a:cubicBezTo>
-                  <a:pt x="2410123" y="0"/>
-                  <a:pt x="2882273" y="211389"/>
-                  <a:pt x="3224042" y="553158"/>
-                </a:cubicBezTo>
-                <a:lnTo>
-                  <a:pt x="3303868" y="640989"/>
-                </a:lnTo>
-                <a:lnTo>
-                  <a:pt x="3303868" y="2825750"/>
-                </a:lnTo>
-                <a:lnTo>
-                  <a:pt x="250380" y="2825750"/>
-                </a:lnTo>
-                <a:lnTo>
-                  <a:pt x="227944" y="2788819"/>
-                </a:lnTo>
-                <a:cubicBezTo>
-                  <a:pt x="82574" y="2521217"/>
-                  <a:pt x="0" y="2214552"/>
-                  <a:pt x="0" y="1888600"/>
-                </a:cubicBezTo>
-                <a:cubicBezTo>
-                  <a:pt x="0" y="845555"/>
-                  <a:pt x="845555" y="0"/>
-                  <a:pt x="1888600" y="0"/>
-                </a:cubicBezTo>
-                <a:close/>
-              </a:path>
-            </a:pathLst>
-          </a:custGeom>
-          <a:solidFill>
-            <a:srgbClr val="FFFFFF">
-              <a:alpha val="80000"/>
-            </a:srgbClr>
-          </a:solidFill>
-          <a:ln>
-            <a:noFill/>
-          </a:ln>
-        </p:spPr>
-        <p:style>
-          <a:lnRef idx="2">
-            <a:schemeClr val="accent1">
-              <a:shade val="50000"/>
-            </a:schemeClr>
-          </a:lnRef>
-          <a:fillRef idx="1">
-            <a:schemeClr val="accent1"/>
-          </a:fillRef>
-          <a:effectRef idx="0">
-            <a:schemeClr val="accent1"/>
-          </a:effectRef>
-          <a:fontRef idx="minor">
-            <a:schemeClr val="lt1"/>
-          </a:fontRef>
-        </p:style>
-        <p:txBody>
-          <a:bodyPr wrap="square" rtlCol="0" anchor="ctr">
-            <a:noAutofit/>
-          </a:bodyPr>
-          <a:lstStyle/>
-          <a:p>
-            <a:pPr marL="0" marR="0" lvl="0" indent="0" algn="ctr" defTabSz="914400" rtl="0" eaLnBrk="1" fontAlgn="auto" latinLnBrk="0" hangingPunct="1">
-              <a:lnSpc>
-                <a:spcPct val="100000"/>
-              </a:lnSpc>
-              <a:spcBef>
-                <a:spcPts val="0"/>
-              </a:spcBef>
-              <a:spcAft>
-                <a:spcPts val="0"/>
-              </a:spcAft>
-              <a:buClrTx/>
-              <a:buSzTx/>
-              <a:buFontTx/>
-              <a:buNone/>
-              <a:tabLst/>
-              <a:defRPr/>
-            </a:pPr>
-            <a:endParaRPr kumimoji="0" lang="en-US" sz="1800" b="0" i="0" u="none" strike="noStrike" kern="1200" cap="none" spc="0" normalizeH="0" baseline="0" noProof="0">
-              <a:ln>
-                <a:noFill/>
-              </a:ln>
-              <a:solidFill>
-                <a:prstClr val="white"/>
-              </a:solidFill>
-              <a:effectLst/>
-              <a:uLnTx/>
-              <a:uFillTx/>
-              <a:latin typeface="Calibri" panose="020F0502020204030204"/>
-              <a:ea typeface="+mn-ea"/>
-              <a:cs typeface="+mn-cs"/>
-            </a:endParaRPr>
-          </a:p>
-        </p:txBody>
-      </p:sp>
       <p:pic>
         <p:nvPicPr>
           <p:cNvPr id="9" name="Image 8">
@@ -4156,7 +5177,7 @@
         </p:nvSpPr>
         <p:spPr>
           <a:xfrm>
-            <a:off x="805543" y="1909012"/>
+            <a:off x="805543" y="2622166"/>
             <a:ext cx="4558309" cy="2743200"/>
           </a:xfrm>
         </p:spPr>
@@ -4186,19 +5207,23 @@
           <a:p>
             <a:r>
               <a:rPr lang="en-US" sz="1800" dirty="0">
-                <a:latin typeface="Arial" panose="020B0604020202020204" pitchFamily="34" charset="0"/>
-                <a:cs typeface="Arial" panose="020B0604020202020204" pitchFamily="34" charset="0"/>
+                <a:latin typeface="Arial"/>
+                <a:cs typeface="Arial"/>
               </a:rPr>
-              <a:t>Journée type chez Norsys</a:t>
-            </a:r>
+              <a:t> Cycle de vie d’un ticket</a:t>
+            </a:r>
+            <a:endParaRPr lang="en-US" sz="1800" dirty="0">
+              <a:latin typeface="Arial" panose="020B0604020202020204" pitchFamily="34" charset="0"/>
+              <a:cs typeface="Arial" panose="020B0604020202020204" pitchFamily="34" charset="0"/>
+            </a:endParaRPr>
           </a:p>
           <a:p>
             <a:r>
               <a:rPr lang="en-US" sz="1800" dirty="0">
-                <a:latin typeface="Arial" panose="020B0604020202020204" pitchFamily="34" charset="0"/>
-                <a:cs typeface="Arial" panose="020B0604020202020204" pitchFamily="34" charset="0"/>
+                <a:latin typeface="Arial"/>
+                <a:cs typeface="Arial"/>
               </a:rPr>
-              <a:t>Cycle de vie d’un ticket</a:t>
+              <a:t>Journée type d'un développeur</a:t>
             </a:r>
           </a:p>
           <a:p>
@@ -4222,10 +5247,10 @@
           <a:p>
             <a:r>
               <a:rPr lang="en-US" sz="1800" dirty="0">
-                <a:latin typeface="Arial" panose="020B0604020202020204" pitchFamily="34" charset="0"/>
-                <a:cs typeface="Arial" panose="020B0604020202020204" pitchFamily="34" charset="0"/>
+                <a:latin typeface="Arial"/>
+                <a:cs typeface="Arial"/>
               </a:rPr>
-              <a:t>Q&amp;A</a:t>
+              <a:t>Questions</a:t>
             </a:r>
           </a:p>
           <a:p>
@@ -4238,269 +5263,6 @@
             <a:endParaRPr lang="en-US" sz="1800" dirty="0">
               <a:latin typeface="Arial" panose="020B0604020202020204" pitchFamily="34" charset="0"/>
               <a:cs typeface="Arial" panose="020B0604020202020204" pitchFamily="34" charset="0"/>
-            </a:endParaRPr>
-          </a:p>
-        </p:txBody>
-      </p:sp>
-      <p:sp>
-        <p:nvSpPr>
-          <p:cNvPr id="17" name="Oval 16">
-            <a:extLst>
-              <a:ext uri="{FF2B5EF4-FFF2-40B4-BE49-F238E27FC236}">
-                <a16:creationId xmlns:a16="http://schemas.microsoft.com/office/drawing/2014/main" id="{C99A8FB7-A79B-4BC9-9D56-B79587F6AA3E}"/>
-              </a:ext>
-              <a:ext uri="{C183D7F6-B498-43B3-948B-1728B52AA6E4}">
-                <adec:decorative xmlns:adec="http://schemas.microsoft.com/office/drawing/2017/decorative" val="1"/>
-              </a:ext>
-            </a:extLst>
-          </p:cNvPr>
-          <p:cNvSpPr>
-            <a:spLocks noGrp="1" noRot="1" noChangeAspect="1" noMove="1" noResize="1" noEditPoints="1" noAdjustHandles="1" noChangeArrowheads="1" noChangeShapeType="1" noTextEdit="1"/>
-          </p:cNvSpPr>
-          <p:nvPr>
-            <p:extLst>
-              <p:ext uri="{386F3935-93C4-4BCD-93E2-E3B085C9AB24}">
-                <p16:designElem xmlns:p16="http://schemas.microsoft.com/office/powerpoint/2015/main" val="1"/>
-              </p:ext>
-            </p:extLst>
-          </p:nvPr>
-        </p:nvSpPr>
-        <p:spPr>
-          <a:xfrm>
-            <a:off x="5804761" y="2650637"/>
-            <a:ext cx="3118104" cy="3118104"/>
-          </a:xfrm>
-          <a:prstGeom prst="ellipse">
-            <a:avLst/>
-          </a:prstGeom>
-          <a:solidFill>
-            <a:srgbClr val="FFFFFF">
-              <a:alpha val="80000"/>
-            </a:srgbClr>
-          </a:solidFill>
-          <a:ln>
-            <a:noFill/>
-          </a:ln>
-        </p:spPr>
-        <p:style>
-          <a:lnRef idx="2">
-            <a:schemeClr val="accent1">
-              <a:shade val="50000"/>
-            </a:schemeClr>
-          </a:lnRef>
-          <a:fillRef idx="1">
-            <a:schemeClr val="accent1"/>
-          </a:fillRef>
-          <a:effectRef idx="0">
-            <a:schemeClr val="accent1"/>
-          </a:effectRef>
-          <a:fontRef idx="minor">
-            <a:schemeClr val="lt1"/>
-          </a:fontRef>
-        </p:style>
-        <p:txBody>
-          <a:bodyPr rtlCol="0" anchor="ctr"/>
-          <a:lstStyle/>
-          <a:p>
-            <a:pPr marL="0" marR="0" lvl="0" indent="0" algn="ctr" defTabSz="914400" rtl="0" eaLnBrk="1" fontAlgn="auto" latinLnBrk="0" hangingPunct="1">
-              <a:lnSpc>
-                <a:spcPct val="100000"/>
-              </a:lnSpc>
-              <a:spcBef>
-                <a:spcPts val="0"/>
-              </a:spcBef>
-              <a:spcAft>
-                <a:spcPts val="0"/>
-              </a:spcAft>
-              <a:buClrTx/>
-              <a:buSzTx/>
-              <a:buFontTx/>
-              <a:buNone/>
-              <a:tabLst/>
-              <a:defRPr/>
-            </a:pPr>
-            <a:endParaRPr kumimoji="0" lang="en-US" sz="1800" b="0" i="0" u="none" strike="noStrike" kern="1200" cap="none" spc="0" normalizeH="0" baseline="0" noProof="0">
-              <a:ln>
-                <a:noFill/>
-              </a:ln>
-              <a:solidFill>
-                <a:prstClr val="white"/>
-              </a:solidFill>
-              <a:effectLst/>
-              <a:uLnTx/>
-              <a:uFillTx/>
-              <a:latin typeface="Calibri" panose="020F0502020204030204"/>
-              <a:ea typeface="+mn-ea"/>
-              <a:cs typeface="+mn-cs"/>
-            </a:endParaRPr>
-          </a:p>
-        </p:txBody>
-      </p:sp>
-      <p:sp>
-        <p:nvSpPr>
-          <p:cNvPr id="19" name="Freeform: Shape 18">
-            <a:extLst>
-              <a:ext uri="{FF2B5EF4-FFF2-40B4-BE49-F238E27FC236}">
-                <a16:creationId xmlns:a16="http://schemas.microsoft.com/office/drawing/2014/main" id="{B23893E2-3349-46D7-A7AA-B9E447957FB1}"/>
-              </a:ext>
-              <a:ext uri="{C183D7F6-B498-43B3-948B-1728B52AA6E4}">
-                <adec:decorative xmlns:adec="http://schemas.microsoft.com/office/drawing/2017/decorative" val="1"/>
-              </a:ext>
-            </a:extLst>
-          </p:cNvPr>
-          <p:cNvSpPr>
-            <a:spLocks noGrp="1" noRot="1" noChangeAspect="1" noMove="1" noResize="1" noEditPoints="1" noAdjustHandles="1" noChangeArrowheads="1" noChangeShapeType="1" noTextEdit="1"/>
-          </p:cNvSpPr>
-          <p:nvPr>
-            <p:extLst>
-              <p:ext uri="{386F3935-93C4-4BCD-93E2-E3B085C9AB24}">
-                <p16:designElem xmlns:p16="http://schemas.microsoft.com/office/powerpoint/2015/main" val="1"/>
-              </p:ext>
-            </p:extLst>
-          </p:nvPr>
-        </p:nvSpPr>
-        <p:spPr>
-          <a:xfrm>
-            <a:off x="7996859" y="0"/>
-            <a:ext cx="4198060" cy="3650200"/>
-          </a:xfrm>
-          <a:custGeom>
-            <a:avLst/>
-            <a:gdLst>
-              <a:gd name="connsiteX0" fmla="*/ 262846 w 4198060"/>
-              <a:gd name="connsiteY0" fmla="*/ 0 h 3650200"/>
-              <a:gd name="connsiteX1" fmla="*/ 4198060 w 4198060"/>
-              <a:gd name="connsiteY1" fmla="*/ 0 h 3650200"/>
-              <a:gd name="connsiteX2" fmla="*/ 4198060 w 4198060"/>
-              <a:gd name="connsiteY2" fmla="*/ 3021648 h 3650200"/>
-              <a:gd name="connsiteX3" fmla="*/ 4142653 w 4198060"/>
-              <a:gd name="connsiteY3" fmla="*/ 3072005 h 3650200"/>
-              <a:gd name="connsiteX4" fmla="*/ 2532040 w 4198060"/>
-              <a:gd name="connsiteY4" fmla="*/ 3650200 h 3650200"/>
-              <a:gd name="connsiteX5" fmla="*/ 0 w 4198060"/>
-              <a:gd name="connsiteY5" fmla="*/ 1118160 h 3650200"/>
-              <a:gd name="connsiteX6" fmla="*/ 198981 w 4198060"/>
-              <a:gd name="connsiteY6" fmla="*/ 132576 h 3650200"/>
-            </a:gdLst>
-            <a:ahLst/>
-            <a:cxnLst>
-              <a:cxn ang="0">
-                <a:pos x="connsiteX0" y="connsiteY0"/>
-              </a:cxn>
-              <a:cxn ang="0">
-                <a:pos x="connsiteX1" y="connsiteY1"/>
-              </a:cxn>
-              <a:cxn ang="0">
-                <a:pos x="connsiteX2" y="connsiteY2"/>
-              </a:cxn>
-              <a:cxn ang="0">
-                <a:pos x="connsiteX3" y="connsiteY3"/>
-              </a:cxn>
-              <a:cxn ang="0">
-                <a:pos x="connsiteX4" y="connsiteY4"/>
-              </a:cxn>
-              <a:cxn ang="0">
-                <a:pos x="connsiteX5" y="connsiteY5"/>
-              </a:cxn>
-              <a:cxn ang="0">
-                <a:pos x="connsiteX6" y="connsiteY6"/>
-              </a:cxn>
-            </a:cxnLst>
-            <a:rect l="l" t="t" r="r" b="b"/>
-            <a:pathLst>
-              <a:path w="4198060" h="3650200">
-                <a:moveTo>
-                  <a:pt x="262846" y="0"/>
-                </a:moveTo>
-                <a:lnTo>
-                  <a:pt x="4198060" y="0"/>
-                </a:lnTo>
-                <a:lnTo>
-                  <a:pt x="4198060" y="3021648"/>
-                </a:lnTo>
-                <a:lnTo>
-                  <a:pt x="4142653" y="3072005"/>
-                </a:lnTo>
-                <a:cubicBezTo>
-                  <a:pt x="3704967" y="3433216"/>
-                  <a:pt x="3143843" y="3650200"/>
-                  <a:pt x="2532040" y="3650200"/>
-                </a:cubicBezTo>
-                <a:cubicBezTo>
-                  <a:pt x="1133633" y="3650200"/>
-                  <a:pt x="0" y="2516567"/>
-                  <a:pt x="0" y="1118160"/>
-                </a:cubicBezTo>
-                <a:cubicBezTo>
-                  <a:pt x="0" y="768558"/>
-                  <a:pt x="70852" y="435505"/>
-                  <a:pt x="198981" y="132576"/>
-                </a:cubicBezTo>
-                <a:close/>
-              </a:path>
-            </a:pathLst>
-          </a:custGeom>
-          <a:solidFill>
-            <a:srgbClr val="FFFFFF">
-              <a:alpha val="80000"/>
-            </a:srgbClr>
-          </a:solidFill>
-          <a:ln>
-            <a:noFill/>
-          </a:ln>
-        </p:spPr>
-        <p:style>
-          <a:lnRef idx="2">
-            <a:schemeClr val="accent1">
-              <a:shade val="50000"/>
-            </a:schemeClr>
-          </a:lnRef>
-          <a:fillRef idx="1">
-            <a:schemeClr val="accent1"/>
-          </a:fillRef>
-          <a:effectRef idx="0">
-            <a:schemeClr val="accent1"/>
-          </a:effectRef>
-          <a:fontRef idx="minor">
-            <a:schemeClr val="lt1"/>
-          </a:fontRef>
-        </p:style>
-        <p:txBody>
-          <a:bodyPr wrap="square" rtlCol="0" anchor="ctr">
-            <a:noAutofit/>
-          </a:bodyPr>
-          <a:lstStyle/>
-          <a:p>
-            <a:pPr marL="0" marR="0" lvl="0" indent="0" algn="ctr" defTabSz="914400" rtl="0" eaLnBrk="1" fontAlgn="auto" latinLnBrk="0" hangingPunct="1">
-              <a:lnSpc>
-                <a:spcPct val="100000"/>
-              </a:lnSpc>
-              <a:spcBef>
-                <a:spcPts val="0"/>
-              </a:spcBef>
-              <a:spcAft>
-                <a:spcPts val="0"/>
-              </a:spcAft>
-              <a:buClrTx/>
-              <a:buSzTx/>
-              <a:buFontTx/>
-              <a:buNone/>
-              <a:tabLst/>
-              <a:defRPr/>
-            </a:pPr>
-            <a:endParaRPr kumimoji="0" lang="en-US" sz="1800" b="0" i="0" u="none" strike="noStrike" kern="1200" cap="none" spc="0" normalizeH="0" baseline="0" noProof="0">
-              <a:ln>
-                <a:noFill/>
-              </a:ln>
-              <a:solidFill>
-                <a:prstClr val="white"/>
-              </a:solidFill>
-              <a:effectLst/>
-              <a:uLnTx/>
-              <a:uFillTx/>
-              <a:latin typeface="Calibri" panose="020F0502020204030204"/>
-              <a:ea typeface="+mn-ea"/>
-              <a:cs typeface="+mn-cs"/>
             </a:endParaRPr>
           </a:p>
         </p:txBody>
@@ -4707,183 +5469,6 @@
           </a:custGeom>
         </p:spPr>
       </p:pic>
-      <p:sp>
-        <p:nvSpPr>
-          <p:cNvPr id="21" name="Freeform: Shape 20">
-            <a:extLst>
-              <a:ext uri="{FF2B5EF4-FFF2-40B4-BE49-F238E27FC236}">
-                <a16:creationId xmlns:a16="http://schemas.microsoft.com/office/drawing/2014/main" id="{2B7592FE-10D1-4664-B623-353F47C8DF7F}"/>
-              </a:ext>
-              <a:ext uri="{C183D7F6-B498-43B3-948B-1728B52AA6E4}">
-                <adec:decorative xmlns:adec="http://schemas.microsoft.com/office/drawing/2017/decorative" val="1"/>
-              </a:ext>
-            </a:extLst>
-          </p:cNvPr>
-          <p:cNvSpPr>
-            <a:spLocks noGrp="1" noRot="1" noChangeAspect="1" noMove="1" noResize="1" noEditPoints="1" noAdjustHandles="1" noChangeArrowheads="1" noChangeShapeType="1" noTextEdit="1"/>
-          </p:cNvSpPr>
-          <p:nvPr>
-            <p:extLst>
-              <p:ext uri="{386F3935-93C4-4BCD-93E2-E3B085C9AB24}">
-                <p16:designElem xmlns:p16="http://schemas.microsoft.com/office/powerpoint/2015/main" val="1"/>
-              </p:ext>
-            </p:extLst>
-          </p:nvPr>
-        </p:nvSpPr>
-        <p:spPr>
-          <a:xfrm>
-            <a:off x="8888132" y="4032250"/>
-            <a:ext cx="3303868" cy="2825750"/>
-          </a:xfrm>
-          <a:custGeom>
-            <a:avLst/>
-            <a:gdLst>
-              <a:gd name="connsiteX0" fmla="*/ 1888600 w 3303868"/>
-              <a:gd name="connsiteY0" fmla="*/ 0 h 2825750"/>
-              <a:gd name="connsiteX1" fmla="*/ 3224042 w 3303868"/>
-              <a:gd name="connsiteY1" fmla="*/ 553158 h 2825750"/>
-              <a:gd name="connsiteX2" fmla="*/ 3303868 w 3303868"/>
-              <a:gd name="connsiteY2" fmla="*/ 640989 h 2825750"/>
-              <a:gd name="connsiteX3" fmla="*/ 3303868 w 3303868"/>
-              <a:gd name="connsiteY3" fmla="*/ 2825750 h 2825750"/>
-              <a:gd name="connsiteX4" fmla="*/ 250380 w 3303868"/>
-              <a:gd name="connsiteY4" fmla="*/ 2825750 h 2825750"/>
-              <a:gd name="connsiteX5" fmla="*/ 227944 w 3303868"/>
-              <a:gd name="connsiteY5" fmla="*/ 2788819 h 2825750"/>
-              <a:gd name="connsiteX6" fmla="*/ 0 w 3303868"/>
-              <a:gd name="connsiteY6" fmla="*/ 1888600 h 2825750"/>
-              <a:gd name="connsiteX7" fmla="*/ 1888600 w 3303868"/>
-              <a:gd name="connsiteY7" fmla="*/ 0 h 2825750"/>
-            </a:gdLst>
-            <a:ahLst/>
-            <a:cxnLst>
-              <a:cxn ang="0">
-                <a:pos x="connsiteX0" y="connsiteY0"/>
-              </a:cxn>
-              <a:cxn ang="0">
-                <a:pos x="connsiteX1" y="connsiteY1"/>
-              </a:cxn>
-              <a:cxn ang="0">
-                <a:pos x="connsiteX2" y="connsiteY2"/>
-              </a:cxn>
-              <a:cxn ang="0">
-                <a:pos x="connsiteX3" y="connsiteY3"/>
-              </a:cxn>
-              <a:cxn ang="0">
-                <a:pos x="connsiteX4" y="connsiteY4"/>
-              </a:cxn>
-              <a:cxn ang="0">
-                <a:pos x="connsiteX5" y="connsiteY5"/>
-              </a:cxn>
-              <a:cxn ang="0">
-                <a:pos x="connsiteX6" y="connsiteY6"/>
-              </a:cxn>
-              <a:cxn ang="0">
-                <a:pos x="connsiteX7" y="connsiteY7"/>
-              </a:cxn>
-            </a:cxnLst>
-            <a:rect l="l" t="t" r="r" b="b"/>
-            <a:pathLst>
-              <a:path w="3303868" h="2825750">
-                <a:moveTo>
-                  <a:pt x="1888600" y="0"/>
-                </a:moveTo>
-                <a:cubicBezTo>
-                  <a:pt x="2410123" y="0"/>
-                  <a:pt x="2882273" y="211389"/>
-                  <a:pt x="3224042" y="553158"/>
-                </a:cubicBezTo>
-                <a:lnTo>
-                  <a:pt x="3303868" y="640989"/>
-                </a:lnTo>
-                <a:lnTo>
-                  <a:pt x="3303868" y="2825750"/>
-                </a:lnTo>
-                <a:lnTo>
-                  <a:pt x="250380" y="2825750"/>
-                </a:lnTo>
-                <a:lnTo>
-                  <a:pt x="227944" y="2788819"/>
-                </a:lnTo>
-                <a:cubicBezTo>
-                  <a:pt x="82574" y="2521217"/>
-                  <a:pt x="0" y="2214552"/>
-                  <a:pt x="0" y="1888600"/>
-                </a:cubicBezTo>
-                <a:cubicBezTo>
-                  <a:pt x="0" y="845555"/>
-                  <a:pt x="845555" y="0"/>
-                  <a:pt x="1888600" y="0"/>
-                </a:cubicBezTo>
-                <a:close/>
-              </a:path>
-            </a:pathLst>
-          </a:custGeom>
-          <a:solidFill>
-            <a:srgbClr val="FFFFFF">
-              <a:alpha val="80000"/>
-            </a:srgbClr>
-          </a:solidFill>
-          <a:ln>
-            <a:noFill/>
-          </a:ln>
-        </p:spPr>
-        <p:style>
-          <a:lnRef idx="2">
-            <a:schemeClr val="accent1">
-              <a:shade val="50000"/>
-            </a:schemeClr>
-          </a:lnRef>
-          <a:fillRef idx="1">
-            <a:schemeClr val="accent1"/>
-          </a:fillRef>
-          <a:effectRef idx="0">
-            <a:schemeClr val="accent1"/>
-          </a:effectRef>
-          <a:fontRef idx="minor">
-            <a:schemeClr val="lt1"/>
-          </a:fontRef>
-        </p:style>
-        <p:txBody>
-          <a:bodyPr wrap="square" rtlCol="0" anchor="ctr">
-            <a:noAutofit/>
-          </a:bodyPr>
-          <a:lstStyle/>
-          <a:p>
-            <a:pPr marL="0" marR="0" lvl="0" indent="0" algn="ctr" defTabSz="914400" rtl="0" eaLnBrk="1" fontAlgn="auto" latinLnBrk="0" hangingPunct="1">
-              <a:lnSpc>
-                <a:spcPct val="100000"/>
-              </a:lnSpc>
-              <a:spcBef>
-                <a:spcPts val="0"/>
-              </a:spcBef>
-              <a:spcAft>
-                <a:spcPts val="0"/>
-              </a:spcAft>
-              <a:buClrTx/>
-              <a:buSzTx/>
-              <a:buFontTx/>
-              <a:buNone/>
-              <a:tabLst/>
-              <a:defRPr/>
-            </a:pPr>
-            <a:endParaRPr kumimoji="0" lang="en-US" sz="1800" b="0" i="0" u="none" strike="noStrike" kern="1200" cap="none" spc="0" normalizeH="0" baseline="0" noProof="0">
-              <a:ln>
-                <a:noFill/>
-              </a:ln>
-              <a:solidFill>
-                <a:prstClr val="white"/>
-              </a:solidFill>
-              <a:effectLst/>
-              <a:uLnTx/>
-              <a:uFillTx/>
-              <a:latin typeface="Calibri" panose="020F0502020204030204"/>
-              <a:ea typeface="+mn-ea"/>
-              <a:cs typeface="+mn-cs"/>
-            </a:endParaRPr>
-          </a:p>
-        </p:txBody>
-      </p:sp>
       <p:pic>
         <p:nvPicPr>
           <p:cNvPr id="9" name="Image 8">
@@ -5081,13 +5666,13 @@
   <p:clrMapOvr>
     <a:overrideClrMapping bg1="dk1" tx1="lt1" bg2="dk2" tx2="lt2" accent1="accent1" accent2="accent2" accent3="accent3" accent4="accent4" accent5="accent5" accent6="accent6" hlink="hlink" folHlink="folHlink"/>
   </p:clrMapOvr>
-  <mc:AlternateContent xmlns:mc="http://schemas.openxmlformats.org/markup-compatibility/2006">
-    <mc:Choice xmlns:p159="http://schemas.microsoft.com/office/powerpoint/2015/09/main" Requires="p159">
+  <mc:AlternateContent xmlns:mc="http://schemas.openxmlformats.org/markup-compatibility/2006" xmlns:p159="http://schemas.microsoft.com/office/powerpoint/2015/09/main">
+    <mc:Choice Requires="p159">
       <p:transition xmlns:p14="http://schemas.microsoft.com/office/powerpoint/2010/main" spd="slow" p14:dur="2000">
         <p159:morph option="byObject"/>
       </p:transition>
     </mc:Choice>
-    <mc:Fallback>
+    <mc:Fallback xmlns="">
       <p:transition spd="slow">
         <p:fade/>
       </p:transition>
@@ -5142,7 +5727,7 @@
             <a:off x="5983020" y="401053"/>
             <a:ext cx="5952306" cy="2045421"/>
           </a:xfrm>
-          <a:ln w="12700">
+          <a:ln w="28575">
             <a:solidFill>
               <a:schemeClr val="tx1"/>
             </a:solidFill>
@@ -5164,191 +5749,6 @@
             </a:r>
           </a:p>
         </p:txBody>
-      </p:sp>
-      <p:sp>
-        <p:nvSpPr>
-          <p:cNvPr id="13" name="Freeform 6">
-            <a:extLst>
-              <a:ext uri="{FF2B5EF4-FFF2-40B4-BE49-F238E27FC236}">
-                <a16:creationId xmlns:a16="http://schemas.microsoft.com/office/drawing/2014/main" id="{B6C29DB0-17E9-42FF-986E-0B7F493F4D24}"/>
-              </a:ext>
-              <a:ext uri="{C183D7F6-B498-43B3-948B-1728B52AA6E4}">
-                <adec:decorative xmlns:adec="http://schemas.microsoft.com/office/drawing/2017/decorative" val="1"/>
-              </a:ext>
-            </a:extLst>
-          </p:cNvPr>
-          <p:cNvSpPr>
-            <a:spLocks noGrp="1" noRot="1" noChangeAspect="1" noMove="1" noResize="1" noEditPoints="1" noAdjustHandles="1" noChangeArrowheads="1" noChangeShapeType="1" noTextEdit="1"/>
-          </p:cNvSpPr>
-          <p:nvPr>
-            <p:extLst>
-              <p:ext uri="{386F3935-93C4-4BCD-93E2-E3B085C9AB24}">
-                <p16:designElem xmlns:p16="http://schemas.microsoft.com/office/powerpoint/2015/main" val="1"/>
-              </p:ext>
-            </p:extLst>
-          </p:nvPr>
-        </p:nvSpPr>
-        <p:spPr bwMode="auto">
-          <a:xfrm>
-            <a:off x="2199584" y="1685652"/>
-            <a:ext cx="3275013" cy="4408488"/>
-          </a:xfrm>
-          <a:custGeom>
-            <a:avLst/>
-            <a:gdLst/>
-            <a:ahLst/>
-            <a:cxnLst/>
-            <a:rect l="l" t="t" r="r" b="b"/>
-            <a:pathLst>
-              <a:path w="10000" h="10000">
-                <a:moveTo>
-                  <a:pt x="8761" y="0"/>
-                </a:moveTo>
-                <a:lnTo>
-                  <a:pt x="10000" y="0"/>
-                </a:lnTo>
-                <a:lnTo>
-                  <a:pt x="10000" y="10000"/>
-                </a:lnTo>
-                <a:lnTo>
-                  <a:pt x="0" y="10000"/>
-                </a:lnTo>
-                <a:lnTo>
-                  <a:pt x="0" y="9126"/>
-                </a:lnTo>
-                <a:lnTo>
-                  <a:pt x="8761" y="9127"/>
-                </a:lnTo>
-                <a:lnTo>
-                  <a:pt x="8761" y="0"/>
-                </a:lnTo>
-                <a:close/>
-              </a:path>
-            </a:pathLst>
-          </a:custGeom>
-          <a:solidFill>
-            <a:srgbClr val="4C4C4C"/>
-          </a:solidFill>
-          <a:ln w="0">
-            <a:noFill/>
-            <a:prstDash val="solid"/>
-            <a:round/>
-            <a:headEnd/>
-            <a:tailEnd/>
-          </a:ln>
-        </p:spPr>
-        <p:txBody>
-          <a:bodyPr/>
-          <a:lstStyle/>
-          <a:p>
-            <a:pPr marL="0" marR="0" lvl="0" indent="0" algn="l" defTabSz="914400" rtl="0" eaLnBrk="1" fontAlgn="auto" latinLnBrk="0" hangingPunct="1">
-              <a:lnSpc>
-                <a:spcPct val="100000"/>
-              </a:lnSpc>
-              <a:spcBef>
-                <a:spcPts val="0"/>
-              </a:spcBef>
-              <a:spcAft>
-                <a:spcPts val="0"/>
-              </a:spcAft>
-              <a:buClrTx/>
-              <a:buSzTx/>
-              <a:buFontTx/>
-              <a:buNone/>
-              <a:tabLst/>
-              <a:defRPr/>
-            </a:pPr>
-            <a:endParaRPr kumimoji="0" lang="en-US" sz="1800" b="0" i="0" u="none" strike="noStrike" kern="1200" cap="none" spc="0" normalizeH="0" baseline="0" noProof="0">
-              <a:ln>
-                <a:noFill/>
-              </a:ln>
-              <a:solidFill>
-                <a:prstClr val="black"/>
-              </a:solidFill>
-              <a:effectLst/>
-              <a:uLnTx/>
-              <a:uFillTx/>
-              <a:latin typeface="Calibri" panose="020F0502020204030204"/>
-              <a:ea typeface="+mn-ea"/>
-              <a:cs typeface="+mn-cs"/>
-            </a:endParaRPr>
-          </a:p>
-        </p:txBody>
-      </p:sp>
-      <p:sp>
-        <p:nvSpPr>
-          <p:cNvPr id="15" name="Freeform 6">
-            <a:extLst>
-              <a:ext uri="{FF2B5EF4-FFF2-40B4-BE49-F238E27FC236}">
-                <a16:creationId xmlns:a16="http://schemas.microsoft.com/office/drawing/2014/main" id="{115AD956-A5B6-4760-B8B2-11E2DF6B0212}"/>
-              </a:ext>
-              <a:ext uri="{C183D7F6-B498-43B3-948B-1728B52AA6E4}">
-                <adec:decorative xmlns:adec="http://schemas.microsoft.com/office/drawing/2017/decorative" val="1"/>
-              </a:ext>
-            </a:extLst>
-          </p:cNvPr>
-          <p:cNvSpPr>
-            <a:spLocks noGrp="1" noRot="1" noChangeAspect="1" noMove="1" noResize="1" noEditPoints="1" noAdjustHandles="1" noChangeArrowheads="1" noChangeShapeType="1" noTextEdit="1"/>
-          </p:cNvSpPr>
-          <p:nvPr>
-            <p:extLst>
-              <p:ext uri="{386F3935-93C4-4BCD-93E2-E3B085C9AB24}">
-                <p16:designElem xmlns:p16="http://schemas.microsoft.com/office/powerpoint/2015/main" val="1"/>
-              </p:ext>
-            </p:extLst>
-          </p:nvPr>
-        </p:nvSpPr>
-        <p:spPr bwMode="auto">
-          <a:xfrm flipH="1" flipV="1">
-            <a:off x="752858" y="744469"/>
-            <a:ext cx="3275668" cy="4408488"/>
-          </a:xfrm>
-          <a:custGeom>
-            <a:avLst/>
-            <a:gdLst/>
-            <a:ahLst/>
-            <a:cxnLst/>
-            <a:rect l="l" t="t" r="r" b="b"/>
-            <a:pathLst>
-              <a:path w="10002" h="10000">
-                <a:moveTo>
-                  <a:pt x="8763" y="0"/>
-                </a:moveTo>
-                <a:lnTo>
-                  <a:pt x="10002" y="0"/>
-                </a:lnTo>
-                <a:lnTo>
-                  <a:pt x="10002" y="10000"/>
-                </a:lnTo>
-                <a:lnTo>
-                  <a:pt x="2" y="10000"/>
-                </a:lnTo>
-                <a:cubicBezTo>
-                  <a:pt x="-2" y="9698"/>
-                  <a:pt x="4" y="9427"/>
-                  <a:pt x="0" y="9125"/>
-                </a:cubicBezTo>
-                <a:lnTo>
-                  <a:pt x="8763" y="9128"/>
-                </a:lnTo>
-                <a:lnTo>
-                  <a:pt x="8763" y="0"/>
-                </a:lnTo>
-                <a:close/>
-              </a:path>
-            </a:pathLst>
-          </a:custGeom>
-          <a:solidFill>
-            <a:srgbClr val="4C4C4C"/>
-          </a:solidFill>
-          <a:ln w="0">
-            <a:noFill/>
-            <a:prstDash val="solid"/>
-            <a:round/>
-            <a:headEnd/>
-            <a:tailEnd/>
-          </a:ln>
-        </p:spPr>
       </p:sp>
       <p:pic>
         <p:nvPicPr>
@@ -5614,7 +6014,7 @@
             <a:off x="804672" y="723578"/>
             <a:ext cx="3387106" cy="1645501"/>
           </a:xfrm>
-          <a:ln>
+          <a:ln w="28575">
             <a:solidFill>
               <a:schemeClr val="tx1"/>
             </a:solidFill>
@@ -5702,193 +6102,6 @@
               </a:rPr>
               <a:t>Banque et assurance</a:t>
             </a:r>
-          </a:p>
-        </p:txBody>
-      </p:sp>
-      <p:sp>
-        <p:nvSpPr>
-          <p:cNvPr id="60" name="Rectangle 59">
-            <a:extLst>
-              <a:ext uri="{FF2B5EF4-FFF2-40B4-BE49-F238E27FC236}">
-                <a16:creationId xmlns:a16="http://schemas.microsoft.com/office/drawing/2014/main" id="{EBB6D9F6-3E47-45AD-8461-718A3C87E3E8}"/>
-              </a:ext>
-              <a:ext uri="{C183D7F6-B498-43B3-948B-1728B52AA6E4}">
-                <adec:decorative xmlns:adec="http://schemas.microsoft.com/office/drawing/2017/decorative" val="1"/>
-              </a:ext>
-            </a:extLst>
-          </p:cNvPr>
-          <p:cNvSpPr>
-            <a:spLocks noGrp="1" noRot="1" noChangeAspect="1" noMove="1" noResize="1" noEditPoints="1" noAdjustHandles="1" noChangeArrowheads="1" noChangeShapeType="1" noTextEdit="1"/>
-          </p:cNvSpPr>
-          <p:nvPr>
-            <p:extLst>
-              <p:ext uri="{386F3935-93C4-4BCD-93E2-E3B085C9AB24}">
-                <p16:designElem xmlns:p16="http://schemas.microsoft.com/office/powerpoint/2015/main" val="1"/>
-              </p:ext>
-            </p:extLst>
-          </p:nvPr>
-        </p:nvSpPr>
-        <p:spPr>
-          <a:xfrm>
-            <a:off x="4538409" y="0"/>
-            <a:ext cx="7653591" cy="6858000"/>
-          </a:xfrm>
-          <a:prstGeom prst="rect">
-            <a:avLst/>
-          </a:prstGeom>
-          <a:solidFill>
-            <a:srgbClr val="FFFFFF">
-              <a:alpha val="80000"/>
-            </a:srgbClr>
-          </a:solidFill>
-          <a:ln>
-            <a:noFill/>
-          </a:ln>
-        </p:spPr>
-        <p:style>
-          <a:lnRef idx="2">
-            <a:schemeClr val="accent1">
-              <a:shade val="50000"/>
-            </a:schemeClr>
-          </a:lnRef>
-          <a:fillRef idx="1">
-            <a:schemeClr val="accent1"/>
-          </a:fillRef>
-          <a:effectRef idx="0">
-            <a:schemeClr val="accent1"/>
-          </a:effectRef>
-          <a:fontRef idx="minor">
-            <a:schemeClr val="lt1"/>
-          </a:fontRef>
-        </p:style>
-        <p:txBody>
-          <a:bodyPr rtlCol="0" anchor="ctr"/>
-          <a:lstStyle/>
-          <a:p>
-            <a:pPr marL="0" marR="0" lvl="0" indent="0" algn="ctr" defTabSz="914400" rtl="0" eaLnBrk="1" fontAlgn="auto" latinLnBrk="0" hangingPunct="1">
-              <a:lnSpc>
-                <a:spcPct val="100000"/>
-              </a:lnSpc>
-              <a:spcBef>
-                <a:spcPts val="0"/>
-              </a:spcBef>
-              <a:spcAft>
-                <a:spcPts val="0"/>
-              </a:spcAft>
-              <a:buClrTx/>
-              <a:buSzTx/>
-              <a:buFontTx/>
-              <a:buNone/>
-              <a:tabLst/>
-              <a:defRPr/>
-            </a:pPr>
-            <a:endParaRPr kumimoji="0" lang="en-US" sz="1800" b="0" i="0" u="none" strike="noStrike" kern="1200" cap="none" spc="0" normalizeH="0" baseline="0" noProof="0" dirty="0">
-              <a:ln>
-                <a:noFill/>
-              </a:ln>
-              <a:solidFill>
-                <a:prstClr val="white"/>
-              </a:solidFill>
-              <a:effectLst/>
-              <a:uLnTx/>
-              <a:uFillTx/>
-              <a:latin typeface="Calibri" panose="020F0502020204030204"/>
-              <a:ea typeface="+mn-ea"/>
-              <a:cs typeface="+mn-cs"/>
-            </a:endParaRPr>
-          </a:p>
-        </p:txBody>
-      </p:sp>
-      <p:sp>
-        <p:nvSpPr>
-          <p:cNvPr id="62" name="Rectangle 61">
-            <a:extLst>
-              <a:ext uri="{FF2B5EF4-FFF2-40B4-BE49-F238E27FC236}">
-                <a16:creationId xmlns:a16="http://schemas.microsoft.com/office/drawing/2014/main" id="{A3B16A00-A549-4B07-B8C2-4B3A966D9E26}"/>
-              </a:ext>
-              <a:ext uri="{C183D7F6-B498-43B3-948B-1728B52AA6E4}">
-                <adec:decorative xmlns:adec="http://schemas.microsoft.com/office/drawing/2017/decorative" val="1"/>
-              </a:ext>
-            </a:extLst>
-          </p:cNvPr>
-          <p:cNvSpPr>
-            <a:spLocks noGrp="1" noRot="1" noChangeAspect="1" noMove="1" noResize="1" noEditPoints="1" noAdjustHandles="1" noChangeArrowheads="1" noChangeShapeType="1" noTextEdit="1"/>
-          </p:cNvSpPr>
-          <p:nvPr>
-            <p:extLst>
-              <p:ext uri="{386F3935-93C4-4BCD-93E2-E3B085C9AB24}">
-                <p16:designElem xmlns:p16="http://schemas.microsoft.com/office/powerpoint/2015/main" val="1"/>
-              </p:ext>
-            </p:extLst>
-          </p:nvPr>
-        </p:nvSpPr>
-        <p:spPr>
-          <a:xfrm>
-            <a:off x="4860141" y="321732"/>
-            <a:ext cx="4111054" cy="3674848"/>
-          </a:xfrm>
-          <a:prstGeom prst="rect">
-            <a:avLst/>
-          </a:prstGeom>
-          <a:solidFill>
-            <a:srgbClr val="FFFFFF"/>
-          </a:solidFill>
-          <a:ln w="15875" cap="sq">
-            <a:noFill/>
-            <a:miter lim="800000"/>
-          </a:ln>
-        </p:spPr>
-        <p:style>
-          <a:lnRef idx="2">
-            <a:schemeClr val="accent1">
-              <a:shade val="50000"/>
-            </a:schemeClr>
-          </a:lnRef>
-          <a:fillRef idx="1">
-            <a:schemeClr val="accent1"/>
-          </a:fillRef>
-          <a:effectRef idx="0">
-            <a:schemeClr val="accent1"/>
-          </a:effectRef>
-          <a:fontRef idx="minor">
-            <a:schemeClr val="lt1"/>
-          </a:fontRef>
-        </p:style>
-        <p:txBody>
-          <a:bodyPr rtlCol="0" anchor="ctr"/>
-          <a:lstStyle/>
-          <a:p>
-            <a:pPr marL="0" marR="0" lvl="0" indent="0" algn="ctr" defTabSz="914400" rtl="0" eaLnBrk="1" fontAlgn="auto" latinLnBrk="0" hangingPunct="1">
-              <a:lnSpc>
-                <a:spcPct val="100000"/>
-              </a:lnSpc>
-              <a:spcBef>
-                <a:spcPts val="0"/>
-              </a:spcBef>
-              <a:spcAft>
-                <a:spcPts val="0"/>
-              </a:spcAft>
-              <a:buClrTx/>
-              <a:buSzTx/>
-              <a:buFontTx/>
-              <a:buNone/>
-              <a:tabLst/>
-              <a:defRPr/>
-            </a:pPr>
-            <a:endParaRPr kumimoji="0" lang="en-US" sz="1800" b="0" i="0" u="none" strike="noStrike" kern="1200" cap="none" spc="0" normalizeH="0" baseline="0" noProof="0">
-              <a:ln>
-                <a:noFill/>
-              </a:ln>
-              <a:solidFill>
-                <a:prstClr val="white"/>
-              </a:solidFill>
-              <a:effectLst/>
-              <a:uLnTx/>
-              <a:uFillTx/>
-              <a:latin typeface="Calibri" panose="020F0502020204030204"/>
-              <a:ea typeface="+mn-ea"/>
-              <a:cs typeface="+mn-cs"/>
-            </a:endParaRPr>
           </a:p>
         </p:txBody>
       </p:sp>
@@ -5928,99 +6141,6 @@
           </a:prstGeom>
         </p:spPr>
       </p:pic>
-      <p:sp>
-        <p:nvSpPr>
-          <p:cNvPr id="64" name="Rectangle 63">
-            <a:extLst>
-              <a:ext uri="{FF2B5EF4-FFF2-40B4-BE49-F238E27FC236}">
-                <a16:creationId xmlns:a16="http://schemas.microsoft.com/office/drawing/2014/main" id="{33B86BAE-87B4-4192-ABB2-627FFC965AC7}"/>
-              </a:ext>
-              <a:ext uri="{C183D7F6-B498-43B3-948B-1728B52AA6E4}">
-                <adec:decorative xmlns:adec="http://schemas.microsoft.com/office/drawing/2017/decorative" val="1"/>
-              </a:ext>
-            </a:extLst>
-          </p:cNvPr>
-          <p:cNvSpPr>
-            <a:spLocks noGrp="1" noRot="1" noChangeAspect="1" noMove="1" noResize="1" noEditPoints="1" noAdjustHandles="1" noChangeArrowheads="1" noChangeShapeType="1" noTextEdit="1"/>
-          </p:cNvSpPr>
-          <p:nvPr>
-            <p:extLst>
-              <p:ext uri="{386F3935-93C4-4BCD-93E2-E3B085C9AB24}">
-                <p16:designElem xmlns:p16="http://schemas.microsoft.com/office/powerpoint/2015/main" val="1"/>
-              </p:ext>
-            </p:extLst>
-          </p:nvPr>
-        </p:nvSpPr>
-        <p:spPr>
-          <a:xfrm>
-            <a:off x="9118156" y="321732"/>
-            <a:ext cx="2766017" cy="3026832"/>
-          </a:xfrm>
-          <a:prstGeom prst="rect">
-            <a:avLst/>
-          </a:prstGeom>
-          <a:solidFill>
-            <a:srgbClr val="FFFFFF"/>
-          </a:solidFill>
-          <a:ln w="15875" cap="sq">
-            <a:noFill/>
-            <a:miter lim="800000"/>
-          </a:ln>
-        </p:spPr>
-        <p:style>
-          <a:lnRef idx="2">
-            <a:schemeClr val="accent1">
-              <a:shade val="50000"/>
-            </a:schemeClr>
-          </a:lnRef>
-          <a:fillRef idx="1">
-            <a:schemeClr val="accent1"/>
-          </a:fillRef>
-          <a:effectRef idx="0">
-            <a:schemeClr val="accent1"/>
-          </a:effectRef>
-          <a:fontRef idx="minor">
-            <a:schemeClr val="lt1"/>
-          </a:fontRef>
-        </p:style>
-        <p:txBody>
-          <a:bodyPr rtlCol="0" anchor="ctr"/>
-          <a:lstStyle/>
-          <a:p>
-            <a:pPr marL="0" marR="0" lvl="0" indent="0" algn="ctr" defTabSz="914400" rtl="0" eaLnBrk="1" fontAlgn="auto" latinLnBrk="0" hangingPunct="1">
-              <a:lnSpc>
-                <a:spcPct val="100000"/>
-              </a:lnSpc>
-              <a:spcBef>
-                <a:spcPts val="0"/>
-              </a:spcBef>
-              <a:spcAft>
-                <a:spcPts val="0"/>
-              </a:spcAft>
-              <a:buClrTx/>
-              <a:buSzTx/>
-              <a:buFontTx/>
-              <a:buNone/>
-              <a:tabLst/>
-              <a:defRPr/>
-            </a:pPr>
-            <a:endParaRPr kumimoji="0" lang="en-US" sz="1800" b="0" i="0" u="none" strike="noStrike" kern="1200" cap="none" spc="0" normalizeH="0" baseline="0" noProof="0">
-              <a:ln>
-                <a:noFill/>
-              </a:ln>
-              <a:solidFill>
-                <a:prstClr val="white"/>
-              </a:solidFill>
-              <a:effectLst/>
-              <a:uLnTx/>
-              <a:uFillTx/>
-              <a:latin typeface="Calibri" panose="020F0502020204030204"/>
-              <a:ea typeface="+mn-ea"/>
-              <a:cs typeface="+mn-cs"/>
-            </a:endParaRPr>
-          </a:p>
-        </p:txBody>
-      </p:sp>
       <p:pic>
         <p:nvPicPr>
           <p:cNvPr id="13" name="Image 12">
@@ -6057,99 +6177,6 @@
           </a:prstGeom>
         </p:spPr>
       </p:pic>
-      <p:sp>
-        <p:nvSpPr>
-          <p:cNvPr id="66" name="Rectangle 65">
-            <a:extLst>
-              <a:ext uri="{FF2B5EF4-FFF2-40B4-BE49-F238E27FC236}">
-                <a16:creationId xmlns:a16="http://schemas.microsoft.com/office/drawing/2014/main" id="{22BB4F03-4463-45CC-89A7-8E03412EDDBF}"/>
-              </a:ext>
-              <a:ext uri="{C183D7F6-B498-43B3-948B-1728B52AA6E4}">
-                <adec:decorative xmlns:adec="http://schemas.microsoft.com/office/drawing/2017/decorative" val="1"/>
-              </a:ext>
-            </a:extLst>
-          </p:cNvPr>
-          <p:cNvSpPr>
-            <a:spLocks noGrp="1" noRot="1" noChangeAspect="1" noMove="1" noResize="1" noEditPoints="1" noAdjustHandles="1" noChangeArrowheads="1" noChangeShapeType="1" noTextEdit="1"/>
-          </p:cNvSpPr>
-          <p:nvPr>
-            <p:extLst>
-              <p:ext uri="{386F3935-93C4-4BCD-93E2-E3B085C9AB24}">
-                <p16:designElem xmlns:p16="http://schemas.microsoft.com/office/powerpoint/2015/main" val="1"/>
-              </p:ext>
-            </p:extLst>
-          </p:nvPr>
-        </p:nvSpPr>
-        <p:spPr>
-          <a:xfrm>
-            <a:off x="4860141" y="4155753"/>
-            <a:ext cx="4111054" cy="2380509"/>
-          </a:xfrm>
-          <a:prstGeom prst="rect">
-            <a:avLst/>
-          </a:prstGeom>
-          <a:solidFill>
-            <a:srgbClr val="FFFFFF"/>
-          </a:solidFill>
-          <a:ln w="15875" cap="sq">
-            <a:noFill/>
-            <a:miter lim="800000"/>
-          </a:ln>
-        </p:spPr>
-        <p:style>
-          <a:lnRef idx="2">
-            <a:schemeClr val="accent1">
-              <a:shade val="50000"/>
-            </a:schemeClr>
-          </a:lnRef>
-          <a:fillRef idx="1">
-            <a:schemeClr val="accent1"/>
-          </a:fillRef>
-          <a:effectRef idx="0">
-            <a:schemeClr val="accent1"/>
-          </a:effectRef>
-          <a:fontRef idx="minor">
-            <a:schemeClr val="lt1"/>
-          </a:fontRef>
-        </p:style>
-        <p:txBody>
-          <a:bodyPr rtlCol="0" anchor="ctr"/>
-          <a:lstStyle/>
-          <a:p>
-            <a:pPr marL="0" marR="0" lvl="0" indent="0" algn="ctr" defTabSz="914400" rtl="0" eaLnBrk="1" fontAlgn="auto" latinLnBrk="0" hangingPunct="1">
-              <a:lnSpc>
-                <a:spcPct val="100000"/>
-              </a:lnSpc>
-              <a:spcBef>
-                <a:spcPts val="0"/>
-              </a:spcBef>
-              <a:spcAft>
-                <a:spcPts val="0"/>
-              </a:spcAft>
-              <a:buClrTx/>
-              <a:buSzTx/>
-              <a:buFontTx/>
-              <a:buNone/>
-              <a:tabLst/>
-              <a:defRPr/>
-            </a:pPr>
-            <a:endParaRPr kumimoji="0" lang="en-US" sz="1800" b="0" i="0" u="none" strike="noStrike" kern="1200" cap="none" spc="0" normalizeH="0" baseline="0" noProof="0">
-              <a:ln>
-                <a:noFill/>
-              </a:ln>
-              <a:solidFill>
-                <a:prstClr val="white"/>
-              </a:solidFill>
-              <a:effectLst/>
-              <a:uLnTx/>
-              <a:uFillTx/>
-              <a:latin typeface="Calibri" panose="020F0502020204030204"/>
-              <a:ea typeface="+mn-ea"/>
-              <a:cs typeface="+mn-cs"/>
-            </a:endParaRPr>
-          </a:p>
-        </p:txBody>
-      </p:sp>
       <p:pic>
         <p:nvPicPr>
           <p:cNvPr id="9" name="Image 8">
@@ -6186,99 +6213,6 @@
           </a:prstGeom>
         </p:spPr>
       </p:pic>
-      <p:sp>
-        <p:nvSpPr>
-          <p:cNvPr id="68" name="Rectangle 67">
-            <a:extLst>
-              <a:ext uri="{FF2B5EF4-FFF2-40B4-BE49-F238E27FC236}">
-                <a16:creationId xmlns:a16="http://schemas.microsoft.com/office/drawing/2014/main" id="{80E1AEAE-1F52-4C29-925C-27738417E9F5}"/>
-              </a:ext>
-              <a:ext uri="{C183D7F6-B498-43B3-948B-1728B52AA6E4}">
-                <adec:decorative xmlns:adec="http://schemas.microsoft.com/office/drawing/2017/decorative" val="1"/>
-              </a:ext>
-            </a:extLst>
-          </p:cNvPr>
-          <p:cNvSpPr>
-            <a:spLocks noGrp="1" noRot="1" noChangeAspect="1" noMove="1" noResize="1" noEditPoints="1" noAdjustHandles="1" noChangeArrowheads="1" noChangeShapeType="1" noTextEdit="1"/>
-          </p:cNvSpPr>
-          <p:nvPr>
-            <p:extLst>
-              <p:ext uri="{386F3935-93C4-4BCD-93E2-E3B085C9AB24}">
-                <p16:designElem xmlns:p16="http://schemas.microsoft.com/office/powerpoint/2015/main" val="1"/>
-              </p:ext>
-            </p:extLst>
-          </p:nvPr>
-        </p:nvSpPr>
-        <p:spPr>
-          <a:xfrm>
-            <a:off x="9118156" y="3509431"/>
-            <a:ext cx="2766017" cy="3026832"/>
-          </a:xfrm>
-          <a:prstGeom prst="rect">
-            <a:avLst/>
-          </a:prstGeom>
-          <a:solidFill>
-            <a:srgbClr val="FFFFFF"/>
-          </a:solidFill>
-          <a:ln w="15875" cap="sq">
-            <a:noFill/>
-            <a:miter lim="800000"/>
-          </a:ln>
-        </p:spPr>
-        <p:style>
-          <a:lnRef idx="2">
-            <a:schemeClr val="accent1">
-              <a:shade val="50000"/>
-            </a:schemeClr>
-          </a:lnRef>
-          <a:fillRef idx="1">
-            <a:schemeClr val="accent1"/>
-          </a:fillRef>
-          <a:effectRef idx="0">
-            <a:schemeClr val="accent1"/>
-          </a:effectRef>
-          <a:fontRef idx="minor">
-            <a:schemeClr val="lt1"/>
-          </a:fontRef>
-        </p:style>
-        <p:txBody>
-          <a:bodyPr rtlCol="0" anchor="ctr"/>
-          <a:lstStyle/>
-          <a:p>
-            <a:pPr marL="0" marR="0" lvl="0" indent="0" algn="ctr" defTabSz="914400" rtl="0" eaLnBrk="1" fontAlgn="auto" latinLnBrk="0" hangingPunct="1">
-              <a:lnSpc>
-                <a:spcPct val="100000"/>
-              </a:lnSpc>
-              <a:spcBef>
-                <a:spcPts val="0"/>
-              </a:spcBef>
-              <a:spcAft>
-                <a:spcPts val="0"/>
-              </a:spcAft>
-              <a:buClrTx/>
-              <a:buSzTx/>
-              <a:buFontTx/>
-              <a:buNone/>
-              <a:tabLst/>
-              <a:defRPr/>
-            </a:pPr>
-            <a:endParaRPr kumimoji="0" lang="en-US" sz="1800" b="0" i="0" u="none" strike="noStrike" kern="1200" cap="none" spc="0" normalizeH="0" baseline="0" noProof="0">
-              <a:ln>
-                <a:noFill/>
-              </a:ln>
-              <a:solidFill>
-                <a:prstClr val="white"/>
-              </a:solidFill>
-              <a:effectLst/>
-              <a:uLnTx/>
-              <a:uFillTx/>
-              <a:latin typeface="Calibri" panose="020F0502020204030204"/>
-              <a:ea typeface="+mn-ea"/>
-              <a:cs typeface="+mn-cs"/>
-            </a:endParaRPr>
-          </a:p>
-        </p:txBody>
-      </p:sp>
       <p:pic>
         <p:nvPicPr>
           <p:cNvPr id="16" name="Espace réservé du contenu 4">
@@ -6355,7 +6289,7 @@
       </p:grpSpPr>
       <p:sp>
         <p:nvSpPr>
-          <p:cNvPr id="32" name="Rectangle 31">
+          <p:cNvPr id="46" name="Rectangle 45">
             <a:extLst>
               <a:ext uri="{FF2B5EF4-FFF2-40B4-BE49-F238E27FC236}">
                 <a16:creationId xmlns:a16="http://schemas.microsoft.com/office/drawing/2014/main" id="{45F41304-6272-42D4-9F30-4BDD2BBE8418}"/>
@@ -6437,10 +6371,10 @@
         </p:nvSpPr>
         <p:spPr>
           <a:xfrm>
-            <a:off x="208547" y="495390"/>
-            <a:ext cx="5887453" cy="1709928"/>
+            <a:off x="300894" y="495390"/>
+            <a:ext cx="5531337" cy="1709928"/>
           </a:xfrm>
-          <a:ln>
+          <a:ln w="28575">
             <a:solidFill>
               <a:schemeClr val="tx1"/>
             </a:solidFill>
@@ -6452,27 +6386,15 @@
           </a:bodyPr>
           <a:lstStyle/>
           <a:p>
-            <a:r>
-              <a:rPr lang="en-US" kern="1200" dirty="0">
-                <a:latin typeface="Arial" panose="020B0604020202020204" pitchFamily="34" charset="0"/>
-                <a:cs typeface="Arial" panose="020B0604020202020204" pitchFamily="34" charset="0"/>
+            <a:pPr algn="ctr"/>
+            <a:r>
+              <a:rPr lang="en-US" sz="4000" kern="1200" dirty="0">
+                <a:latin typeface="Arial"/>
+                <a:cs typeface="Arial"/>
               </a:rPr>
-              <a:t>Bien-</a:t>
-            </a:r>
-            <a:r>
-              <a:rPr lang="en-US" kern="1200" dirty="0" err="1">
-                <a:latin typeface="Arial" panose="020B0604020202020204" pitchFamily="34" charset="0"/>
-                <a:cs typeface="Arial" panose="020B0604020202020204" pitchFamily="34" charset="0"/>
-              </a:rPr>
-              <a:t>être</a:t>
-            </a:r>
-            <a:r>
-              <a:rPr lang="en-US" kern="1200" dirty="0">
-                <a:latin typeface="Arial" panose="020B0604020202020204" pitchFamily="34" charset="0"/>
-                <a:cs typeface="Arial" panose="020B0604020202020204" pitchFamily="34" charset="0"/>
-              </a:rPr>
-              <a:t> en entreprise</a:t>
-            </a:r>
+              <a:t>Bien-être en entreprise</a:t>
+            </a:r>
+            <a:endParaRPr lang="fr-FR"/>
           </a:p>
         </p:txBody>
       </p:sp>
@@ -6588,12 +6510,12 @@
         </p:nvSpPr>
         <p:spPr>
           <a:xfrm>
-            <a:off x="254916" y="2910463"/>
-            <a:ext cx="6265760" cy="2210019"/>
+            <a:off x="838200" y="2541494"/>
+            <a:ext cx="5707565" cy="3635468"/>
           </a:xfrm>
         </p:spPr>
         <p:txBody>
-          <a:bodyPr>
+          <a:bodyPr vert="horz" lIns="91440" tIns="45720" rIns="91440" bIns="45720" rtlCol="0">
             <a:normAutofit/>
           </a:bodyPr>
           <a:lstStyle/>
@@ -6609,22 +6531,11 @@
           <a:p>
             <a:r>
               <a:rPr lang="en-US" sz="2000" dirty="0">
-                <a:latin typeface="Arial" panose="020B0604020202020204" pitchFamily="34" charset="0"/>
-                <a:cs typeface="Arial" panose="020B0604020202020204" pitchFamily="34" charset="0"/>
+                <a:latin typeface="Arial"/>
+                <a:cs typeface="Arial"/>
               </a:rPr>
-              <a:t>Cadre de travail adéquat et adapté à la vie en </a:t>
-            </a:r>
-            <a:r>
-              <a:rPr lang="en-US" sz="2000" dirty="0" err="1">
-                <a:latin typeface="Arial" panose="020B0604020202020204" pitchFamily="34" charset="0"/>
-                <a:cs typeface="Arial" panose="020B0604020202020204" pitchFamily="34" charset="0"/>
-              </a:rPr>
-              <a:t>commun</a:t>
-            </a:r>
-            <a:endParaRPr lang="en-US" sz="2000" dirty="0">
-              <a:latin typeface="Arial" panose="020B0604020202020204" pitchFamily="34" charset="0"/>
-              <a:cs typeface="Arial" panose="020B0604020202020204" pitchFamily="34" charset="0"/>
-            </a:endParaRPr>
+              <a:t>Cadre de travail adéquat et adapté à la vie en commun</a:t>
+            </a:r>
           </a:p>
           <a:p>
             <a:r>
@@ -6950,10 +6861,890 @@
 </p:sld>
 </file>
 
+<file path=ppt/slides/slide7.xml><?xml version="1.0" encoding="utf-8"?>
+<p:sld xmlns:a="http://schemas.openxmlformats.org/drawingml/2006/main" xmlns:r="http://schemas.openxmlformats.org/officeDocument/2006/relationships" xmlns:p="http://schemas.openxmlformats.org/presentationml/2006/main">
+  <p:cSld>
+    <p:bg>
+      <p:bgPr>
+        <a:solidFill>
+          <a:schemeClr val="bg1">
+            <a:tint val="95000"/>
+            <a:satMod val="170000"/>
+          </a:schemeClr>
+        </a:solidFill>
+        <a:effectLst/>
+      </p:bgPr>
+    </p:bg>
+    <p:spTree>
+      <p:nvGrpSpPr>
+        <p:cNvPr id="1" name=""/>
+        <p:cNvGrpSpPr/>
+        <p:nvPr/>
+      </p:nvGrpSpPr>
+      <p:grpSpPr>
+        <a:xfrm>
+          <a:off x="0" y="0"/>
+          <a:ext cx="0" cy="0"/>
+          <a:chOff x="0" y="0"/>
+          <a:chExt cx="0" cy="0"/>
+        </a:xfrm>
+      </p:grpSpPr>
+      <p:sp>
+        <p:nvSpPr>
+          <p:cNvPr id="2" name="Titre 1">
+            <a:extLst>
+              <a:ext uri="{FF2B5EF4-FFF2-40B4-BE49-F238E27FC236}">
+                <a16:creationId xmlns:a16="http://schemas.microsoft.com/office/drawing/2014/main" id="{F867F4DA-7855-4548-880F-3DC13CC4E2C4}"/>
+              </a:ext>
+            </a:extLst>
+          </p:cNvPr>
+          <p:cNvSpPr>
+            <a:spLocks noGrp="1"/>
+          </p:cNvSpPr>
+          <p:nvPr>
+            <p:ph type="title"/>
+          </p:nvPr>
+        </p:nvSpPr>
+        <p:spPr>
+          <a:xfrm>
+            <a:off x="762001" y="441863"/>
+            <a:ext cx="5314536" cy="1325563"/>
+          </a:xfrm>
+          <a:ln w="28575">
+            <a:solidFill>
+              <a:schemeClr val="tx1"/>
+            </a:solidFill>
+          </a:ln>
+        </p:spPr>
+        <p:txBody>
+          <a:bodyPr>
+            <a:normAutofit/>
+          </a:bodyPr>
+          <a:lstStyle/>
+          <a:p>
+            <a:pPr algn="ctr"/>
+            <a:r>
+              <a:rPr lang="fr-FR">
+                <a:latin typeface="Arial"/>
+                <a:cs typeface="Arial"/>
+              </a:rPr>
+              <a:t>Equipe et Mission </a:t>
+            </a:r>
+            <a:endParaRPr lang="fr-FR" dirty="0">
+              <a:cs typeface="Calibri Light"/>
+            </a:endParaRPr>
+          </a:p>
+        </p:txBody>
+      </p:sp>
+      <p:sp>
+        <p:nvSpPr>
+          <p:cNvPr id="9" name="Content Placeholder 8">
+            <a:extLst>
+              <a:ext uri="{FF2B5EF4-FFF2-40B4-BE49-F238E27FC236}">
+                <a16:creationId xmlns:a16="http://schemas.microsoft.com/office/drawing/2014/main" id="{6AB4819D-0F8B-42EA-A108-7413ECF564D7}"/>
+              </a:ext>
+            </a:extLst>
+          </p:cNvPr>
+          <p:cNvSpPr>
+            <a:spLocks noGrp="1"/>
+          </p:cNvSpPr>
+          <p:nvPr>
+            <p:ph idx="1"/>
+          </p:nvPr>
+        </p:nvSpPr>
+        <p:spPr>
+          <a:xfrm>
+            <a:off x="762000" y="2279018"/>
+            <a:ext cx="5314543" cy="3375920"/>
+          </a:xfrm>
+        </p:spPr>
+        <p:txBody>
+          <a:bodyPr anchor="t">
+            <a:normAutofit/>
+          </a:bodyPr>
+          <a:lstStyle/>
+          <a:p>
+            <a:r>
+              <a:rPr lang="en-US" sz="2000" dirty="0">
+                <a:latin typeface="Arial"/>
+                <a:cs typeface="Arial"/>
+              </a:rPr>
+              <a:t>Tierce Maintenance Applicative </a:t>
+            </a:r>
+            <a:endParaRPr lang="en-US" sz="2000">
+              <a:latin typeface="Arial"/>
+              <a:cs typeface="Arial"/>
+            </a:endParaRPr>
+          </a:p>
+          <a:p>
+            <a:r>
+              <a:rPr lang="en-US" sz="2000" dirty="0">
+                <a:latin typeface="Arial"/>
+                <a:cs typeface="Arial"/>
+              </a:rPr>
+              <a:t>Application web de gestion de l'activité des salariés, gestion des congés et du temps de travail (B4Co)</a:t>
+            </a:r>
+          </a:p>
+          <a:p>
+            <a:endParaRPr lang="en-US" sz="2000" dirty="0">
+              <a:latin typeface="Arial"/>
+              <a:cs typeface="Arial"/>
+            </a:endParaRPr>
+          </a:p>
+          <a:p>
+            <a:endParaRPr lang="en-US" sz="2000" dirty="0">
+              <a:latin typeface="Arial"/>
+              <a:cs typeface="Arial"/>
+            </a:endParaRPr>
+          </a:p>
+        </p:txBody>
+      </p:sp>
+      <p:pic>
+        <p:nvPicPr>
+          <p:cNvPr id="7" name="Image 4">
+            <a:extLst>
+              <a:ext uri="{FF2B5EF4-FFF2-40B4-BE49-F238E27FC236}">
+                <a16:creationId xmlns:a16="http://schemas.microsoft.com/office/drawing/2014/main" id="{150DF2CE-534F-4EAB-BCB3-0A463D8B015F}"/>
+              </a:ext>
+            </a:extLst>
+          </p:cNvPr>
+          <p:cNvPicPr>
+            <a:picLocks noChangeAspect="1"/>
+          </p:cNvPicPr>
+          <p:nvPr/>
+        </p:nvPicPr>
+        <p:blipFill rotWithShape="1">
+          <a:blip r:embed="rId2"/>
+          <a:srcRect l="2125" r="1641" b="-2"/>
+          <a:stretch/>
+        </p:blipFill>
+        <p:spPr>
+          <a:xfrm>
+            <a:off x="6750141" y="-2"/>
+            <a:ext cx="5441859" cy="5654940"/>
+          </a:xfrm>
+          <a:custGeom>
+            <a:avLst/>
+            <a:gdLst>
+              <a:gd name="connsiteX0" fmla="*/ 1041368 w 5441859"/>
+              <a:gd name="connsiteY0" fmla="*/ 0 h 5654940"/>
+              <a:gd name="connsiteX1" fmla="*/ 5441859 w 5441859"/>
+              <a:gd name="connsiteY1" fmla="*/ 0 h 5654940"/>
+              <a:gd name="connsiteX2" fmla="*/ 5441859 w 5441859"/>
+              <a:gd name="connsiteY2" fmla="*/ 4820612 h 5654940"/>
+              <a:gd name="connsiteX3" fmla="*/ 5285166 w 5441859"/>
+              <a:gd name="connsiteY3" fmla="*/ 4957981 h 5654940"/>
+              <a:gd name="connsiteX4" fmla="*/ 3267719 w 5441859"/>
+              <a:gd name="connsiteY4" fmla="*/ 5654940 h 5654940"/>
+              <a:gd name="connsiteX5" fmla="*/ 0 w 5441859"/>
+              <a:gd name="connsiteY5" fmla="*/ 2387221 h 5654940"/>
+              <a:gd name="connsiteX6" fmla="*/ 957093 w 5441859"/>
+              <a:gd name="connsiteY6" fmla="*/ 76595 h 5654940"/>
+            </a:gdLst>
+            <a:ahLst/>
+            <a:cxnLst>
+              <a:cxn ang="0">
+                <a:pos x="connsiteX0" y="connsiteY0"/>
+              </a:cxn>
+              <a:cxn ang="0">
+                <a:pos x="connsiteX1" y="connsiteY1"/>
+              </a:cxn>
+              <a:cxn ang="0">
+                <a:pos x="connsiteX2" y="connsiteY2"/>
+              </a:cxn>
+              <a:cxn ang="0">
+                <a:pos x="connsiteX3" y="connsiteY3"/>
+              </a:cxn>
+              <a:cxn ang="0">
+                <a:pos x="connsiteX4" y="connsiteY4"/>
+              </a:cxn>
+              <a:cxn ang="0">
+                <a:pos x="connsiteX5" y="connsiteY5"/>
+              </a:cxn>
+              <a:cxn ang="0">
+                <a:pos x="connsiteX6" y="connsiteY6"/>
+              </a:cxn>
+            </a:cxnLst>
+            <a:rect l="l" t="t" r="r" b="b"/>
+            <a:pathLst>
+              <a:path w="5441859" h="5654940">
+                <a:moveTo>
+                  <a:pt x="1041368" y="0"/>
+                </a:moveTo>
+                <a:lnTo>
+                  <a:pt x="5441859" y="0"/>
+                </a:lnTo>
+                <a:lnTo>
+                  <a:pt x="5441859" y="4820612"/>
+                </a:lnTo>
+                <a:lnTo>
+                  <a:pt x="5285166" y="4957981"/>
+                </a:lnTo>
+                <a:cubicBezTo>
+                  <a:pt x="4729628" y="5394557"/>
+                  <a:pt x="4029081" y="5654940"/>
+                  <a:pt x="3267719" y="5654940"/>
+                </a:cubicBezTo>
+                <a:cubicBezTo>
+                  <a:pt x="1463008" y="5654940"/>
+                  <a:pt x="0" y="4191932"/>
+                  <a:pt x="0" y="2387221"/>
+                </a:cubicBezTo>
+                <a:cubicBezTo>
+                  <a:pt x="0" y="1484866"/>
+                  <a:pt x="365752" y="667936"/>
+                  <a:pt x="957093" y="76595"/>
+                </a:cubicBezTo>
+                <a:close/>
+              </a:path>
+            </a:pathLst>
+          </a:custGeom>
+        </p:spPr>
+      </p:pic>
+    </p:spTree>
+    <p:extLst>
+      <p:ext uri="{BB962C8B-B14F-4D97-AF65-F5344CB8AC3E}">
+        <p14:creationId xmlns:p14="http://schemas.microsoft.com/office/powerpoint/2010/main" val="2853387422"/>
+      </p:ext>
+    </p:extLst>
+  </p:cSld>
+  <p:clrMapOvr>
+    <a:overrideClrMapping bg1="dk1" tx1="lt1" bg2="dk2" tx2="lt2" accent1="accent1" accent2="accent2" accent3="accent3" accent4="accent4" accent5="accent5" accent6="accent6" hlink="hlink" folHlink="folHlink"/>
+  </p:clrMapOvr>
+</p:sld>
+</file>
+
+<file path=ppt/slides/slide8.xml><?xml version="1.0" encoding="utf-8"?>
+<p:sld xmlns:a="http://schemas.openxmlformats.org/drawingml/2006/main" xmlns:r="http://schemas.openxmlformats.org/officeDocument/2006/relationships" xmlns:p="http://schemas.openxmlformats.org/presentationml/2006/main">
+  <p:cSld>
+    <p:bg>
+      <p:bgPr>
+        <a:solidFill>
+          <a:schemeClr val="bg1">
+            <a:tint val="95000"/>
+            <a:satMod val="170000"/>
+          </a:schemeClr>
+        </a:solidFill>
+        <a:effectLst/>
+      </p:bgPr>
+    </p:bg>
+    <p:spTree>
+      <p:nvGrpSpPr>
+        <p:cNvPr id="1" name=""/>
+        <p:cNvGrpSpPr/>
+        <p:nvPr/>
+      </p:nvGrpSpPr>
+      <p:grpSpPr>
+        <a:xfrm>
+          <a:off x="0" y="0"/>
+          <a:ext cx="0" cy="0"/>
+          <a:chOff x="0" y="0"/>
+          <a:chExt cx="0" cy="0"/>
+        </a:xfrm>
+      </p:grpSpPr>
+      <p:sp>
+        <p:nvSpPr>
+          <p:cNvPr id="2" name="Titre 1">
+            <a:extLst>
+              <a:ext uri="{FF2B5EF4-FFF2-40B4-BE49-F238E27FC236}">
+                <a16:creationId xmlns:a16="http://schemas.microsoft.com/office/drawing/2014/main" id="{3C56FA48-3F82-4DD6-9EC6-39D34AF9AE4F}"/>
+              </a:ext>
+            </a:extLst>
+          </p:cNvPr>
+          <p:cNvSpPr>
+            <a:spLocks noGrp="1"/>
+          </p:cNvSpPr>
+          <p:nvPr>
+            <p:ph type="title"/>
+          </p:nvPr>
+        </p:nvSpPr>
+        <p:spPr>
+          <a:xfrm>
+            <a:off x="4309068" y="110210"/>
+            <a:ext cx="3361357" cy="974216"/>
+          </a:xfrm>
+          <a:ln w="28575">
+            <a:solidFill>
+              <a:schemeClr val="tx1"/>
+            </a:solidFill>
+          </a:ln>
+        </p:spPr>
+        <p:txBody>
+          <a:bodyPr>
+            <a:normAutofit/>
+          </a:bodyPr>
+          <a:lstStyle/>
+          <a:p>
+            <a:pPr algn="ctr"/>
+            <a:r>
+              <a:rPr lang="fr-FR" dirty="0">
+                <a:cs typeface="Calibri Light"/>
+              </a:rPr>
+              <a:t>B4CO</a:t>
+            </a:r>
+          </a:p>
+        </p:txBody>
+      </p:sp>
+      <p:pic>
+        <p:nvPicPr>
+          <p:cNvPr id="8" name="Image 8" descr="Une image contenant capture d’écran&#10;&#10;Description générée avec un niveau de confiance très élevé">
+            <a:extLst>
+              <a:ext uri="{FF2B5EF4-FFF2-40B4-BE49-F238E27FC236}">
+                <a16:creationId xmlns:a16="http://schemas.microsoft.com/office/drawing/2014/main" id="{BE428EF0-4D06-453B-8575-B00695D8DE3E}"/>
+              </a:ext>
+            </a:extLst>
+          </p:cNvPr>
+          <p:cNvPicPr>
+            <a:picLocks noChangeAspect="1"/>
+          </p:cNvPicPr>
+          <p:nvPr/>
+        </p:nvPicPr>
+        <p:blipFill>
+          <a:blip r:embed="rId2"/>
+          <a:stretch>
+            <a:fillRect/>
+          </a:stretch>
+        </p:blipFill>
+        <p:spPr>
+          <a:xfrm>
+            <a:off x="1077139" y="1450202"/>
+            <a:ext cx="3829701" cy="1948262"/>
+          </a:xfrm>
+          <a:prstGeom prst="rect">
+            <a:avLst/>
+          </a:prstGeom>
+        </p:spPr>
+      </p:pic>
+      <p:pic>
+        <p:nvPicPr>
+          <p:cNvPr id="13" name="Image 4" descr="Une image contenant capture d’écran&#10;&#10;Description générée avec un niveau de confiance très élevé">
+            <a:extLst>
+              <a:ext uri="{FF2B5EF4-FFF2-40B4-BE49-F238E27FC236}">
+                <a16:creationId xmlns:a16="http://schemas.microsoft.com/office/drawing/2014/main" id="{33BBF34F-EDE1-40BB-9D42-5703B68964A7}"/>
+              </a:ext>
+            </a:extLst>
+          </p:cNvPr>
+          <p:cNvPicPr>
+            <a:picLocks noChangeAspect="1"/>
+          </p:cNvPicPr>
+          <p:nvPr/>
+        </p:nvPicPr>
+        <p:blipFill>
+          <a:blip r:embed="rId3"/>
+          <a:stretch>
+            <a:fillRect/>
+          </a:stretch>
+        </p:blipFill>
+        <p:spPr>
+          <a:xfrm>
+            <a:off x="7246083" y="1450202"/>
+            <a:ext cx="3790624" cy="1948262"/>
+          </a:xfrm>
+          <a:prstGeom prst="rect">
+            <a:avLst/>
+          </a:prstGeom>
+        </p:spPr>
+      </p:pic>
+      <p:pic>
+        <p:nvPicPr>
+          <p:cNvPr id="10" name="Image 10" descr="Une image contenant capture d’écran&#10;&#10;Description générée avec un niveau de confiance très élevé">
+            <a:extLst>
+              <a:ext uri="{FF2B5EF4-FFF2-40B4-BE49-F238E27FC236}">
+                <a16:creationId xmlns:a16="http://schemas.microsoft.com/office/drawing/2014/main" id="{3BF6CBA5-1058-4BC6-BA50-22C88087EC73}"/>
+              </a:ext>
+            </a:extLst>
+          </p:cNvPr>
+          <p:cNvPicPr>
+            <a:picLocks noChangeAspect="1"/>
+          </p:cNvPicPr>
+          <p:nvPr/>
+        </p:nvPicPr>
+        <p:blipFill>
+          <a:blip r:embed="rId4"/>
+          <a:stretch>
+            <a:fillRect/>
+          </a:stretch>
+        </p:blipFill>
+        <p:spPr>
+          <a:xfrm>
+            <a:off x="6504930" y="3796452"/>
+            <a:ext cx="5278140" cy="2559898"/>
+          </a:xfrm>
+          <a:prstGeom prst="rect">
+            <a:avLst/>
+          </a:prstGeom>
+        </p:spPr>
+      </p:pic>
+      <p:sp>
+        <p:nvSpPr>
+          <p:cNvPr id="4" name="ZoneTexte 3">
+            <a:extLst>
+              <a:ext uri="{FF2B5EF4-FFF2-40B4-BE49-F238E27FC236}">
+                <a16:creationId xmlns:a16="http://schemas.microsoft.com/office/drawing/2014/main" id="{3D115BDB-498F-4A3E-8267-EA288225008B}"/>
+              </a:ext>
+            </a:extLst>
+          </p:cNvPr>
+          <p:cNvSpPr txBox="1"/>
+          <p:nvPr/>
+        </p:nvSpPr>
+        <p:spPr>
+          <a:xfrm>
+            <a:off x="804844" y="4325954"/>
+            <a:ext cx="4366985" cy="2031325"/>
+          </a:xfrm>
+          <a:prstGeom prst="rect">
+            <a:avLst/>
+          </a:prstGeom>
+        </p:spPr>
+        <p:txBody>
+          <a:bodyPr rot="0" spcFirstLastPara="0" vertOverflow="overflow" horzOverflow="overflow" vert="horz" wrap="square" lIns="91440" tIns="45720" rIns="91440" bIns="45720" numCol="1" spcCol="0" rtlCol="0" fromWordArt="0" anchor="t" anchorCtr="0" forceAA="0" compatLnSpc="1">
+            <a:prstTxWarp prst="textNoShape">
+              <a:avLst/>
+            </a:prstTxWarp>
+            <a:spAutoFit/>
+          </a:bodyPr>
+          <a:lstStyle/>
+          <a:p>
+            <a:pPr marL="285750" indent="-285750">
+              <a:buFont typeface="Arial"/>
+              <a:buChar char="•"/>
+            </a:pPr>
+            <a:r>
+              <a:rPr lang="fr-FR" dirty="0">
+                <a:cs typeface="Calibri"/>
+              </a:rPr>
+              <a:t>Permettre aux managers de gérer leurs équipes</a:t>
+            </a:r>
+          </a:p>
+          <a:p>
+            <a:pPr marL="285750" indent="-285750">
+              <a:buFont typeface="Arial"/>
+              <a:buChar char="•"/>
+            </a:pPr>
+            <a:r>
+              <a:rPr lang="fr-FR" dirty="0">
+                <a:cs typeface="Calibri"/>
+              </a:rPr>
+              <a:t>Permet aux salariés d'avoir un visu sur leurs congés et de faire des demandes</a:t>
+            </a:r>
+          </a:p>
+          <a:p>
+            <a:pPr marL="285750" indent="-285750">
+              <a:buFont typeface="Arial"/>
+              <a:buChar char="•"/>
+            </a:pPr>
+            <a:r>
+              <a:rPr lang="fr-FR" dirty="0">
+                <a:cs typeface="Calibri"/>
+              </a:rPr>
+              <a:t>Permet de placer des objectifs de chiffres d'affaires pour chaque équipe</a:t>
+            </a:r>
+          </a:p>
+          <a:p>
+            <a:pPr marL="285750" indent="-285750">
+              <a:buFont typeface="Arial"/>
+              <a:buChar char="•"/>
+            </a:pPr>
+            <a:endParaRPr lang="fr-FR" dirty="0">
+              <a:cs typeface="Calibri"/>
+            </a:endParaRPr>
+          </a:p>
+        </p:txBody>
+      </p:sp>
+    </p:spTree>
+    <p:extLst>
+      <p:ext uri="{BB962C8B-B14F-4D97-AF65-F5344CB8AC3E}">
+        <p14:creationId xmlns:p14="http://schemas.microsoft.com/office/powerpoint/2010/main" val="1400162790"/>
+      </p:ext>
+    </p:extLst>
+  </p:cSld>
+  <p:clrMapOvr>
+    <a:overrideClrMapping bg1="dk1" tx1="lt1" bg2="dk2" tx2="lt2" accent1="accent1" accent2="accent2" accent3="accent3" accent4="accent4" accent5="accent5" accent6="accent6" hlink="hlink" folHlink="folHlink"/>
+  </p:clrMapOvr>
+</p:sld>
+</file>
+
+<file path=ppt/slides/slide9.xml><?xml version="1.0" encoding="utf-8"?>
+<p:sld xmlns:a="http://schemas.openxmlformats.org/drawingml/2006/main" xmlns:r="http://schemas.openxmlformats.org/officeDocument/2006/relationships" xmlns:p="http://schemas.openxmlformats.org/presentationml/2006/main">
+  <p:cSld>
+    <p:spTree>
+      <p:nvGrpSpPr>
+        <p:cNvPr id="1" name=""/>
+        <p:cNvGrpSpPr/>
+        <p:nvPr/>
+      </p:nvGrpSpPr>
+      <p:grpSpPr>
+        <a:xfrm>
+          <a:off x="0" y="0"/>
+          <a:ext cx="0" cy="0"/>
+          <a:chOff x="0" y="0"/>
+          <a:chExt cx="0" cy="0"/>
+        </a:xfrm>
+      </p:grpSpPr>
+      <p:sp>
+        <p:nvSpPr>
+          <p:cNvPr id="2" name="Titre 1">
+            <a:extLst>
+              <a:ext uri="{FF2B5EF4-FFF2-40B4-BE49-F238E27FC236}">
+                <a16:creationId xmlns:a16="http://schemas.microsoft.com/office/drawing/2014/main" id="{778155F1-478A-407D-AA14-A129B704EDDC}"/>
+              </a:ext>
+            </a:extLst>
+          </p:cNvPr>
+          <p:cNvSpPr>
+            <a:spLocks noGrp="1"/>
+          </p:cNvSpPr>
+          <p:nvPr>
+            <p:ph type="title"/>
+          </p:nvPr>
+        </p:nvSpPr>
+        <p:spPr/>
+        <p:txBody>
+          <a:bodyPr/>
+          <a:lstStyle/>
+          <a:p>
+            <a:pPr algn="ctr"/>
+            <a:r>
+              <a:rPr lang="fr-FR" dirty="0">
+                <a:latin typeface="Arial"/>
+                <a:cs typeface="Arial"/>
+              </a:rPr>
+              <a:t>Cycle de vie d'un ticket</a:t>
+            </a:r>
+          </a:p>
+        </p:txBody>
+      </p:sp>
+      <p:sp>
+        <p:nvSpPr>
+          <p:cNvPr id="4" name="ZoneTexte 3">
+            <a:extLst>
+              <a:ext uri="{FF2B5EF4-FFF2-40B4-BE49-F238E27FC236}">
+                <a16:creationId xmlns:a16="http://schemas.microsoft.com/office/drawing/2014/main" id="{0675625F-DEE9-434D-B862-4A9667FD051B}"/>
+              </a:ext>
+            </a:extLst>
+          </p:cNvPr>
+          <p:cNvSpPr txBox="1"/>
+          <p:nvPr/>
+        </p:nvSpPr>
+        <p:spPr>
+          <a:xfrm>
+            <a:off x="1333928" y="1903288"/>
+            <a:ext cx="1296257" cy="369332"/>
+          </a:xfrm>
+          <a:prstGeom prst="rect">
+            <a:avLst/>
+          </a:prstGeom>
+          <a:solidFill>
+            <a:schemeClr val="accent1">
+              <a:lumMod val="60000"/>
+              <a:lumOff val="40000"/>
+            </a:schemeClr>
+          </a:solidFill>
+          <a:ln>
+            <a:solidFill>
+              <a:schemeClr val="tx1"/>
+            </a:solidFill>
+          </a:ln>
+        </p:spPr>
+        <p:txBody>
+          <a:bodyPr rot="0" spcFirstLastPara="0" vertOverflow="overflow" horzOverflow="overflow" vert="horz" wrap="square" lIns="91440" tIns="45720" rIns="91440" bIns="45720" numCol="1" spcCol="0" rtlCol="0" fromWordArt="0" anchor="t" anchorCtr="0" forceAA="0" compatLnSpc="1">
+            <a:prstTxWarp prst="textNoShape">
+              <a:avLst/>
+            </a:prstTxWarp>
+            <a:spAutoFit/>
+          </a:bodyPr>
+          <a:lstStyle/>
+          <a:p>
+            <a:pPr algn="ctr"/>
+            <a:r>
+              <a:rPr lang="fr-FR" dirty="0"/>
+              <a:t>Utilisateur</a:t>
+            </a:r>
+            <a:endParaRPr lang="fr-FR" dirty="0">
+              <a:cs typeface="Calibri"/>
+            </a:endParaRPr>
+          </a:p>
+        </p:txBody>
+      </p:sp>
+      <p:cxnSp>
+        <p:nvCxnSpPr>
+          <p:cNvPr id="5" name="Connecteur droit avec flèche 4">
+            <a:extLst>
+              <a:ext uri="{FF2B5EF4-FFF2-40B4-BE49-F238E27FC236}">
+                <a16:creationId xmlns:a16="http://schemas.microsoft.com/office/drawing/2014/main" id="{A6084858-694F-4F4F-96AE-C88CCE602A4F}"/>
+              </a:ext>
+            </a:extLst>
+          </p:cNvPr>
+          <p:cNvCxnSpPr/>
+          <p:nvPr/>
+        </p:nvCxnSpPr>
+        <p:spPr>
+          <a:xfrm>
+            <a:off x="2616485" y="2256888"/>
+            <a:ext cx="1008579" cy="409255"/>
+          </a:xfrm>
+          <a:prstGeom prst="straightConnector1">
+            <a:avLst/>
+          </a:prstGeom>
+          <a:ln>
+            <a:tailEnd type="triangle"/>
+          </a:ln>
+        </p:spPr>
+        <p:style>
+          <a:lnRef idx="1">
+            <a:schemeClr val="dk1"/>
+          </a:lnRef>
+          <a:fillRef idx="0">
+            <a:schemeClr val="dk1"/>
+          </a:fillRef>
+          <a:effectRef idx="0">
+            <a:schemeClr val="dk1"/>
+          </a:effectRef>
+          <a:fontRef idx="minor">
+            <a:schemeClr val="tx1"/>
+          </a:fontRef>
+        </p:style>
+      </p:cxnSp>
+      <p:sp>
+        <p:nvSpPr>
+          <p:cNvPr id="6" name="ZoneTexte 5">
+            <a:extLst>
+              <a:ext uri="{FF2B5EF4-FFF2-40B4-BE49-F238E27FC236}">
+                <a16:creationId xmlns:a16="http://schemas.microsoft.com/office/drawing/2014/main" id="{DDB7C639-B5B0-4F5F-B0F3-5782E2095CE7}"/>
+              </a:ext>
+            </a:extLst>
+          </p:cNvPr>
+          <p:cNvSpPr txBox="1"/>
+          <p:nvPr/>
+        </p:nvSpPr>
+        <p:spPr>
+          <a:xfrm>
+            <a:off x="1231186" y="2502613"/>
+            <a:ext cx="2212369" cy="307777"/>
+          </a:xfrm>
+          <a:prstGeom prst="rect">
+            <a:avLst/>
+          </a:prstGeom>
+        </p:spPr>
+        <p:txBody>
+          <a:bodyPr rot="0" spcFirstLastPara="0" vertOverflow="overflow" horzOverflow="overflow" vert="horz" wrap="square" lIns="91440" tIns="45720" rIns="91440" bIns="45720" numCol="1" spcCol="0" rtlCol="0" fromWordArt="0" anchor="t" anchorCtr="0" forceAA="0" compatLnSpc="1">
+            <a:prstTxWarp prst="textNoShape">
+              <a:avLst/>
+            </a:prstTxWarp>
+            <a:spAutoFit/>
+          </a:bodyPr>
+          <a:lstStyle/>
+          <a:p>
+            <a:pPr algn="ctr"/>
+            <a:r>
+              <a:rPr lang="fr-FR" sz="1400" dirty="0"/>
+              <a:t>Soumet un ticket sur mantis</a:t>
+            </a:r>
+            <a:endParaRPr lang="fr-FR" sz="1400">
+              <a:cs typeface="Calibri"/>
+            </a:endParaRPr>
+          </a:p>
+        </p:txBody>
+      </p:sp>
+      <p:sp>
+        <p:nvSpPr>
+          <p:cNvPr id="7" name="ZoneTexte 6">
+            <a:extLst>
+              <a:ext uri="{FF2B5EF4-FFF2-40B4-BE49-F238E27FC236}">
+                <a16:creationId xmlns:a16="http://schemas.microsoft.com/office/drawing/2014/main" id="{6CCFFA68-661D-44B7-91C2-370BDDF94D19}"/>
+              </a:ext>
+            </a:extLst>
+          </p:cNvPr>
+          <p:cNvSpPr txBox="1"/>
+          <p:nvPr/>
+        </p:nvSpPr>
+        <p:spPr>
+          <a:xfrm>
+            <a:off x="3637051" y="2622479"/>
+            <a:ext cx="1296257" cy="369332"/>
+          </a:xfrm>
+          <a:prstGeom prst="rect">
+            <a:avLst/>
+          </a:prstGeom>
+          <a:solidFill>
+            <a:schemeClr val="accent1">
+              <a:lumMod val="60000"/>
+              <a:lumOff val="40000"/>
+            </a:schemeClr>
+          </a:solidFill>
+          <a:ln>
+            <a:solidFill>
+              <a:schemeClr val="tx1"/>
+            </a:solidFill>
+          </a:ln>
+        </p:spPr>
+        <p:txBody>
+          <a:bodyPr rot="0" spcFirstLastPara="0" vertOverflow="overflow" horzOverflow="overflow" vert="horz" wrap="square" lIns="91440" tIns="45720" rIns="91440" bIns="45720" numCol="1" spcCol="0" rtlCol="0" fromWordArt="0" anchor="t" anchorCtr="0" forceAA="0" compatLnSpc="1">
+            <a:prstTxWarp prst="textNoShape">
+              <a:avLst/>
+            </a:prstTxWarp>
+            <a:spAutoFit/>
+          </a:bodyPr>
+          <a:lstStyle/>
+          <a:p>
+            <a:pPr algn="ctr"/>
+            <a:r>
+              <a:rPr lang="fr-FR" dirty="0">
+                <a:cs typeface="Calibri"/>
+              </a:rPr>
+              <a:t>Client</a:t>
+            </a:r>
+          </a:p>
+        </p:txBody>
+      </p:sp>
+      <p:sp>
+        <p:nvSpPr>
+          <p:cNvPr id="8" name="ZoneTexte 7">
+            <a:extLst>
+              <a:ext uri="{FF2B5EF4-FFF2-40B4-BE49-F238E27FC236}">
+                <a16:creationId xmlns:a16="http://schemas.microsoft.com/office/drawing/2014/main" id="{F24580C1-0193-43CD-A6CA-E7ED357E06B2}"/>
+              </a:ext>
+            </a:extLst>
+          </p:cNvPr>
+          <p:cNvSpPr txBox="1"/>
+          <p:nvPr/>
+        </p:nvSpPr>
+        <p:spPr>
+          <a:xfrm>
+            <a:off x="5940176" y="3350231"/>
+            <a:ext cx="1424683" cy="369332"/>
+          </a:xfrm>
+          <a:prstGeom prst="rect">
+            <a:avLst/>
+          </a:prstGeom>
+          <a:solidFill>
+            <a:schemeClr val="accent1">
+              <a:lumMod val="60000"/>
+              <a:lumOff val="40000"/>
+            </a:schemeClr>
+          </a:solidFill>
+          <a:ln>
+            <a:solidFill>
+              <a:schemeClr val="tx1"/>
+            </a:solidFill>
+          </a:ln>
+        </p:spPr>
+        <p:txBody>
+          <a:bodyPr rot="0" spcFirstLastPara="0" vertOverflow="overflow" horzOverflow="overflow" vert="horz" wrap="square" lIns="91440" tIns="45720" rIns="91440" bIns="45720" numCol="1" spcCol="0" rtlCol="0" fromWordArt="0" anchor="t" anchorCtr="0" forceAA="0" compatLnSpc="1">
+            <a:prstTxWarp prst="textNoShape">
+              <a:avLst/>
+            </a:prstTxWarp>
+            <a:spAutoFit/>
+          </a:bodyPr>
+          <a:lstStyle/>
+          <a:p>
+            <a:pPr algn="ctr"/>
+            <a:r>
+              <a:rPr lang="fr-FR" dirty="0"/>
+              <a:t>Développeur</a:t>
+            </a:r>
+            <a:endParaRPr lang="fr-FR" dirty="0">
+              <a:cs typeface="Calibri"/>
+            </a:endParaRPr>
+          </a:p>
+        </p:txBody>
+      </p:sp>
+      <p:cxnSp>
+        <p:nvCxnSpPr>
+          <p:cNvPr id="9" name="Connecteur droit avec flèche 8">
+            <a:extLst>
+              <a:ext uri="{FF2B5EF4-FFF2-40B4-BE49-F238E27FC236}">
+                <a16:creationId xmlns:a16="http://schemas.microsoft.com/office/drawing/2014/main" id="{0D0B14AF-3DAA-4B89-8527-FBDEB072CCFF}"/>
+              </a:ext>
+            </a:extLst>
+          </p:cNvPr>
+          <p:cNvCxnSpPr>
+            <a:cxnSpLocks/>
+          </p:cNvCxnSpPr>
+          <p:nvPr/>
+        </p:nvCxnSpPr>
+        <p:spPr>
+          <a:xfrm>
+            <a:off x="4919608" y="2976078"/>
+            <a:ext cx="1008579" cy="409255"/>
+          </a:xfrm>
+          <a:prstGeom prst="straightConnector1">
+            <a:avLst/>
+          </a:prstGeom>
+          <a:ln>
+            <a:tailEnd type="triangle"/>
+          </a:ln>
+        </p:spPr>
+        <p:style>
+          <a:lnRef idx="1">
+            <a:schemeClr val="dk1"/>
+          </a:lnRef>
+          <a:fillRef idx="0">
+            <a:schemeClr val="dk1"/>
+          </a:fillRef>
+          <a:effectRef idx="0">
+            <a:schemeClr val="dk1"/>
+          </a:effectRef>
+          <a:fontRef idx="minor">
+            <a:schemeClr val="tx1"/>
+          </a:fontRef>
+        </p:style>
+      </p:cxnSp>
+      <p:sp>
+        <p:nvSpPr>
+          <p:cNvPr id="10" name="ZoneTexte 9">
+            <a:extLst>
+              <a:ext uri="{FF2B5EF4-FFF2-40B4-BE49-F238E27FC236}">
+                <a16:creationId xmlns:a16="http://schemas.microsoft.com/office/drawing/2014/main" id="{79CB787D-197C-463B-8E72-93B0D8B8922F}"/>
+              </a:ext>
+            </a:extLst>
+          </p:cNvPr>
+          <p:cNvSpPr txBox="1"/>
+          <p:nvPr/>
+        </p:nvSpPr>
+        <p:spPr>
+          <a:xfrm>
+            <a:off x="3825410" y="3230365"/>
+            <a:ext cx="2212369" cy="307777"/>
+          </a:xfrm>
+          <a:prstGeom prst="rect">
+            <a:avLst/>
+          </a:prstGeom>
+        </p:spPr>
+        <p:txBody>
+          <a:bodyPr rot="0" spcFirstLastPara="0" vertOverflow="overflow" horzOverflow="overflow" vert="horz" wrap="square" lIns="91440" tIns="45720" rIns="91440" bIns="45720" numCol="1" spcCol="0" rtlCol="0" fromWordArt="0" anchor="t" anchorCtr="0" forceAA="0" compatLnSpc="1">
+            <a:prstTxWarp prst="textNoShape">
+              <a:avLst/>
+            </a:prstTxWarp>
+            <a:spAutoFit/>
+          </a:bodyPr>
+          <a:lstStyle/>
+          <a:p>
+            <a:pPr algn="ctr"/>
+            <a:r>
+              <a:rPr lang="fr-FR" sz="1400" dirty="0"/>
+              <a:t>Affecte le ticket</a:t>
+            </a:r>
+            <a:endParaRPr lang="fr-FR" dirty="0"/>
+          </a:p>
+        </p:txBody>
+      </p:sp>
+    </p:spTree>
+    <p:extLst>
+      <p:ext uri="{BB962C8B-B14F-4D97-AF65-F5344CB8AC3E}">
+        <p14:creationId xmlns:p14="http://schemas.microsoft.com/office/powerpoint/2010/main" val="2754647500"/>
+      </p:ext>
+    </p:extLst>
+  </p:cSld>
+  <p:clrMapOvr>
+    <a:masterClrMapping/>
+  </p:clrMapOvr>
+</p:sld>
+</file>
+
 <file path=ppt/theme/theme1.xml><?xml version="1.0" encoding="utf-8"?>
 <a:theme xmlns:a="http://schemas.openxmlformats.org/drawingml/2006/main" name="Thème Office">
   <a:themeElements>
-    <a:clrScheme name="Office">
+    <a:clrScheme name="Thème Office">
       <a:dk1>
         <a:sysClr val="windowText" lastClr="000000"/>
       </a:dk1>
@@ -6991,14 +7782,14 @@
         <a:srgbClr val="954F72"/>
       </a:folHlink>
     </a:clrScheme>
-    <a:fontScheme name="Office">
+    <a:fontScheme name="Thème Office">
       <a:majorFont>
         <a:latin typeface="Calibri Light" panose="020F0302020204030204"/>
         <a:ea typeface=""/>
         <a:cs typeface=""/>
-        <a:font script="Jpan" typeface="ＭＳ Ｐゴシック"/>
+        <a:font script="Jpan" typeface="游ゴシック Light"/>
         <a:font script="Hang" typeface="맑은 고딕"/>
-        <a:font script="Hans" typeface="宋体"/>
+        <a:font script="Hans" typeface="等线 Light"/>
         <a:font script="Hant" typeface="新細明體"/>
         <a:font script="Arab" typeface="Times New Roman"/>
         <a:font script="Hebr" typeface="Times New Roman"/>
@@ -7031,9 +7822,9 @@
         <a:latin typeface="Calibri" panose="020F0502020204030204"/>
         <a:ea typeface=""/>
         <a:cs typeface=""/>
-        <a:font script="Jpan" typeface="ＭＳ Ｐゴシック"/>
+        <a:font script="Jpan" typeface="游ゴシック"/>
         <a:font script="Hang" typeface="맑은 고딕"/>
-        <a:font script="Hans" typeface="宋体"/>
+        <a:font script="Hans" typeface="等线"/>
         <a:font script="Hant" typeface="新細明體"/>
         <a:font script="Arab" typeface="Arial"/>
         <a:font script="Hebr" typeface="Arial"/>
@@ -7063,7 +7854,7 @@
         <a:font script="Geor" typeface="Sylfaen"/>
       </a:minorFont>
     </a:fontScheme>
-    <a:fmtScheme name="Office">
+    <a:fmtScheme name="Thème Office">
       <a:fillStyleLst>
         <a:solidFill>
           <a:schemeClr val="phClr"/>

--- a/Soutenance.pptx
+++ b/Soutenance.pptx
@@ -2,7 +2,7 @@
 <file path=ppt/presentation.xml><?xml version="1.0" encoding="utf-8"?>
 <p:presentation xmlns:a="http://schemas.openxmlformats.org/drawingml/2006/main" xmlns:r="http://schemas.openxmlformats.org/officeDocument/2006/relationships" xmlns:p="http://schemas.openxmlformats.org/presentationml/2006/main" saveSubsetFonts="1">
   <p:sldMasterIdLst>
-    <p:sldMasterId id="2147483678" r:id="rId1"/>
+    <p:sldMasterId id="2147483762" r:id="rId1"/>
   </p:sldMasterIdLst>
   <p:sldIdLst>
     <p:sldId id="258" r:id="rId2"/>
@@ -14,14 +14,16 @@
     <p:sldId id="263" r:id="rId8"/>
     <p:sldId id="264" r:id="rId9"/>
     <p:sldId id="265" r:id="rId10"/>
+    <p:sldId id="266" r:id="rId11"/>
+    <p:sldId id="267" r:id="rId12"/>
   </p:sldIdLst>
   <p:sldSz cx="12192000" cy="6858000"/>
   <p:notesSz cx="6858000" cy="9144000"/>
   <p:defaultTextStyle>
     <a:defPPr>
-      <a:defRPr lang="de-DE"/>
+      <a:defRPr lang="en-US"/>
     </a:defPPr>
-    <a:lvl1pPr marL="0" algn="l" defTabSz="914400" rtl="0" eaLnBrk="1" latinLnBrk="0" hangingPunct="1">
+    <a:lvl1pPr marL="0" algn="l" defTabSz="457200" rtl="0" eaLnBrk="1" latinLnBrk="0" hangingPunct="1">
       <a:defRPr sz="1800" kern="1200">
         <a:solidFill>
           <a:schemeClr val="tx1"/>
@@ -31,7 +33,7 @@
         <a:cs typeface="+mn-cs"/>
       </a:defRPr>
     </a:lvl1pPr>
-    <a:lvl2pPr marL="457200" algn="l" defTabSz="914400" rtl="0" eaLnBrk="1" latinLnBrk="0" hangingPunct="1">
+    <a:lvl2pPr marL="457200" algn="l" defTabSz="457200" rtl="0" eaLnBrk="1" latinLnBrk="0" hangingPunct="1">
       <a:defRPr sz="1800" kern="1200">
         <a:solidFill>
           <a:schemeClr val="tx1"/>
@@ -41,7 +43,7 @@
         <a:cs typeface="+mn-cs"/>
       </a:defRPr>
     </a:lvl2pPr>
-    <a:lvl3pPr marL="914400" algn="l" defTabSz="914400" rtl="0" eaLnBrk="1" latinLnBrk="0" hangingPunct="1">
+    <a:lvl3pPr marL="914400" algn="l" defTabSz="457200" rtl="0" eaLnBrk="1" latinLnBrk="0" hangingPunct="1">
       <a:defRPr sz="1800" kern="1200">
         <a:solidFill>
           <a:schemeClr val="tx1"/>
@@ -51,7 +53,7 @@
         <a:cs typeface="+mn-cs"/>
       </a:defRPr>
     </a:lvl3pPr>
-    <a:lvl4pPr marL="1371600" algn="l" defTabSz="914400" rtl="0" eaLnBrk="1" latinLnBrk="0" hangingPunct="1">
+    <a:lvl4pPr marL="1371600" algn="l" defTabSz="457200" rtl="0" eaLnBrk="1" latinLnBrk="0" hangingPunct="1">
       <a:defRPr sz="1800" kern="1200">
         <a:solidFill>
           <a:schemeClr val="tx1"/>
@@ -61,7 +63,7 @@
         <a:cs typeface="+mn-cs"/>
       </a:defRPr>
     </a:lvl4pPr>
-    <a:lvl5pPr marL="1828800" algn="l" defTabSz="914400" rtl="0" eaLnBrk="1" latinLnBrk="0" hangingPunct="1">
+    <a:lvl5pPr marL="1828800" algn="l" defTabSz="457200" rtl="0" eaLnBrk="1" latinLnBrk="0" hangingPunct="1">
       <a:defRPr sz="1800" kern="1200">
         <a:solidFill>
           <a:schemeClr val="tx1"/>
@@ -71,7 +73,7 @@
         <a:cs typeface="+mn-cs"/>
       </a:defRPr>
     </a:lvl5pPr>
-    <a:lvl6pPr marL="2286000" algn="l" defTabSz="914400" rtl="0" eaLnBrk="1" latinLnBrk="0" hangingPunct="1">
+    <a:lvl6pPr marL="2286000" algn="l" defTabSz="457200" rtl="0" eaLnBrk="1" latinLnBrk="0" hangingPunct="1">
       <a:defRPr sz="1800" kern="1200">
         <a:solidFill>
           <a:schemeClr val="tx1"/>
@@ -81,7 +83,7 @@
         <a:cs typeface="+mn-cs"/>
       </a:defRPr>
     </a:lvl6pPr>
-    <a:lvl7pPr marL="2743200" algn="l" defTabSz="914400" rtl="0" eaLnBrk="1" latinLnBrk="0" hangingPunct="1">
+    <a:lvl7pPr marL="2743200" algn="l" defTabSz="457200" rtl="0" eaLnBrk="1" latinLnBrk="0" hangingPunct="1">
       <a:defRPr sz="1800" kern="1200">
         <a:solidFill>
           <a:schemeClr val="tx1"/>
@@ -91,7 +93,7 @@
         <a:cs typeface="+mn-cs"/>
       </a:defRPr>
     </a:lvl7pPr>
-    <a:lvl8pPr marL="3200400" algn="l" defTabSz="914400" rtl="0" eaLnBrk="1" latinLnBrk="0" hangingPunct="1">
+    <a:lvl8pPr marL="3200400" algn="l" defTabSz="457200" rtl="0" eaLnBrk="1" latinLnBrk="0" hangingPunct="1">
       <a:defRPr sz="1800" kern="1200">
         <a:solidFill>
           <a:schemeClr val="tx1"/>
@@ -101,7 +103,7 @@
         <a:cs typeface="+mn-cs"/>
       </a:defRPr>
     </a:lvl8pPr>
-    <a:lvl9pPr marL="3657600" algn="l" defTabSz="914400" rtl="0" eaLnBrk="1" latinLnBrk="0" hangingPunct="1">
+    <a:lvl9pPr marL="3657600" algn="l" defTabSz="457200" rtl="0" eaLnBrk="1" latinLnBrk="0" hangingPunct="1">
       <a:defRPr sz="1800" kern="1200">
         <a:solidFill>
           <a:schemeClr val="tx1"/>
@@ -1443,7 +1445,7 @@
           </a:lstStyle>
           <a:p>
             <a:r>
-              <a:rPr lang="fr-FR" dirty="0"/>
+              <a:rPr lang="fr-FR"/>
               <a:t>Modifiez le style du titre</a:t>
             </a:r>
             <a:endParaRPr lang="en-US" dirty="0"/>
@@ -1508,7 +1510,7 @@
           </a:lstStyle>
           <a:p>
             <a:r>
-              <a:rPr lang="fr-FR" dirty="0"/>
+              <a:rPr lang="fr-FR"/>
               <a:t>Modifiez le style des sous-titres du masque</a:t>
             </a:r>
             <a:endParaRPr lang="en-US" dirty="0"/>
@@ -1532,7 +1534,7 @@
           <a:p>
             <a:fld id="{638941B0-F4D5-4460-BCAD-F7E2B41A8257}" type="datetimeFigureOut">
               <a:rPr lang="de-DE" smtClean="0"/>
-              <a:t>15.01.2019</a:t>
+              <a:t>16.01.2019</a:t>
             </a:fld>
             <a:endParaRPr lang="de-DE"/>
           </a:p>
@@ -1583,7 +1585,7 @@
     </p:spTree>
     <p:extLst>
       <p:ext uri="{BB962C8B-B14F-4D97-AF65-F5344CB8AC3E}">
-        <p14:creationId xmlns:p14="http://schemas.microsoft.com/office/powerpoint/2010/main" val="2114457509"/>
+        <p14:creationId xmlns:p14="http://schemas.microsoft.com/office/powerpoint/2010/main" val="709948286"/>
       </p:ext>
     </p:extLst>
   </p:cSld>
@@ -1626,7 +1628,7 @@
           <a:lstStyle/>
           <a:p>
             <a:r>
-              <a:rPr lang="fr-FR" dirty="0"/>
+              <a:rPr lang="fr-FR"/>
               <a:t>Modifiez le style du titre</a:t>
             </a:r>
             <a:endParaRPr lang="en-US" dirty="0"/>
@@ -1650,35 +1652,35 @@
           <a:p>
             <a:pPr lvl="0"/>
             <a:r>
-              <a:rPr lang="fr-FR" dirty="0"/>
+              <a:rPr lang="fr-FR"/>
               <a:t>Modifier les styles du texte du masque</a:t>
             </a:r>
           </a:p>
           <a:p>
             <a:pPr lvl="1"/>
             <a:r>
-              <a:rPr lang="fr-FR" dirty="0"/>
+              <a:rPr lang="fr-FR"/>
               <a:t>Deuxième niveau</a:t>
             </a:r>
           </a:p>
           <a:p>
             <a:pPr lvl="2"/>
             <a:r>
-              <a:rPr lang="fr-FR" dirty="0"/>
+              <a:rPr lang="fr-FR"/>
               <a:t>Troisième niveau</a:t>
             </a:r>
           </a:p>
           <a:p>
             <a:pPr lvl="3"/>
             <a:r>
-              <a:rPr lang="fr-FR" dirty="0"/>
+              <a:rPr lang="fr-FR"/>
               <a:t>Quatrième niveau</a:t>
             </a:r>
           </a:p>
           <a:p>
             <a:pPr lvl="4"/>
             <a:r>
-              <a:rPr lang="fr-FR" dirty="0"/>
+              <a:rPr lang="fr-FR"/>
               <a:t>Cinquième niveau</a:t>
             </a:r>
             <a:endParaRPr lang="en-US" dirty="0"/>
@@ -1702,7 +1704,7 @@
           <a:p>
             <a:fld id="{638941B0-F4D5-4460-BCAD-F7E2B41A8257}" type="datetimeFigureOut">
               <a:rPr lang="de-DE" smtClean="0"/>
-              <a:t>15.01.2019</a:t>
+              <a:t>16.01.2019</a:t>
             </a:fld>
             <a:endParaRPr lang="de-DE"/>
           </a:p>
@@ -1753,7 +1755,7 @@
     </p:spTree>
     <p:extLst>
       <p:ext uri="{BB962C8B-B14F-4D97-AF65-F5344CB8AC3E}">
-        <p14:creationId xmlns:p14="http://schemas.microsoft.com/office/powerpoint/2010/main" val="2106322291"/>
+        <p14:creationId xmlns:p14="http://schemas.microsoft.com/office/powerpoint/2010/main" val="1153902841"/>
       </p:ext>
     </p:extLst>
   </p:cSld>
@@ -1801,7 +1803,7 @@
           <a:lstStyle/>
           <a:p>
             <a:r>
-              <a:rPr lang="fr-FR" dirty="0"/>
+              <a:rPr lang="fr-FR"/>
               <a:t>Modifiez le style du titre</a:t>
             </a:r>
             <a:endParaRPr lang="en-US" dirty="0"/>
@@ -1830,35 +1832,35 @@
           <a:p>
             <a:pPr lvl="0"/>
             <a:r>
-              <a:rPr lang="fr-FR" dirty="0"/>
+              <a:rPr lang="fr-FR"/>
               <a:t>Modifier les styles du texte du masque</a:t>
             </a:r>
           </a:p>
           <a:p>
             <a:pPr lvl="1"/>
             <a:r>
-              <a:rPr lang="fr-FR" dirty="0"/>
+              <a:rPr lang="fr-FR"/>
               <a:t>Deuxième niveau</a:t>
             </a:r>
           </a:p>
           <a:p>
             <a:pPr lvl="2"/>
             <a:r>
-              <a:rPr lang="fr-FR" dirty="0"/>
+              <a:rPr lang="fr-FR"/>
               <a:t>Troisième niveau</a:t>
             </a:r>
           </a:p>
           <a:p>
             <a:pPr lvl="3"/>
             <a:r>
-              <a:rPr lang="fr-FR" dirty="0"/>
+              <a:rPr lang="fr-FR"/>
               <a:t>Quatrième niveau</a:t>
             </a:r>
           </a:p>
           <a:p>
             <a:pPr lvl="4"/>
             <a:r>
-              <a:rPr lang="fr-FR" dirty="0"/>
+              <a:rPr lang="fr-FR"/>
               <a:t>Cinquième niveau</a:t>
             </a:r>
             <a:endParaRPr lang="en-US" dirty="0"/>
@@ -1882,7 +1884,7 @@
           <a:p>
             <a:fld id="{638941B0-F4D5-4460-BCAD-F7E2B41A8257}" type="datetimeFigureOut">
               <a:rPr lang="de-DE" smtClean="0"/>
-              <a:t>15.01.2019</a:t>
+              <a:t>16.01.2019</a:t>
             </a:fld>
             <a:endParaRPr lang="de-DE"/>
           </a:p>
@@ -1933,7 +1935,7 @@
     </p:spTree>
     <p:extLst>
       <p:ext uri="{BB962C8B-B14F-4D97-AF65-F5344CB8AC3E}">
-        <p14:creationId xmlns:p14="http://schemas.microsoft.com/office/powerpoint/2010/main" val="1924568950"/>
+        <p14:creationId xmlns:p14="http://schemas.microsoft.com/office/powerpoint/2010/main" val="3821075936"/>
       </p:ext>
     </p:extLst>
   </p:cSld>
@@ -1976,7 +1978,7 @@
           <a:lstStyle/>
           <a:p>
             <a:r>
-              <a:rPr lang="fr-FR" dirty="0"/>
+              <a:rPr lang="fr-FR"/>
               <a:t>Modifiez le style du titre</a:t>
             </a:r>
             <a:endParaRPr lang="en-US" dirty="0"/>
@@ -2000,35 +2002,35 @@
           <a:p>
             <a:pPr lvl="0"/>
             <a:r>
-              <a:rPr lang="fr-FR" dirty="0"/>
+              <a:rPr lang="fr-FR"/>
               <a:t>Modifier les styles du texte du masque</a:t>
             </a:r>
           </a:p>
           <a:p>
             <a:pPr lvl="1"/>
             <a:r>
-              <a:rPr lang="fr-FR" dirty="0"/>
+              <a:rPr lang="fr-FR"/>
               <a:t>Deuxième niveau</a:t>
             </a:r>
           </a:p>
           <a:p>
             <a:pPr lvl="2"/>
             <a:r>
-              <a:rPr lang="fr-FR" dirty="0"/>
+              <a:rPr lang="fr-FR"/>
               <a:t>Troisième niveau</a:t>
             </a:r>
           </a:p>
           <a:p>
             <a:pPr lvl="3"/>
             <a:r>
-              <a:rPr lang="fr-FR" dirty="0"/>
+              <a:rPr lang="fr-FR"/>
               <a:t>Quatrième niveau</a:t>
             </a:r>
           </a:p>
           <a:p>
             <a:pPr lvl="4"/>
             <a:r>
-              <a:rPr lang="fr-FR" dirty="0"/>
+              <a:rPr lang="fr-FR"/>
               <a:t>Cinquième niveau</a:t>
             </a:r>
             <a:endParaRPr lang="en-US" dirty="0"/>
@@ -2052,7 +2054,7 @@
           <a:p>
             <a:fld id="{638941B0-F4D5-4460-BCAD-F7E2B41A8257}" type="datetimeFigureOut">
               <a:rPr lang="de-DE" smtClean="0"/>
-              <a:t>15.01.2019</a:t>
+              <a:t>16.01.2019</a:t>
             </a:fld>
             <a:endParaRPr lang="de-DE"/>
           </a:p>
@@ -2103,7 +2105,7 @@
     </p:spTree>
     <p:extLst>
       <p:ext uri="{BB962C8B-B14F-4D97-AF65-F5344CB8AC3E}">
-        <p14:creationId xmlns:p14="http://schemas.microsoft.com/office/powerpoint/2010/main" val="2431597581"/>
+        <p14:creationId xmlns:p14="http://schemas.microsoft.com/office/powerpoint/2010/main" val="649585547"/>
       </p:ext>
     </p:extLst>
   </p:cSld>
@@ -2155,7 +2157,7 @@
           </a:lstStyle>
           <a:p>
             <a:r>
-              <a:rPr lang="fr-FR" dirty="0"/>
+              <a:rPr lang="fr-FR"/>
               <a:t>Modifiez le style du titre</a:t>
             </a:r>
             <a:endParaRPr lang="en-US" dirty="0"/>
@@ -2275,7 +2277,7 @@
           <a:p>
             <a:pPr lvl="0"/>
             <a:r>
-              <a:rPr lang="fr-FR" dirty="0"/>
+              <a:rPr lang="fr-FR"/>
               <a:t>Modifier les styles du texte du masque</a:t>
             </a:r>
           </a:p>
@@ -2298,7 +2300,7 @@
           <a:p>
             <a:fld id="{638941B0-F4D5-4460-BCAD-F7E2B41A8257}" type="datetimeFigureOut">
               <a:rPr lang="de-DE" smtClean="0"/>
-              <a:t>15.01.2019</a:t>
+              <a:t>16.01.2019</a:t>
             </a:fld>
             <a:endParaRPr lang="de-DE"/>
           </a:p>
@@ -2349,7 +2351,7 @@
     </p:spTree>
     <p:extLst>
       <p:ext uri="{BB962C8B-B14F-4D97-AF65-F5344CB8AC3E}">
-        <p14:creationId xmlns:p14="http://schemas.microsoft.com/office/powerpoint/2010/main" val="33830033"/>
+        <p14:creationId xmlns:p14="http://schemas.microsoft.com/office/powerpoint/2010/main" val="2354062500"/>
       </p:ext>
     </p:extLst>
   </p:cSld>
@@ -2392,7 +2394,7 @@
           <a:lstStyle/>
           <a:p>
             <a:r>
-              <a:rPr lang="fr-FR" dirty="0"/>
+              <a:rPr lang="fr-FR"/>
               <a:t>Modifiez le style du titre</a:t>
             </a:r>
             <a:endParaRPr lang="en-US" dirty="0"/>
@@ -2421,35 +2423,35 @@
           <a:p>
             <a:pPr lvl="0"/>
             <a:r>
-              <a:rPr lang="fr-FR" dirty="0"/>
+              <a:rPr lang="fr-FR"/>
               <a:t>Modifier les styles du texte du masque</a:t>
             </a:r>
           </a:p>
           <a:p>
             <a:pPr lvl="1"/>
             <a:r>
-              <a:rPr lang="fr-FR" dirty="0"/>
+              <a:rPr lang="fr-FR"/>
               <a:t>Deuxième niveau</a:t>
             </a:r>
           </a:p>
           <a:p>
             <a:pPr lvl="2"/>
             <a:r>
-              <a:rPr lang="fr-FR" dirty="0"/>
+              <a:rPr lang="fr-FR"/>
               <a:t>Troisième niveau</a:t>
             </a:r>
           </a:p>
           <a:p>
             <a:pPr lvl="3"/>
             <a:r>
-              <a:rPr lang="fr-FR" dirty="0"/>
+              <a:rPr lang="fr-FR"/>
               <a:t>Quatrième niveau</a:t>
             </a:r>
           </a:p>
           <a:p>
             <a:pPr lvl="4"/>
             <a:r>
-              <a:rPr lang="fr-FR" dirty="0"/>
+              <a:rPr lang="fr-FR"/>
               <a:t>Cinquième niveau</a:t>
             </a:r>
             <a:endParaRPr lang="en-US" dirty="0"/>
@@ -2478,35 +2480,35 @@
           <a:p>
             <a:pPr lvl="0"/>
             <a:r>
-              <a:rPr lang="fr-FR" dirty="0"/>
+              <a:rPr lang="fr-FR"/>
               <a:t>Modifier les styles du texte du masque</a:t>
             </a:r>
           </a:p>
           <a:p>
             <a:pPr lvl="1"/>
             <a:r>
-              <a:rPr lang="fr-FR" dirty="0"/>
+              <a:rPr lang="fr-FR"/>
               <a:t>Deuxième niveau</a:t>
             </a:r>
           </a:p>
           <a:p>
             <a:pPr lvl="2"/>
             <a:r>
-              <a:rPr lang="fr-FR" dirty="0"/>
+              <a:rPr lang="fr-FR"/>
               <a:t>Troisième niveau</a:t>
             </a:r>
           </a:p>
           <a:p>
             <a:pPr lvl="3"/>
             <a:r>
-              <a:rPr lang="fr-FR" dirty="0"/>
+              <a:rPr lang="fr-FR"/>
               <a:t>Quatrième niveau</a:t>
             </a:r>
           </a:p>
           <a:p>
             <a:pPr lvl="4"/>
             <a:r>
-              <a:rPr lang="fr-FR" dirty="0"/>
+              <a:rPr lang="fr-FR"/>
               <a:t>Cinquième niveau</a:t>
             </a:r>
             <a:endParaRPr lang="en-US" dirty="0"/>
@@ -2530,7 +2532,7 @@
           <a:p>
             <a:fld id="{638941B0-F4D5-4460-BCAD-F7E2B41A8257}" type="datetimeFigureOut">
               <a:rPr lang="de-DE" smtClean="0"/>
-              <a:t>15.01.2019</a:t>
+              <a:t>16.01.2019</a:t>
             </a:fld>
             <a:endParaRPr lang="de-DE"/>
           </a:p>
@@ -2581,7 +2583,7 @@
     </p:spTree>
     <p:extLst>
       <p:ext uri="{BB962C8B-B14F-4D97-AF65-F5344CB8AC3E}">
-        <p14:creationId xmlns:p14="http://schemas.microsoft.com/office/powerpoint/2010/main" val="858750340"/>
+        <p14:creationId xmlns:p14="http://schemas.microsoft.com/office/powerpoint/2010/main" val="46232341"/>
       </p:ext>
     </p:extLst>
   </p:cSld>
@@ -2629,7 +2631,7 @@
           <a:lstStyle/>
           <a:p>
             <a:r>
-              <a:rPr lang="fr-FR" dirty="0"/>
+              <a:rPr lang="fr-FR"/>
               <a:t>Modifiez le style du titre</a:t>
             </a:r>
             <a:endParaRPr lang="en-US" dirty="0"/>
@@ -2695,7 +2697,7 @@
           <a:p>
             <a:pPr lvl="0"/>
             <a:r>
-              <a:rPr lang="fr-FR" dirty="0"/>
+              <a:rPr lang="fr-FR"/>
               <a:t>Modifier les styles du texte du masque</a:t>
             </a:r>
           </a:p>
@@ -2723,35 +2725,35 @@
           <a:p>
             <a:pPr lvl="0"/>
             <a:r>
-              <a:rPr lang="fr-FR" dirty="0"/>
+              <a:rPr lang="fr-FR"/>
               <a:t>Modifier les styles du texte du masque</a:t>
             </a:r>
           </a:p>
           <a:p>
             <a:pPr lvl="1"/>
             <a:r>
-              <a:rPr lang="fr-FR" dirty="0"/>
+              <a:rPr lang="fr-FR"/>
               <a:t>Deuxième niveau</a:t>
             </a:r>
           </a:p>
           <a:p>
             <a:pPr lvl="2"/>
             <a:r>
-              <a:rPr lang="fr-FR" dirty="0"/>
+              <a:rPr lang="fr-FR"/>
               <a:t>Troisième niveau</a:t>
             </a:r>
           </a:p>
           <a:p>
             <a:pPr lvl="3"/>
             <a:r>
-              <a:rPr lang="fr-FR" dirty="0"/>
+              <a:rPr lang="fr-FR"/>
               <a:t>Quatrième niveau</a:t>
             </a:r>
           </a:p>
           <a:p>
             <a:pPr lvl="4"/>
             <a:r>
-              <a:rPr lang="fr-FR" dirty="0"/>
+              <a:rPr lang="fr-FR"/>
               <a:t>Cinquième niveau</a:t>
             </a:r>
             <a:endParaRPr lang="en-US" dirty="0"/>
@@ -2817,7 +2819,7 @@
           <a:p>
             <a:pPr lvl="0"/>
             <a:r>
-              <a:rPr lang="fr-FR" dirty="0"/>
+              <a:rPr lang="fr-FR"/>
               <a:t>Modifier les styles du texte du masque</a:t>
             </a:r>
           </a:p>
@@ -2845,35 +2847,35 @@
           <a:p>
             <a:pPr lvl="0"/>
             <a:r>
-              <a:rPr lang="fr-FR" dirty="0"/>
+              <a:rPr lang="fr-FR"/>
               <a:t>Modifier les styles du texte du masque</a:t>
             </a:r>
           </a:p>
           <a:p>
             <a:pPr lvl="1"/>
             <a:r>
-              <a:rPr lang="fr-FR" dirty="0"/>
+              <a:rPr lang="fr-FR"/>
               <a:t>Deuxième niveau</a:t>
             </a:r>
           </a:p>
           <a:p>
             <a:pPr lvl="2"/>
             <a:r>
-              <a:rPr lang="fr-FR" dirty="0"/>
+              <a:rPr lang="fr-FR"/>
               <a:t>Troisième niveau</a:t>
             </a:r>
           </a:p>
           <a:p>
             <a:pPr lvl="3"/>
             <a:r>
-              <a:rPr lang="fr-FR" dirty="0"/>
+              <a:rPr lang="fr-FR"/>
               <a:t>Quatrième niveau</a:t>
             </a:r>
           </a:p>
           <a:p>
             <a:pPr lvl="4"/>
             <a:r>
-              <a:rPr lang="fr-FR" dirty="0"/>
+              <a:rPr lang="fr-FR"/>
               <a:t>Cinquième niveau</a:t>
             </a:r>
             <a:endParaRPr lang="en-US" dirty="0"/>
@@ -2897,7 +2899,7 @@
           <a:p>
             <a:fld id="{638941B0-F4D5-4460-BCAD-F7E2B41A8257}" type="datetimeFigureOut">
               <a:rPr lang="de-DE" smtClean="0"/>
-              <a:t>15.01.2019</a:t>
+              <a:t>16.01.2019</a:t>
             </a:fld>
             <a:endParaRPr lang="de-DE"/>
           </a:p>
@@ -2948,7 +2950,7 @@
     </p:spTree>
     <p:extLst>
       <p:ext uri="{BB962C8B-B14F-4D97-AF65-F5344CB8AC3E}">
-        <p14:creationId xmlns:p14="http://schemas.microsoft.com/office/powerpoint/2010/main" val="1158078421"/>
+        <p14:creationId xmlns:p14="http://schemas.microsoft.com/office/powerpoint/2010/main" val="3715715425"/>
       </p:ext>
     </p:extLst>
   </p:cSld>
@@ -2991,7 +2993,7 @@
           <a:lstStyle/>
           <a:p>
             <a:r>
-              <a:rPr lang="fr-FR" dirty="0"/>
+              <a:rPr lang="fr-FR"/>
               <a:t>Modifiez le style du titre</a:t>
             </a:r>
             <a:endParaRPr lang="en-US" dirty="0"/>
@@ -3015,7 +3017,7 @@
           <a:p>
             <a:fld id="{638941B0-F4D5-4460-BCAD-F7E2B41A8257}" type="datetimeFigureOut">
               <a:rPr lang="de-DE" smtClean="0"/>
-              <a:t>15.01.2019</a:t>
+              <a:t>16.01.2019</a:t>
             </a:fld>
             <a:endParaRPr lang="de-DE"/>
           </a:p>
@@ -3066,7 +3068,7 @@
     </p:spTree>
     <p:extLst>
       <p:ext uri="{BB962C8B-B14F-4D97-AF65-F5344CB8AC3E}">
-        <p14:creationId xmlns:p14="http://schemas.microsoft.com/office/powerpoint/2010/main" val="3036629509"/>
+        <p14:creationId xmlns:p14="http://schemas.microsoft.com/office/powerpoint/2010/main" val="2454132157"/>
       </p:ext>
     </p:extLst>
   </p:cSld>
@@ -3110,7 +3112,7 @@
           <a:p>
             <a:fld id="{638941B0-F4D5-4460-BCAD-F7E2B41A8257}" type="datetimeFigureOut">
               <a:rPr lang="de-DE" smtClean="0"/>
-              <a:t>15.01.2019</a:t>
+              <a:t>16.01.2019</a:t>
             </a:fld>
             <a:endParaRPr lang="de-DE"/>
           </a:p>
@@ -3161,7 +3163,7 @@
     </p:spTree>
     <p:extLst>
       <p:ext uri="{BB962C8B-B14F-4D97-AF65-F5344CB8AC3E}">
-        <p14:creationId xmlns:p14="http://schemas.microsoft.com/office/powerpoint/2010/main" val="3047066766"/>
+        <p14:creationId xmlns:p14="http://schemas.microsoft.com/office/powerpoint/2010/main" val="456922446"/>
       </p:ext>
     </p:extLst>
   </p:cSld>
@@ -3213,7 +3215,7 @@
           </a:lstStyle>
           <a:p>
             <a:r>
-              <a:rPr lang="fr-FR" dirty="0"/>
+              <a:rPr lang="fr-FR"/>
               <a:t>Modifiez le style du titre</a:t>
             </a:r>
             <a:endParaRPr lang="en-US" dirty="0"/>
@@ -3270,35 +3272,35 @@
           <a:p>
             <a:pPr lvl="0"/>
             <a:r>
-              <a:rPr lang="fr-FR" dirty="0"/>
+              <a:rPr lang="fr-FR"/>
               <a:t>Modifier les styles du texte du masque</a:t>
             </a:r>
           </a:p>
           <a:p>
             <a:pPr lvl="1"/>
             <a:r>
-              <a:rPr lang="fr-FR" dirty="0"/>
+              <a:rPr lang="fr-FR"/>
               <a:t>Deuxième niveau</a:t>
             </a:r>
           </a:p>
           <a:p>
             <a:pPr lvl="2"/>
             <a:r>
-              <a:rPr lang="fr-FR" dirty="0"/>
+              <a:rPr lang="fr-FR"/>
               <a:t>Troisième niveau</a:t>
             </a:r>
           </a:p>
           <a:p>
             <a:pPr lvl="3"/>
             <a:r>
-              <a:rPr lang="fr-FR" dirty="0"/>
+              <a:rPr lang="fr-FR"/>
               <a:t>Quatrième niveau</a:t>
             </a:r>
           </a:p>
           <a:p>
             <a:pPr lvl="4"/>
             <a:r>
-              <a:rPr lang="fr-FR" dirty="0"/>
+              <a:rPr lang="fr-FR"/>
               <a:t>Cinquième niveau</a:t>
             </a:r>
             <a:endParaRPr lang="en-US" dirty="0"/>
@@ -3364,7 +3366,7 @@
           <a:p>
             <a:pPr lvl="0"/>
             <a:r>
-              <a:rPr lang="fr-FR" dirty="0"/>
+              <a:rPr lang="fr-FR"/>
               <a:t>Modifier les styles du texte du masque</a:t>
             </a:r>
           </a:p>
@@ -3387,7 +3389,7 @@
           <a:p>
             <a:fld id="{638941B0-F4D5-4460-BCAD-F7E2B41A8257}" type="datetimeFigureOut">
               <a:rPr lang="de-DE" smtClean="0"/>
-              <a:t>15.01.2019</a:t>
+              <a:t>16.01.2019</a:t>
             </a:fld>
             <a:endParaRPr lang="de-DE"/>
           </a:p>
@@ -3438,7 +3440,7 @@
     </p:spTree>
     <p:extLst>
       <p:ext uri="{BB962C8B-B14F-4D97-AF65-F5344CB8AC3E}">
-        <p14:creationId xmlns:p14="http://schemas.microsoft.com/office/powerpoint/2010/main" val="541648925"/>
+        <p14:creationId xmlns:p14="http://schemas.microsoft.com/office/powerpoint/2010/main" val="3660380380"/>
       </p:ext>
     </p:extLst>
   </p:cSld>
@@ -3490,7 +3492,7 @@
           </a:lstStyle>
           <a:p>
             <a:r>
-              <a:rPr lang="fr-FR" dirty="0"/>
+              <a:rPr lang="fr-FR"/>
               <a:t>Modifiez le style du titre</a:t>
             </a:r>
             <a:endParaRPr lang="en-US" dirty="0"/>
@@ -3555,7 +3557,7 @@
           </a:lstStyle>
           <a:p>
             <a:r>
-              <a:rPr lang="fr-FR" dirty="0"/>
+              <a:rPr lang="fr-FR"/>
               <a:t>Cliquez sur l'icône pour ajouter une image</a:t>
             </a:r>
             <a:endParaRPr lang="en-US" dirty="0"/>
@@ -3621,7 +3623,7 @@
           <a:p>
             <a:pPr lvl="0"/>
             <a:r>
-              <a:rPr lang="fr-FR" dirty="0"/>
+              <a:rPr lang="fr-FR"/>
               <a:t>Modifier les styles du texte du masque</a:t>
             </a:r>
           </a:p>
@@ -3644,7 +3646,7 @@
           <a:p>
             <a:fld id="{638941B0-F4D5-4460-BCAD-F7E2B41A8257}" type="datetimeFigureOut">
               <a:rPr lang="de-DE" smtClean="0"/>
-              <a:t>15.01.2019</a:t>
+              <a:t>16.01.2019</a:t>
             </a:fld>
             <a:endParaRPr lang="de-DE"/>
           </a:p>
@@ -3695,7 +3697,7 @@
     </p:spTree>
     <p:extLst>
       <p:ext uri="{BB962C8B-B14F-4D97-AF65-F5344CB8AC3E}">
-        <p14:creationId xmlns:p14="http://schemas.microsoft.com/office/powerpoint/2010/main" val="837784061"/>
+        <p14:creationId xmlns:p14="http://schemas.microsoft.com/office/powerpoint/2010/main" val="4221484467"/>
       </p:ext>
     </p:extLst>
   </p:cSld>
@@ -3753,7 +3755,7 @@
           <a:lstStyle/>
           <a:p>
             <a:r>
-              <a:rPr lang="fr-FR" dirty="0"/>
+              <a:rPr lang="fr-FR"/>
               <a:t>Modifiez le style du titre</a:t>
             </a:r>
             <a:endParaRPr lang="en-US" dirty="0"/>
@@ -3787,35 +3789,35 @@
           <a:p>
             <a:pPr lvl="0"/>
             <a:r>
-              <a:rPr lang="fr-FR" dirty="0"/>
+              <a:rPr lang="fr-FR"/>
               <a:t>Modifier les styles du texte du masque</a:t>
             </a:r>
           </a:p>
           <a:p>
             <a:pPr lvl="1"/>
             <a:r>
-              <a:rPr lang="fr-FR" dirty="0"/>
+              <a:rPr lang="fr-FR"/>
               <a:t>Deuxième niveau</a:t>
             </a:r>
           </a:p>
           <a:p>
             <a:pPr lvl="2"/>
             <a:r>
-              <a:rPr lang="fr-FR" dirty="0"/>
+              <a:rPr lang="fr-FR"/>
               <a:t>Troisième niveau</a:t>
             </a:r>
           </a:p>
           <a:p>
             <a:pPr lvl="3"/>
             <a:r>
-              <a:rPr lang="fr-FR" dirty="0"/>
+              <a:rPr lang="fr-FR"/>
               <a:t>Quatrième niveau</a:t>
             </a:r>
           </a:p>
           <a:p>
             <a:pPr lvl="4"/>
             <a:r>
-              <a:rPr lang="fr-FR" dirty="0"/>
+              <a:rPr lang="fr-FR"/>
               <a:t>Cinquième niveau</a:t>
             </a:r>
             <a:endParaRPr lang="en-US" dirty="0"/>
@@ -3857,7 +3859,7 @@
           <a:p>
             <a:fld id="{638941B0-F4D5-4460-BCAD-F7E2B41A8257}" type="datetimeFigureOut">
               <a:rPr lang="de-DE" smtClean="0"/>
-              <a:t>15.01.2019</a:t>
+              <a:t>16.01.2019</a:t>
             </a:fld>
             <a:endParaRPr lang="de-DE"/>
           </a:p>
@@ -3944,23 +3946,23 @@
     </p:spTree>
     <p:extLst>
       <p:ext uri="{BB962C8B-B14F-4D97-AF65-F5344CB8AC3E}">
-        <p14:creationId xmlns:p14="http://schemas.microsoft.com/office/powerpoint/2010/main" val="2518322361"/>
+        <p14:creationId xmlns:p14="http://schemas.microsoft.com/office/powerpoint/2010/main" val="3448413695"/>
       </p:ext>
     </p:extLst>
   </p:cSld>
   <p:clrMap bg1="lt1" tx1="dk1" bg2="lt2" tx2="dk2" accent1="accent1" accent2="accent2" accent3="accent3" accent4="accent4" accent5="accent5" accent6="accent6" hlink="hlink" folHlink="folHlink"/>
   <p:sldLayoutIdLst>
-    <p:sldLayoutId id="2147483679" r:id="rId1"/>
-    <p:sldLayoutId id="2147483680" r:id="rId2"/>
-    <p:sldLayoutId id="2147483681" r:id="rId3"/>
-    <p:sldLayoutId id="2147483682" r:id="rId4"/>
-    <p:sldLayoutId id="2147483683" r:id="rId5"/>
-    <p:sldLayoutId id="2147483684" r:id="rId6"/>
-    <p:sldLayoutId id="2147483685" r:id="rId7"/>
-    <p:sldLayoutId id="2147483686" r:id="rId8"/>
-    <p:sldLayoutId id="2147483687" r:id="rId9"/>
-    <p:sldLayoutId id="2147483688" r:id="rId10"/>
-    <p:sldLayoutId id="2147483689" r:id="rId11"/>
+    <p:sldLayoutId id="2147483763" r:id="rId1"/>
+    <p:sldLayoutId id="2147483764" r:id="rId2"/>
+    <p:sldLayoutId id="2147483765" r:id="rId3"/>
+    <p:sldLayoutId id="2147483766" r:id="rId4"/>
+    <p:sldLayoutId id="2147483767" r:id="rId5"/>
+    <p:sldLayoutId id="2147483768" r:id="rId6"/>
+    <p:sldLayoutId id="2147483769" r:id="rId7"/>
+    <p:sldLayoutId id="2147483770" r:id="rId8"/>
+    <p:sldLayoutId id="2147483771" r:id="rId9"/>
+    <p:sldLayoutId id="2147483772" r:id="rId10"/>
+    <p:sldLayoutId id="2147483773" r:id="rId11"/>
   </p:sldLayoutIdLst>
   <p:txStyles>
     <p:titleStyle>
@@ -4272,10 +4274,10 @@
       </p:grpSpPr>
       <p:sp>
         <p:nvSpPr>
-          <p:cNvPr id="37" name="Rectangle 28">
+          <p:cNvPr id="39" name="Rectangle: Top Corners Rounded 24">
             <a:extLst>
               <a:ext uri="{FF2B5EF4-FFF2-40B4-BE49-F238E27FC236}">
-                <a16:creationId xmlns:a16="http://schemas.microsoft.com/office/drawing/2014/main" id="{99899462-FC16-43B0-966B-FCA263450716}"/>
+                <a16:creationId xmlns:a16="http://schemas.microsoft.com/office/drawing/2014/main" id="{B1E3044D-AD17-4052-A453-8AA654EFAB6E}"/>
               </a:ext>
               <a:ext uri="{C183D7F6-B498-43B3-948B-1728B52AA6E4}">
                 <adec:decorative xmlns:adec="http://schemas.microsoft.com/office/drawing/2017/decorative" val="1"/>
@@ -4293,20 +4295,156 @@
             </p:extLst>
           </p:nvPr>
         </p:nvSpPr>
-        <p:spPr bwMode="ltGray">
-          <a:xfrm>
-            <a:off x="4654295" y="478232"/>
-            <a:ext cx="7034121" cy="5918673"/>
+        <p:spPr>
+          <a:xfrm rot="16200000">
+            <a:off x="6797978" y="996722"/>
+            <a:ext cx="5923488" cy="4864556"/>
           </a:xfrm>
-          <a:prstGeom prst="rect">
-            <a:avLst/>
+          <a:prstGeom prst="round2SameRect">
+            <a:avLst>
+              <a:gd name="adj1" fmla="val 3762"/>
+              <a:gd name="adj2" fmla="val 0"/>
+            </a:avLst>
           </a:prstGeom>
           <a:solidFill>
             <a:srgbClr val="404040"/>
           </a:solidFill>
-          <a:ln w="127000" cap="sq" cmpd="thinThick">
+          <a:ln>
+            <a:noFill/>
+          </a:ln>
+        </p:spPr>
+        <p:style>
+          <a:lnRef idx="2">
+            <a:schemeClr val="accent1">
+              <a:shade val="50000"/>
+            </a:schemeClr>
+          </a:lnRef>
+          <a:fillRef idx="1">
+            <a:schemeClr val="accent1"/>
+          </a:fillRef>
+          <a:effectRef idx="0">
+            <a:schemeClr val="accent1"/>
+          </a:effectRef>
+          <a:fontRef idx="minor">
+            <a:schemeClr val="lt1"/>
+          </a:fontRef>
+        </p:style>
+        <p:txBody>
+          <a:bodyPr rtlCol="0" anchor="ctr"/>
+          <a:lstStyle/>
+          <a:p>
+            <a:pPr marL="0" marR="0" lvl="0" indent="0" algn="ctr" defTabSz="914400" rtl="0" eaLnBrk="1" fontAlgn="auto" latinLnBrk="0" hangingPunct="1">
+              <a:lnSpc>
+                <a:spcPct val="100000"/>
+              </a:lnSpc>
+              <a:spcBef>
+                <a:spcPts val="0"/>
+              </a:spcBef>
+              <a:spcAft>
+                <a:spcPts val="0"/>
+              </a:spcAft>
+              <a:buClrTx/>
+              <a:buSzTx/>
+              <a:buFontTx/>
+              <a:buNone/>
+              <a:tabLst/>
+              <a:defRPr/>
+            </a:pPr>
+            <a:endParaRPr kumimoji="0" lang="en-US" sz="1800" b="0" i="0" u="none" strike="noStrike" kern="1200" cap="none" spc="0" normalizeH="0" baseline="0" noProof="0">
+              <a:ln>
+                <a:noFill/>
+              </a:ln>
+              <a:solidFill>
+                <a:prstClr val="white"/>
+              </a:solidFill>
+              <a:effectLst/>
+              <a:uLnTx/>
+              <a:uFillTx/>
+              <a:latin typeface="Calibri" panose="020F0502020204030204"/>
+              <a:ea typeface="+mn-ea"/>
+              <a:cs typeface="+mn-cs"/>
+            </a:endParaRPr>
+          </a:p>
+        </p:txBody>
+      </p:sp>
+      <p:sp>
+        <p:nvSpPr>
+          <p:cNvPr id="2" name="Titre 1">
+            <a:extLst>
+              <a:ext uri="{FF2B5EF4-FFF2-40B4-BE49-F238E27FC236}">
+                <a16:creationId xmlns:a16="http://schemas.microsoft.com/office/drawing/2014/main" id="{3549F3D4-5B77-43B7-8841-0F37AB9F7F9D}"/>
+              </a:ext>
+            </a:extLst>
+          </p:cNvPr>
+          <p:cNvSpPr>
+            <a:spLocks noGrp="1"/>
+          </p:cNvSpPr>
+          <p:nvPr>
+            <p:ph type="title"/>
+          </p:nvPr>
+        </p:nvSpPr>
+        <p:spPr>
+          <a:xfrm>
+            <a:off x="7856388" y="975365"/>
+            <a:ext cx="3847882" cy="1691907"/>
+          </a:xfrm>
+        </p:spPr>
+        <p:txBody>
+          <a:bodyPr vert="horz" lIns="91440" tIns="45720" rIns="91440" bIns="45720" rtlCol="0" anchor="ctr">
+            <a:normAutofit/>
+          </a:bodyPr>
+          <a:lstStyle/>
+          <a:p>
+            <a:r>
+              <a:rPr lang="en-US" sz="4000">
+                <a:solidFill>
+                  <a:srgbClr val="FFFFFF"/>
+                </a:solidFill>
+              </a:rPr>
+              <a:t>SOUTENANCE</a:t>
+            </a:r>
+          </a:p>
+        </p:txBody>
+      </p:sp>
+      <p:sp>
+        <p:nvSpPr>
+          <p:cNvPr id="40" name="Round Single Corner Rectangle 24">
+            <a:extLst>
+              <a:ext uri="{FF2B5EF4-FFF2-40B4-BE49-F238E27FC236}">
+                <a16:creationId xmlns:a16="http://schemas.microsoft.com/office/drawing/2014/main" id="{81289F98-975F-4EB2-9553-8E1A9946BA3F}"/>
+              </a:ext>
+              <a:ext uri="{C183D7F6-B498-43B3-948B-1728B52AA6E4}">
+                <adec:decorative xmlns:adec="http://schemas.microsoft.com/office/drawing/2017/decorative" val="1"/>
+              </a:ext>
+            </a:extLst>
+          </p:cNvPr>
+          <p:cNvSpPr>
+            <a:spLocks noGrp="1" noRot="1" noChangeAspect="1" noMove="1" noResize="1" noEditPoints="1" noAdjustHandles="1" noChangeArrowheads="1" noChangeShapeType="1" noTextEdit="1"/>
+          </p:cNvSpPr>
+          <p:nvPr>
+            <p:extLst>
+              <p:ext uri="{386F3935-93C4-4BCD-93E2-E3B085C9AB24}">
+                <p16:designElem xmlns:p16="http://schemas.microsoft.com/office/powerpoint/2015/main" val="1"/>
+              </p:ext>
+            </p:extLst>
+          </p:nvPr>
+        </p:nvSpPr>
+        <p:spPr>
+          <a:xfrm rot="16200000">
+            <a:off x="911284" y="635058"/>
+            <a:ext cx="2657864" cy="2657864"/>
+          </a:xfrm>
+          <a:prstGeom prst="round1Rect">
+            <a:avLst>
+              <a:gd name="adj" fmla="val 11295"/>
+            </a:avLst>
+          </a:prstGeom>
+          <a:solidFill>
+            <a:srgbClr val="FFFFFF"/>
+          </a:solidFill>
+          <a:ln w="57150">
             <a:solidFill>
-              <a:srgbClr val="404040"/>
+              <a:srgbClr val="572C21"/>
             </a:solidFill>
           </a:ln>
         </p:spPr>
@@ -4327,50 +4465,45 @@
           </a:fontRef>
         </p:style>
         <p:txBody>
-          <a:bodyPr rtlCol="0" anchor="ctr"/>
-          <a:lstStyle/>
-          <a:p>
-            <a:pPr algn="ctr"/>
-            <a:endParaRPr lang="en-US"/>
-          </a:p>
-        </p:txBody>
-      </p:sp>
-      <p:sp>
-        <p:nvSpPr>
-          <p:cNvPr id="2" name="Titre 1">
-            <a:extLst>
-              <a:ext uri="{FF2B5EF4-FFF2-40B4-BE49-F238E27FC236}">
-                <a16:creationId xmlns:a16="http://schemas.microsoft.com/office/drawing/2014/main" id="{3549F3D4-5B77-43B7-8841-0F37AB9F7F9D}"/>
-              </a:ext>
-            </a:extLst>
-          </p:cNvPr>
-          <p:cNvSpPr>
-            <a:spLocks noGrp="1"/>
-          </p:cNvSpPr>
-          <p:nvPr>
-            <p:ph type="title"/>
-          </p:nvPr>
-        </p:nvSpPr>
-        <p:spPr>
-          <a:xfrm>
-            <a:off x="5297762" y="1053711"/>
-            <a:ext cx="5638994" cy="1424446"/>
-          </a:xfrm>
-        </p:spPr>
-        <p:txBody>
-          <a:bodyPr vert="horz" lIns="91440" tIns="45720" rIns="91440" bIns="45720" rtlCol="0" anchor="ctr">
-            <a:normAutofit/>
+          <a:bodyPr rot="0" spcFirstLastPara="0" vertOverflow="overflow" horzOverflow="overflow" vert="horz" wrap="square" lIns="91440" tIns="45720" rIns="91440" bIns="45720" numCol="1" spcCol="0" rtlCol="0" fromWordArt="0" anchor="ctr" anchorCtr="0" forceAA="0" compatLnSpc="1">
+            <a:prstTxWarp prst="textNoShape">
+              <a:avLst/>
+            </a:prstTxWarp>
+            <a:noAutofit/>
           </a:bodyPr>
           <a:lstStyle/>
           <a:p>
-            <a:r>
-              <a:rPr lang="en-US">
-                <a:solidFill>
-                  <a:srgbClr val="FFFFFF"/>
-                </a:solidFill>
-              </a:rPr>
-              <a:t>SOUTENANCE</a:t>
-            </a:r>
+            <a:pPr marL="0" marR="0" lvl="0" indent="0" algn="ctr" defTabSz="914400" rtl="0" eaLnBrk="1" fontAlgn="auto" latinLnBrk="0" hangingPunct="1">
+              <a:lnSpc>
+                <a:spcPct val="100000"/>
+              </a:lnSpc>
+              <a:spcBef>
+                <a:spcPts val="0"/>
+              </a:spcBef>
+              <a:spcAft>
+                <a:spcPts val="0"/>
+              </a:spcAft>
+              <a:buClrTx/>
+              <a:buSzTx/>
+              <a:buFontTx/>
+              <a:buNone/>
+              <a:tabLst/>
+              <a:defRPr/>
+            </a:pPr>
+            <a:endParaRPr kumimoji="0" lang="en-US" sz="1800" b="0" i="0" u="none" strike="noStrike" kern="1200" cap="none" spc="0" normalizeH="0" baseline="0" noProof="0">
+              <a:ln>
+                <a:noFill/>
+              </a:ln>
+              <a:solidFill>
+                <a:prstClr val="white"/>
+              </a:solidFill>
+              <a:effectLst/>
+              <a:uLnTx/>
+              <a:uFillTx/>
+              <a:latin typeface="Calibri" panose="020F0502020204030204"/>
+              <a:ea typeface="+mn-ea"/>
+              <a:cs typeface="+mn-cs"/>
+            </a:endParaRPr>
           </a:p>
         </p:txBody>
       </p:sp>
@@ -4402,20 +4535,550 @@
         </p:blipFill>
         <p:spPr>
           <a:xfrm>
-            <a:off x="481886" y="577492"/>
-            <a:ext cx="3662730" cy="2591381"/>
+            <a:off x="1052598" y="1123750"/>
+            <a:ext cx="2375236" cy="1680479"/>
           </a:xfrm>
           <a:prstGeom prst="rect">
             <a:avLst/>
           </a:prstGeom>
         </p:spPr>
       </p:pic>
+      <p:sp>
+        <p:nvSpPr>
+          <p:cNvPr id="41" name="Round Single Corner Rectangle 22">
+            <a:extLst>
+              <a:ext uri="{FF2B5EF4-FFF2-40B4-BE49-F238E27FC236}">
+                <a16:creationId xmlns:a16="http://schemas.microsoft.com/office/drawing/2014/main" id="{1F564BCF-97B6-4D86-94EE-DD1B587F2189}"/>
+              </a:ext>
+              <a:ext uri="{C183D7F6-B498-43B3-948B-1728B52AA6E4}">
+                <adec:decorative xmlns:adec="http://schemas.microsoft.com/office/drawing/2017/decorative" val="1"/>
+              </a:ext>
+            </a:extLst>
+          </p:cNvPr>
+          <p:cNvSpPr>
+            <a:spLocks noGrp="1" noRot="1" noChangeAspect="1" noMove="1" noResize="1" noEditPoints="1" noAdjustHandles="1" noChangeArrowheads="1" noChangeShapeType="1" noTextEdit="1"/>
+          </p:cNvSpPr>
+          <p:nvPr>
+            <p:extLst>
+              <p:ext uri="{386F3935-93C4-4BCD-93E2-E3B085C9AB24}">
+                <p16:designElem xmlns:p16="http://schemas.microsoft.com/office/powerpoint/2015/main" val="1"/>
+              </p:ext>
+            </p:extLst>
+          </p:nvPr>
+        </p:nvSpPr>
+        <p:spPr>
+          <a:xfrm>
+            <a:off x="3717533" y="1300271"/>
+            <a:ext cx="1992651" cy="1992652"/>
+          </a:xfrm>
+          <a:prstGeom prst="round1Rect">
+            <a:avLst>
+              <a:gd name="adj" fmla="val 11295"/>
+            </a:avLst>
+          </a:prstGeom>
+          <a:solidFill>
+            <a:srgbClr val="572C21"/>
+          </a:solidFill>
+          <a:ln>
+            <a:noFill/>
+          </a:ln>
+        </p:spPr>
+        <p:style>
+          <a:lnRef idx="2">
+            <a:schemeClr val="accent1">
+              <a:shade val="50000"/>
+            </a:schemeClr>
+          </a:lnRef>
+          <a:fillRef idx="1">
+            <a:schemeClr val="accent1"/>
+          </a:fillRef>
+          <a:effectRef idx="0">
+            <a:schemeClr val="accent1"/>
+          </a:effectRef>
+          <a:fontRef idx="minor">
+            <a:schemeClr val="lt1"/>
+          </a:fontRef>
+        </p:style>
+        <p:txBody>
+          <a:bodyPr rtlCol="0" anchor="ctr"/>
+          <a:lstStyle/>
+          <a:p>
+            <a:pPr algn="ctr"/>
+            <a:endParaRPr lang="en-US">
+              <a:solidFill>
+                <a:prstClr val="white"/>
+              </a:solidFill>
+              <a:latin typeface="Calibri" panose="020F0502020204030204"/>
+            </a:endParaRPr>
+          </a:p>
+        </p:txBody>
+      </p:sp>
+      <p:sp>
+        <p:nvSpPr>
+          <p:cNvPr id="42" name="Round Single Corner Rectangle 23">
+            <a:extLst>
+              <a:ext uri="{FF2B5EF4-FFF2-40B4-BE49-F238E27FC236}">
+                <a16:creationId xmlns:a16="http://schemas.microsoft.com/office/drawing/2014/main" id="{54600AC1-F146-4567-9C5E-A96D6D349234}"/>
+              </a:ext>
+              <a:ext uri="{C183D7F6-B498-43B3-948B-1728B52AA6E4}">
+                <adec:decorative xmlns:adec="http://schemas.microsoft.com/office/drawing/2017/decorative" val="1"/>
+              </a:ext>
+            </a:extLst>
+          </p:cNvPr>
+          <p:cNvSpPr>
+            <a:spLocks noGrp="1" noRot="1" noChangeAspect="1" noMove="1" noResize="1" noEditPoints="1" noAdjustHandles="1" noChangeArrowheads="1" noChangeShapeType="1" noTextEdit="1"/>
+          </p:cNvSpPr>
+          <p:nvPr>
+            <p:extLst>
+              <p:ext uri="{386F3935-93C4-4BCD-93E2-E3B085C9AB24}">
+                <p16:designElem xmlns:p16="http://schemas.microsoft.com/office/powerpoint/2015/main" val="1"/>
+              </p:ext>
+            </p:extLst>
+          </p:nvPr>
+        </p:nvSpPr>
+        <p:spPr>
+          <a:xfrm rot="10800000">
+            <a:off x="1287904" y="3438135"/>
+            <a:ext cx="2281244" cy="2281245"/>
+          </a:xfrm>
+          <a:prstGeom prst="round1Rect">
+            <a:avLst>
+              <a:gd name="adj" fmla="val 11295"/>
+            </a:avLst>
+          </a:prstGeom>
+          <a:solidFill>
+            <a:srgbClr val="572C21"/>
+          </a:solidFill>
+          <a:ln>
+            <a:noFill/>
+          </a:ln>
+        </p:spPr>
+        <p:style>
+          <a:lnRef idx="2">
+            <a:schemeClr val="accent1">
+              <a:shade val="50000"/>
+            </a:schemeClr>
+          </a:lnRef>
+          <a:fillRef idx="1">
+            <a:schemeClr val="accent1"/>
+          </a:fillRef>
+          <a:effectRef idx="0">
+            <a:schemeClr val="accent1"/>
+          </a:effectRef>
+          <a:fontRef idx="minor">
+            <a:schemeClr val="lt1"/>
+          </a:fontRef>
+        </p:style>
+        <p:txBody>
+          <a:bodyPr rtlCol="0" anchor="ctr"/>
+          <a:lstStyle/>
+          <a:p>
+            <a:pPr algn="ctr"/>
+            <a:endParaRPr lang="en-US">
+              <a:solidFill>
+                <a:prstClr val="white"/>
+              </a:solidFill>
+              <a:latin typeface="Calibri" panose="020F0502020204030204"/>
+            </a:endParaRPr>
+          </a:p>
+        </p:txBody>
+      </p:sp>
+      <p:sp>
+        <p:nvSpPr>
+          <p:cNvPr id="43" name="Round Single Corner Rectangle 25">
+            <a:extLst>
+              <a:ext uri="{FF2B5EF4-FFF2-40B4-BE49-F238E27FC236}">
+                <a16:creationId xmlns:a16="http://schemas.microsoft.com/office/drawing/2014/main" id="{EBA7E638-205A-4579-864F-125BAC629F4D}"/>
+              </a:ext>
+              <a:ext uri="{C183D7F6-B498-43B3-948B-1728B52AA6E4}">
+                <adec:decorative xmlns:adec="http://schemas.microsoft.com/office/drawing/2017/decorative" val="1"/>
+              </a:ext>
+            </a:extLst>
+          </p:cNvPr>
+          <p:cNvSpPr>
+            <a:spLocks noGrp="1" noRot="1" noChangeAspect="1" noMove="1" noResize="1" noEditPoints="1" noAdjustHandles="1" noChangeArrowheads="1" noChangeShapeType="1" noTextEdit="1"/>
+          </p:cNvSpPr>
+          <p:nvPr>
+            <p:extLst>
+              <p:ext uri="{386F3935-93C4-4BCD-93E2-E3B085C9AB24}">
+                <p16:designElem xmlns:p16="http://schemas.microsoft.com/office/powerpoint/2015/main" val="1"/>
+              </p:ext>
+            </p:extLst>
+          </p:nvPr>
+        </p:nvSpPr>
+        <p:spPr>
+          <a:xfrm rot="5400000">
+            <a:off x="3717533" y="3438135"/>
+            <a:ext cx="2657864" cy="2657864"/>
+          </a:xfrm>
+          <a:prstGeom prst="round1Rect">
+            <a:avLst>
+              <a:gd name="adj" fmla="val 11295"/>
+            </a:avLst>
+          </a:prstGeom>
+          <a:solidFill>
+            <a:srgbClr val="FFFFFF"/>
+          </a:solidFill>
+          <a:ln w="57150">
+            <a:solidFill>
+              <a:srgbClr val="572C21"/>
+            </a:solidFill>
+          </a:ln>
+        </p:spPr>
+        <p:style>
+          <a:lnRef idx="2">
+            <a:schemeClr val="accent1">
+              <a:shade val="50000"/>
+            </a:schemeClr>
+          </a:lnRef>
+          <a:fillRef idx="1">
+            <a:schemeClr val="accent1"/>
+          </a:fillRef>
+          <a:effectRef idx="0">
+            <a:schemeClr val="accent1"/>
+          </a:effectRef>
+          <a:fontRef idx="minor">
+            <a:schemeClr val="lt1"/>
+          </a:fontRef>
+        </p:style>
+        <p:txBody>
+          <a:bodyPr rot="0" spcFirstLastPara="0" vertOverflow="overflow" horzOverflow="overflow" vert="horz" wrap="square" lIns="91440" tIns="45720" rIns="91440" bIns="45720" numCol="1" spcCol="0" rtlCol="0" fromWordArt="0" anchor="ctr" anchorCtr="0" forceAA="0" compatLnSpc="1">
+            <a:prstTxWarp prst="textNoShape">
+              <a:avLst/>
+            </a:prstTxWarp>
+            <a:noAutofit/>
+          </a:bodyPr>
+          <a:lstStyle/>
+          <a:p>
+            <a:pPr marL="0" marR="0" lvl="0" indent="0" algn="ctr" defTabSz="914400" rtl="0" eaLnBrk="1" fontAlgn="auto" latinLnBrk="0" hangingPunct="1">
+              <a:lnSpc>
+                <a:spcPct val="100000"/>
+              </a:lnSpc>
+              <a:spcBef>
+                <a:spcPts val="0"/>
+              </a:spcBef>
+              <a:spcAft>
+                <a:spcPts val="0"/>
+              </a:spcAft>
+              <a:buClrTx/>
+              <a:buSzTx/>
+              <a:buFontTx/>
+              <a:buNone/>
+              <a:tabLst/>
+              <a:defRPr/>
+            </a:pPr>
+            <a:endParaRPr kumimoji="0" lang="en-US" sz="1800" b="0" i="0" u="none" strike="noStrike" kern="1200" cap="none" spc="0" normalizeH="0" baseline="0" noProof="0">
+              <a:ln>
+                <a:noFill/>
+              </a:ln>
+              <a:solidFill>
+                <a:prstClr val="white"/>
+              </a:solidFill>
+              <a:effectLst/>
+              <a:uLnTx/>
+              <a:uFillTx/>
+              <a:latin typeface="Calibri" panose="020F0502020204030204"/>
+              <a:ea typeface="+mn-ea"/>
+              <a:cs typeface="+mn-cs"/>
+            </a:endParaRPr>
+          </a:p>
+        </p:txBody>
+      </p:sp>
+      <p:pic>
+        <p:nvPicPr>
+          <p:cNvPr id="4" name="Image 4">
+            <a:extLst>
+              <a:ext uri="{FF2B5EF4-FFF2-40B4-BE49-F238E27FC236}">
+                <a16:creationId xmlns:a16="http://schemas.microsoft.com/office/drawing/2014/main" id="{1130320C-F0E3-4A63-B5DD-080222F60461}"/>
+              </a:ext>
+            </a:extLst>
+          </p:cNvPr>
+          <p:cNvPicPr>
+            <a:picLocks noChangeAspect="1"/>
+          </p:cNvPicPr>
+          <p:nvPr/>
+        </p:nvPicPr>
+        <p:blipFill>
+          <a:blip r:embed="rId3"/>
+          <a:stretch>
+            <a:fillRect/>
+          </a:stretch>
+        </p:blipFill>
+        <p:spPr>
+          <a:xfrm>
+            <a:off x="3858847" y="4256391"/>
+            <a:ext cx="2375236" cy="1021351"/>
+          </a:xfrm>
+          <a:prstGeom prst="rect">
+            <a:avLst/>
+          </a:prstGeom>
+        </p:spPr>
+      </p:pic>
+      <p:sp>
+        <p:nvSpPr>
+          <p:cNvPr id="3" name="ZoneTexte 2">
+            <a:extLst>
+              <a:ext uri="{FF2B5EF4-FFF2-40B4-BE49-F238E27FC236}">
+                <a16:creationId xmlns:a16="http://schemas.microsoft.com/office/drawing/2014/main" id="{F5B2CFEB-6621-4A60-AE1C-4E48FEE5CB15}"/>
+              </a:ext>
+            </a:extLst>
+          </p:cNvPr>
+          <p:cNvSpPr txBox="1"/>
+          <p:nvPr/>
+        </p:nvSpPr>
+        <p:spPr>
+          <a:xfrm>
+            <a:off x="7856389" y="3038478"/>
+            <a:ext cx="3795142" cy="2843844"/>
+          </a:xfrm>
+          <a:prstGeom prst="rect">
+            <a:avLst/>
+          </a:prstGeom>
+        </p:spPr>
+        <p:txBody>
+          <a:bodyPr rot="0" spcFirstLastPara="0" vertOverflow="overflow" horzOverflow="overflow" vert="horz" lIns="91440" tIns="45720" rIns="91440" bIns="45720" numCol="1" spcCol="0" rtlCol="0" fromWordArt="0" anchor="ctr" anchorCtr="0" forceAA="0" compatLnSpc="1">
+            <a:prstTxWarp prst="textNoShape">
+              <a:avLst/>
+            </a:prstTxWarp>
+            <a:normAutofit/>
+          </a:bodyPr>
+          <a:lstStyle/>
+          <a:p>
+            <a:pPr indent="-228600" defTabSz="914400">
+              <a:lnSpc>
+                <a:spcPct val="90000"/>
+              </a:lnSpc>
+              <a:spcAft>
+                <a:spcPts val="600"/>
+              </a:spcAft>
+              <a:buFont typeface="Arial" panose="020B0604020202020204" pitchFamily="34" charset="0"/>
+              <a:buChar char="•"/>
+            </a:pPr>
+            <a:r>
+              <a:rPr lang="en-US" i="1">
+                <a:solidFill>
+                  <a:srgbClr val="FFFFFF"/>
+                </a:solidFill>
+              </a:rPr>
+              <a:t>Tuteur: Pierre Cambier</a:t>
+            </a:r>
+          </a:p>
+          <a:p>
+            <a:pPr indent="-228600" defTabSz="914400">
+              <a:lnSpc>
+                <a:spcPct val="90000"/>
+              </a:lnSpc>
+              <a:spcAft>
+                <a:spcPts val="600"/>
+              </a:spcAft>
+              <a:buFont typeface="Arial" panose="020B0604020202020204" pitchFamily="34" charset="0"/>
+              <a:buChar char="•"/>
+            </a:pPr>
+            <a:r>
+              <a:rPr lang="en-US" i="1">
+                <a:solidFill>
+                  <a:srgbClr val="FFFFFF"/>
+                </a:solidFill>
+              </a:rPr>
+              <a:t>Resp. De formation: Michaël Hauspie</a:t>
+            </a:r>
+          </a:p>
+          <a:p>
+            <a:pPr indent="-228600" defTabSz="914400">
+              <a:lnSpc>
+                <a:spcPct val="90000"/>
+              </a:lnSpc>
+              <a:spcAft>
+                <a:spcPts val="600"/>
+              </a:spcAft>
+              <a:buFont typeface="Arial" panose="020B0604020202020204" pitchFamily="34" charset="0"/>
+              <a:buChar char="•"/>
+            </a:pPr>
+            <a:endParaRPr lang="en-US" i="1">
+              <a:solidFill>
+                <a:srgbClr val="FFFFFF"/>
+              </a:solidFill>
+            </a:endParaRPr>
+          </a:p>
+          <a:p>
+            <a:pPr indent="-228600" defTabSz="914400">
+              <a:lnSpc>
+                <a:spcPct val="90000"/>
+              </a:lnSpc>
+              <a:spcAft>
+                <a:spcPts val="600"/>
+              </a:spcAft>
+              <a:buFont typeface="Arial" panose="020B0604020202020204" pitchFamily="34" charset="0"/>
+              <a:buChar char="•"/>
+            </a:pPr>
+            <a:r>
+              <a:rPr lang="en-US" i="1">
+                <a:solidFill>
+                  <a:srgbClr val="FFFFFF"/>
+                </a:solidFill>
+              </a:rPr>
+              <a:t>Nathan Bergamini</a:t>
+            </a:r>
+            <a:endParaRPr lang="en-US">
+              <a:solidFill>
+                <a:srgbClr val="FFFFFF"/>
+              </a:solidFill>
+            </a:endParaRPr>
+          </a:p>
+          <a:p>
+            <a:pPr indent="-228600" defTabSz="914400">
+              <a:lnSpc>
+                <a:spcPct val="90000"/>
+              </a:lnSpc>
+              <a:spcAft>
+                <a:spcPts val="600"/>
+              </a:spcAft>
+              <a:buFont typeface="Arial" panose="020B0604020202020204" pitchFamily="34" charset="0"/>
+              <a:buChar char="•"/>
+            </a:pPr>
+            <a:endParaRPr lang="en-US" i="1">
+              <a:solidFill>
+                <a:srgbClr val="FFFFFF"/>
+              </a:solidFill>
+            </a:endParaRPr>
+          </a:p>
+          <a:p>
+            <a:pPr indent="-228600" defTabSz="914400">
+              <a:lnSpc>
+                <a:spcPct val="90000"/>
+              </a:lnSpc>
+              <a:spcAft>
+                <a:spcPts val="600"/>
+              </a:spcAft>
+              <a:buFont typeface="Arial" panose="020B0604020202020204" pitchFamily="34" charset="0"/>
+              <a:buChar char="•"/>
+            </a:pPr>
+            <a:endParaRPr lang="en-US" i="1">
+              <a:solidFill>
+                <a:srgbClr val="FFFFFF"/>
+              </a:solidFill>
+            </a:endParaRPr>
+          </a:p>
+          <a:p>
+            <a:pPr indent="-228600" defTabSz="914400">
+              <a:lnSpc>
+                <a:spcPct val="90000"/>
+              </a:lnSpc>
+              <a:spcAft>
+                <a:spcPts val="600"/>
+              </a:spcAft>
+              <a:buFont typeface="Arial" panose="020B0604020202020204" pitchFamily="34" charset="0"/>
+              <a:buChar char="•"/>
+            </a:pPr>
+            <a:endParaRPr lang="en-US" i="1">
+              <a:solidFill>
+                <a:srgbClr val="FFFFFF"/>
+              </a:solidFill>
+            </a:endParaRPr>
+          </a:p>
+        </p:txBody>
+      </p:sp>
+      <p:sp>
+        <p:nvSpPr>
+          <p:cNvPr id="44" name="Rectangle: Top Corners Rounded 34">
+            <a:extLst>
+              <a:ext uri="{FF2B5EF4-FFF2-40B4-BE49-F238E27FC236}">
+                <a16:creationId xmlns:a16="http://schemas.microsoft.com/office/drawing/2014/main" id="{2854001E-6E9D-464A-9B65-A4012F7B30D4}"/>
+              </a:ext>
+              <a:ext uri="{C183D7F6-B498-43B3-948B-1728B52AA6E4}">
+                <adec:decorative xmlns:adec="http://schemas.microsoft.com/office/drawing/2017/decorative" val="1"/>
+              </a:ext>
+            </a:extLst>
+          </p:cNvPr>
+          <p:cNvSpPr>
+            <a:spLocks noGrp="1" noRot="1" noChangeAspect="1" noMove="1" noResize="1" noEditPoints="1" noAdjustHandles="1" noChangeArrowheads="1" noChangeShapeType="1" noTextEdit="1"/>
+          </p:cNvSpPr>
+          <p:nvPr>
+            <p:extLst>
+              <p:ext uri="{386F3935-93C4-4BCD-93E2-E3B085C9AB24}">
+                <p16:designElem xmlns:p16="http://schemas.microsoft.com/office/powerpoint/2015/main" val="1"/>
+              </p:ext>
+            </p:extLst>
+          </p:nvPr>
+        </p:nvSpPr>
+        <p:spPr>
+          <a:xfrm rot="16200000">
+            <a:off x="7052315" y="1050468"/>
+            <a:ext cx="5609397" cy="4757058"/>
+          </a:xfrm>
+          <a:prstGeom prst="round2SameRect">
+            <a:avLst>
+              <a:gd name="adj1" fmla="val 2061"/>
+              <a:gd name="adj2" fmla="val 0"/>
+            </a:avLst>
+          </a:prstGeom>
+          <a:noFill/>
+          <a:ln w="50800">
+            <a:solidFill>
+              <a:srgbClr val="FFFFFF"/>
+            </a:solidFill>
+          </a:ln>
+        </p:spPr>
+        <p:style>
+          <a:lnRef idx="2">
+            <a:schemeClr val="accent1">
+              <a:shade val="50000"/>
+            </a:schemeClr>
+          </a:lnRef>
+          <a:fillRef idx="1">
+            <a:schemeClr val="accent1"/>
+          </a:fillRef>
+          <a:effectRef idx="0">
+            <a:schemeClr val="accent1"/>
+          </a:effectRef>
+          <a:fontRef idx="minor">
+            <a:schemeClr val="lt1"/>
+          </a:fontRef>
+        </p:style>
+        <p:txBody>
+          <a:bodyPr rtlCol="0" anchor="ctr"/>
+          <a:lstStyle/>
+          <a:p>
+            <a:pPr marL="0" marR="0" lvl="0" indent="0" algn="ctr" defTabSz="914400" rtl="0" eaLnBrk="1" fontAlgn="auto" latinLnBrk="0" hangingPunct="1">
+              <a:lnSpc>
+                <a:spcPct val="100000"/>
+              </a:lnSpc>
+              <a:spcBef>
+                <a:spcPts val="0"/>
+              </a:spcBef>
+              <a:spcAft>
+                <a:spcPts val="0"/>
+              </a:spcAft>
+              <a:buClrTx/>
+              <a:buSzTx/>
+              <a:buFontTx/>
+              <a:buNone/>
+              <a:tabLst/>
+              <a:defRPr/>
+            </a:pPr>
+            <a:endParaRPr kumimoji="0" lang="en-US" sz="1800" b="0" i="0" u="none" strike="noStrike" kern="1200" cap="none" spc="0" normalizeH="0" baseline="0" noProof="0">
+              <a:ln>
+                <a:noFill/>
+              </a:ln>
+              <a:solidFill>
+                <a:prstClr val="white"/>
+              </a:solidFill>
+              <a:effectLst/>
+              <a:uLnTx/>
+              <a:uFillTx/>
+              <a:latin typeface="Calibri" panose="020F0502020204030204"/>
+              <a:ea typeface="+mn-ea"/>
+              <a:cs typeface="+mn-cs"/>
+            </a:endParaRPr>
+          </a:p>
+        </p:txBody>
+      </p:sp>
       <p:cxnSp>
         <p:nvCxnSpPr>
-          <p:cNvPr id="38" name="Straight Connector 30">
+          <p:cNvPr id="45" name="Straight Connector 36">
             <a:extLst>
               <a:ext uri="{FF2B5EF4-FFF2-40B4-BE49-F238E27FC236}">
-                <a16:creationId xmlns:a16="http://schemas.microsoft.com/office/drawing/2014/main" id="{AAFEA932-2DF1-410C-A00A-7A1E7DBF7511}"/>
+                <a16:creationId xmlns:a16="http://schemas.microsoft.com/office/drawing/2014/main" id="{62C9802A-EFBD-41D4-894F-AFD985DBA5BD}"/>
               </a:ext>
               <a:ext uri="{C183D7F6-B498-43B3-948B-1728B52AA6E4}">
                 <adec:decorative xmlns:adec="http://schemas.microsoft.com/office/drawing/2017/decorative" val="1"/>
@@ -4435,15 +5098,15 @@
         </p:nvCxnSpPr>
         <p:spPr>
           <a:xfrm>
-            <a:off x="5430098" y="2639023"/>
-            <a:ext cx="4562441" cy="0"/>
+            <a:off x="7952907" y="2856601"/>
+            <a:ext cx="1597456" cy="0"/>
           </a:xfrm>
           <a:prstGeom prst="line">
             <a:avLst/>
           </a:prstGeom>
-          <a:ln w="22225">
+          <a:ln w="50800">
             <a:solidFill>
-              <a:srgbClr val="E7E6E6"/>
+              <a:srgbClr val="A6A6A6"/>
             </a:solidFill>
           </a:ln>
         </p:spPr>
@@ -4462,12 +5125,155 @@
           </a:fontRef>
         </p:style>
       </p:cxnSp>
+    </p:spTree>
+    <p:extLst>
+      <p:ext uri="{BB962C8B-B14F-4D97-AF65-F5344CB8AC3E}">
+        <p14:creationId xmlns:p14="http://schemas.microsoft.com/office/powerpoint/2010/main" val="2560375975"/>
+      </p:ext>
+    </p:extLst>
+  </p:cSld>
+  <p:clrMapOvr>
+    <a:masterClrMapping/>
+  </p:clrMapOvr>
+</p:sld>
+</file>
+
+<file path=ppt/slides/slide10.xml><?xml version="1.0" encoding="utf-8"?>
+<p:sld xmlns:a="http://schemas.openxmlformats.org/drawingml/2006/main" xmlns:r="http://schemas.openxmlformats.org/officeDocument/2006/relationships" xmlns:p="http://schemas.openxmlformats.org/presentationml/2006/main">
+  <p:cSld>
+    <p:bg>
+      <p:bgPr>
+        <a:solidFill>
+          <a:schemeClr val="bg1"/>
+        </a:solidFill>
+        <a:effectLst/>
+      </p:bgPr>
+    </p:bg>
+    <p:spTree>
+      <p:nvGrpSpPr>
+        <p:cNvPr id="1" name=""/>
+        <p:cNvGrpSpPr/>
+        <p:nvPr/>
+      </p:nvGrpSpPr>
+      <p:grpSpPr>
+        <a:xfrm>
+          <a:off x="0" y="0"/>
+          <a:ext cx="0" cy="0"/>
+          <a:chOff x="0" y="0"/>
+          <a:chExt cx="0" cy="0"/>
+        </a:xfrm>
+      </p:grpSpPr>
+      <p:sp>
+        <p:nvSpPr>
+          <p:cNvPr id="2" name="Titre 1">
+            <a:extLst>
+              <a:ext uri="{FF2B5EF4-FFF2-40B4-BE49-F238E27FC236}">
+                <a16:creationId xmlns:a16="http://schemas.microsoft.com/office/drawing/2014/main" id="{5406737B-64B7-439E-829A-4A7E66F44E01}"/>
+              </a:ext>
+            </a:extLst>
+          </p:cNvPr>
+          <p:cNvSpPr>
+            <a:spLocks noGrp="1"/>
+          </p:cNvSpPr>
+          <p:nvPr>
+            <p:ph type="title"/>
+          </p:nvPr>
+        </p:nvSpPr>
+        <p:spPr>
+          <a:xfrm>
+            <a:off x="4761297" y="145330"/>
+            <a:ext cx="2669406" cy="1154082"/>
+          </a:xfrm>
+          <a:ln w="28575">
+            <a:solidFill>
+              <a:schemeClr val="tx1"/>
+            </a:solidFill>
+          </a:ln>
+        </p:spPr>
+        <p:txBody>
+          <a:bodyPr>
+            <a:normAutofit/>
+          </a:bodyPr>
+          <a:lstStyle/>
+          <a:p>
+            <a:pPr algn="ctr"/>
+            <a:r>
+              <a:rPr lang="fr-FR" sz="3200" dirty="0">
+                <a:latin typeface="Arial" panose="020B0604020202020204" pitchFamily="34" charset="0"/>
+                <a:cs typeface="Arial" panose="020B0604020202020204" pitchFamily="34" charset="0"/>
+              </a:rPr>
+              <a:t>MANTIS</a:t>
+            </a:r>
+          </a:p>
+        </p:txBody>
+      </p:sp>
+      <p:sp>
+        <p:nvSpPr>
+          <p:cNvPr id="18" name="Content Placeholder 9">
+            <a:extLst>
+              <a:ext uri="{FF2B5EF4-FFF2-40B4-BE49-F238E27FC236}">
+                <a16:creationId xmlns:a16="http://schemas.microsoft.com/office/drawing/2014/main" id="{2159EC33-A4A3-451A-AEDC-6F75D34840A7}"/>
+              </a:ext>
+            </a:extLst>
+          </p:cNvPr>
+          <p:cNvSpPr>
+            <a:spLocks noGrp="1"/>
+          </p:cNvSpPr>
+          <p:nvPr>
+            <p:ph idx="1"/>
+          </p:nvPr>
+        </p:nvSpPr>
+        <p:spPr>
+          <a:xfrm>
+            <a:off x="862678" y="2985283"/>
+            <a:ext cx="2669407" cy="1465523"/>
+          </a:xfrm>
+          <a:ln w="12700">
+            <a:solidFill>
+              <a:schemeClr val="tx1"/>
+            </a:solidFill>
+          </a:ln>
+        </p:spPr>
+        <p:txBody>
+          <a:bodyPr>
+            <a:normAutofit/>
+          </a:bodyPr>
+          <a:lstStyle/>
+          <a:p>
+            <a:r>
+              <a:rPr lang="en-US" sz="1800" dirty="0">
+                <a:latin typeface="Arial" panose="020B0604020202020204" pitchFamily="34" charset="0"/>
+                <a:cs typeface="Arial" panose="020B0604020202020204" pitchFamily="34" charset="0"/>
+              </a:rPr>
+              <a:t>Outil de ticketing</a:t>
+            </a:r>
+          </a:p>
+          <a:p>
+            <a:r>
+              <a:rPr lang="en-US" sz="1800" dirty="0">
+                <a:latin typeface="Arial" panose="020B0604020202020204" pitchFamily="34" charset="0"/>
+                <a:cs typeface="Arial" panose="020B0604020202020204" pitchFamily="34" charset="0"/>
+              </a:rPr>
+              <a:t>Liaison avec le client</a:t>
+            </a:r>
+          </a:p>
+          <a:p>
+            <a:r>
+              <a:rPr lang="en-US" sz="1800" dirty="0">
+                <a:latin typeface="Arial" panose="020B0604020202020204" pitchFamily="34" charset="0"/>
+                <a:cs typeface="Arial" panose="020B0604020202020204" pitchFamily="34" charset="0"/>
+              </a:rPr>
+              <a:t>Mise à jour à chaque ticket</a:t>
+            </a:r>
+          </a:p>
+        </p:txBody>
+      </p:sp>
       <p:pic>
         <p:nvPicPr>
-          <p:cNvPr id="4" name="Image 4">
+          <p:cNvPr id="19" name="Espace réservé du contenu 4">
             <a:extLst>
               <a:ext uri="{FF2B5EF4-FFF2-40B4-BE49-F238E27FC236}">
-                <a16:creationId xmlns:a16="http://schemas.microsoft.com/office/drawing/2014/main" id="{1130320C-F0E3-4A63-B5DD-080222F60461}"/>
+                <a16:creationId xmlns:a16="http://schemas.microsoft.com/office/drawing/2014/main" id="{822E9EA8-F465-4C2B-921B-7FB2406C9819}"/>
               </a:ext>
             </a:extLst>
           </p:cNvPr>
@@ -4477,15 +5283,21 @@
           <p:nvPr/>
         </p:nvPicPr>
         <p:blipFill>
-          <a:blip r:embed="rId3"/>
+          <a:blip r:embed="rId2" cstate="print">
+            <a:extLst>
+              <a:ext uri="{28A0092B-C50C-407E-A947-70E740481C1C}">
+                <a14:useLocalDpi xmlns:a14="http://schemas.microsoft.com/office/drawing/2010/main" val="0"/>
+              </a:ext>
+            </a:extLst>
+          </a:blip>
           <a:stretch>
             <a:fillRect/>
           </a:stretch>
         </p:blipFill>
         <p:spPr>
           <a:xfrm>
-            <a:off x="481886" y="4196840"/>
-            <a:ext cx="3662730" cy="1574974"/>
+            <a:off x="3987742" y="2094695"/>
+            <a:ext cx="7652587" cy="3941082"/>
           </a:xfrm>
           <a:prstGeom prst="rect">
             <a:avLst/>
@@ -4494,172 +5306,128 @@
       </p:pic>
       <p:sp>
         <p:nvSpPr>
-          <p:cNvPr id="3" name="ZoneTexte 2">
+          <p:cNvPr id="3" name="Rectangle 2">
             <a:extLst>
               <a:ext uri="{FF2B5EF4-FFF2-40B4-BE49-F238E27FC236}">
-                <a16:creationId xmlns:a16="http://schemas.microsoft.com/office/drawing/2014/main" id="{F5B2CFEB-6621-4A60-AE1C-4E48FEE5CB15}"/>
+                <a16:creationId xmlns:a16="http://schemas.microsoft.com/office/drawing/2014/main" id="{57C63E05-9FEA-4E6F-A255-5DE86BF266D9}"/>
               </a:ext>
             </a:extLst>
           </p:cNvPr>
-          <p:cNvSpPr txBox="1"/>
+          <p:cNvSpPr/>
           <p:nvPr/>
         </p:nvSpPr>
         <p:spPr>
           <a:xfrm>
-            <a:off x="5297762" y="2799889"/>
-            <a:ext cx="5747187" cy="2987543"/>
+            <a:off x="5974813" y="3244334"/>
+            <a:ext cx="242374" cy="369332"/>
           </a:xfrm>
           <a:prstGeom prst="rect">
             <a:avLst/>
           </a:prstGeom>
         </p:spPr>
         <p:txBody>
-          <a:bodyPr rot="0" spcFirstLastPara="0" vertOverflow="overflow" horzOverflow="overflow" vert="horz" lIns="91440" tIns="45720" rIns="91440" bIns="45720" numCol="1" spcCol="0" rtlCol="0" fromWordArt="0" anchor="t" anchorCtr="0" forceAA="0" compatLnSpc="1">
-            <a:prstTxWarp prst="textNoShape">
-              <a:avLst/>
-            </a:prstTxWarp>
-            <a:normAutofit/>
+          <a:bodyPr wrap="none">
+            <a:spAutoFit/>
           </a:bodyPr>
           <a:lstStyle/>
           <a:p>
-            <a:pPr indent="-228600">
-              <a:lnSpc>
-                <a:spcPct val="90000"/>
-              </a:lnSpc>
-              <a:spcAft>
-                <a:spcPts val="600"/>
-              </a:spcAft>
-              <a:buFont typeface="Arial" panose="020B0604020202020204" pitchFamily="34" charset="0"/>
-              <a:buChar char="•"/>
-            </a:pPr>
-            <a:r>
-              <a:rPr lang="en-US" sz="2400" i="1">
+            <a:r>
+              <a:rPr lang="fr-FR" dirty="0">
                 <a:solidFill>
-                  <a:srgbClr val="FFFFFF"/>
+                  <a:srgbClr val="000000"/>
                 </a:solidFill>
+                <a:latin typeface="Times New Roman" panose="02020603050405020304" pitchFamily="18" charset="0"/>
               </a:rPr>
-              <a:t>Tuteur: Pierre Cambier</a:t>
-            </a:r>
-          </a:p>
-          <a:p>
-            <a:pPr indent="-228600">
-              <a:lnSpc>
-                <a:spcPct val="90000"/>
-              </a:lnSpc>
-              <a:spcAft>
-                <a:spcPts val="600"/>
-              </a:spcAft>
-              <a:buFont typeface="Arial" panose="020B0604020202020204" pitchFamily="34" charset="0"/>
-              <a:buChar char="•"/>
-            </a:pPr>
-            <a:r>
-              <a:rPr lang="en-US" sz="2400" i="1">
-                <a:solidFill>
-                  <a:srgbClr val="FFFFFF"/>
-                </a:solidFill>
-              </a:rPr>
-              <a:t>Resp. De formation: Michaël Hauspie</a:t>
-            </a:r>
-          </a:p>
-          <a:p>
-            <a:pPr indent="-228600">
-              <a:lnSpc>
-                <a:spcPct val="90000"/>
-              </a:lnSpc>
-              <a:spcAft>
-                <a:spcPts val="600"/>
-              </a:spcAft>
-              <a:buFont typeface="Arial" panose="020B0604020202020204" pitchFamily="34" charset="0"/>
-              <a:buChar char="•"/>
-            </a:pPr>
-            <a:endParaRPr lang="en-US" sz="2400" i="1">
-              <a:solidFill>
-                <a:srgbClr val="FFFFFF"/>
-              </a:solidFill>
-            </a:endParaRPr>
-          </a:p>
-          <a:p>
-            <a:pPr indent="-228600">
-              <a:lnSpc>
-                <a:spcPct val="90000"/>
-              </a:lnSpc>
-              <a:spcAft>
-                <a:spcPts val="600"/>
-              </a:spcAft>
-              <a:buFont typeface="Arial" panose="020B0604020202020204" pitchFamily="34" charset="0"/>
-              <a:buChar char="•"/>
-            </a:pPr>
-            <a:r>
-              <a:rPr lang="en-US" sz="2400" i="1">
-                <a:solidFill>
-                  <a:srgbClr val="FFFFFF"/>
-                </a:solidFill>
-              </a:rPr>
-              <a:t>Nathan Bergamini</a:t>
-            </a:r>
-            <a:endParaRPr lang="en-US" sz="2400">
-              <a:solidFill>
-                <a:srgbClr val="FFFFFF"/>
-              </a:solidFill>
-            </a:endParaRPr>
-          </a:p>
-          <a:p>
-            <a:pPr indent="-228600">
-              <a:lnSpc>
-                <a:spcPct val="90000"/>
-              </a:lnSpc>
-              <a:spcAft>
-                <a:spcPts val="600"/>
-              </a:spcAft>
-              <a:buFont typeface="Arial" panose="020B0604020202020204" pitchFamily="34" charset="0"/>
-              <a:buChar char="•"/>
-            </a:pPr>
-            <a:endParaRPr lang="en-US" sz="2400" i="1">
-              <a:solidFill>
-                <a:srgbClr val="FFFFFF"/>
-              </a:solidFill>
-            </a:endParaRPr>
-          </a:p>
-          <a:p>
-            <a:pPr indent="-228600">
-              <a:lnSpc>
-                <a:spcPct val="90000"/>
-              </a:lnSpc>
-              <a:spcAft>
-                <a:spcPts val="600"/>
-              </a:spcAft>
-              <a:buFont typeface="Arial" panose="020B0604020202020204" pitchFamily="34" charset="0"/>
-              <a:buChar char="•"/>
-            </a:pPr>
-            <a:endParaRPr lang="en-US" sz="2400" i="1">
-              <a:solidFill>
-                <a:srgbClr val="FFFFFF"/>
-              </a:solidFill>
-            </a:endParaRPr>
-          </a:p>
-          <a:p>
-            <a:pPr indent="-228600">
-              <a:lnSpc>
-                <a:spcPct val="90000"/>
-              </a:lnSpc>
-              <a:spcAft>
-                <a:spcPts val="600"/>
-              </a:spcAft>
-              <a:buFont typeface="Arial" panose="020B0604020202020204" pitchFamily="34" charset="0"/>
-              <a:buChar char="•"/>
-            </a:pPr>
-            <a:endParaRPr lang="en-US" sz="2400" i="1">
-              <a:solidFill>
-                <a:srgbClr val="FFFFFF"/>
-              </a:solidFill>
-            </a:endParaRPr>
+              <a:t> </a:t>
+            </a:r>
+            <a:endParaRPr lang="fr-FR" dirty="0"/>
           </a:p>
         </p:txBody>
       </p:sp>
     </p:spTree>
     <p:extLst>
       <p:ext uri="{BB962C8B-B14F-4D97-AF65-F5344CB8AC3E}">
-        <p14:creationId xmlns:p14="http://schemas.microsoft.com/office/powerpoint/2010/main" val="2560375975"/>
+        <p14:creationId xmlns:p14="http://schemas.microsoft.com/office/powerpoint/2010/main" val="3721978197"/>
+      </p:ext>
+    </p:extLst>
+  </p:cSld>
+  <p:clrMapOvr>
+    <a:masterClrMapping/>
+  </p:clrMapOvr>
+</p:sld>
+</file>
+
+<file path=ppt/slides/slide11.xml><?xml version="1.0" encoding="utf-8"?>
+<p:sld xmlns:a="http://schemas.openxmlformats.org/drawingml/2006/main" xmlns:r="http://schemas.openxmlformats.org/officeDocument/2006/relationships" xmlns:p="http://schemas.openxmlformats.org/presentationml/2006/main">
+  <p:cSld>
+    <p:spTree>
+      <p:nvGrpSpPr>
+        <p:cNvPr id="1" name=""/>
+        <p:cNvGrpSpPr/>
+        <p:nvPr/>
+      </p:nvGrpSpPr>
+      <p:grpSpPr>
+        <a:xfrm>
+          <a:off x="0" y="0"/>
+          <a:ext cx="0" cy="0"/>
+          <a:chOff x="0" y="0"/>
+          <a:chExt cx="0" cy="0"/>
+        </a:xfrm>
+      </p:grpSpPr>
+      <p:sp>
+        <p:nvSpPr>
+          <p:cNvPr id="2" name="Titre 1">
+            <a:extLst>
+              <a:ext uri="{FF2B5EF4-FFF2-40B4-BE49-F238E27FC236}">
+                <a16:creationId xmlns:a16="http://schemas.microsoft.com/office/drawing/2014/main" id="{FE5626E5-C4DB-4131-A891-95FA8285B7FD}"/>
+              </a:ext>
+            </a:extLst>
+          </p:cNvPr>
+          <p:cNvSpPr>
+            <a:spLocks noGrp="1"/>
+          </p:cNvSpPr>
+          <p:nvPr>
+            <p:ph type="title"/>
+          </p:nvPr>
+        </p:nvSpPr>
+        <p:spPr/>
+        <p:txBody>
+          <a:bodyPr/>
+          <a:lstStyle/>
+          <a:p>
+            <a:endParaRPr lang="fr-FR"/>
+          </a:p>
+        </p:txBody>
+      </p:sp>
+      <p:sp>
+        <p:nvSpPr>
+          <p:cNvPr id="3" name="Espace réservé du contenu 2">
+            <a:extLst>
+              <a:ext uri="{FF2B5EF4-FFF2-40B4-BE49-F238E27FC236}">
+                <a16:creationId xmlns:a16="http://schemas.microsoft.com/office/drawing/2014/main" id="{DDC5DA84-60E2-4E38-993B-ECB19C9AA316}"/>
+              </a:ext>
+            </a:extLst>
+          </p:cNvPr>
+          <p:cNvSpPr>
+            <a:spLocks noGrp="1"/>
+          </p:cNvSpPr>
+          <p:nvPr>
+            <p:ph idx="1"/>
+          </p:nvPr>
+        </p:nvSpPr>
+        <p:spPr/>
+        <p:txBody>
+          <a:bodyPr/>
+          <a:lstStyle/>
+          <a:p>
+            <a:endParaRPr lang="fr-FR"/>
+          </a:p>
+        </p:txBody>
+      </p:sp>
+    </p:spTree>
+    <p:extLst>
+      <p:ext uri="{BB962C8B-B14F-4D97-AF65-F5344CB8AC3E}">
+        <p14:creationId xmlns:p14="http://schemas.microsoft.com/office/powerpoint/2010/main" val="717808340"/>
       </p:ext>
     </p:extLst>
   </p:cSld>
@@ -5817,7 +6585,7 @@
             <a:r>
               <a:rPr lang="en-US" dirty="0">
                 <a:solidFill>
-                  <a:schemeClr val="accent1"/>
+                  <a:schemeClr val="accent4"/>
                 </a:solidFill>
               </a:rPr>
               <a:t>ECONOMIQUE</a:t>
@@ -5857,18 +6625,13 @@
           <a:lstStyle/>
           <a:p>
             <a:r>
-              <a:rPr lang="en-US">
+              <a:rPr lang="en-US" dirty="0">
                 <a:solidFill>
                   <a:srgbClr val="92D050"/>
                 </a:solidFill>
               </a:rPr>
-              <a:t>SOCIETALE ET ENVIRONNEMENTAL</a:t>
-            </a:r>
-            <a:endParaRPr lang="en-US" dirty="0">
-              <a:solidFill>
-                <a:srgbClr val="92D050"/>
-              </a:solidFill>
-            </a:endParaRPr>
+              <a:t>SOCIETALE ET ENVIRONNEMENTALE</a:t>
+            </a:r>
           </a:p>
         </p:txBody>
       </p:sp>
@@ -6056,8 +6819,13 @@
         <p:spPr>
           <a:xfrm>
             <a:off x="804672" y="3205692"/>
-            <a:ext cx="3387105" cy="2063638"/>
+            <a:ext cx="3387105" cy="1783403"/>
           </a:xfrm>
+          <a:ln>
+            <a:solidFill>
+              <a:schemeClr val="tx1"/>
+            </a:solidFill>
+          </a:ln>
         </p:spPr>
         <p:txBody>
           <a:bodyPr>
@@ -6289,10 +7057,10 @@
       </p:grpSpPr>
       <p:sp>
         <p:nvSpPr>
-          <p:cNvPr id="46" name="Rectangle 45">
+          <p:cNvPr id="43" name="Freeform 43">
             <a:extLst>
               <a:ext uri="{FF2B5EF4-FFF2-40B4-BE49-F238E27FC236}">
-                <a16:creationId xmlns:a16="http://schemas.microsoft.com/office/drawing/2014/main" id="{45F41304-6272-42D4-9F30-4BDD2BBE8418}"/>
+                <a16:creationId xmlns:a16="http://schemas.microsoft.com/office/drawing/2014/main" id="{9A4F1347-8CC2-4724-B8C0-29030ECE1DF4}"/>
               </a:ext>
               <a:ext uri="{C183D7F6-B498-43B3-948B-1728B52AA6E4}">
                 <adec:decorative xmlns:adec="http://schemas.microsoft.com/office/drawing/2017/decorative" val="1"/>
@@ -6311,482 +7079,27 @@
           </p:nvPr>
         </p:nvSpPr>
         <p:spPr>
-          <a:xfrm>
-            <a:off x="0" y="1"/>
-            <a:ext cx="12191999" cy="6858000"/>
-          </a:xfrm>
-          <a:prstGeom prst="rect">
-            <a:avLst/>
-          </a:prstGeom>
-          <a:solidFill>
-            <a:schemeClr val="bg1">
-              <a:lumMod val="85000"/>
-              <a:lumOff val="15000"/>
-            </a:schemeClr>
-          </a:solidFill>
-          <a:ln>
-            <a:noFill/>
-          </a:ln>
-        </p:spPr>
-        <p:style>
-          <a:lnRef idx="2">
-            <a:schemeClr val="accent1">
-              <a:shade val="50000"/>
-            </a:schemeClr>
-          </a:lnRef>
-          <a:fillRef idx="1">
-            <a:schemeClr val="accent1"/>
-          </a:fillRef>
-          <a:effectRef idx="0">
-            <a:schemeClr val="accent1"/>
-          </a:effectRef>
-          <a:fontRef idx="minor">
-            <a:schemeClr val="lt1"/>
-          </a:fontRef>
-        </p:style>
-        <p:txBody>
-          <a:bodyPr rtlCol="0" anchor="ctr"/>
-          <a:lstStyle/>
-          <a:p>
-            <a:pPr algn="ctr"/>
-            <a:endParaRPr lang="en-US"/>
-          </a:p>
-        </p:txBody>
-      </p:sp>
-      <p:sp>
-        <p:nvSpPr>
-          <p:cNvPr id="2" name="Titre 1">
-            <a:extLst>
-              <a:ext uri="{FF2B5EF4-FFF2-40B4-BE49-F238E27FC236}">
-                <a16:creationId xmlns:a16="http://schemas.microsoft.com/office/drawing/2014/main" id="{68A06B1F-E2FA-44C7-90BA-7D2AAC8EC9CA}"/>
-              </a:ext>
-            </a:extLst>
-          </p:cNvPr>
-          <p:cNvSpPr>
-            <a:spLocks noGrp="1"/>
-          </p:cNvSpPr>
-          <p:nvPr>
-            <p:ph type="title"/>
-          </p:nvPr>
-        </p:nvSpPr>
-        <p:spPr>
-          <a:xfrm>
-            <a:off x="300894" y="495390"/>
-            <a:ext cx="5531337" cy="1709928"/>
-          </a:xfrm>
-          <a:ln w="28575">
-            <a:solidFill>
-              <a:schemeClr val="tx1"/>
-            </a:solidFill>
-          </a:ln>
-        </p:spPr>
-        <p:txBody>
-          <a:bodyPr vert="horz" lIns="91440" tIns="45720" rIns="91440" bIns="45720" rtlCol="0">
-            <a:normAutofit/>
-          </a:bodyPr>
-          <a:lstStyle/>
-          <a:p>
-            <a:pPr algn="ctr"/>
-            <a:r>
-              <a:rPr lang="en-US" sz="4000" kern="1200" dirty="0">
-                <a:latin typeface="Arial"/>
-                <a:cs typeface="Arial"/>
-              </a:rPr>
-              <a:t>Bien-être en entreprise</a:t>
-            </a:r>
-            <a:endParaRPr lang="fr-FR"/>
-          </a:p>
-        </p:txBody>
-      </p:sp>
-      <p:pic>
-        <p:nvPicPr>
-          <p:cNvPr id="11" name="Image 10">
-            <a:extLst>
-              <a:ext uri="{FF2B5EF4-FFF2-40B4-BE49-F238E27FC236}">
-                <a16:creationId xmlns:a16="http://schemas.microsoft.com/office/drawing/2014/main" id="{E14E8023-7D9E-4D13-8574-159206D3F86B}"/>
-              </a:ext>
-            </a:extLst>
-          </p:cNvPr>
-          <p:cNvPicPr>
-            <a:picLocks noChangeAspect="1"/>
-          </p:cNvPicPr>
-          <p:nvPr/>
-        </p:nvPicPr>
-        <p:blipFill rotWithShape="1">
-          <a:blip r:embed="rId2">
-            <a:extLst>
-              <a:ext uri="{28A0092B-C50C-407E-A947-70E740481C1C}">
-                <a14:useLocalDpi xmlns:a14="http://schemas.microsoft.com/office/drawing/2010/main" val="0"/>
-              </a:ext>
-            </a:extLst>
-          </a:blip>
-          <a:srcRect t="30616" r="-3" b="20867"/>
-          <a:stretch/>
-        </p:blipFill>
-        <p:spPr>
-          <a:xfrm>
-            <a:off x="5926239" y="10"/>
-            <a:ext cx="6265760" cy="1709918"/>
+          <a:xfrm flipH="1">
+            <a:off x="5353051" y="2657476"/>
+            <a:ext cx="6838950" cy="4197911"/>
           </a:xfrm>
           <a:custGeom>
             <a:avLst/>
             <a:gdLst>
-              <a:gd name="connsiteX0" fmla="*/ 0 w 6265760"/>
-              <a:gd name="connsiteY0" fmla="*/ 0 h 1709928"/>
-              <a:gd name="connsiteX1" fmla="*/ 6265760 w 6265760"/>
-              <a:gd name="connsiteY1" fmla="*/ 0 h 1709928"/>
-              <a:gd name="connsiteX2" fmla="*/ 6265760 w 6265760"/>
-              <a:gd name="connsiteY2" fmla="*/ 1709928 h 1709928"/>
-              <a:gd name="connsiteX3" fmla="*/ 795246 w 6265760"/>
-              <a:gd name="connsiteY3" fmla="*/ 1709928 h 1709928"/>
-              <a:gd name="connsiteX4" fmla="*/ 790682 w 6265760"/>
-              <a:gd name="connsiteY4" fmla="*/ 1700078 h 1709928"/>
-              <a:gd name="connsiteX5" fmla="*/ 787724 w 6265760"/>
-              <a:gd name="connsiteY5" fmla="*/ 1700078 h 1709928"/>
-            </a:gdLst>
-            <a:ahLst/>
-            <a:cxnLst>
-              <a:cxn ang="0">
-                <a:pos x="connsiteX0" y="connsiteY0"/>
-              </a:cxn>
-              <a:cxn ang="0">
-                <a:pos x="connsiteX1" y="connsiteY1"/>
-              </a:cxn>
-              <a:cxn ang="0">
-                <a:pos x="connsiteX2" y="connsiteY2"/>
-              </a:cxn>
-              <a:cxn ang="0">
-                <a:pos x="connsiteX3" y="connsiteY3"/>
-              </a:cxn>
-              <a:cxn ang="0">
-                <a:pos x="connsiteX4" y="connsiteY4"/>
-              </a:cxn>
-              <a:cxn ang="0">
-                <a:pos x="connsiteX5" y="connsiteY5"/>
-              </a:cxn>
-            </a:cxnLst>
-            <a:rect l="l" t="t" r="r" b="b"/>
-            <a:pathLst>
-              <a:path w="6265760" h="1709928">
-                <a:moveTo>
-                  <a:pt x="0" y="0"/>
-                </a:moveTo>
-                <a:lnTo>
-                  <a:pt x="6265760" y="0"/>
-                </a:lnTo>
-                <a:lnTo>
-                  <a:pt x="6265760" y="1709928"/>
-                </a:lnTo>
-                <a:lnTo>
-                  <a:pt x="795246" y="1709928"/>
-                </a:lnTo>
-                <a:lnTo>
-                  <a:pt x="790682" y="1700078"/>
-                </a:lnTo>
-                <a:lnTo>
-                  <a:pt x="787724" y="1700078"/>
-                </a:lnTo>
-                <a:close/>
-              </a:path>
-            </a:pathLst>
-          </a:custGeom>
-        </p:spPr>
-      </p:pic>
-      <p:sp>
-        <p:nvSpPr>
-          <p:cNvPr id="29" name="Content Placeholder 28">
-            <a:extLst>
-              <a:ext uri="{FF2B5EF4-FFF2-40B4-BE49-F238E27FC236}">
-                <a16:creationId xmlns:a16="http://schemas.microsoft.com/office/drawing/2014/main" id="{90700417-2FCC-4DF1-9072-BFB6EE23CBA8}"/>
-              </a:ext>
-            </a:extLst>
-          </p:cNvPr>
-          <p:cNvSpPr>
-            <a:spLocks noGrp="1"/>
-          </p:cNvSpPr>
-          <p:nvPr>
-            <p:ph idx="1"/>
-          </p:nvPr>
-        </p:nvSpPr>
-        <p:spPr>
-          <a:xfrm>
-            <a:off x="838200" y="2541494"/>
-            <a:ext cx="5707565" cy="3635468"/>
-          </a:xfrm>
-        </p:spPr>
-        <p:txBody>
-          <a:bodyPr vert="horz" lIns="91440" tIns="45720" rIns="91440" bIns="45720" rtlCol="0">
-            <a:normAutofit/>
-          </a:bodyPr>
-          <a:lstStyle/>
-          <a:p>
-            <a:r>
-              <a:rPr lang="en-US" sz="2000" dirty="0">
-                <a:latin typeface="Arial" panose="020B0604020202020204" pitchFamily="34" charset="0"/>
-                <a:cs typeface="Arial" panose="020B0604020202020204" pitchFamily="34" charset="0"/>
-              </a:rPr>
-              <a:t>Porteuse de valeures humaines</a:t>
-            </a:r>
-          </a:p>
-          <a:p>
-            <a:r>
-              <a:rPr lang="en-US" sz="2000" dirty="0">
-                <a:latin typeface="Arial"/>
-                <a:cs typeface="Arial"/>
-              </a:rPr>
-              <a:t>Cadre de travail adéquat et adapté à la vie en commun</a:t>
-            </a:r>
-          </a:p>
-          <a:p>
-            <a:r>
-              <a:rPr lang="en-US" sz="2000" dirty="0">
-                <a:latin typeface="Arial" panose="020B0604020202020204" pitchFamily="34" charset="0"/>
-                <a:cs typeface="Arial" panose="020B0604020202020204" pitchFamily="34" charset="0"/>
-              </a:rPr>
-              <a:t>Environnement serein</a:t>
-            </a:r>
-          </a:p>
-          <a:p>
-            <a:r>
-              <a:rPr lang="en-US" sz="2000" dirty="0">
-                <a:latin typeface="Arial" panose="020B0604020202020204" pitchFamily="34" charset="0"/>
-                <a:cs typeface="Arial" panose="020B0604020202020204" pitchFamily="34" charset="0"/>
-              </a:rPr>
-              <a:t>Dynamisme et ingéniosité</a:t>
-            </a:r>
-          </a:p>
-          <a:p>
-            <a:pPr marL="0" indent="0">
-              <a:buNone/>
-            </a:pPr>
-            <a:endParaRPr lang="en-US" sz="2000" dirty="0">
-              <a:latin typeface="Arial" panose="020B0604020202020204" pitchFamily="34" charset="0"/>
-              <a:cs typeface="Arial" panose="020B0604020202020204" pitchFamily="34" charset="0"/>
-            </a:endParaRPr>
-          </a:p>
-        </p:txBody>
-      </p:sp>
-      <p:pic>
-        <p:nvPicPr>
-          <p:cNvPr id="17" name="Image 16">
-            <a:extLst>
-              <a:ext uri="{FF2B5EF4-FFF2-40B4-BE49-F238E27FC236}">
-                <a16:creationId xmlns:a16="http://schemas.microsoft.com/office/drawing/2014/main" id="{8BD69D6F-D207-4E34-9367-6DDBFCD0BBCD}"/>
-              </a:ext>
-            </a:extLst>
-          </p:cNvPr>
-          <p:cNvPicPr>
-            <a:picLocks noChangeAspect="1"/>
-          </p:cNvPicPr>
-          <p:nvPr/>
-        </p:nvPicPr>
-        <p:blipFill rotWithShape="1">
-          <a:blip r:embed="rId3">
-            <a:extLst>
-              <a:ext uri="{28A0092B-C50C-407E-A947-70E740481C1C}">
-                <a14:useLocalDpi xmlns:a14="http://schemas.microsoft.com/office/drawing/2010/main" val="0"/>
-              </a:ext>
-            </a:extLst>
-          </a:blip>
-          <a:srcRect t="18651" r="-2" b="39672"/>
-          <a:stretch/>
-        </p:blipFill>
-        <p:spPr>
-          <a:xfrm>
-            <a:off x="6721487" y="1709929"/>
-            <a:ext cx="5470513" cy="1709928"/>
-          </a:xfrm>
-          <a:custGeom>
-            <a:avLst/>
-            <a:gdLst>
-              <a:gd name="connsiteX0" fmla="*/ 0 w 5470513"/>
-              <a:gd name="connsiteY0" fmla="*/ 0 h 1709928"/>
-              <a:gd name="connsiteX1" fmla="*/ 5470513 w 5470513"/>
-              <a:gd name="connsiteY1" fmla="*/ 0 h 1709928"/>
-              <a:gd name="connsiteX2" fmla="*/ 5470513 w 5470513"/>
-              <a:gd name="connsiteY2" fmla="*/ 1709928 h 1709928"/>
-              <a:gd name="connsiteX3" fmla="*/ 792289 w 5470513"/>
-              <a:gd name="connsiteY3" fmla="*/ 1709928 h 1709928"/>
-            </a:gdLst>
-            <a:ahLst/>
-            <a:cxnLst>
-              <a:cxn ang="0">
-                <a:pos x="connsiteX0" y="connsiteY0"/>
-              </a:cxn>
-              <a:cxn ang="0">
-                <a:pos x="connsiteX1" y="connsiteY1"/>
-              </a:cxn>
-              <a:cxn ang="0">
-                <a:pos x="connsiteX2" y="connsiteY2"/>
-              </a:cxn>
-              <a:cxn ang="0">
-                <a:pos x="connsiteX3" y="connsiteY3"/>
-              </a:cxn>
-            </a:cxnLst>
-            <a:rect l="l" t="t" r="r" b="b"/>
-            <a:pathLst>
-              <a:path w="5470513" h="1709928">
-                <a:moveTo>
-                  <a:pt x="0" y="0"/>
-                </a:moveTo>
-                <a:lnTo>
-                  <a:pt x="5470513" y="0"/>
-                </a:lnTo>
-                <a:lnTo>
-                  <a:pt x="5470513" y="1709928"/>
-                </a:lnTo>
-                <a:lnTo>
-                  <a:pt x="792289" y="1709928"/>
-                </a:lnTo>
-                <a:close/>
-              </a:path>
-            </a:pathLst>
-          </a:custGeom>
-        </p:spPr>
-      </p:pic>
-      <p:pic>
-        <p:nvPicPr>
-          <p:cNvPr id="19" name="Image 18">
-            <a:extLst>
-              <a:ext uri="{FF2B5EF4-FFF2-40B4-BE49-F238E27FC236}">
-                <a16:creationId xmlns:a16="http://schemas.microsoft.com/office/drawing/2014/main" id="{FE1011FB-A6CC-4EEE-B43E-5776A1C995F1}"/>
-              </a:ext>
-            </a:extLst>
-          </p:cNvPr>
-          <p:cNvPicPr>
-            <a:picLocks noChangeAspect="1"/>
-          </p:cNvPicPr>
-          <p:nvPr/>
-        </p:nvPicPr>
-        <p:blipFill rotWithShape="1">
-          <a:blip r:embed="rId4">
-            <a:extLst>
-              <a:ext uri="{28A0092B-C50C-407E-A947-70E740481C1C}">
-                <a14:useLocalDpi xmlns:a14="http://schemas.microsoft.com/office/drawing/2010/main" val="0"/>
-              </a:ext>
-            </a:extLst>
-          </a:blip>
-          <a:srcRect t="30704" r="-3" b="20605"/>
-          <a:stretch/>
-        </p:blipFill>
-        <p:spPr>
-          <a:xfrm>
-            <a:off x="7509464" y="3410554"/>
-            <a:ext cx="4682536" cy="1709928"/>
-          </a:xfrm>
-          <a:custGeom>
-            <a:avLst/>
-            <a:gdLst>
-              <a:gd name="connsiteX0" fmla="*/ 0 w 4682536"/>
-              <a:gd name="connsiteY0" fmla="*/ 0 h 1709928"/>
-              <a:gd name="connsiteX1" fmla="*/ 4682536 w 4682536"/>
-              <a:gd name="connsiteY1" fmla="*/ 0 h 1709928"/>
-              <a:gd name="connsiteX2" fmla="*/ 4682536 w 4682536"/>
-              <a:gd name="connsiteY2" fmla="*/ 1709928 h 1709928"/>
-              <a:gd name="connsiteX3" fmla="*/ 792291 w 4682536"/>
-              <a:gd name="connsiteY3" fmla="*/ 1709928 h 1709928"/>
-              <a:gd name="connsiteX4" fmla="*/ 404649 w 4682536"/>
-              <a:gd name="connsiteY4" fmla="*/ 873316 h 1709928"/>
-              <a:gd name="connsiteX5" fmla="*/ 404648 w 4682536"/>
-              <a:gd name="connsiteY5" fmla="*/ 873316 h 1709928"/>
-            </a:gdLst>
-            <a:ahLst/>
-            <a:cxnLst>
-              <a:cxn ang="0">
-                <a:pos x="connsiteX0" y="connsiteY0"/>
-              </a:cxn>
-              <a:cxn ang="0">
-                <a:pos x="connsiteX1" y="connsiteY1"/>
-              </a:cxn>
-              <a:cxn ang="0">
-                <a:pos x="connsiteX2" y="connsiteY2"/>
-              </a:cxn>
-              <a:cxn ang="0">
-                <a:pos x="connsiteX3" y="connsiteY3"/>
-              </a:cxn>
-              <a:cxn ang="0">
-                <a:pos x="connsiteX4" y="connsiteY4"/>
-              </a:cxn>
-              <a:cxn ang="0">
-                <a:pos x="connsiteX5" y="connsiteY5"/>
-              </a:cxn>
-            </a:cxnLst>
-            <a:rect l="l" t="t" r="r" b="b"/>
-            <a:pathLst>
-              <a:path w="4682536" h="1709928">
-                <a:moveTo>
-                  <a:pt x="0" y="0"/>
-                </a:moveTo>
-                <a:lnTo>
-                  <a:pt x="4682536" y="0"/>
-                </a:lnTo>
-                <a:lnTo>
-                  <a:pt x="4682536" y="1709928"/>
-                </a:lnTo>
-                <a:lnTo>
-                  <a:pt x="792291" y="1709928"/>
-                </a:lnTo>
-                <a:lnTo>
-                  <a:pt x="404649" y="873316"/>
-                </a:lnTo>
-                <a:lnTo>
-                  <a:pt x="404648" y="873316"/>
-                </a:lnTo>
-                <a:close/>
-              </a:path>
-            </a:pathLst>
-          </a:custGeom>
-        </p:spPr>
-      </p:pic>
-      <p:pic>
-        <p:nvPicPr>
-          <p:cNvPr id="41" name="Espace réservé du contenu 8">
-            <a:extLst>
-              <a:ext uri="{FF2B5EF4-FFF2-40B4-BE49-F238E27FC236}">
-                <a16:creationId xmlns:a16="http://schemas.microsoft.com/office/drawing/2014/main" id="{806908B3-D073-4080-A280-B8B63F0219D1}"/>
-              </a:ext>
-            </a:extLst>
-          </p:cNvPr>
-          <p:cNvPicPr>
-            <a:picLocks noChangeAspect="1"/>
-          </p:cNvPicPr>
-          <p:nvPr/>
-        </p:nvPicPr>
-        <p:blipFill rotWithShape="1">
-          <a:blip r:embed="rId5" cstate="print">
-            <a:extLst>
-              <a:ext uri="{28A0092B-C50C-407E-A947-70E740481C1C}">
-                <a14:useLocalDpi xmlns:a14="http://schemas.microsoft.com/office/drawing/2010/main" val="0"/>
-              </a:ext>
-            </a:extLst>
-          </a:blip>
-          <a:srcRect t="6816" r="1" b="29364"/>
-          <a:stretch/>
-        </p:blipFill>
-        <p:spPr>
-          <a:xfrm>
-            <a:off x="7352035" y="5120483"/>
-            <a:ext cx="4839964" cy="1737518"/>
-          </a:xfrm>
-          <a:custGeom>
-            <a:avLst/>
-            <a:gdLst>
-              <a:gd name="connsiteX0" fmla="*/ 949721 w 4839964"/>
-              <a:gd name="connsiteY0" fmla="*/ 0 h 1737518"/>
-              <a:gd name="connsiteX1" fmla="*/ 4839964 w 4839964"/>
-              <a:gd name="connsiteY1" fmla="*/ 0 h 1737518"/>
-              <a:gd name="connsiteX2" fmla="*/ 4839964 w 4839964"/>
-              <a:gd name="connsiteY2" fmla="*/ 1737518 h 1737518"/>
-              <a:gd name="connsiteX3" fmla="*/ 0 w 4839964"/>
-              <a:gd name="connsiteY3" fmla="*/ 1737518 h 1737518"/>
-              <a:gd name="connsiteX4" fmla="*/ 0 w 4839964"/>
-              <a:gd name="connsiteY4" fmla="*/ 1737517 h 1737518"/>
-              <a:gd name="connsiteX5" fmla="*/ 1750164 w 4839964"/>
-              <a:gd name="connsiteY5" fmla="*/ 1737517 h 1737518"/>
-              <a:gd name="connsiteX6" fmla="*/ 1750164 w 4839964"/>
-              <a:gd name="connsiteY6" fmla="*/ 1737516 h 1737518"/>
-              <a:gd name="connsiteX7" fmla="*/ 1754794 w 4839964"/>
-              <a:gd name="connsiteY7" fmla="*/ 1737516 h 1737518"/>
+              <a:gd name="connsiteX0" fmla="*/ 4893809 w 6838950"/>
+              <a:gd name="connsiteY0" fmla="*/ 0 h 4197911"/>
+              <a:gd name="connsiteX1" fmla="*/ 4887586 w 6838950"/>
+              <a:gd name="connsiteY1" fmla="*/ 0 h 4197911"/>
+              <a:gd name="connsiteX2" fmla="*/ 3697795 w 6838950"/>
+              <a:gd name="connsiteY2" fmla="*/ 0 h 4197911"/>
+              <a:gd name="connsiteX3" fmla="*/ 2047750 w 6838950"/>
+              <a:gd name="connsiteY3" fmla="*/ 0 h 4197911"/>
+              <a:gd name="connsiteX4" fmla="*/ 0 w 6838950"/>
+              <a:gd name="connsiteY4" fmla="*/ 0 h 4197911"/>
+              <a:gd name="connsiteX5" fmla="*/ 0 w 6838950"/>
+              <a:gd name="connsiteY5" fmla="*/ 4197911 h 4197911"/>
+              <a:gd name="connsiteX6" fmla="*/ 6838950 w 6838950"/>
+              <a:gd name="connsiteY6" fmla="*/ 4197911 h 4197911"/>
             </a:gdLst>
             <a:ahLst/>
             <a:cxnLst>
@@ -6811,36 +7124,206 @@
               <a:cxn ang="0">
                 <a:pos x="connsiteX6" y="connsiteY6"/>
               </a:cxn>
+            </a:cxnLst>
+            <a:rect l="l" t="t" r="r" b="b"/>
+            <a:pathLst>
+              <a:path w="6838950" h="4197911">
+                <a:moveTo>
+                  <a:pt x="4893809" y="0"/>
+                </a:moveTo>
+                <a:lnTo>
+                  <a:pt x="4887586" y="0"/>
+                </a:lnTo>
+                <a:lnTo>
+                  <a:pt x="3697795" y="0"/>
+                </a:lnTo>
+                <a:lnTo>
+                  <a:pt x="2047750" y="0"/>
+                </a:lnTo>
+                <a:lnTo>
+                  <a:pt x="0" y="0"/>
+                </a:lnTo>
+                <a:lnTo>
+                  <a:pt x="0" y="4197911"/>
+                </a:lnTo>
+                <a:lnTo>
+                  <a:pt x="6838950" y="4197911"/>
+                </a:lnTo>
+                <a:close/>
+              </a:path>
+            </a:pathLst>
+          </a:custGeom>
+          <a:solidFill>
+            <a:srgbClr val="595959"/>
+          </a:solidFill>
+          <a:ln>
+            <a:noFill/>
+          </a:ln>
+        </p:spPr>
+        <p:style>
+          <a:lnRef idx="2">
+            <a:schemeClr val="accent1">
+              <a:shade val="50000"/>
+            </a:schemeClr>
+          </a:lnRef>
+          <a:fillRef idx="1">
+            <a:schemeClr val="accent1"/>
+          </a:fillRef>
+          <a:effectRef idx="0">
+            <a:schemeClr val="accent1"/>
+          </a:effectRef>
+          <a:fontRef idx="minor">
+            <a:schemeClr val="lt1"/>
+          </a:fontRef>
+        </p:style>
+        <p:txBody>
+          <a:bodyPr wrap="square" rtlCol="0" anchor="ctr">
+            <a:noAutofit/>
+          </a:bodyPr>
+          <a:lstStyle/>
+          <a:p>
+            <a:pPr algn="ctr"/>
+            <a:endParaRPr lang="en-US"/>
+          </a:p>
+        </p:txBody>
+      </p:sp>
+      <p:sp>
+        <p:nvSpPr>
+          <p:cNvPr id="2" name="Titre 1">
+            <a:extLst>
+              <a:ext uri="{FF2B5EF4-FFF2-40B4-BE49-F238E27FC236}">
+                <a16:creationId xmlns:a16="http://schemas.microsoft.com/office/drawing/2014/main" id="{68A06B1F-E2FA-44C7-90BA-7D2AAC8EC9CA}"/>
+              </a:ext>
+            </a:extLst>
+          </p:cNvPr>
+          <p:cNvSpPr>
+            <a:spLocks noGrp="1"/>
+          </p:cNvSpPr>
+          <p:nvPr>
+            <p:ph type="title"/>
+          </p:nvPr>
+        </p:nvSpPr>
+        <p:spPr>
+          <a:xfrm>
+            <a:off x="7200902" y="3320147"/>
+            <a:ext cx="4152897" cy="2220042"/>
+          </a:xfrm>
+        </p:spPr>
+        <p:txBody>
+          <a:bodyPr vert="horz" lIns="91440" tIns="45720" rIns="91440" bIns="45720" rtlCol="0">
+            <a:normAutofit/>
+          </a:bodyPr>
+          <a:lstStyle/>
+          <a:p>
+            <a:r>
+              <a:rPr lang="en-US" kern="1200" dirty="0">
+                <a:solidFill>
+                  <a:srgbClr val="FFFFFF"/>
+                </a:solidFill>
+                <a:latin typeface="Arial"/>
+                <a:cs typeface="Arial"/>
+              </a:rPr>
+              <a:t>Bien-</a:t>
+            </a:r>
+            <a:r>
+              <a:rPr lang="en-US" kern="1200">
+                <a:solidFill>
+                  <a:srgbClr val="FFFFFF"/>
+                </a:solidFill>
+                <a:latin typeface="Arial"/>
+                <a:cs typeface="Arial"/>
+              </a:rPr>
+              <a:t>être</a:t>
+            </a:r>
+            <a:r>
+              <a:rPr lang="en-US" kern="1200" dirty="0">
+                <a:solidFill>
+                  <a:srgbClr val="FFFFFF"/>
+                </a:solidFill>
+                <a:latin typeface="Arial"/>
+                <a:cs typeface="Arial"/>
+              </a:rPr>
+              <a:t> en entreprise</a:t>
+            </a:r>
+            <a:endParaRPr lang="fr-FR" dirty="0">
+              <a:solidFill>
+                <a:srgbClr val="FFFFFF"/>
+              </a:solidFill>
+            </a:endParaRPr>
+          </a:p>
+        </p:txBody>
+      </p:sp>
+      <p:pic>
+        <p:nvPicPr>
+          <p:cNvPr id="11" name="Image 10">
+            <a:extLst>
+              <a:ext uri="{FF2B5EF4-FFF2-40B4-BE49-F238E27FC236}">
+                <a16:creationId xmlns:a16="http://schemas.microsoft.com/office/drawing/2014/main" id="{E14E8023-7D9E-4D13-8574-159206D3F86B}"/>
+              </a:ext>
+            </a:extLst>
+          </p:cNvPr>
+          <p:cNvPicPr>
+            <a:picLocks noChangeAspect="1"/>
+          </p:cNvPicPr>
+          <p:nvPr/>
+        </p:nvPicPr>
+        <p:blipFill rotWithShape="1">
+          <a:blip r:embed="rId2" cstate="print">
+            <a:extLst>
+              <a:ext uri="{28A0092B-C50C-407E-A947-70E740481C1C}">
+                <a14:useLocalDpi xmlns:a14="http://schemas.microsoft.com/office/drawing/2010/main" val="0"/>
+              </a:ext>
+            </a:extLst>
+          </a:blip>
+          <a:srcRect t="7535" r="-3" b="-3"/>
+          <a:stretch/>
+        </p:blipFill>
+        <p:spPr>
+          <a:xfrm>
+            <a:off x="7381876" y="10"/>
+            <a:ext cx="4810125" cy="2501827"/>
+          </a:xfrm>
+          <a:custGeom>
+            <a:avLst/>
+            <a:gdLst>
+              <a:gd name="connsiteX0" fmla="*/ 1159248 w 4810125"/>
+              <a:gd name="connsiteY0" fmla="*/ 0 h 2501837"/>
+              <a:gd name="connsiteX1" fmla="*/ 4810125 w 4810125"/>
+              <a:gd name="connsiteY1" fmla="*/ 0 h 2501837"/>
+              <a:gd name="connsiteX2" fmla="*/ 4810125 w 4810125"/>
+              <a:gd name="connsiteY2" fmla="*/ 2501837 h 2501837"/>
+              <a:gd name="connsiteX3" fmla="*/ 0 w 4810125"/>
+              <a:gd name="connsiteY3" fmla="*/ 2501837 h 2501837"/>
+            </a:gdLst>
+            <a:ahLst/>
+            <a:cxnLst>
               <a:cxn ang="0">
-                <a:pos x="connsiteX7" y="connsiteY7"/>
+                <a:pos x="connsiteX0" y="connsiteY0"/>
+              </a:cxn>
+              <a:cxn ang="0">
+                <a:pos x="connsiteX1" y="connsiteY1"/>
+              </a:cxn>
+              <a:cxn ang="0">
+                <a:pos x="connsiteX2" y="connsiteY2"/>
+              </a:cxn>
+              <a:cxn ang="0">
+                <a:pos x="connsiteX3" y="connsiteY3"/>
               </a:cxn>
             </a:cxnLst>
             <a:rect l="l" t="t" r="r" b="b"/>
             <a:pathLst>
-              <a:path w="4839964" h="1737518">
+              <a:path w="4810125" h="2501837">
                 <a:moveTo>
-                  <a:pt x="949721" y="0"/>
+                  <a:pt x="1159248" y="0"/>
                 </a:moveTo>
                 <a:lnTo>
-                  <a:pt x="4839964" y="0"/>
+                  <a:pt x="4810125" y="0"/>
                 </a:lnTo>
                 <a:lnTo>
-                  <a:pt x="4839964" y="1737518"/>
+                  <a:pt x="4810125" y="2501837"/>
                 </a:lnTo>
                 <a:lnTo>
-                  <a:pt x="0" y="1737518"/>
-                </a:lnTo>
-                <a:lnTo>
-                  <a:pt x="0" y="1737517"/>
-                </a:lnTo>
-                <a:lnTo>
-                  <a:pt x="1750164" y="1737517"/>
-                </a:lnTo>
-                <a:lnTo>
-                  <a:pt x="1750164" y="1737516"/>
-                </a:lnTo>
-                <a:lnTo>
-                  <a:pt x="1754794" y="1737516"/>
+                  <a:pt x="0" y="2501837"/>
                 </a:lnTo>
                 <a:close/>
               </a:path>
@@ -6848,6 +7331,454 @@
           </a:custGeom>
         </p:spPr>
       </p:pic>
+      <p:pic>
+        <p:nvPicPr>
+          <p:cNvPr id="17" name="Image 16">
+            <a:extLst>
+              <a:ext uri="{FF2B5EF4-FFF2-40B4-BE49-F238E27FC236}">
+                <a16:creationId xmlns:a16="http://schemas.microsoft.com/office/drawing/2014/main" id="{8BD69D6F-D207-4E34-9367-6DDBFCD0BBCD}"/>
+              </a:ext>
+            </a:extLst>
+          </p:cNvPr>
+          <p:cNvPicPr>
+            <a:picLocks noChangeAspect="1"/>
+          </p:cNvPicPr>
+          <p:nvPr/>
+        </p:nvPicPr>
+        <p:blipFill rotWithShape="1">
+          <a:blip r:embed="rId3">
+            <a:extLst>
+              <a:ext uri="{28A0092B-C50C-407E-A947-70E740481C1C}">
+                <a14:useLocalDpi xmlns:a14="http://schemas.microsoft.com/office/drawing/2010/main" val="0"/>
+              </a:ext>
+            </a:extLst>
+          </a:blip>
+          <a:srcRect r="5" b="9173"/>
+          <a:stretch/>
+        </p:blipFill>
+        <p:spPr>
+          <a:xfrm>
+            <a:off x="4687635" y="-3618"/>
+            <a:ext cx="3677817" cy="2505456"/>
+          </a:xfrm>
+          <a:custGeom>
+            <a:avLst/>
+            <a:gdLst>
+              <a:gd name="connsiteX0" fmla="*/ 1160926 w 3677817"/>
+              <a:gd name="connsiteY0" fmla="*/ 0 h 2505456"/>
+              <a:gd name="connsiteX1" fmla="*/ 3677817 w 3677817"/>
+              <a:gd name="connsiteY1" fmla="*/ 0 h 2505456"/>
+              <a:gd name="connsiteX2" fmla="*/ 2516891 w 3677817"/>
+              <a:gd name="connsiteY2" fmla="*/ 2505456 h 2505456"/>
+              <a:gd name="connsiteX3" fmla="*/ 0 w 3677817"/>
+              <a:gd name="connsiteY3" fmla="*/ 2505456 h 2505456"/>
+            </a:gdLst>
+            <a:ahLst/>
+            <a:cxnLst>
+              <a:cxn ang="0">
+                <a:pos x="connsiteX0" y="connsiteY0"/>
+              </a:cxn>
+              <a:cxn ang="0">
+                <a:pos x="connsiteX1" y="connsiteY1"/>
+              </a:cxn>
+              <a:cxn ang="0">
+                <a:pos x="connsiteX2" y="connsiteY2"/>
+              </a:cxn>
+              <a:cxn ang="0">
+                <a:pos x="connsiteX3" y="connsiteY3"/>
+              </a:cxn>
+            </a:cxnLst>
+            <a:rect l="l" t="t" r="r" b="b"/>
+            <a:pathLst>
+              <a:path w="3677817" h="2505456">
+                <a:moveTo>
+                  <a:pt x="1160926" y="0"/>
+                </a:moveTo>
+                <a:lnTo>
+                  <a:pt x="3677817" y="0"/>
+                </a:lnTo>
+                <a:lnTo>
+                  <a:pt x="2516891" y="2505456"/>
+                </a:lnTo>
+                <a:lnTo>
+                  <a:pt x="0" y="2505456"/>
+                </a:lnTo>
+                <a:close/>
+              </a:path>
+            </a:pathLst>
+          </a:custGeom>
+        </p:spPr>
+      </p:pic>
+      <p:pic>
+        <p:nvPicPr>
+          <p:cNvPr id="41" name="Espace réservé du contenu 8">
+            <a:extLst>
+              <a:ext uri="{FF2B5EF4-FFF2-40B4-BE49-F238E27FC236}">
+                <a16:creationId xmlns:a16="http://schemas.microsoft.com/office/drawing/2014/main" id="{806908B3-D073-4080-A280-B8B63F0219D1}"/>
+              </a:ext>
+            </a:extLst>
+          </p:cNvPr>
+          <p:cNvPicPr>
+            <a:picLocks noChangeAspect="1"/>
+          </p:cNvPicPr>
+          <p:nvPr/>
+        </p:nvPicPr>
+        <p:blipFill rotWithShape="1">
+          <a:blip r:embed="rId4" cstate="print">
+            <a:extLst>
+              <a:ext uri="{28A0092B-C50C-407E-A947-70E740481C1C}">
+                <a14:useLocalDpi xmlns:a14="http://schemas.microsoft.com/office/drawing/2010/main" val="0"/>
+              </a:ext>
+            </a:extLst>
+          </a:blip>
+          <a:srcRect l="5301" r="18424" b="2"/>
+          <a:stretch/>
+        </p:blipFill>
+        <p:spPr>
+          <a:xfrm>
+            <a:off x="2283613" y="-3620"/>
+            <a:ext cx="3393943" cy="2502843"/>
+          </a:xfrm>
+          <a:custGeom>
+            <a:avLst/>
+            <a:gdLst>
+              <a:gd name="connsiteX0" fmla="*/ 1159715 w 3393943"/>
+              <a:gd name="connsiteY0" fmla="*/ 0 h 2502843"/>
+              <a:gd name="connsiteX1" fmla="*/ 3393943 w 3393943"/>
+              <a:gd name="connsiteY1" fmla="*/ 0 h 2502843"/>
+              <a:gd name="connsiteX2" fmla="*/ 2234228 w 3393943"/>
+              <a:gd name="connsiteY2" fmla="*/ 2502843 h 2502843"/>
+              <a:gd name="connsiteX3" fmla="*/ 0 w 3393943"/>
+              <a:gd name="connsiteY3" fmla="*/ 2502843 h 2502843"/>
+            </a:gdLst>
+            <a:ahLst/>
+            <a:cxnLst>
+              <a:cxn ang="0">
+                <a:pos x="connsiteX0" y="connsiteY0"/>
+              </a:cxn>
+              <a:cxn ang="0">
+                <a:pos x="connsiteX1" y="connsiteY1"/>
+              </a:cxn>
+              <a:cxn ang="0">
+                <a:pos x="connsiteX2" y="connsiteY2"/>
+              </a:cxn>
+              <a:cxn ang="0">
+                <a:pos x="connsiteX3" y="connsiteY3"/>
+              </a:cxn>
+            </a:cxnLst>
+            <a:rect l="l" t="t" r="r" b="b"/>
+            <a:pathLst>
+              <a:path w="3393943" h="2502843">
+                <a:moveTo>
+                  <a:pt x="1159715" y="0"/>
+                </a:moveTo>
+                <a:lnTo>
+                  <a:pt x="3393943" y="0"/>
+                </a:lnTo>
+                <a:lnTo>
+                  <a:pt x="2234228" y="2502843"/>
+                </a:lnTo>
+                <a:lnTo>
+                  <a:pt x="0" y="2502843"/>
+                </a:lnTo>
+                <a:close/>
+              </a:path>
+            </a:pathLst>
+          </a:custGeom>
+        </p:spPr>
+      </p:pic>
+      <p:pic>
+        <p:nvPicPr>
+          <p:cNvPr id="19" name="Image 18">
+            <a:extLst>
+              <a:ext uri="{FF2B5EF4-FFF2-40B4-BE49-F238E27FC236}">
+                <a16:creationId xmlns:a16="http://schemas.microsoft.com/office/drawing/2014/main" id="{FE1011FB-A6CC-4EEE-B43E-5776A1C995F1}"/>
+              </a:ext>
+            </a:extLst>
+          </p:cNvPr>
+          <p:cNvPicPr>
+            <a:picLocks noChangeAspect="1"/>
+          </p:cNvPicPr>
+          <p:nvPr/>
+        </p:nvPicPr>
+        <p:blipFill rotWithShape="1">
+          <a:blip r:embed="rId5">
+            <a:extLst>
+              <a:ext uri="{28A0092B-C50C-407E-A947-70E740481C1C}">
+                <a14:useLocalDpi xmlns:a14="http://schemas.microsoft.com/office/drawing/2010/main" val="0"/>
+              </a:ext>
+            </a:extLst>
+          </a:blip>
+          <a:srcRect r="2556" b="6"/>
+          <a:stretch/>
+        </p:blipFill>
+        <p:spPr>
+          <a:xfrm>
+            <a:off x="1" y="-6235"/>
+            <a:ext cx="3255403" cy="2505456"/>
+          </a:xfrm>
+          <a:custGeom>
+            <a:avLst/>
+            <a:gdLst>
+              <a:gd name="connsiteX0" fmla="*/ 0 w 3255403"/>
+              <a:gd name="connsiteY0" fmla="*/ 0 h 2505456"/>
+              <a:gd name="connsiteX1" fmla="*/ 3255403 w 3255403"/>
+              <a:gd name="connsiteY1" fmla="*/ 0 h 2505456"/>
+              <a:gd name="connsiteX2" fmla="*/ 2094477 w 3255403"/>
+              <a:gd name="connsiteY2" fmla="*/ 2505456 h 2505456"/>
+              <a:gd name="connsiteX3" fmla="*/ 0 w 3255403"/>
+              <a:gd name="connsiteY3" fmla="*/ 2505456 h 2505456"/>
+            </a:gdLst>
+            <a:ahLst/>
+            <a:cxnLst>
+              <a:cxn ang="0">
+                <a:pos x="connsiteX0" y="connsiteY0"/>
+              </a:cxn>
+              <a:cxn ang="0">
+                <a:pos x="connsiteX1" y="connsiteY1"/>
+              </a:cxn>
+              <a:cxn ang="0">
+                <a:pos x="connsiteX2" y="connsiteY2"/>
+              </a:cxn>
+              <a:cxn ang="0">
+                <a:pos x="connsiteX3" y="connsiteY3"/>
+              </a:cxn>
+            </a:cxnLst>
+            <a:rect l="l" t="t" r="r" b="b"/>
+            <a:pathLst>
+              <a:path w="3255403" h="2505456">
+                <a:moveTo>
+                  <a:pt x="0" y="0"/>
+                </a:moveTo>
+                <a:lnTo>
+                  <a:pt x="3255403" y="0"/>
+                </a:lnTo>
+                <a:lnTo>
+                  <a:pt x="2094477" y="2505456"/>
+                </a:lnTo>
+                <a:lnTo>
+                  <a:pt x="0" y="2505456"/>
+                </a:lnTo>
+                <a:close/>
+              </a:path>
+            </a:pathLst>
+          </a:custGeom>
+        </p:spPr>
+      </p:pic>
+      <p:sp>
+        <p:nvSpPr>
+          <p:cNvPr id="48" name="Freeform 11">
+            <a:extLst>
+              <a:ext uri="{FF2B5EF4-FFF2-40B4-BE49-F238E27FC236}">
+                <a16:creationId xmlns:a16="http://schemas.microsoft.com/office/drawing/2014/main" id="{32F4D216-10B7-4DCA-A0A1-068E9E32F4F2}"/>
+              </a:ext>
+              <a:ext uri="{C183D7F6-B498-43B3-948B-1728B52AA6E4}">
+                <adec:decorative xmlns:adec="http://schemas.microsoft.com/office/drawing/2017/decorative" val="1"/>
+              </a:ext>
+            </a:extLst>
+          </p:cNvPr>
+          <p:cNvSpPr>
+            <a:spLocks noGrp="1" noRot="1" noChangeAspect="1" noMove="1" noResize="1" noEditPoints="1" noAdjustHandles="1" noChangeArrowheads="1" noChangeShapeType="1" noTextEdit="1"/>
+          </p:cNvSpPr>
+          <p:nvPr>
+            <p:extLst>
+              <p:ext uri="{386F3935-93C4-4BCD-93E2-E3B085C9AB24}">
+                <p16:designElem xmlns:p16="http://schemas.microsoft.com/office/powerpoint/2015/main" val="1"/>
+              </p:ext>
+            </p:extLst>
+          </p:nvPr>
+        </p:nvSpPr>
+        <p:spPr>
+          <a:xfrm flipV="1">
+            <a:off x="1" y="2660091"/>
+            <a:ext cx="7122523" cy="4197911"/>
+          </a:xfrm>
+          <a:custGeom>
+            <a:avLst/>
+            <a:gdLst>
+              <a:gd name="connsiteX0" fmla="*/ 0 w 7122523"/>
+              <a:gd name="connsiteY0" fmla="*/ 4197911 h 4197911"/>
+              <a:gd name="connsiteX1" fmla="*/ 7122523 w 7122523"/>
+              <a:gd name="connsiteY1" fmla="*/ 4197911 h 4197911"/>
+              <a:gd name="connsiteX2" fmla="*/ 5177382 w 7122523"/>
+              <a:gd name="connsiteY2" fmla="*/ 0 h 4197911"/>
+              <a:gd name="connsiteX3" fmla="*/ 5171159 w 7122523"/>
+              <a:gd name="connsiteY3" fmla="*/ 0 h 4197911"/>
+              <a:gd name="connsiteX4" fmla="*/ 3981368 w 7122523"/>
+              <a:gd name="connsiteY4" fmla="*/ 0 h 4197911"/>
+              <a:gd name="connsiteX5" fmla="*/ 2331323 w 7122523"/>
+              <a:gd name="connsiteY5" fmla="*/ 0 h 4197911"/>
+              <a:gd name="connsiteX6" fmla="*/ 0 w 7122523"/>
+              <a:gd name="connsiteY6" fmla="*/ 0 h 4197911"/>
+            </a:gdLst>
+            <a:ahLst/>
+            <a:cxnLst>
+              <a:cxn ang="0">
+                <a:pos x="connsiteX0" y="connsiteY0"/>
+              </a:cxn>
+              <a:cxn ang="0">
+                <a:pos x="connsiteX1" y="connsiteY1"/>
+              </a:cxn>
+              <a:cxn ang="0">
+                <a:pos x="connsiteX2" y="connsiteY2"/>
+              </a:cxn>
+              <a:cxn ang="0">
+                <a:pos x="connsiteX3" y="connsiteY3"/>
+              </a:cxn>
+              <a:cxn ang="0">
+                <a:pos x="connsiteX4" y="connsiteY4"/>
+              </a:cxn>
+              <a:cxn ang="0">
+                <a:pos x="connsiteX5" y="connsiteY5"/>
+              </a:cxn>
+              <a:cxn ang="0">
+                <a:pos x="connsiteX6" y="connsiteY6"/>
+              </a:cxn>
+            </a:cxnLst>
+            <a:rect l="l" t="t" r="r" b="b"/>
+            <a:pathLst>
+              <a:path w="7122523" h="4197911">
+                <a:moveTo>
+                  <a:pt x="0" y="4197911"/>
+                </a:moveTo>
+                <a:lnTo>
+                  <a:pt x="7122523" y="4197911"/>
+                </a:lnTo>
+                <a:lnTo>
+                  <a:pt x="5177382" y="0"/>
+                </a:lnTo>
+                <a:lnTo>
+                  <a:pt x="5171159" y="0"/>
+                </a:lnTo>
+                <a:lnTo>
+                  <a:pt x="3981368" y="0"/>
+                </a:lnTo>
+                <a:lnTo>
+                  <a:pt x="2331323" y="0"/>
+                </a:lnTo>
+                <a:lnTo>
+                  <a:pt x="0" y="0"/>
+                </a:lnTo>
+                <a:close/>
+              </a:path>
+            </a:pathLst>
+          </a:custGeom>
+          <a:solidFill>
+            <a:srgbClr val="404040"/>
+          </a:solidFill>
+          <a:ln>
+            <a:noFill/>
+          </a:ln>
+        </p:spPr>
+        <p:style>
+          <a:lnRef idx="2">
+            <a:schemeClr val="accent1">
+              <a:shade val="50000"/>
+            </a:schemeClr>
+          </a:lnRef>
+          <a:fillRef idx="1">
+            <a:schemeClr val="accent1"/>
+          </a:fillRef>
+          <a:effectRef idx="0">
+            <a:schemeClr val="accent1"/>
+          </a:effectRef>
+          <a:fontRef idx="minor">
+            <a:schemeClr val="lt1"/>
+          </a:fontRef>
+        </p:style>
+        <p:txBody>
+          <a:bodyPr wrap="square" rtlCol="0" anchor="ctr">
+            <a:noAutofit/>
+          </a:bodyPr>
+          <a:lstStyle/>
+          <a:p>
+            <a:pPr algn="ctr"/>
+            <a:endParaRPr lang="en-US"/>
+          </a:p>
+        </p:txBody>
+      </p:sp>
+      <p:sp>
+        <p:nvSpPr>
+          <p:cNvPr id="29" name="Content Placeholder 28">
+            <a:extLst>
+              <a:ext uri="{FF2B5EF4-FFF2-40B4-BE49-F238E27FC236}">
+                <a16:creationId xmlns:a16="http://schemas.microsoft.com/office/drawing/2014/main" id="{90700417-2FCC-4DF1-9072-BFB6EE23CBA8}"/>
+              </a:ext>
+            </a:extLst>
+          </p:cNvPr>
+          <p:cNvSpPr>
+            <a:spLocks noGrp="1"/>
+          </p:cNvSpPr>
+          <p:nvPr>
+            <p:ph idx="1"/>
+          </p:nvPr>
+        </p:nvSpPr>
+        <p:spPr>
+          <a:xfrm>
+            <a:off x="352926" y="3007895"/>
+            <a:ext cx="5076325" cy="2286000"/>
+          </a:xfrm>
+          <a:ln>
+            <a:solidFill>
+              <a:schemeClr val="bg1"/>
+            </a:solidFill>
+          </a:ln>
+        </p:spPr>
+        <p:txBody>
+          <a:bodyPr vert="horz" lIns="91440" tIns="45720" rIns="91440" bIns="45720" rtlCol="0" anchor="ctr">
+            <a:normAutofit/>
+          </a:bodyPr>
+          <a:lstStyle/>
+          <a:p>
+            <a:r>
+              <a:rPr lang="en-US" sz="2000" dirty="0">
+                <a:solidFill>
+                  <a:srgbClr val="FFFFFF"/>
+                </a:solidFill>
+                <a:latin typeface="Arial" panose="020B0604020202020204" pitchFamily="34" charset="0"/>
+                <a:cs typeface="Arial" panose="020B0604020202020204" pitchFamily="34" charset="0"/>
+              </a:rPr>
+              <a:t>Porteuse de valeures humaines</a:t>
+            </a:r>
+          </a:p>
+          <a:p>
+            <a:r>
+              <a:rPr lang="en-US" sz="2000" dirty="0">
+                <a:solidFill>
+                  <a:srgbClr val="FFFFFF"/>
+                </a:solidFill>
+                <a:latin typeface="Arial"/>
+                <a:cs typeface="Arial"/>
+              </a:rPr>
+              <a:t>Cadre de travail adéquat et adapté à la vie en communauté</a:t>
+            </a:r>
+          </a:p>
+          <a:p>
+            <a:r>
+              <a:rPr lang="en-US" sz="2000" dirty="0">
+                <a:solidFill>
+                  <a:srgbClr val="FFFFFF"/>
+                </a:solidFill>
+                <a:latin typeface="Arial" panose="020B0604020202020204" pitchFamily="34" charset="0"/>
+                <a:cs typeface="Arial" panose="020B0604020202020204" pitchFamily="34" charset="0"/>
+              </a:rPr>
+              <a:t>Environnement serein</a:t>
+            </a:r>
+          </a:p>
+          <a:p>
+            <a:r>
+              <a:rPr lang="en-US" sz="2000" dirty="0">
+                <a:solidFill>
+                  <a:srgbClr val="FFFFFF"/>
+                </a:solidFill>
+                <a:latin typeface="Arial" panose="020B0604020202020204" pitchFamily="34" charset="0"/>
+                <a:cs typeface="Arial" panose="020B0604020202020204" pitchFamily="34" charset="0"/>
+              </a:rPr>
+              <a:t>Dynamisme et ingéniosité</a:t>
+            </a:r>
+          </a:p>
+        </p:txBody>
+      </p:sp>
     </p:spTree>
     <p:extLst>
       <p:ext uri="{BB962C8B-B14F-4D97-AF65-F5344CB8AC3E}">
@@ -6856,7 +7787,7 @@
     </p:extLst>
   </p:cSld>
   <p:clrMapOvr>
-    <a:overrideClrMapping bg1="dk1" tx1="lt1" bg2="dk2" tx2="lt2" accent1="accent1" accent2="accent2" accent3="accent3" accent4="accent4" accent5="accent5" accent6="accent6" hlink="hlink" folHlink="folHlink"/>
+    <a:masterClrMapping/>
   </p:clrMapOvr>
 </p:sld>
 </file>
@@ -6955,8 +7886,13 @@
         <p:spPr>
           <a:xfrm>
             <a:off x="762000" y="2279018"/>
-            <a:ext cx="5314543" cy="3375920"/>
+            <a:ext cx="5314543" cy="2645908"/>
           </a:xfrm>
+          <a:ln>
+            <a:solidFill>
+              <a:schemeClr val="tx1"/>
+            </a:solidFill>
+          </a:ln>
         </p:spPr>
         <p:txBody>
           <a:bodyPr anchor="t">
@@ -6965,20 +7901,16 @@
           <a:lstStyle/>
           <a:p>
             <a:r>
-              <a:rPr lang="en-US" sz="2000" dirty="0">
+              <a:rPr lang="en-US" sz="1800" dirty="0">
                 <a:latin typeface="Arial"/>
                 <a:cs typeface="Arial"/>
               </a:rPr>
               <a:t>Tierce Maintenance Applicative </a:t>
             </a:r>
-            <a:endParaRPr lang="en-US" sz="2000">
-              <a:latin typeface="Arial"/>
-              <a:cs typeface="Arial"/>
-            </a:endParaRPr>
-          </a:p>
-          <a:p>
-            <a:r>
-              <a:rPr lang="en-US" sz="2000" dirty="0">
+          </a:p>
+          <a:p>
+            <a:r>
+              <a:rPr lang="en-US" sz="1800" dirty="0">
                 <a:latin typeface="Arial"/>
                 <a:cs typeface="Arial"/>
               </a:rPr>
@@ -6986,16 +7918,31 @@
             </a:r>
           </a:p>
           <a:p>
-            <a:endParaRPr lang="en-US" sz="2000" dirty="0">
-              <a:latin typeface="Arial"/>
-              <a:cs typeface="Arial"/>
-            </a:endParaRPr>
-          </a:p>
-          <a:p>
-            <a:endParaRPr lang="en-US" sz="2000" dirty="0">
-              <a:latin typeface="Arial"/>
-              <a:cs typeface="Arial"/>
-            </a:endParaRPr>
+            <a:r>
+              <a:rPr lang="en-US" sz="1800" dirty="0">
+                <a:latin typeface="Arial"/>
+                <a:cs typeface="Arial"/>
+              </a:rPr>
+              <a:t>Romuald, Gregory : Back-end</a:t>
+            </a:r>
+          </a:p>
+          <a:p>
+            <a:r>
+              <a:rPr lang="en-US" sz="1800" dirty="0">
+                <a:latin typeface="Arial"/>
+                <a:cs typeface="Arial"/>
+              </a:rPr>
+              <a:t>Jerôme : Front-end</a:t>
+            </a:r>
+          </a:p>
+          <a:p>
+            <a:r>
+              <a:rPr lang="en-US" sz="1800" dirty="0">
+                <a:latin typeface="Arial"/>
+                <a:cs typeface="Arial"/>
+              </a:rPr>
+              <a:t>Pierre : Chef et pilote de projet</a:t>
+            </a:r>
           </a:p>
         </p:txBody>
       </p:sp>
@@ -7289,8 +8236,8 @@
         </p:nvSpPr>
         <p:spPr>
           <a:xfrm>
-            <a:off x="804844" y="4325954"/>
-            <a:ext cx="4366985" cy="2031325"/>
+            <a:off x="808496" y="4048026"/>
+            <a:ext cx="4366985" cy="2308324"/>
           </a:xfrm>
           <a:prstGeom prst="rect">
             <a:avLst/>
@@ -7311,7 +8258,8 @@
             </a:pPr>
             <a:r>
               <a:rPr lang="fr-FR" dirty="0">
-                <a:cs typeface="Calibri"/>
+                <a:latin typeface="Arial" panose="020B0604020202020204" pitchFamily="34" charset="0"/>
+                <a:cs typeface="Arial" panose="020B0604020202020204" pitchFamily="34" charset="0"/>
               </a:rPr>
               <a:t>Permettre aux managers de gérer leurs équipes</a:t>
             </a:r>
@@ -7323,7 +8271,8 @@
             </a:pPr>
             <a:r>
               <a:rPr lang="fr-FR" dirty="0">
-                <a:cs typeface="Calibri"/>
+                <a:latin typeface="Arial" panose="020B0604020202020204" pitchFamily="34" charset="0"/>
+                <a:cs typeface="Arial" panose="020B0604020202020204" pitchFamily="34" charset="0"/>
               </a:rPr>
               <a:t>Permet aux salariés d'avoir un visu sur leurs congés et de faire des demandes</a:t>
             </a:r>
@@ -7335,7 +8284,8 @@
             </a:pPr>
             <a:r>
               <a:rPr lang="fr-FR" dirty="0">
-                <a:cs typeface="Calibri"/>
+                <a:latin typeface="Arial" panose="020B0604020202020204" pitchFamily="34" charset="0"/>
+                <a:cs typeface="Arial" panose="020B0604020202020204" pitchFamily="34" charset="0"/>
               </a:rPr>
               <a:t>Permet de placer des objectifs de chiffres d'affaires pour chaque équipe</a:t>
             </a:r>
@@ -7346,7 +8296,8 @@
               <a:buChar char="•"/>
             </a:pPr>
             <a:endParaRPr lang="fr-FR" dirty="0">
-              <a:cs typeface="Calibri"/>
+              <a:latin typeface="Arial" panose="020B0604020202020204" pitchFamily="34" charset="0"/>
+              <a:cs typeface="Arial" panose="020B0604020202020204" pitchFamily="34" charset="0"/>
             </a:endParaRPr>
           </a:p>
         </p:txBody>
@@ -7397,7 +8348,17 @@
             <p:ph type="title"/>
           </p:nvPr>
         </p:nvSpPr>
-        <p:spPr/>
+        <p:spPr>
+          <a:xfrm>
+            <a:off x="3399235" y="329603"/>
+            <a:ext cx="6514670" cy="1325563"/>
+          </a:xfrm>
+          <a:ln w="28575">
+            <a:solidFill>
+              <a:schemeClr val="tx1"/>
+            </a:solidFill>
+          </a:ln>
+        </p:spPr>
         <p:txBody>
           <a:bodyPr/>
           <a:lstStyle/>
@@ -7434,10 +8395,7 @@
             <a:avLst/>
           </a:prstGeom>
           <a:solidFill>
-            <a:schemeClr val="accent1">
-              <a:lumMod val="60000"/>
-              <a:lumOff val="40000"/>
-            </a:schemeClr>
+            <a:schemeClr val="bg1"/>
           </a:solidFill>
           <a:ln>
             <a:solidFill>
@@ -7566,10 +8524,7 @@
             <a:avLst/>
           </a:prstGeom>
           <a:solidFill>
-            <a:schemeClr val="accent1">
-              <a:lumMod val="60000"/>
-              <a:lumOff val="40000"/>
-            </a:schemeClr>
+            <a:srgbClr val="7030A0"/>
           </a:solidFill>
           <a:ln>
             <a:solidFill>
@@ -7610,17 +8565,14 @@
         </p:nvSpPr>
         <p:spPr>
           <a:xfrm>
-            <a:off x="5940176" y="3350231"/>
+            <a:off x="5944229" y="3353476"/>
             <a:ext cx="1424683" cy="369332"/>
           </a:xfrm>
           <a:prstGeom prst="rect">
             <a:avLst/>
           </a:prstGeom>
           <a:solidFill>
-            <a:schemeClr val="accent1">
-              <a:lumMod val="60000"/>
-              <a:lumOff val="40000"/>
-            </a:schemeClr>
+            <a:schemeClr val="accent6"/>
           </a:solidFill>
           <a:ln>
             <a:solidFill>
@@ -7664,7 +8616,7 @@
         </p:nvCxnSpPr>
         <p:spPr>
           <a:xfrm>
-            <a:off x="4919608" y="2976078"/>
+            <a:off x="4931594" y="2991811"/>
             <a:ext cx="1008579" cy="409255"/>
           </a:xfrm>
           <a:prstGeom prst="straightConnector1">
@@ -7728,6 +8680,336 @@
           </a:p>
         </p:txBody>
       </p:sp>
+      <p:cxnSp>
+        <p:nvCxnSpPr>
+          <p:cNvPr id="11" name="Connecteur droit avec flèche 10">
+            <a:extLst>
+              <a:ext uri="{FF2B5EF4-FFF2-40B4-BE49-F238E27FC236}">
+                <a16:creationId xmlns:a16="http://schemas.microsoft.com/office/drawing/2014/main" id="{731D4090-E056-4A5F-8CE4-D821291C26D3}"/>
+              </a:ext>
+            </a:extLst>
+          </p:cNvPr>
+          <p:cNvCxnSpPr/>
+          <p:nvPr/>
+        </p:nvCxnSpPr>
+        <p:spPr>
+          <a:xfrm>
+            <a:off x="7352870" y="3722808"/>
+            <a:ext cx="1008579" cy="409255"/>
+          </a:xfrm>
+          <a:prstGeom prst="straightConnector1">
+            <a:avLst/>
+          </a:prstGeom>
+          <a:ln>
+            <a:tailEnd type="triangle"/>
+          </a:ln>
+        </p:spPr>
+        <p:style>
+          <a:lnRef idx="1">
+            <a:schemeClr val="dk1"/>
+          </a:lnRef>
+          <a:fillRef idx="0">
+            <a:schemeClr val="dk1"/>
+          </a:fillRef>
+          <a:effectRef idx="0">
+            <a:schemeClr val="dk1"/>
+          </a:effectRef>
+          <a:fontRef idx="minor">
+            <a:schemeClr val="tx1"/>
+          </a:fontRef>
+        </p:style>
+      </p:cxnSp>
+      <p:sp>
+        <p:nvSpPr>
+          <p:cNvPr id="12" name="ZoneTexte 11">
+            <a:extLst>
+              <a:ext uri="{FF2B5EF4-FFF2-40B4-BE49-F238E27FC236}">
+                <a16:creationId xmlns:a16="http://schemas.microsoft.com/office/drawing/2014/main" id="{799EC9DC-5F78-43D3-A08E-A20F824D1AAB}"/>
+              </a:ext>
+            </a:extLst>
+          </p:cNvPr>
+          <p:cNvSpPr txBox="1"/>
+          <p:nvPr/>
+        </p:nvSpPr>
+        <p:spPr>
+          <a:xfrm>
+            <a:off x="8361449" y="4091958"/>
+            <a:ext cx="1424683" cy="369332"/>
+          </a:xfrm>
+          <a:prstGeom prst="rect">
+            <a:avLst/>
+          </a:prstGeom>
+          <a:solidFill>
+            <a:schemeClr val="accent2"/>
+          </a:solidFill>
+          <a:ln>
+            <a:solidFill>
+              <a:schemeClr val="tx1"/>
+            </a:solidFill>
+          </a:ln>
+        </p:spPr>
+        <p:txBody>
+          <a:bodyPr rot="0" spcFirstLastPara="0" vertOverflow="overflow" horzOverflow="overflow" vert="horz" wrap="square" lIns="91440" tIns="45720" rIns="91440" bIns="45720" numCol="1" spcCol="0" rtlCol="0" fromWordArt="0" anchor="t" anchorCtr="0" forceAA="0" compatLnSpc="1">
+            <a:prstTxWarp prst="textNoShape">
+              <a:avLst/>
+            </a:prstTxWarp>
+            <a:spAutoFit/>
+          </a:bodyPr>
+          <a:lstStyle/>
+          <a:p>
+            <a:pPr algn="ctr"/>
+            <a:r>
+              <a:rPr lang="fr-FR" dirty="0"/>
+              <a:t>Train</a:t>
+            </a:r>
+            <a:endParaRPr lang="fr-FR" dirty="0">
+              <a:cs typeface="Calibri"/>
+            </a:endParaRPr>
+          </a:p>
+        </p:txBody>
+      </p:sp>
+      <p:sp>
+        <p:nvSpPr>
+          <p:cNvPr id="13" name="ZoneTexte 12">
+            <a:extLst>
+              <a:ext uri="{FF2B5EF4-FFF2-40B4-BE49-F238E27FC236}">
+                <a16:creationId xmlns:a16="http://schemas.microsoft.com/office/drawing/2014/main" id="{31D4BAE7-0E9E-4C77-BE1F-EF606712EE53}"/>
+              </a:ext>
+            </a:extLst>
+          </p:cNvPr>
+          <p:cNvSpPr txBox="1"/>
+          <p:nvPr/>
+        </p:nvSpPr>
+        <p:spPr>
+          <a:xfrm>
+            <a:off x="6149080" y="3978175"/>
+            <a:ext cx="2212369" cy="523220"/>
+          </a:xfrm>
+          <a:prstGeom prst="rect">
+            <a:avLst/>
+          </a:prstGeom>
+        </p:spPr>
+        <p:txBody>
+          <a:bodyPr rot="0" spcFirstLastPara="0" vertOverflow="overflow" horzOverflow="overflow" vert="horz" wrap="square" lIns="91440" tIns="45720" rIns="91440" bIns="45720" numCol="1" spcCol="0" rtlCol="0" fromWordArt="0" anchor="t" anchorCtr="0" forceAA="0" compatLnSpc="1">
+            <a:prstTxWarp prst="textNoShape">
+              <a:avLst/>
+            </a:prstTxWarp>
+            <a:spAutoFit/>
+          </a:bodyPr>
+          <a:lstStyle/>
+          <a:p>
+            <a:pPr algn="ctr"/>
+            <a:r>
+              <a:rPr lang="fr-FR" sz="1400" dirty="0"/>
+              <a:t>Résous l’incident et le fait passer dans le train</a:t>
+            </a:r>
+            <a:endParaRPr lang="fr-FR" dirty="0"/>
+          </a:p>
+        </p:txBody>
+      </p:sp>
+      <p:sp>
+        <p:nvSpPr>
+          <p:cNvPr id="15" name="ZoneTexte 14">
+            <a:extLst>
+              <a:ext uri="{FF2B5EF4-FFF2-40B4-BE49-F238E27FC236}">
+                <a16:creationId xmlns:a16="http://schemas.microsoft.com/office/drawing/2014/main" id="{84F2F172-4F8A-40E8-A7B2-67E3819CAAE9}"/>
+              </a:ext>
+            </a:extLst>
+          </p:cNvPr>
+          <p:cNvSpPr txBox="1"/>
+          <p:nvPr/>
+        </p:nvSpPr>
+        <p:spPr>
+          <a:xfrm>
+            <a:off x="755915" y="4239785"/>
+            <a:ext cx="3529264" cy="1477328"/>
+          </a:xfrm>
+          <a:prstGeom prst="rect">
+            <a:avLst/>
+          </a:prstGeom>
+          <a:noFill/>
+          <a:ln w="19050">
+            <a:solidFill>
+              <a:schemeClr val="tx1"/>
+            </a:solidFill>
+          </a:ln>
+        </p:spPr>
+        <p:txBody>
+          <a:bodyPr wrap="square" rtlCol="0">
+            <a:spAutoFit/>
+          </a:bodyPr>
+          <a:lstStyle/>
+          <a:p>
+            <a:r>
+              <a:rPr lang="fr-FR" dirty="0">
+                <a:latin typeface="Arial" panose="020B0604020202020204" pitchFamily="34" charset="0"/>
+                <a:cs typeface="Arial" panose="020B0604020202020204" pitchFamily="34" charset="0"/>
+              </a:rPr>
+              <a:t>Quelques statuts de tickets :</a:t>
+            </a:r>
+          </a:p>
+          <a:p>
+            <a:pPr marL="285750" indent="-285750">
+              <a:buFont typeface="Arial" panose="020B0604020202020204" pitchFamily="34" charset="0"/>
+              <a:buChar char="•"/>
+            </a:pPr>
+            <a:r>
+              <a:rPr lang="fr-FR" dirty="0">
+                <a:solidFill>
+                  <a:srgbClr val="7030A0"/>
+                </a:solidFill>
+                <a:latin typeface="Arial" panose="020B0604020202020204" pitchFamily="34" charset="0"/>
+                <a:cs typeface="Arial" panose="020B0604020202020204" pitchFamily="34" charset="0"/>
+              </a:rPr>
+              <a:t>Affecté</a:t>
+            </a:r>
+          </a:p>
+          <a:p>
+            <a:pPr marL="285750" indent="-285750">
+              <a:buFont typeface="Arial" panose="020B0604020202020204" pitchFamily="34" charset="0"/>
+              <a:buChar char="•"/>
+            </a:pPr>
+            <a:r>
+              <a:rPr lang="fr-FR" dirty="0">
+                <a:solidFill>
+                  <a:schemeClr val="accent6"/>
+                </a:solidFill>
+                <a:latin typeface="Arial" panose="020B0604020202020204" pitchFamily="34" charset="0"/>
+                <a:cs typeface="Arial" panose="020B0604020202020204" pitchFamily="34" charset="0"/>
+              </a:rPr>
+              <a:t>En cours</a:t>
+            </a:r>
+          </a:p>
+          <a:p>
+            <a:pPr marL="285750" indent="-285750">
+              <a:buFont typeface="Arial" panose="020B0604020202020204" pitchFamily="34" charset="0"/>
+              <a:buChar char="•"/>
+            </a:pPr>
+            <a:r>
+              <a:rPr lang="fr-FR" dirty="0">
+                <a:solidFill>
+                  <a:schemeClr val="accent2"/>
+                </a:solidFill>
+                <a:latin typeface="Arial" panose="020B0604020202020204" pitchFamily="34" charset="0"/>
+                <a:cs typeface="Arial" panose="020B0604020202020204" pitchFamily="34" charset="0"/>
+              </a:rPr>
+              <a:t>Résolu</a:t>
+            </a:r>
+          </a:p>
+          <a:p>
+            <a:pPr marL="285750" indent="-285750">
+              <a:buFont typeface="Arial" panose="020B0604020202020204" pitchFamily="34" charset="0"/>
+              <a:buChar char="•"/>
+            </a:pPr>
+            <a:r>
+              <a:rPr lang="fr-FR" dirty="0">
+                <a:solidFill>
+                  <a:schemeClr val="bg1">
+                    <a:lumMod val="50000"/>
+                  </a:schemeClr>
+                </a:solidFill>
+                <a:latin typeface="Arial" panose="020B0604020202020204" pitchFamily="34" charset="0"/>
+                <a:cs typeface="Arial" panose="020B0604020202020204" pitchFamily="34" charset="0"/>
+              </a:rPr>
+              <a:t>Clôturé</a:t>
+            </a:r>
+          </a:p>
+        </p:txBody>
+      </p:sp>
+      <p:sp>
+        <p:nvSpPr>
+          <p:cNvPr id="16" name="ZoneTexte 15">
+            <a:extLst>
+              <a:ext uri="{FF2B5EF4-FFF2-40B4-BE49-F238E27FC236}">
+                <a16:creationId xmlns:a16="http://schemas.microsoft.com/office/drawing/2014/main" id="{3EE763D6-1268-46C3-B7E0-B484192AF994}"/>
+              </a:ext>
+            </a:extLst>
+          </p:cNvPr>
+          <p:cNvSpPr txBox="1"/>
+          <p:nvPr/>
+        </p:nvSpPr>
+        <p:spPr>
+          <a:xfrm>
+            <a:off x="7784156" y="5347781"/>
+            <a:ext cx="2579267" cy="646331"/>
+          </a:xfrm>
+          <a:prstGeom prst="rect">
+            <a:avLst/>
+          </a:prstGeom>
+          <a:solidFill>
+            <a:schemeClr val="bg2">
+              <a:lumMod val="90000"/>
+            </a:schemeClr>
+          </a:solidFill>
+          <a:ln>
+            <a:solidFill>
+              <a:schemeClr val="tx1"/>
+            </a:solidFill>
+          </a:ln>
+        </p:spPr>
+        <p:txBody>
+          <a:bodyPr rot="0" spcFirstLastPara="0" vertOverflow="overflow" horzOverflow="overflow" vert="horz" wrap="square" lIns="91440" tIns="45720" rIns="91440" bIns="45720" numCol="1" spcCol="0" rtlCol="0" fromWordArt="0" anchor="t" anchorCtr="0" forceAA="0" compatLnSpc="1">
+            <a:prstTxWarp prst="textNoShape">
+              <a:avLst/>
+            </a:prstTxWarp>
+            <a:spAutoFit/>
+          </a:bodyPr>
+          <a:lstStyle/>
+          <a:p>
+            <a:pPr algn="ctr"/>
+            <a:r>
+              <a:rPr lang="fr-FR" dirty="0"/>
+              <a:t>Mise en production ultérieure</a:t>
+            </a:r>
+            <a:endParaRPr lang="fr-FR" dirty="0">
+              <a:cs typeface="Calibri"/>
+            </a:endParaRPr>
+          </a:p>
+        </p:txBody>
+      </p:sp>
+      <p:cxnSp>
+        <p:nvCxnSpPr>
+          <p:cNvPr id="17" name="Connecteur droit avec flèche 16">
+            <a:extLst>
+              <a:ext uri="{FF2B5EF4-FFF2-40B4-BE49-F238E27FC236}">
+                <a16:creationId xmlns:a16="http://schemas.microsoft.com/office/drawing/2014/main" id="{67D43200-F49B-4E73-9F86-3AED5F3FD851}"/>
+              </a:ext>
+            </a:extLst>
+          </p:cNvPr>
+          <p:cNvCxnSpPr>
+            <a:cxnSpLocks/>
+            <a:stCxn id="12" idx="2"/>
+            <a:endCxn id="16" idx="0"/>
+          </p:cNvCxnSpPr>
+          <p:nvPr/>
+        </p:nvCxnSpPr>
+        <p:spPr>
+          <a:xfrm flipH="1">
+            <a:off x="9073790" y="4461290"/>
+            <a:ext cx="1" cy="886491"/>
+          </a:xfrm>
+          <a:prstGeom prst="straightConnector1">
+            <a:avLst/>
+          </a:prstGeom>
+          <a:ln>
+            <a:tailEnd type="triangle"/>
+          </a:ln>
+        </p:spPr>
+        <p:style>
+          <a:lnRef idx="1">
+            <a:schemeClr val="dk1"/>
+          </a:lnRef>
+          <a:fillRef idx="0">
+            <a:schemeClr val="dk1"/>
+          </a:fillRef>
+          <a:effectRef idx="0">
+            <a:schemeClr val="dk1"/>
+          </a:effectRef>
+          <a:fontRef idx="minor">
+            <a:schemeClr val="tx1"/>
+          </a:fontRef>
+        </p:style>
+      </p:cxnSp>
     </p:spTree>
     <p:extLst>
       <p:ext uri="{BB962C8B-B14F-4D97-AF65-F5344CB8AC3E}">
@@ -7742,7 +9024,7 @@
 </file>
 
 <file path=ppt/theme/theme1.xml><?xml version="1.0" encoding="utf-8"?>
-<a:theme xmlns:a="http://schemas.openxmlformats.org/drawingml/2006/main" name="Thème Office">
+<a:theme xmlns:a="http://schemas.openxmlformats.org/drawingml/2006/main" name="Office Theme">
   <a:themeElements>
     <a:clrScheme name="Thème Office">
       <a:dk1>
@@ -7758,22 +9040,22 @@
         <a:srgbClr val="E7E6E6"/>
       </a:lt2>
       <a:accent1>
-        <a:srgbClr val="4472C4"/>
+        <a:srgbClr val="1D9A78"/>
       </a:accent1>
       <a:accent2>
-        <a:srgbClr val="ED7D31"/>
+        <a:srgbClr val="8BC145"/>
       </a:accent2>
       <a:accent3>
-        <a:srgbClr val="A5A5A5"/>
+        <a:srgbClr val="36AFCE"/>
       </a:accent3>
       <a:accent4>
-        <a:srgbClr val="FFC000"/>
+        <a:srgbClr val="1D6FA9"/>
       </a:accent4>
       <a:accent5>
-        <a:srgbClr val="5B9BD5"/>
+        <a:srgbClr val="B74919"/>
       </a:accent5>
       <a:accent6>
-        <a:srgbClr val="70AD47"/>
+        <a:srgbClr val="F19D19"/>
       </a:accent6>
       <a:hlink>
         <a:srgbClr val="0563C1"/>
@@ -7996,7 +9278,7 @@
   <a:extraClrSchemeLst/>
   <a:extLst>
     <a:ext uri="{05A4C25C-085E-4340-85A3-A5531E510DB2}">
-      <thm15:themeFamily xmlns:thm15="http://schemas.microsoft.com/office/thememl/2012/main" name="Office Theme" id="{62F939B6-93AF-4DB8-9C6B-D6C7DFDC589F}" vid="{4A3C46E8-61CC-4603-A589-7422A47A8E4A}"/>
+      <thm15:themeFamily xmlns:thm15="http://schemas.microsoft.com/office/thememl/2012/main" name="Office Theme" id="{62F939B6-93AF-4DB8-9C6B-D6C7DFDC589F}" vid="{AE6F2518-B084-4896-AF52-66CC2144AA26}"/>
     </a:ext>
   </a:extLst>
 </a:theme>
